--- a/slides/Unit7_Arithmetic Operations.pptx
+++ b/slides/Unit7_Arithmetic Operations.pptx
@@ -5,10 +5,10 @@
     <p:sldMasterId id="2147485087" r:id="rId1"/>
   </p:sldMasterIdLst>
   <p:notesMasterIdLst>
-    <p:notesMasterId r:id="rId9"/>
+    <p:notesMasterId r:id="rId15"/>
   </p:notesMasterIdLst>
   <p:handoutMasterIdLst>
-    <p:handoutMasterId r:id="rId10"/>
+    <p:handoutMasterId r:id="rId16"/>
   </p:handoutMasterIdLst>
   <p:sldIdLst>
     <p:sldId id="256" r:id="rId2"/>
@@ -17,7 +17,13 @@
     <p:sldId id="555" r:id="rId5"/>
     <p:sldId id="551" r:id="rId6"/>
     <p:sldId id="485" r:id="rId7"/>
-    <p:sldId id="553" r:id="rId8"/>
+    <p:sldId id="557" r:id="rId8"/>
+    <p:sldId id="524" r:id="rId9"/>
+    <p:sldId id="556" r:id="rId10"/>
+    <p:sldId id="558" r:id="rId11"/>
+    <p:sldId id="559" r:id="rId12"/>
+    <p:sldId id="553" r:id="rId13"/>
+    <p:sldId id="526" r:id="rId14"/>
   </p:sldIdLst>
   <p:sldSz cx="9144000" cy="6858000" type="screen4x3"/>
   <p:notesSz cx="7010400" cy="9296400"/>
@@ -182,9 +188,7 @@
 <file path=ppt/revisionInfo.xml><?xml version="1.0" encoding="utf-8"?>
 <p1510:revInfo xmlns:a="http://schemas.openxmlformats.org/drawingml/2006/main" xmlns:r="http://schemas.openxmlformats.org/officeDocument/2006/relationships" xmlns:p1510="http://schemas.microsoft.com/office/powerpoint/2015/10/main">
   <p1510:revLst>
-    <p1510:client id="{15604486-089B-436D-87FF-F28CD91D0208}" v="84" dt="2021-01-21T13:39:50.867"/>
-    <p1510:client id="{3342749F-A4A3-4CC6-8E89-A279285BF1FF}" v="286" dt="2021-01-21T12:52:54.143"/>
-    <p1510:client id="{65874B2F-8931-4F7F-92A6-4F5F857437F9}" v="897" dt="2021-01-21T14:36:43.507"/>
+    <p1510:client id="{65874B2F-8931-4F7F-92A6-4F5F857437F9}" v="2309" dt="2021-01-25T05:02:26.434"/>
   </p1510:revLst>
 </p1510:revInfo>
 </file>
@@ -1599,6 +1603,251 @@
     </pc:docChg>
   </pc:docChgLst>
   <pc:docChgLst>
+    <pc:chgData name="Zhao Jin" userId="cd05a825-544c-438a-9ba1-08e63db50b47" providerId="ADAL" clId="{8A30793C-616C-3E42-B8AD-D2FC5E38AC62}"/>
+    <pc:docChg chg="undo custSel modSld">
+      <pc:chgData name="Zhao Jin" userId="cd05a825-544c-438a-9ba1-08e63db50b47" providerId="ADAL" clId="{8A30793C-616C-3E42-B8AD-D2FC5E38AC62}" dt="2021-01-25T02:23:09.391" v="728" actId="207"/>
+      <pc:docMkLst>
+        <pc:docMk/>
+      </pc:docMkLst>
+      <pc:sldChg chg="modSp modAnim">
+        <pc:chgData name="Zhao Jin" userId="cd05a825-544c-438a-9ba1-08e63db50b47" providerId="ADAL" clId="{8A30793C-616C-3E42-B8AD-D2FC5E38AC62}" dt="2021-01-25T02:23:09.391" v="728" actId="207"/>
+        <pc:sldMkLst>
+          <pc:docMk/>
+          <pc:sldMk cId="1311126165" sldId="485"/>
+        </pc:sldMkLst>
+        <pc:spChg chg="mod">
+          <ac:chgData name="Zhao Jin" userId="cd05a825-544c-438a-9ba1-08e63db50b47" providerId="ADAL" clId="{8A30793C-616C-3E42-B8AD-D2FC5E38AC62}" dt="2021-01-25T02:22:30.544" v="722" actId="1076"/>
+          <ac:spMkLst>
+            <pc:docMk/>
+            <pc:sldMk cId="1311126165" sldId="485"/>
+            <ac:spMk id="4" creationId="{00000000-0000-0000-0000-000000000000}"/>
+          </ac:spMkLst>
+        </pc:spChg>
+        <pc:spChg chg="mod">
+          <ac:chgData name="Zhao Jin" userId="cd05a825-544c-438a-9ba1-08e63db50b47" providerId="ADAL" clId="{8A30793C-616C-3E42-B8AD-D2FC5E38AC62}" dt="2021-01-25T02:23:01.181" v="724" actId="207"/>
+          <ac:spMkLst>
+            <pc:docMk/>
+            <pc:sldMk cId="1311126165" sldId="485"/>
+            <ac:spMk id="7" creationId="{00000000-0000-0000-0000-000000000000}"/>
+          </ac:spMkLst>
+        </pc:spChg>
+        <pc:spChg chg="mod">
+          <ac:chgData name="Zhao Jin" userId="cd05a825-544c-438a-9ba1-08e63db50b47" providerId="ADAL" clId="{8A30793C-616C-3E42-B8AD-D2FC5E38AC62}" dt="2021-01-25T02:23:03.365" v="727" actId="20577"/>
+          <ac:spMkLst>
+            <pc:docMk/>
+            <pc:sldMk cId="1311126165" sldId="485"/>
+            <ac:spMk id="8" creationId="{00000000-0000-0000-0000-000000000000}"/>
+          </ac:spMkLst>
+        </pc:spChg>
+        <pc:spChg chg="mod">
+          <ac:chgData name="Zhao Jin" userId="cd05a825-544c-438a-9ba1-08e63db50b47" providerId="ADAL" clId="{8A30793C-616C-3E42-B8AD-D2FC5E38AC62}" dt="2021-01-25T02:23:09.391" v="728" actId="207"/>
+          <ac:spMkLst>
+            <pc:docMk/>
+            <pc:sldMk cId="1311126165" sldId="485"/>
+            <ac:spMk id="27" creationId="{B2ED752D-194B-43FD-B744-0163878ED425}"/>
+          </ac:spMkLst>
+        </pc:spChg>
+      </pc:sldChg>
+      <pc:sldChg chg="addSp delSp modSp modAnim">
+        <pc:chgData name="Zhao Jin" userId="cd05a825-544c-438a-9ba1-08e63db50b47" providerId="ADAL" clId="{8A30793C-616C-3E42-B8AD-D2FC5E38AC62}" dt="2021-01-25T02:19:50.177" v="544" actId="20577"/>
+        <pc:sldMkLst>
+          <pc:docMk/>
+          <pc:sldMk cId="3732991085" sldId="524"/>
+        </pc:sldMkLst>
+        <pc:spChg chg="mod">
+          <ac:chgData name="Zhao Jin" userId="cd05a825-544c-438a-9ba1-08e63db50b47" providerId="ADAL" clId="{8A30793C-616C-3E42-B8AD-D2FC5E38AC62}" dt="2021-01-25T02:18:47.114" v="534" actId="207"/>
+          <ac:spMkLst>
+            <pc:docMk/>
+            <pc:sldMk cId="3732991085" sldId="524"/>
+            <ac:spMk id="8" creationId="{00000000-0000-0000-0000-000000000000}"/>
+          </ac:spMkLst>
+        </pc:spChg>
+        <pc:spChg chg="add del mod">
+          <ac:chgData name="Zhao Jin" userId="cd05a825-544c-438a-9ba1-08e63db50b47" providerId="ADAL" clId="{8A30793C-616C-3E42-B8AD-D2FC5E38AC62}" dt="2021-01-25T02:13:23.717" v="373"/>
+          <ac:spMkLst>
+            <pc:docMk/>
+            <pc:sldMk cId="3732991085" sldId="524"/>
+            <ac:spMk id="10" creationId="{6526FBA9-AD51-3440-BBDE-BBAA9EE8CB7B}"/>
+          </ac:spMkLst>
+        </pc:spChg>
+        <pc:spChg chg="mod">
+          <ac:chgData name="Zhao Jin" userId="cd05a825-544c-438a-9ba1-08e63db50b47" providerId="ADAL" clId="{8A30793C-616C-3E42-B8AD-D2FC5E38AC62}" dt="2021-01-25T02:13:32.593" v="403" actId="20577"/>
+          <ac:spMkLst>
+            <pc:docMk/>
+            <pc:sldMk cId="3732991085" sldId="524"/>
+            <ac:spMk id="15" creationId="{00000000-0000-0000-0000-000000000000}"/>
+          </ac:spMkLst>
+        </pc:spChg>
+        <pc:spChg chg="mod">
+          <ac:chgData name="Zhao Jin" userId="cd05a825-544c-438a-9ba1-08e63db50b47" providerId="ADAL" clId="{8A30793C-616C-3E42-B8AD-D2FC5E38AC62}" dt="2021-01-25T02:19:50.177" v="544" actId="20577"/>
+          <ac:spMkLst>
+            <pc:docMk/>
+            <pc:sldMk cId="3732991085" sldId="524"/>
+            <ac:spMk id="25602" creationId="{00000000-0000-0000-0000-000000000000}"/>
+          </ac:spMkLst>
+        </pc:spChg>
+      </pc:sldChg>
+      <pc:sldChg chg="modSp modAnim">
+        <pc:chgData name="Zhao Jin" userId="cd05a825-544c-438a-9ba1-08e63db50b47" providerId="ADAL" clId="{8A30793C-616C-3E42-B8AD-D2FC5E38AC62}" dt="2021-01-25T02:19:52.873" v="546" actId="20577"/>
+        <pc:sldMkLst>
+          <pc:docMk/>
+          <pc:sldMk cId="3932371780" sldId="556"/>
+        </pc:sldMkLst>
+        <pc:spChg chg="mod">
+          <ac:chgData name="Zhao Jin" userId="cd05a825-544c-438a-9ba1-08e63db50b47" providerId="ADAL" clId="{8A30793C-616C-3E42-B8AD-D2FC5E38AC62}" dt="2021-01-25T02:19:12.372" v="541" actId="20577"/>
+          <ac:spMkLst>
+            <pc:docMk/>
+            <pc:sldMk cId="3932371780" sldId="556"/>
+            <ac:spMk id="8" creationId="{00000000-0000-0000-0000-000000000000}"/>
+          </ac:spMkLst>
+        </pc:spChg>
+        <pc:spChg chg="mod">
+          <ac:chgData name="Zhao Jin" userId="cd05a825-544c-438a-9ba1-08e63db50b47" providerId="ADAL" clId="{8A30793C-616C-3E42-B8AD-D2FC5E38AC62}" dt="2021-01-25T02:19:52.873" v="546" actId="20577"/>
+          <ac:spMkLst>
+            <pc:docMk/>
+            <pc:sldMk cId="3932371780" sldId="556"/>
+            <ac:spMk id="25602" creationId="{00000000-0000-0000-0000-000000000000}"/>
+          </ac:spMkLst>
+        </pc:spChg>
+      </pc:sldChg>
+      <pc:sldChg chg="addSp delSp modSp addAnim delAnim modAnim">
+        <pc:chgData name="Zhao Jin" userId="cd05a825-544c-438a-9ba1-08e63db50b47" providerId="ADAL" clId="{8A30793C-616C-3E42-B8AD-D2FC5E38AC62}" dt="2021-01-25T02:14:13.366" v="431" actId="1038"/>
+        <pc:sldMkLst>
+          <pc:docMk/>
+          <pc:sldMk cId="2168550578" sldId="557"/>
+        </pc:sldMkLst>
+        <pc:spChg chg="add mod">
+          <ac:chgData name="Zhao Jin" userId="cd05a825-544c-438a-9ba1-08e63db50b47" providerId="ADAL" clId="{8A30793C-616C-3E42-B8AD-D2FC5E38AC62}" dt="2021-01-25T02:14:13.366" v="431" actId="1038"/>
+          <ac:spMkLst>
+            <pc:docMk/>
+            <pc:sldMk cId="2168550578" sldId="557"/>
+            <ac:spMk id="2" creationId="{38D54104-6D84-CA47-9A43-320A15451684}"/>
+          </ac:spMkLst>
+        </pc:spChg>
+        <pc:spChg chg="add del mod">
+          <ac:chgData name="Zhao Jin" userId="cd05a825-544c-438a-9ba1-08e63db50b47" providerId="ADAL" clId="{8A30793C-616C-3E42-B8AD-D2FC5E38AC62}" dt="2021-01-25T02:10:24.823" v="282" actId="478"/>
+          <ac:spMkLst>
+            <pc:docMk/>
+            <pc:sldMk cId="2168550578" sldId="557"/>
+            <ac:spMk id="12" creationId="{EAE9EECF-1FA1-0B4F-BCE7-17283CA7AE85}"/>
+          </ac:spMkLst>
+        </pc:spChg>
+        <pc:spChg chg="mod">
+          <ac:chgData name="Zhao Jin" userId="cd05a825-544c-438a-9ba1-08e63db50b47" providerId="ADAL" clId="{8A30793C-616C-3E42-B8AD-D2FC5E38AC62}" dt="2021-01-25T02:13:54.038" v="419" actId="207"/>
+          <ac:spMkLst>
+            <pc:docMk/>
+            <pc:sldMk cId="2168550578" sldId="557"/>
+            <ac:spMk id="13" creationId="{CBFE53A2-62B2-4E30-A043-46DC1C0E7340}"/>
+          </ac:spMkLst>
+        </pc:spChg>
+        <pc:spChg chg="del mod">
+          <ac:chgData name="Zhao Jin" userId="cd05a825-544c-438a-9ba1-08e63db50b47" providerId="ADAL" clId="{8A30793C-616C-3E42-B8AD-D2FC5E38AC62}" dt="2021-01-25T02:09:25.102" v="188" actId="478"/>
+          <ac:spMkLst>
+            <pc:docMk/>
+            <pc:sldMk cId="2168550578" sldId="557"/>
+            <ac:spMk id="15" creationId="{A3AFB2A6-0A2A-4AA3-ACBE-79D4558D8C82}"/>
+          </ac:spMkLst>
+        </pc:spChg>
+        <pc:spChg chg="add del mod">
+          <ac:chgData name="Zhao Jin" userId="cd05a825-544c-438a-9ba1-08e63db50b47" providerId="ADAL" clId="{8A30793C-616C-3E42-B8AD-D2FC5E38AC62}" dt="2021-01-25T02:10:22.481" v="281" actId="478"/>
+          <ac:spMkLst>
+            <pc:docMk/>
+            <pc:sldMk cId="2168550578" sldId="557"/>
+            <ac:spMk id="16" creationId="{3F83D727-7AD0-E14E-8881-2044AB616448}"/>
+          </ac:spMkLst>
+        </pc:spChg>
+        <pc:spChg chg="del mod">
+          <ac:chgData name="Zhao Jin" userId="cd05a825-544c-438a-9ba1-08e63db50b47" providerId="ADAL" clId="{8A30793C-616C-3E42-B8AD-D2FC5E38AC62}" dt="2021-01-25T02:09:25.102" v="188" actId="478"/>
+          <ac:spMkLst>
+            <pc:docMk/>
+            <pc:sldMk cId="2168550578" sldId="557"/>
+            <ac:spMk id="17" creationId="{0EC16C2E-CC66-4E8B-9C01-7D383CE08206}"/>
+          </ac:spMkLst>
+        </pc:spChg>
+        <pc:spChg chg="del mod">
+          <ac:chgData name="Zhao Jin" userId="cd05a825-544c-438a-9ba1-08e63db50b47" providerId="ADAL" clId="{8A30793C-616C-3E42-B8AD-D2FC5E38AC62}" dt="2021-01-25T02:09:25.102" v="188" actId="478"/>
+          <ac:spMkLst>
+            <pc:docMk/>
+            <pc:sldMk cId="2168550578" sldId="557"/>
+            <ac:spMk id="18" creationId="{B863D0AA-F013-40CB-8767-1363BA444126}"/>
+          </ac:spMkLst>
+        </pc:spChg>
+        <pc:spChg chg="del mod">
+          <ac:chgData name="Zhao Jin" userId="cd05a825-544c-438a-9ba1-08e63db50b47" providerId="ADAL" clId="{8A30793C-616C-3E42-B8AD-D2FC5E38AC62}" dt="2021-01-25T02:09:25.102" v="188" actId="478"/>
+          <ac:spMkLst>
+            <pc:docMk/>
+            <pc:sldMk cId="2168550578" sldId="557"/>
+            <ac:spMk id="19" creationId="{F4017E6F-8E42-4C2D-8F5E-E036D519A7B4}"/>
+          </ac:spMkLst>
+        </pc:spChg>
+        <pc:spChg chg="add del mod">
+          <ac:chgData name="Zhao Jin" userId="cd05a825-544c-438a-9ba1-08e63db50b47" providerId="ADAL" clId="{8A30793C-616C-3E42-B8AD-D2FC5E38AC62}" dt="2021-01-25T02:10:24.823" v="282" actId="478"/>
+          <ac:spMkLst>
+            <pc:docMk/>
+            <pc:sldMk cId="2168550578" sldId="557"/>
+            <ac:spMk id="20" creationId="{16662E9F-10C5-764D-9E49-BE9E090EA21C}"/>
+          </ac:spMkLst>
+        </pc:spChg>
+        <pc:spChg chg="add del mod">
+          <ac:chgData name="Zhao Jin" userId="cd05a825-544c-438a-9ba1-08e63db50b47" providerId="ADAL" clId="{8A30793C-616C-3E42-B8AD-D2FC5E38AC62}" dt="2021-01-25T02:11:32.428" v="348"/>
+          <ac:spMkLst>
+            <pc:docMk/>
+            <pc:sldMk cId="2168550578" sldId="557"/>
+            <ac:spMk id="21" creationId="{84F88AA6-3039-704A-969A-721DA7F9756B}"/>
+          </ac:spMkLst>
+        </pc:spChg>
+        <pc:spChg chg="add mod">
+          <ac:chgData name="Zhao Jin" userId="cd05a825-544c-438a-9ba1-08e63db50b47" providerId="ADAL" clId="{8A30793C-616C-3E42-B8AD-D2FC5E38AC62}" dt="2021-01-25T02:14:11.784" v="429" actId="1038"/>
+          <ac:spMkLst>
+            <pc:docMk/>
+            <pc:sldMk cId="2168550578" sldId="557"/>
+            <ac:spMk id="22" creationId="{B5072A15-8CE2-3F4B-A058-28D7F8BB7581}"/>
+          </ac:spMkLst>
+        </pc:spChg>
+        <pc:spChg chg="add mod">
+          <ac:chgData name="Zhao Jin" userId="cd05a825-544c-438a-9ba1-08e63db50b47" providerId="ADAL" clId="{8A30793C-616C-3E42-B8AD-D2FC5E38AC62}" dt="2021-01-25T02:14:10.118" v="427" actId="1038"/>
+          <ac:spMkLst>
+            <pc:docMk/>
+            <pc:sldMk cId="2168550578" sldId="557"/>
+            <ac:spMk id="23" creationId="{2CDB6F36-6000-1841-B92B-245E66B5B334}"/>
+          </ac:spMkLst>
+        </pc:spChg>
+        <pc:spChg chg="mod">
+          <ac:chgData name="Zhao Jin" userId="cd05a825-544c-438a-9ba1-08e63db50b47" providerId="ADAL" clId="{8A30793C-616C-3E42-B8AD-D2FC5E38AC62}" dt="2021-01-25T02:10:46.514" v="331" actId="1036"/>
+          <ac:spMkLst>
+            <pc:docMk/>
+            <pc:sldMk cId="2168550578" sldId="557"/>
+            <ac:spMk id="24" creationId="{3814F451-3F52-414E-B5D5-B9A07F5BDFB0}"/>
+          </ac:spMkLst>
+        </pc:spChg>
+        <pc:spChg chg="mod">
+          <ac:chgData name="Zhao Jin" userId="cd05a825-544c-438a-9ba1-08e63db50b47" providerId="ADAL" clId="{8A30793C-616C-3E42-B8AD-D2FC5E38AC62}" dt="2021-01-25T02:09:45.413" v="237" actId="20577"/>
+          <ac:spMkLst>
+            <pc:docMk/>
+            <pc:sldMk cId="2168550578" sldId="557"/>
+            <ac:spMk id="25" creationId="{FA325F14-DE33-4EB6-A0A8-20BCEC6C6AAF}"/>
+          </ac:spMkLst>
+        </pc:spChg>
+        <pc:spChg chg="add mod">
+          <ac:chgData name="Zhao Jin" userId="cd05a825-544c-438a-9ba1-08e63db50b47" providerId="ADAL" clId="{8A30793C-616C-3E42-B8AD-D2FC5E38AC62}" dt="2021-01-25T02:11:52.297" v="364" actId="1076"/>
+          <ac:spMkLst>
+            <pc:docMk/>
+            <pc:sldMk cId="2168550578" sldId="557"/>
+            <ac:spMk id="26" creationId="{83DF59FB-C736-634C-9A74-61206537936E}"/>
+          </ac:spMkLst>
+        </pc:spChg>
+        <pc:spChg chg="mod">
+          <ac:chgData name="Zhao Jin" userId="cd05a825-544c-438a-9ba1-08e63db50b47" providerId="ADAL" clId="{8A30793C-616C-3E42-B8AD-D2FC5E38AC62}" dt="2021-01-25T02:13:57.406" v="423" actId="20577"/>
+          <ac:spMkLst>
+            <pc:docMk/>
+            <pc:sldMk cId="2168550578" sldId="557"/>
+            <ac:spMk id="25602" creationId="{00000000-0000-0000-0000-000000000000}"/>
+          </ac:spMkLst>
+        </pc:spChg>
+      </pc:sldChg>
+    </pc:docChg>
+  </pc:docChgLst>
+  <pc:docChgLst>
     <pc:chgData name="Zhao Jin" userId="S::dcszjin@nus.edu.sg::cd05a825-544c-438a-9ba1-08e63db50b47" providerId="AD" clId="Web-{66D5AB6E-AF24-491D-9529-2DDB49AD3149}"/>
     <pc:docChg chg="modSld">
       <pc:chgData name="Zhao Jin" userId="S::dcszjin@nus.edu.sg::cd05a825-544c-438a-9ba1-08e63db50b47" providerId="AD" clId="Web-{66D5AB6E-AF24-491D-9529-2DDB49AD3149}" dt="2021-01-20T08:43:03.224" v="8" actId="14100"/>
@@ -1632,8 +1881,8 @@
   </pc:docChgLst>
   <pc:docChgLst>
     <pc:chgData name="Zhao Jin" userId="cd05a825-544c-438a-9ba1-08e63db50b47" providerId="ADAL" clId="{65874B2F-8931-4F7F-92A6-4F5F857437F9}"/>
-    <pc:docChg chg="undo custSel addSld delSld modSld modMainMaster">
-      <pc:chgData name="Zhao Jin" userId="cd05a825-544c-438a-9ba1-08e63db50b47" providerId="ADAL" clId="{65874B2F-8931-4F7F-92A6-4F5F857437F9}" dt="2021-01-21T14:36:43.507" v="2971" actId="20577"/>
+    <pc:docChg chg="undo custSel addSld delSld modSld sldOrd modMainMaster">
+      <pc:chgData name="Zhao Jin" userId="cd05a825-544c-438a-9ba1-08e63db50b47" providerId="ADAL" clId="{65874B2F-8931-4F7F-92A6-4F5F857437F9}" dt="2021-01-25T05:02:26.434" v="4539" actId="20577"/>
       <pc:docMkLst>
         <pc:docMk/>
       </pc:docMkLst>
@@ -1700,7 +1949,7 @@
         </pc:spChg>
       </pc:sldChg>
       <pc:sldChg chg="addSp delSp modSp add del mod addAnim delAnim modAnim">
-        <pc:chgData name="Zhao Jin" userId="cd05a825-544c-438a-9ba1-08e63db50b47" providerId="ADAL" clId="{65874B2F-8931-4F7F-92A6-4F5F857437F9}" dt="2021-01-21T14:36:43.507" v="2971" actId="20577"/>
+        <pc:chgData name="Zhao Jin" userId="cd05a825-544c-438a-9ba1-08e63db50b47" providerId="ADAL" clId="{65874B2F-8931-4F7F-92A6-4F5F857437F9}" dt="2021-01-25T01:34:14.796" v="4011"/>
         <pc:sldMkLst>
           <pc:docMk/>
           <pc:sldMk cId="1311126165" sldId="485"/>
@@ -1722,7 +1971,7 @@
           </ac:spMkLst>
         </pc:spChg>
         <pc:spChg chg="add del mod">
-          <ac:chgData name="Zhao Jin" userId="cd05a825-544c-438a-9ba1-08e63db50b47" providerId="ADAL" clId="{65874B2F-8931-4F7F-92A6-4F5F857437F9}" dt="2021-01-21T14:36:43.476" v="2970" actId="1036"/>
+          <ac:chgData name="Zhao Jin" userId="cd05a825-544c-438a-9ba1-08e63db50b47" providerId="ADAL" clId="{65874B2F-8931-4F7F-92A6-4F5F857437F9}" dt="2021-01-25T01:17:54.185" v="3058" actId="14100"/>
           <ac:spMkLst>
             <pc:docMk/>
             <pc:sldMk cId="1311126165" sldId="485"/>
@@ -1751,6 +2000,14 @@
             <pc:docMk/>
             <pc:sldMk cId="1311126165" sldId="485"/>
             <ac:spMk id="11" creationId="{00000000-0000-0000-0000-000000000000}"/>
+          </ac:spMkLst>
+        </pc:spChg>
+        <pc:spChg chg="add del mod">
+          <ac:chgData name="Zhao Jin" userId="cd05a825-544c-438a-9ba1-08e63db50b47" providerId="ADAL" clId="{65874B2F-8931-4F7F-92A6-4F5F857437F9}" dt="2021-01-25T01:34:14.796" v="4011"/>
+          <ac:spMkLst>
+            <pc:docMk/>
+            <pc:sldMk cId="1311126165" sldId="485"/>
+            <ac:spMk id="11" creationId="{0F1ACB47-0E93-427A-824E-8CA9E241D83D}"/>
           </ac:spMkLst>
         </pc:spChg>
         <pc:spChg chg="add del mod">
@@ -1897,6 +2154,115 @@
             <ac:grpSpMk id="24" creationId="{B46F26CD-C31A-47DD-A2F9-A593DD08DB35}"/>
           </ac:grpSpMkLst>
         </pc:grpChg>
+      </pc:sldChg>
+      <pc:sldChg chg="delSp modSp add mod ord modAnim">
+        <pc:chgData name="Zhao Jin" userId="cd05a825-544c-438a-9ba1-08e63db50b47" providerId="ADAL" clId="{65874B2F-8931-4F7F-92A6-4F5F857437F9}" dt="2021-01-25T01:25:25.801" v="3922" actId="207"/>
+        <pc:sldMkLst>
+          <pc:docMk/>
+          <pc:sldMk cId="3732991085" sldId="524"/>
+        </pc:sldMkLst>
+        <pc:spChg chg="mod">
+          <ac:chgData name="Zhao Jin" userId="cd05a825-544c-438a-9ba1-08e63db50b47" providerId="ADAL" clId="{65874B2F-8931-4F7F-92A6-4F5F857437F9}" dt="2021-01-25T01:25:25.801" v="3922" actId="207"/>
+          <ac:spMkLst>
+            <pc:docMk/>
+            <pc:sldMk cId="3732991085" sldId="524"/>
+            <ac:spMk id="8" creationId="{00000000-0000-0000-0000-000000000000}"/>
+          </ac:spMkLst>
+        </pc:spChg>
+        <pc:spChg chg="mod">
+          <ac:chgData name="Zhao Jin" userId="cd05a825-544c-438a-9ba1-08e63db50b47" providerId="ADAL" clId="{65874B2F-8931-4F7F-92A6-4F5F857437F9}" dt="2021-01-25T01:16:15.385" v="2974"/>
+          <ac:spMkLst>
+            <pc:docMk/>
+            <pc:sldMk cId="3732991085" sldId="524"/>
+            <ac:spMk id="9" creationId="{00000000-0000-0000-0000-000000000000}"/>
+          </ac:spMkLst>
+        </pc:spChg>
+        <pc:spChg chg="mod">
+          <ac:chgData name="Zhao Jin" userId="cd05a825-544c-438a-9ba1-08e63db50b47" providerId="ADAL" clId="{65874B2F-8931-4F7F-92A6-4F5F857437F9}" dt="2021-01-25T01:21:51.966" v="3315" actId="1076"/>
+          <ac:spMkLst>
+            <pc:docMk/>
+            <pc:sldMk cId="3732991085" sldId="524"/>
+            <ac:spMk id="11" creationId="{00000000-0000-0000-0000-000000000000}"/>
+          </ac:spMkLst>
+        </pc:spChg>
+        <pc:spChg chg="mod">
+          <ac:chgData name="Zhao Jin" userId="cd05a825-544c-438a-9ba1-08e63db50b47" providerId="ADAL" clId="{65874B2F-8931-4F7F-92A6-4F5F857437F9}" dt="2021-01-25T01:21:55.564" v="3318" actId="20577"/>
+          <ac:spMkLst>
+            <pc:docMk/>
+            <pc:sldMk cId="3732991085" sldId="524"/>
+            <ac:spMk id="25602" creationId="{00000000-0000-0000-0000-000000000000}"/>
+          </ac:spMkLst>
+        </pc:spChg>
+        <pc:spChg chg="del">
+          <ac:chgData name="Zhao Jin" userId="cd05a825-544c-438a-9ba1-08e63db50b47" providerId="ADAL" clId="{65874B2F-8931-4F7F-92A6-4F5F857437F9}" dt="2021-01-25T01:16:12.363" v="2973" actId="478"/>
+          <ac:spMkLst>
+            <pc:docMk/>
+            <pc:sldMk cId="3732991085" sldId="524"/>
+            <ac:spMk id="25604" creationId="{00000000-0000-0000-0000-000000000000}"/>
+          </ac:spMkLst>
+        </pc:spChg>
+      </pc:sldChg>
+      <pc:sldChg chg="delSp modSp add del mod">
+        <pc:chgData name="Zhao Jin" userId="cd05a825-544c-438a-9ba1-08e63db50b47" providerId="ADAL" clId="{65874B2F-8931-4F7F-92A6-4F5F857437F9}" dt="2021-01-25T01:17:12.074" v="3056" actId="47"/>
+        <pc:sldMkLst>
+          <pc:docMk/>
+          <pc:sldMk cId="2847348577" sldId="525"/>
+        </pc:sldMkLst>
+        <pc:spChg chg="mod">
+          <ac:chgData name="Zhao Jin" userId="cd05a825-544c-438a-9ba1-08e63db50b47" providerId="ADAL" clId="{65874B2F-8931-4F7F-92A6-4F5F857437F9}" dt="2021-01-25T01:16:18.372" v="2975"/>
+          <ac:spMkLst>
+            <pc:docMk/>
+            <pc:sldMk cId="2847348577" sldId="525"/>
+            <ac:spMk id="9" creationId="{00000000-0000-0000-0000-000000000000}"/>
+          </ac:spMkLst>
+        </pc:spChg>
+        <pc:spChg chg="mod">
+          <ac:chgData name="Zhao Jin" userId="cd05a825-544c-438a-9ba1-08e63db50b47" providerId="ADAL" clId="{65874B2F-8931-4F7F-92A6-4F5F857437F9}" dt="2021-01-25T01:16:33.536" v="2982" actId="20577"/>
+          <ac:spMkLst>
+            <pc:docMk/>
+            <pc:sldMk cId="2847348577" sldId="525"/>
+            <ac:spMk id="25602" creationId="{00000000-0000-0000-0000-000000000000}"/>
+          </ac:spMkLst>
+        </pc:spChg>
+        <pc:spChg chg="del">
+          <ac:chgData name="Zhao Jin" userId="cd05a825-544c-438a-9ba1-08e63db50b47" providerId="ADAL" clId="{65874B2F-8931-4F7F-92A6-4F5F857437F9}" dt="2021-01-25T01:16:20.512" v="2976" actId="478"/>
+          <ac:spMkLst>
+            <pc:docMk/>
+            <pc:sldMk cId="2847348577" sldId="525"/>
+            <ac:spMk id="25604" creationId="{00000000-0000-0000-0000-000000000000}"/>
+          </ac:spMkLst>
+        </pc:spChg>
+      </pc:sldChg>
+      <pc:sldChg chg="delSp modSp add mod">
+        <pc:chgData name="Zhao Jin" userId="cd05a825-544c-438a-9ba1-08e63db50b47" providerId="ADAL" clId="{65874B2F-8931-4F7F-92A6-4F5F857437F9}" dt="2021-01-25T01:32:26.965" v="3989" actId="20577"/>
+        <pc:sldMkLst>
+          <pc:docMk/>
+          <pc:sldMk cId="1067695719" sldId="526"/>
+        </pc:sldMkLst>
+        <pc:spChg chg="mod">
+          <ac:chgData name="Zhao Jin" userId="cd05a825-544c-438a-9ba1-08e63db50b47" providerId="ADAL" clId="{65874B2F-8931-4F7F-92A6-4F5F857437F9}" dt="2021-01-25T01:31:06.099" v="3979" actId="6549"/>
+          <ac:spMkLst>
+            <pc:docMk/>
+            <pc:sldMk cId="1067695719" sldId="526"/>
+            <ac:spMk id="13" creationId="{00000000-0000-0000-0000-000000000000}"/>
+          </ac:spMkLst>
+        </pc:spChg>
+        <pc:spChg chg="mod">
+          <ac:chgData name="Zhao Jin" userId="cd05a825-544c-438a-9ba1-08e63db50b47" providerId="ADAL" clId="{65874B2F-8931-4F7F-92A6-4F5F857437F9}" dt="2021-01-25T01:32:26.965" v="3989" actId="20577"/>
+          <ac:spMkLst>
+            <pc:docMk/>
+            <pc:sldMk cId="1067695719" sldId="526"/>
+            <ac:spMk id="43" creationId="{00000000-0000-0000-0000-000000000000}"/>
+          </ac:spMkLst>
+        </pc:spChg>
+        <pc:spChg chg="del">
+          <ac:chgData name="Zhao Jin" userId="cd05a825-544c-438a-9ba1-08e63db50b47" providerId="ADAL" clId="{65874B2F-8931-4F7F-92A6-4F5F857437F9}" dt="2021-01-25T01:32:24.901" v="3987" actId="478"/>
+          <ac:spMkLst>
+            <pc:docMk/>
+            <pc:sldMk cId="1067695719" sldId="526"/>
+            <ac:spMk id="24582" creationId="{00000000-0000-0000-0000-000000000000}"/>
+          </ac:spMkLst>
+        </pc:spChg>
       </pc:sldChg>
       <pc:sldChg chg="modSp add del mod">
         <pc:chgData name="Zhao Jin" userId="cd05a825-544c-438a-9ba1-08e63db50b47" providerId="ADAL" clId="{65874B2F-8931-4F7F-92A6-4F5F857437F9}" dt="2021-01-21T13:57:07.298" v="536" actId="47"/>
@@ -2040,7 +2406,7 @@
         </pc:spChg>
       </pc:sldChg>
       <pc:sldChg chg="addSp delSp modSp mod modAnim">
-        <pc:chgData name="Zhao Jin" userId="cd05a825-544c-438a-9ba1-08e63db50b47" providerId="ADAL" clId="{65874B2F-8931-4F7F-92A6-4F5F857437F9}" dt="2021-01-21T14:33:12.487" v="2813" actId="478"/>
+        <pc:chgData name="Zhao Jin" userId="cd05a825-544c-438a-9ba1-08e63db50b47" providerId="ADAL" clId="{65874B2F-8931-4F7F-92A6-4F5F857437F9}" dt="2021-01-25T01:32:13.392" v="3986" actId="1037"/>
         <pc:sldMkLst>
           <pc:docMk/>
           <pc:sldMk cId="4067780456" sldId="553"/>
@@ -2053,12 +2419,52 @@
             <ac:spMk id="7" creationId="{6CEDB03E-9D64-4159-B715-8A7364DA86DA}"/>
           </ac:spMkLst>
         </pc:spChg>
+        <pc:spChg chg="add mod">
+          <ac:chgData name="Zhao Jin" userId="cd05a825-544c-438a-9ba1-08e63db50b47" providerId="ADAL" clId="{65874B2F-8931-4F7F-92A6-4F5F857437F9}" dt="2021-01-25T01:21:32.025" v="3311" actId="207"/>
+          <ac:spMkLst>
+            <pc:docMk/>
+            <pc:sldMk cId="4067780456" sldId="553"/>
+            <ac:spMk id="8" creationId="{D42FF041-4467-4623-9444-18376ADE5E33}"/>
+          </ac:spMkLst>
+        </pc:spChg>
+        <pc:spChg chg="add mod">
+          <ac:chgData name="Zhao Jin" userId="cd05a825-544c-438a-9ba1-08e63db50b47" providerId="ADAL" clId="{65874B2F-8931-4F7F-92A6-4F5F857437F9}" dt="2021-01-25T01:32:02.029" v="3983" actId="1037"/>
+          <ac:spMkLst>
+            <pc:docMk/>
+            <pc:sldMk cId="4067780456" sldId="553"/>
+            <ac:spMk id="9" creationId="{0CD01FD6-8926-4CF2-A39A-604D5EC763BB}"/>
+          </ac:spMkLst>
+        </pc:spChg>
         <pc:spChg chg="mod">
           <ac:chgData name="Zhao Jin" userId="cd05a825-544c-438a-9ba1-08e63db50b47" providerId="ADAL" clId="{65874B2F-8931-4F7F-92A6-4F5F857437F9}" dt="2021-01-21T13:49:41.048" v="426" actId="6549"/>
           <ac:spMkLst>
             <pc:docMk/>
             <pc:sldMk cId="4067780456" sldId="553"/>
             <ac:spMk id="10" creationId="{00000000-0000-0000-0000-000000000000}"/>
+          </ac:spMkLst>
+        </pc:spChg>
+        <pc:spChg chg="add mod">
+          <ac:chgData name="Zhao Jin" userId="cd05a825-544c-438a-9ba1-08e63db50b47" providerId="ADAL" clId="{65874B2F-8931-4F7F-92A6-4F5F857437F9}" dt="2021-01-25T01:32:13.392" v="3986" actId="1037"/>
+          <ac:spMkLst>
+            <pc:docMk/>
+            <pc:sldMk cId="4067780456" sldId="553"/>
+            <ac:spMk id="11" creationId="{373B5CC2-E0C3-4602-B391-29AF95E6E8EA}"/>
+          </ac:spMkLst>
+        </pc:spChg>
+        <pc:spChg chg="add mod">
+          <ac:chgData name="Zhao Jin" userId="cd05a825-544c-438a-9ba1-08e63db50b47" providerId="ADAL" clId="{65874B2F-8931-4F7F-92A6-4F5F857437F9}" dt="2021-01-25T01:20:57.631" v="3306" actId="1076"/>
+          <ac:spMkLst>
+            <pc:docMk/>
+            <pc:sldMk cId="4067780456" sldId="553"/>
+            <ac:spMk id="12" creationId="{368F4710-4221-421C-B481-672CC127B710}"/>
+          </ac:spMkLst>
+        </pc:spChg>
+        <pc:spChg chg="add mod">
+          <ac:chgData name="Zhao Jin" userId="cd05a825-544c-438a-9ba1-08e63db50b47" providerId="ADAL" clId="{65874B2F-8931-4F7F-92A6-4F5F857437F9}" dt="2021-01-25T01:21:17.074" v="3309" actId="1076"/>
+          <ac:spMkLst>
+            <pc:docMk/>
+            <pc:sldMk cId="4067780456" sldId="553"/>
+            <ac:spMk id="13" creationId="{D7C7AAAE-12E9-4C4F-A67F-4EEA919E57CA}"/>
           </ac:spMkLst>
         </pc:spChg>
         <pc:spChg chg="mod">
@@ -2367,6 +2773,287 @@
             <pc:docMk/>
             <pc:sldMk cId="3090192722" sldId="555"/>
             <ac:spMk id="24582" creationId="{00000000-0000-0000-0000-000000000000}"/>
+          </ac:spMkLst>
+        </pc:spChg>
+      </pc:sldChg>
+      <pc:sldChg chg="delSp modSp add mod delAnim modAnim">
+        <pc:chgData name="Zhao Jin" userId="cd05a825-544c-438a-9ba1-08e63db50b47" providerId="ADAL" clId="{65874B2F-8931-4F7F-92A6-4F5F857437F9}" dt="2021-01-25T05:01:55.212" v="4505" actId="6549"/>
+        <pc:sldMkLst>
+          <pc:docMk/>
+          <pc:sldMk cId="3932371780" sldId="556"/>
+        </pc:sldMkLst>
+        <pc:spChg chg="mod">
+          <ac:chgData name="Zhao Jin" userId="cd05a825-544c-438a-9ba1-08e63db50b47" providerId="ADAL" clId="{65874B2F-8931-4F7F-92A6-4F5F857437F9}" dt="2021-01-25T05:01:55.212" v="4505" actId="6549"/>
+          <ac:spMkLst>
+            <pc:docMk/>
+            <pc:sldMk cId="3932371780" sldId="556"/>
+            <ac:spMk id="8" creationId="{00000000-0000-0000-0000-000000000000}"/>
+          </ac:spMkLst>
+        </pc:spChg>
+        <pc:spChg chg="del">
+          <ac:chgData name="Zhao Jin" userId="cd05a825-544c-438a-9ba1-08e63db50b47" providerId="ADAL" clId="{65874B2F-8931-4F7F-92A6-4F5F857437F9}" dt="2021-01-25T01:22:00.247" v="3320" actId="478"/>
+          <ac:spMkLst>
+            <pc:docMk/>
+            <pc:sldMk cId="3932371780" sldId="556"/>
+            <ac:spMk id="11" creationId="{00000000-0000-0000-0000-000000000000}"/>
+          </ac:spMkLst>
+        </pc:spChg>
+      </pc:sldChg>
+      <pc:sldChg chg="addSp delSp modSp add mod addAnim delAnim modAnim">
+        <pc:chgData name="Zhao Jin" userId="cd05a825-544c-438a-9ba1-08e63db50b47" providerId="ADAL" clId="{65874B2F-8931-4F7F-92A6-4F5F857437F9}" dt="2021-01-25T01:34:51.611" v="4037" actId="20577"/>
+        <pc:sldMkLst>
+          <pc:docMk/>
+          <pc:sldMk cId="2168550578" sldId="557"/>
+        </pc:sldMkLst>
+        <pc:spChg chg="add del mod">
+          <ac:chgData name="Zhao Jin" userId="cd05a825-544c-438a-9ba1-08e63db50b47" providerId="ADAL" clId="{65874B2F-8931-4F7F-92A6-4F5F857437F9}" dt="2021-01-25T01:33:38.900" v="4002" actId="478"/>
+          <ac:spMkLst>
+            <pc:docMk/>
+            <pc:sldMk cId="2168550578" sldId="557"/>
+            <ac:spMk id="3" creationId="{F7403ED0-39BD-4681-B787-B9DC9367CBF8}"/>
+          </ac:spMkLst>
+        </pc:spChg>
+        <pc:spChg chg="del">
+          <ac:chgData name="Zhao Jin" userId="cd05a825-544c-438a-9ba1-08e63db50b47" providerId="ADAL" clId="{65874B2F-8931-4F7F-92A6-4F5F857437F9}" dt="2021-01-25T01:33:36.689" v="4001" actId="478"/>
+          <ac:spMkLst>
+            <pc:docMk/>
+            <pc:sldMk cId="2168550578" sldId="557"/>
+            <ac:spMk id="4" creationId="{00000000-0000-0000-0000-000000000000}"/>
+          </ac:spMkLst>
+        </pc:spChg>
+        <pc:spChg chg="del">
+          <ac:chgData name="Zhao Jin" userId="cd05a825-544c-438a-9ba1-08e63db50b47" providerId="ADAL" clId="{65874B2F-8931-4F7F-92A6-4F5F857437F9}" dt="2021-01-25T01:33:36.689" v="4001" actId="478"/>
+          <ac:spMkLst>
+            <pc:docMk/>
+            <pc:sldMk cId="2168550578" sldId="557"/>
+            <ac:spMk id="7" creationId="{00000000-0000-0000-0000-000000000000}"/>
+          </ac:spMkLst>
+        </pc:spChg>
+        <pc:spChg chg="del">
+          <ac:chgData name="Zhao Jin" userId="cd05a825-544c-438a-9ba1-08e63db50b47" providerId="ADAL" clId="{65874B2F-8931-4F7F-92A6-4F5F857437F9}" dt="2021-01-25T01:33:36.689" v="4001" actId="478"/>
+          <ac:spMkLst>
+            <pc:docMk/>
+            <pc:sldMk cId="2168550578" sldId="557"/>
+            <ac:spMk id="8" creationId="{00000000-0000-0000-0000-000000000000}"/>
+          </ac:spMkLst>
+        </pc:spChg>
+        <pc:spChg chg="add mod">
+          <ac:chgData name="Zhao Jin" userId="cd05a825-544c-438a-9ba1-08e63db50b47" providerId="ADAL" clId="{65874B2F-8931-4F7F-92A6-4F5F857437F9}" dt="2021-01-25T01:34:33.159" v="4024" actId="20577"/>
+          <ac:spMkLst>
+            <pc:docMk/>
+            <pc:sldMk cId="2168550578" sldId="557"/>
+            <ac:spMk id="13" creationId="{CBFE53A2-62B2-4E30-A043-46DC1C0E7340}"/>
+          </ac:spMkLst>
+        </pc:spChg>
+        <pc:spChg chg="add mod">
+          <ac:chgData name="Zhao Jin" userId="cd05a825-544c-438a-9ba1-08e63db50b47" providerId="ADAL" clId="{65874B2F-8931-4F7F-92A6-4F5F857437F9}" dt="2021-01-25T01:33:39.808" v="4003"/>
+          <ac:spMkLst>
+            <pc:docMk/>
+            <pc:sldMk cId="2168550578" sldId="557"/>
+            <ac:spMk id="15" creationId="{A3AFB2A6-0A2A-4AA3-ACBE-79D4558D8C82}"/>
+          </ac:spMkLst>
+        </pc:spChg>
+        <pc:spChg chg="del">
+          <ac:chgData name="Zhao Jin" userId="cd05a825-544c-438a-9ba1-08e63db50b47" providerId="ADAL" clId="{65874B2F-8931-4F7F-92A6-4F5F857437F9}" dt="2021-01-25T01:33:36.689" v="4001" actId="478"/>
+          <ac:spMkLst>
+            <pc:docMk/>
+            <pc:sldMk cId="2168550578" sldId="557"/>
+            <ac:spMk id="16" creationId="{00000000-0000-0000-0000-000000000000}"/>
+          </ac:spMkLst>
+        </pc:spChg>
+        <pc:spChg chg="add mod">
+          <ac:chgData name="Zhao Jin" userId="cd05a825-544c-438a-9ba1-08e63db50b47" providerId="ADAL" clId="{65874B2F-8931-4F7F-92A6-4F5F857437F9}" dt="2021-01-25T01:33:39.808" v="4003"/>
+          <ac:spMkLst>
+            <pc:docMk/>
+            <pc:sldMk cId="2168550578" sldId="557"/>
+            <ac:spMk id="17" creationId="{0EC16C2E-CC66-4E8B-9C01-7D383CE08206}"/>
+          </ac:spMkLst>
+        </pc:spChg>
+        <pc:spChg chg="add mod">
+          <ac:chgData name="Zhao Jin" userId="cd05a825-544c-438a-9ba1-08e63db50b47" providerId="ADAL" clId="{65874B2F-8931-4F7F-92A6-4F5F857437F9}" dt="2021-01-25T01:33:39.808" v="4003"/>
+          <ac:spMkLst>
+            <pc:docMk/>
+            <pc:sldMk cId="2168550578" sldId="557"/>
+            <ac:spMk id="18" creationId="{B863D0AA-F013-40CB-8767-1363BA444126}"/>
+          </ac:spMkLst>
+        </pc:spChg>
+        <pc:spChg chg="add del mod">
+          <ac:chgData name="Zhao Jin" userId="cd05a825-544c-438a-9ba1-08e63db50b47" providerId="ADAL" clId="{65874B2F-8931-4F7F-92A6-4F5F857437F9}" dt="2021-01-25T01:33:45.035" v="4005" actId="478"/>
+          <ac:spMkLst>
+            <pc:docMk/>
+            <pc:sldMk cId="2168550578" sldId="557"/>
+            <ac:spMk id="19" creationId="{F4017E6F-8E42-4C2D-8F5E-E036D519A7B4}"/>
+          </ac:spMkLst>
+        </pc:spChg>
+        <pc:spChg chg="add del mod">
+          <ac:chgData name="Zhao Jin" userId="cd05a825-544c-438a-9ba1-08e63db50b47" providerId="ADAL" clId="{65874B2F-8931-4F7F-92A6-4F5F857437F9}" dt="2021-01-25T01:33:46.683" v="4006" actId="478"/>
+          <ac:spMkLst>
+            <pc:docMk/>
+            <pc:sldMk cId="2168550578" sldId="557"/>
+            <ac:spMk id="20" creationId="{50F527D5-6017-4A51-AD0F-53037FC9D1A6}"/>
+          </ac:spMkLst>
+        </pc:spChg>
+        <pc:spChg chg="mod">
+          <ac:chgData name="Zhao Jin" userId="cd05a825-544c-438a-9ba1-08e63db50b47" providerId="ADAL" clId="{65874B2F-8931-4F7F-92A6-4F5F857437F9}" dt="2021-01-25T01:33:39.808" v="4003"/>
+          <ac:spMkLst>
+            <pc:docMk/>
+            <pc:sldMk cId="2168550578" sldId="557"/>
+            <ac:spMk id="22" creationId="{343BFA3B-AF2D-4F39-A210-BE5190E23F3B}"/>
+          </ac:spMkLst>
+        </pc:spChg>
+        <pc:spChg chg="mod">
+          <ac:chgData name="Zhao Jin" userId="cd05a825-544c-438a-9ba1-08e63db50b47" providerId="ADAL" clId="{65874B2F-8931-4F7F-92A6-4F5F857437F9}" dt="2021-01-25T01:33:39.808" v="4003"/>
+          <ac:spMkLst>
+            <pc:docMk/>
+            <pc:sldMk cId="2168550578" sldId="557"/>
+            <ac:spMk id="23" creationId="{7EEF6855-B0B6-4AF5-8F09-2586EA00441D}"/>
+          </ac:spMkLst>
+        </pc:spChg>
+        <pc:spChg chg="add mod">
+          <ac:chgData name="Zhao Jin" userId="cd05a825-544c-438a-9ba1-08e63db50b47" providerId="ADAL" clId="{65874B2F-8931-4F7F-92A6-4F5F857437F9}" dt="2021-01-25T01:34:51.611" v="4037" actId="20577"/>
+          <ac:spMkLst>
+            <pc:docMk/>
+            <pc:sldMk cId="2168550578" sldId="557"/>
+            <ac:spMk id="24" creationId="{3814F451-3F52-414E-B5D5-B9A07F5BDFB0}"/>
+          </ac:spMkLst>
+        </pc:spChg>
+        <pc:spChg chg="add mod">
+          <ac:chgData name="Zhao Jin" userId="cd05a825-544c-438a-9ba1-08e63db50b47" providerId="ADAL" clId="{65874B2F-8931-4F7F-92A6-4F5F857437F9}" dt="2021-01-25T01:34:46.171" v="4035" actId="20577"/>
+          <ac:spMkLst>
+            <pc:docMk/>
+            <pc:sldMk cId="2168550578" sldId="557"/>
+            <ac:spMk id="25" creationId="{FA325F14-DE33-4EB6-A0A8-20BCEC6C6AAF}"/>
+          </ac:spMkLst>
+        </pc:spChg>
+        <pc:spChg chg="del">
+          <ac:chgData name="Zhao Jin" userId="cd05a825-544c-438a-9ba1-08e63db50b47" providerId="ADAL" clId="{65874B2F-8931-4F7F-92A6-4F5F857437F9}" dt="2021-01-25T01:33:36.689" v="4001" actId="478"/>
+          <ac:spMkLst>
+            <pc:docMk/>
+            <pc:sldMk cId="2168550578" sldId="557"/>
+            <ac:spMk id="27" creationId="{B2ED752D-194B-43FD-B744-0163878ED425}"/>
+          </ac:spMkLst>
+        </pc:spChg>
+        <pc:spChg chg="del">
+          <ac:chgData name="Zhao Jin" userId="cd05a825-544c-438a-9ba1-08e63db50b47" providerId="ADAL" clId="{65874B2F-8931-4F7F-92A6-4F5F857437F9}" dt="2021-01-25T01:33:36.689" v="4001" actId="478"/>
+          <ac:spMkLst>
+            <pc:docMk/>
+            <pc:sldMk cId="2168550578" sldId="557"/>
+            <ac:spMk id="28" creationId="{CE9C33B6-ACC3-490C-93EF-C4A17D53A66F}"/>
+          </ac:spMkLst>
+        </pc:spChg>
+        <pc:spChg chg="mod">
+          <ac:chgData name="Zhao Jin" userId="cd05a825-544c-438a-9ba1-08e63db50b47" providerId="ADAL" clId="{65874B2F-8931-4F7F-92A6-4F5F857437F9}" dt="2021-01-25T01:32:41.023" v="4000" actId="20577"/>
+          <ac:spMkLst>
+            <pc:docMk/>
+            <pc:sldMk cId="2168550578" sldId="557"/>
+            <ac:spMk id="25602" creationId="{00000000-0000-0000-0000-000000000000}"/>
+          </ac:spMkLst>
+        </pc:spChg>
+        <pc:grpChg chg="add del mod">
+          <ac:chgData name="Zhao Jin" userId="cd05a825-544c-438a-9ba1-08e63db50b47" providerId="ADAL" clId="{65874B2F-8931-4F7F-92A6-4F5F857437F9}" dt="2021-01-25T01:33:46.683" v="4006" actId="478"/>
+          <ac:grpSpMkLst>
+            <pc:docMk/>
+            <pc:sldMk cId="2168550578" sldId="557"/>
+            <ac:grpSpMk id="21" creationId="{371D6839-312B-4AD6-8D71-7F2426E8646F}"/>
+          </ac:grpSpMkLst>
+        </pc:grpChg>
+      </pc:sldChg>
+      <pc:sldChg chg="modSp add del mod">
+        <pc:chgData name="Zhao Jin" userId="cd05a825-544c-438a-9ba1-08e63db50b47" providerId="ADAL" clId="{65874B2F-8931-4F7F-92A6-4F5F857437F9}" dt="2021-01-25T01:30:33.365" v="3961" actId="47"/>
+        <pc:sldMkLst>
+          <pc:docMk/>
+          <pc:sldMk cId="3253245687" sldId="557"/>
+        </pc:sldMkLst>
+        <pc:spChg chg="mod">
+          <ac:chgData name="Zhao Jin" userId="cd05a825-544c-438a-9ba1-08e63db50b47" providerId="ADAL" clId="{65874B2F-8931-4F7F-92A6-4F5F857437F9}" dt="2021-01-25T01:26:15.530" v="3960" actId="20577"/>
+          <ac:spMkLst>
+            <pc:docMk/>
+            <pc:sldMk cId="3253245687" sldId="557"/>
+            <ac:spMk id="24578" creationId="{00000000-0000-0000-0000-000000000000}"/>
+          </ac:spMkLst>
+        </pc:spChg>
+      </pc:sldChg>
+      <pc:sldChg chg="add del">
+        <pc:chgData name="Zhao Jin" userId="cd05a825-544c-438a-9ba1-08e63db50b47" providerId="ADAL" clId="{65874B2F-8931-4F7F-92A6-4F5F857437F9}" dt="2021-01-25T04:39:05.613" v="4039"/>
+        <pc:sldMkLst>
+          <pc:docMk/>
+          <pc:sldMk cId="2043840304" sldId="558"/>
+        </pc:sldMkLst>
+      </pc:sldChg>
+      <pc:sldChg chg="modSp add modAnim">
+        <pc:chgData name="Zhao Jin" userId="cd05a825-544c-438a-9ba1-08e63db50b47" providerId="ADAL" clId="{65874B2F-8931-4F7F-92A6-4F5F857437F9}" dt="2021-01-25T05:02:26.434" v="4539" actId="20577"/>
+        <pc:sldMkLst>
+          <pc:docMk/>
+          <pc:sldMk cId="2310412572" sldId="558"/>
+        </pc:sldMkLst>
+        <pc:spChg chg="mod">
+          <ac:chgData name="Zhao Jin" userId="cd05a825-544c-438a-9ba1-08e63db50b47" providerId="ADAL" clId="{65874B2F-8931-4F7F-92A6-4F5F857437F9}" dt="2021-01-25T05:02:26.434" v="4539" actId="20577"/>
+          <ac:spMkLst>
+            <pc:docMk/>
+            <pc:sldMk cId="2310412572" sldId="558"/>
+            <ac:spMk id="8" creationId="{00000000-0000-0000-0000-000000000000}"/>
+          </ac:spMkLst>
+        </pc:spChg>
+      </pc:sldChg>
+      <pc:sldChg chg="modSp add del modAnim">
+        <pc:chgData name="Zhao Jin" userId="cd05a825-544c-438a-9ba1-08e63db50b47" providerId="ADAL" clId="{65874B2F-8931-4F7F-92A6-4F5F857437F9}" dt="2021-01-25T04:39:50.416" v="4107" actId="47"/>
+        <pc:sldMkLst>
+          <pc:docMk/>
+          <pc:sldMk cId="3640986749" sldId="558"/>
+        </pc:sldMkLst>
+        <pc:spChg chg="mod">
+          <ac:chgData name="Zhao Jin" userId="cd05a825-544c-438a-9ba1-08e63db50b47" providerId="ADAL" clId="{65874B2F-8931-4F7F-92A6-4F5F857437F9}" dt="2021-01-25T04:39:48.797" v="4106" actId="6549"/>
+          <ac:spMkLst>
+            <pc:docMk/>
+            <pc:sldMk cId="3640986749" sldId="558"/>
+            <ac:spMk id="8" creationId="{00000000-0000-0000-0000-000000000000}"/>
+          </ac:spMkLst>
+        </pc:spChg>
+      </pc:sldChg>
+      <pc:sldChg chg="addSp modSp add mod modAnim">
+        <pc:chgData name="Zhao Jin" userId="cd05a825-544c-438a-9ba1-08e63db50b47" providerId="ADAL" clId="{65874B2F-8931-4F7F-92A6-4F5F857437F9}" dt="2021-01-25T05:00:13.817" v="4394" actId="14100"/>
+        <pc:sldMkLst>
+          <pc:docMk/>
+          <pc:sldMk cId="194131011" sldId="559"/>
+        </pc:sldMkLst>
+        <pc:spChg chg="mod">
+          <ac:chgData name="Zhao Jin" userId="cd05a825-544c-438a-9ba1-08e63db50b47" providerId="ADAL" clId="{65874B2F-8931-4F7F-92A6-4F5F857437F9}" dt="2021-01-25T04:59:00.197" v="4345" actId="20577"/>
+          <ac:spMkLst>
+            <pc:docMk/>
+            <pc:sldMk cId="194131011" sldId="559"/>
+            <ac:spMk id="8" creationId="{00000000-0000-0000-0000-000000000000}"/>
+          </ac:spMkLst>
+        </pc:spChg>
+        <pc:spChg chg="add mod">
+          <ac:chgData name="Zhao Jin" userId="cd05a825-544c-438a-9ba1-08e63db50b47" providerId="ADAL" clId="{65874B2F-8931-4F7F-92A6-4F5F857437F9}" dt="2021-01-25T05:00:13.817" v="4394" actId="14100"/>
+          <ac:spMkLst>
+            <pc:docMk/>
+            <pc:sldMk cId="194131011" sldId="559"/>
+            <ac:spMk id="10" creationId="{8C9B61B6-3BC5-4CDB-B851-D0A8BB4C66F3}"/>
+          </ac:spMkLst>
+        </pc:spChg>
+        <pc:spChg chg="add mod">
+          <ac:chgData name="Zhao Jin" userId="cd05a825-544c-438a-9ba1-08e63db50b47" providerId="ADAL" clId="{65874B2F-8931-4F7F-92A6-4F5F857437F9}" dt="2021-01-25T05:00:11.502" v="4393" actId="1076"/>
+          <ac:spMkLst>
+            <pc:docMk/>
+            <pc:sldMk cId="194131011" sldId="559"/>
+            <ac:spMk id="11" creationId="{C9F2D0CC-462B-44AE-A278-19035897B822}"/>
+          </ac:spMkLst>
+        </pc:spChg>
+        <pc:spChg chg="add mod">
+          <ac:chgData name="Zhao Jin" userId="cd05a825-544c-438a-9ba1-08e63db50b47" providerId="ADAL" clId="{65874B2F-8931-4F7F-92A6-4F5F857437F9}" dt="2021-01-25T05:00:06.006" v="4391" actId="1076"/>
+          <ac:spMkLst>
+            <pc:docMk/>
+            <pc:sldMk cId="194131011" sldId="559"/>
+            <ac:spMk id="12" creationId="{81400690-EB67-4F69-AD16-692778FE33CF}"/>
+          </ac:spMkLst>
+        </pc:spChg>
+        <pc:spChg chg="add mod">
+          <ac:chgData name="Zhao Jin" userId="cd05a825-544c-438a-9ba1-08e63db50b47" providerId="ADAL" clId="{65874B2F-8931-4F7F-92A6-4F5F857437F9}" dt="2021-01-25T05:00:09.651" v="4392" actId="1076"/>
+          <ac:spMkLst>
+            <pc:docMk/>
+            <pc:sldMk cId="194131011" sldId="559"/>
+            <ac:spMk id="13" creationId="{21C152EE-93D0-4C3B-8FD2-1E3D69EDB16D}"/>
           </ac:spMkLst>
         </pc:spChg>
       </pc:sldChg>
@@ -3051,7 +3738,7 @@
               <a:pPr>
                 <a:defRPr/>
               </a:pPr>
-              <a:t>1/21/2021</a:t>
+              <a:t>1/25/2021</a:t>
             </a:fld>
             <a:endParaRPr lang="en-US" dirty="0"/>
           </a:p>
@@ -3378,6 +4065,476 @@
 </p:notes>
 </file>
 
+<file path=ppt/notesSlides/notesSlide10.xml><?xml version="1.0" encoding="utf-8"?>
+<p:notes xmlns:a="http://schemas.openxmlformats.org/drawingml/2006/main" xmlns:r="http://schemas.openxmlformats.org/officeDocument/2006/relationships" xmlns:p="http://schemas.openxmlformats.org/presentationml/2006/main">
+  <p:cSld>
+    <p:spTree>
+      <p:nvGrpSpPr>
+        <p:cNvPr id="1" name=""/>
+        <p:cNvGrpSpPr/>
+        <p:nvPr/>
+      </p:nvGrpSpPr>
+      <p:grpSpPr>
+        <a:xfrm>
+          <a:off x="0" y="0"/>
+          <a:ext cx="0" cy="0"/>
+          <a:chOff x="0" y="0"/>
+          <a:chExt cx="0" cy="0"/>
+        </a:xfrm>
+      </p:grpSpPr>
+      <p:sp>
+        <p:nvSpPr>
+          <p:cNvPr id="75778" name="Rectangle 2"/>
+          <p:cNvSpPr>
+            <a:spLocks noGrp="1" noChangeArrowheads="1"/>
+          </p:cNvSpPr>
+          <p:nvPr>
+            <p:ph type="hdr" sz="quarter"/>
+          </p:nvPr>
+        </p:nvSpPr>
+        <p:spPr bwMode="auto">
+          <a:xfrm>
+            <a:off x="0" y="0"/>
+            <a:ext cx="3038786" cy="465341"/>
+          </a:xfrm>
+          <a:noFill/>
+          <a:ln>
+            <a:miter lim="800000"/>
+            <a:headEnd/>
+            <a:tailEnd/>
+          </a:ln>
+        </p:spPr>
+        <p:txBody>
+          <a:bodyPr wrap="square" numCol="1" anchor="t" anchorCtr="0" compatLnSpc="1">
+            <a:prstTxWarp prst="textNoShape">
+              <a:avLst/>
+            </a:prstTxWarp>
+          </a:bodyPr>
+          <a:lstStyle/>
+          <a:p>
+            <a:r>
+              <a:rPr lang="en-US"/>
+              <a:t>CS1010 Programming Methodology</a:t>
+            </a:r>
+          </a:p>
+        </p:txBody>
+      </p:sp>
+      <p:sp>
+        <p:nvSpPr>
+          <p:cNvPr id="75779" name="Rectangle 2"/>
+          <p:cNvSpPr>
+            <a:spLocks noGrp="1" noRot="1" noChangeAspect="1" noChangeArrowheads="1" noTextEdit="1"/>
+          </p:cNvSpPr>
+          <p:nvPr>
+            <p:ph type="sldImg"/>
+          </p:nvPr>
+        </p:nvSpPr>
+        <p:spPr bwMode="auto">
+          <a:xfrm>
+            <a:off x="1182688" y="696913"/>
+            <a:ext cx="4648200" cy="3486150"/>
+          </a:xfrm>
+          <a:noFill/>
+          <a:ln>
+            <a:solidFill>
+              <a:srgbClr val="000000"/>
+            </a:solidFill>
+            <a:miter lim="800000"/>
+            <a:headEnd/>
+            <a:tailEnd/>
+          </a:ln>
+        </p:spPr>
+      </p:sp>
+      <p:sp>
+        <p:nvSpPr>
+          <p:cNvPr id="75780" name="Rectangle 3"/>
+          <p:cNvSpPr>
+            <a:spLocks noGrp="1" noChangeArrowheads="1"/>
+          </p:cNvSpPr>
+          <p:nvPr>
+            <p:ph type="body" idx="1"/>
+          </p:nvPr>
+        </p:nvSpPr>
+        <p:spPr>
+          <a:noFill/>
+          <a:ln w="9525"/>
+        </p:spPr>
+        <p:txBody>
+          <a:bodyPr/>
+          <a:lstStyle/>
+          <a:p>
+            <a:pPr marL="0" indent="0" eaLnBrk="1" hangingPunct="1">
+              <a:buFont typeface="Calibri" pitchFamily="34" charset="0"/>
+              <a:buNone/>
+            </a:pPr>
+            <a:endParaRPr lang="en-US" dirty="0"/>
+          </a:p>
+        </p:txBody>
+      </p:sp>
+    </p:spTree>
+    <p:extLst>
+      <p:ext uri="{BB962C8B-B14F-4D97-AF65-F5344CB8AC3E}">
+        <p14:creationId xmlns:p14="http://schemas.microsoft.com/office/powerpoint/2010/main" val="819206043"/>
+      </p:ext>
+    </p:extLst>
+  </p:cSld>
+  <p:clrMapOvr>
+    <a:masterClrMapping/>
+  </p:clrMapOvr>
+</p:notes>
+</file>
+
+<file path=ppt/notesSlides/notesSlide11.xml><?xml version="1.0" encoding="utf-8"?>
+<p:notes xmlns:a="http://schemas.openxmlformats.org/drawingml/2006/main" xmlns:r="http://schemas.openxmlformats.org/officeDocument/2006/relationships" xmlns:p="http://schemas.openxmlformats.org/presentationml/2006/main">
+  <p:cSld>
+    <p:spTree>
+      <p:nvGrpSpPr>
+        <p:cNvPr id="1" name=""/>
+        <p:cNvGrpSpPr/>
+        <p:nvPr/>
+      </p:nvGrpSpPr>
+      <p:grpSpPr>
+        <a:xfrm>
+          <a:off x="0" y="0"/>
+          <a:ext cx="0" cy="0"/>
+          <a:chOff x="0" y="0"/>
+          <a:chExt cx="0" cy="0"/>
+        </a:xfrm>
+      </p:grpSpPr>
+      <p:sp>
+        <p:nvSpPr>
+          <p:cNvPr id="75778" name="Rectangle 2"/>
+          <p:cNvSpPr>
+            <a:spLocks noGrp="1" noChangeArrowheads="1"/>
+          </p:cNvSpPr>
+          <p:nvPr>
+            <p:ph type="hdr" sz="quarter"/>
+          </p:nvPr>
+        </p:nvSpPr>
+        <p:spPr bwMode="auto">
+          <a:xfrm>
+            <a:off x="0" y="0"/>
+            <a:ext cx="3038786" cy="465341"/>
+          </a:xfrm>
+          <a:noFill/>
+          <a:ln>
+            <a:miter lim="800000"/>
+            <a:headEnd/>
+            <a:tailEnd/>
+          </a:ln>
+        </p:spPr>
+        <p:txBody>
+          <a:bodyPr wrap="square" numCol="1" anchor="t" anchorCtr="0" compatLnSpc="1">
+            <a:prstTxWarp prst="textNoShape">
+              <a:avLst/>
+            </a:prstTxWarp>
+          </a:bodyPr>
+          <a:lstStyle/>
+          <a:p>
+            <a:r>
+              <a:rPr lang="en-US"/>
+              <a:t>CS1010 Programming Methodology</a:t>
+            </a:r>
+          </a:p>
+        </p:txBody>
+      </p:sp>
+      <p:sp>
+        <p:nvSpPr>
+          <p:cNvPr id="75779" name="Rectangle 2"/>
+          <p:cNvSpPr>
+            <a:spLocks noGrp="1" noRot="1" noChangeAspect="1" noChangeArrowheads="1" noTextEdit="1"/>
+          </p:cNvSpPr>
+          <p:nvPr>
+            <p:ph type="sldImg"/>
+          </p:nvPr>
+        </p:nvSpPr>
+        <p:spPr bwMode="auto">
+          <a:xfrm>
+            <a:off x="1182688" y="696913"/>
+            <a:ext cx="4648200" cy="3486150"/>
+          </a:xfrm>
+          <a:noFill/>
+          <a:ln>
+            <a:solidFill>
+              <a:srgbClr val="000000"/>
+            </a:solidFill>
+            <a:miter lim="800000"/>
+            <a:headEnd/>
+            <a:tailEnd/>
+          </a:ln>
+        </p:spPr>
+      </p:sp>
+      <p:sp>
+        <p:nvSpPr>
+          <p:cNvPr id="75780" name="Rectangle 3"/>
+          <p:cNvSpPr>
+            <a:spLocks noGrp="1" noChangeArrowheads="1"/>
+          </p:cNvSpPr>
+          <p:nvPr>
+            <p:ph type="body" idx="1"/>
+          </p:nvPr>
+        </p:nvSpPr>
+        <p:spPr>
+          <a:noFill/>
+          <a:ln w="9525"/>
+        </p:spPr>
+        <p:txBody>
+          <a:bodyPr/>
+          <a:lstStyle/>
+          <a:p>
+            <a:pPr marL="0" indent="0" eaLnBrk="1" hangingPunct="1">
+              <a:buFont typeface="Calibri" pitchFamily="34" charset="0"/>
+              <a:buNone/>
+            </a:pPr>
+            <a:endParaRPr lang="en-US" dirty="0"/>
+          </a:p>
+        </p:txBody>
+      </p:sp>
+    </p:spTree>
+    <p:extLst>
+      <p:ext uri="{BB962C8B-B14F-4D97-AF65-F5344CB8AC3E}">
+        <p14:creationId xmlns:p14="http://schemas.microsoft.com/office/powerpoint/2010/main" val="2291024380"/>
+      </p:ext>
+    </p:extLst>
+  </p:cSld>
+  <p:clrMapOvr>
+    <a:masterClrMapping/>
+  </p:clrMapOvr>
+</p:notes>
+</file>
+
+<file path=ppt/notesSlides/notesSlide12.xml><?xml version="1.0" encoding="utf-8"?>
+<p:notes xmlns:a="http://schemas.openxmlformats.org/drawingml/2006/main" xmlns:r="http://schemas.openxmlformats.org/officeDocument/2006/relationships" xmlns:p="http://schemas.openxmlformats.org/presentationml/2006/main">
+  <p:cSld>
+    <p:spTree>
+      <p:nvGrpSpPr>
+        <p:cNvPr id="1" name=""/>
+        <p:cNvGrpSpPr/>
+        <p:nvPr/>
+      </p:nvGrpSpPr>
+      <p:grpSpPr>
+        <a:xfrm>
+          <a:off x="0" y="0"/>
+          <a:ext cx="0" cy="0"/>
+          <a:chOff x="0" y="0"/>
+          <a:chExt cx="0" cy="0"/>
+        </a:xfrm>
+      </p:grpSpPr>
+      <p:sp>
+        <p:nvSpPr>
+          <p:cNvPr id="74754" name="Rectangle 2"/>
+          <p:cNvSpPr>
+            <a:spLocks noGrp="1" noChangeArrowheads="1"/>
+          </p:cNvSpPr>
+          <p:nvPr>
+            <p:ph type="hdr" sz="quarter"/>
+          </p:nvPr>
+        </p:nvSpPr>
+        <p:spPr bwMode="auto">
+          <a:xfrm>
+            <a:off x="0" y="0"/>
+            <a:ext cx="3038786" cy="465341"/>
+          </a:xfrm>
+          <a:noFill/>
+          <a:ln>
+            <a:miter lim="800000"/>
+            <a:headEnd/>
+            <a:tailEnd/>
+          </a:ln>
+        </p:spPr>
+        <p:txBody>
+          <a:bodyPr wrap="square" numCol="1" anchor="t" anchorCtr="0" compatLnSpc="1">
+            <a:prstTxWarp prst="textNoShape">
+              <a:avLst/>
+            </a:prstTxWarp>
+          </a:bodyPr>
+          <a:lstStyle/>
+          <a:p>
+            <a:r>
+              <a:rPr lang="en-US"/>
+              <a:t>CS1010 Programming Methodology</a:t>
+            </a:r>
+          </a:p>
+        </p:txBody>
+      </p:sp>
+      <p:sp>
+        <p:nvSpPr>
+          <p:cNvPr id="74755" name="Rectangle 2"/>
+          <p:cNvSpPr>
+            <a:spLocks noGrp="1" noRot="1" noChangeAspect="1" noChangeArrowheads="1" noTextEdit="1"/>
+          </p:cNvSpPr>
+          <p:nvPr>
+            <p:ph type="sldImg"/>
+          </p:nvPr>
+        </p:nvSpPr>
+        <p:spPr bwMode="auto">
+          <a:xfrm>
+            <a:off x="1182688" y="696913"/>
+            <a:ext cx="4648200" cy="3486150"/>
+          </a:xfrm>
+          <a:noFill/>
+          <a:ln>
+            <a:solidFill>
+              <a:srgbClr val="000000"/>
+            </a:solidFill>
+            <a:miter lim="800000"/>
+            <a:headEnd/>
+            <a:tailEnd/>
+          </a:ln>
+        </p:spPr>
+      </p:sp>
+      <p:sp>
+        <p:nvSpPr>
+          <p:cNvPr id="74756" name="Rectangle 3"/>
+          <p:cNvSpPr>
+            <a:spLocks noGrp="1" noChangeArrowheads="1"/>
+          </p:cNvSpPr>
+          <p:nvPr>
+            <p:ph type="body" idx="1"/>
+          </p:nvPr>
+        </p:nvSpPr>
+        <p:spPr>
+          <a:noFill/>
+          <a:ln w="9525"/>
+        </p:spPr>
+        <p:txBody>
+          <a:bodyPr/>
+          <a:lstStyle/>
+          <a:p>
+            <a:pPr eaLnBrk="1" hangingPunct="1"/>
+            <a:endParaRPr lang="en-US"/>
+          </a:p>
+        </p:txBody>
+      </p:sp>
+    </p:spTree>
+    <p:extLst>
+      <p:ext uri="{BB962C8B-B14F-4D97-AF65-F5344CB8AC3E}">
+        <p14:creationId xmlns:p14="http://schemas.microsoft.com/office/powerpoint/2010/main" val="342533471"/>
+      </p:ext>
+    </p:extLst>
+  </p:cSld>
+  <p:clrMapOvr>
+    <a:masterClrMapping/>
+  </p:clrMapOvr>
+</p:notes>
+</file>
+
+<file path=ppt/notesSlides/notesSlide13.xml><?xml version="1.0" encoding="utf-8"?>
+<p:notes xmlns:a="http://schemas.openxmlformats.org/drawingml/2006/main" xmlns:r="http://schemas.openxmlformats.org/officeDocument/2006/relationships" xmlns:p="http://schemas.openxmlformats.org/presentationml/2006/main">
+  <p:cSld>
+    <p:spTree>
+      <p:nvGrpSpPr>
+        <p:cNvPr id="1" name=""/>
+        <p:cNvGrpSpPr/>
+        <p:nvPr/>
+      </p:nvGrpSpPr>
+      <p:grpSpPr>
+        <a:xfrm>
+          <a:off x="0" y="0"/>
+          <a:ext cx="0" cy="0"/>
+          <a:chOff x="0" y="0"/>
+          <a:chExt cx="0" cy="0"/>
+        </a:xfrm>
+      </p:grpSpPr>
+      <p:sp>
+        <p:nvSpPr>
+          <p:cNvPr id="74754" name="Rectangle 2"/>
+          <p:cNvSpPr>
+            <a:spLocks noGrp="1" noChangeArrowheads="1"/>
+          </p:cNvSpPr>
+          <p:nvPr>
+            <p:ph type="hdr" sz="quarter"/>
+          </p:nvPr>
+        </p:nvSpPr>
+        <p:spPr bwMode="auto">
+          <a:xfrm>
+            <a:off x="0" y="0"/>
+            <a:ext cx="3038786" cy="465341"/>
+          </a:xfrm>
+          <a:noFill/>
+          <a:ln>
+            <a:miter lim="800000"/>
+            <a:headEnd/>
+            <a:tailEnd/>
+          </a:ln>
+        </p:spPr>
+        <p:txBody>
+          <a:bodyPr wrap="square" numCol="1" anchor="t" anchorCtr="0" compatLnSpc="1">
+            <a:prstTxWarp prst="textNoShape">
+              <a:avLst/>
+            </a:prstTxWarp>
+          </a:bodyPr>
+          <a:lstStyle/>
+          <a:p>
+            <a:r>
+              <a:rPr lang="en-US"/>
+              <a:t>CS1010 Programming Methodology</a:t>
+            </a:r>
+          </a:p>
+        </p:txBody>
+      </p:sp>
+      <p:sp>
+        <p:nvSpPr>
+          <p:cNvPr id="74755" name="Rectangle 2"/>
+          <p:cNvSpPr>
+            <a:spLocks noGrp="1" noRot="1" noChangeAspect="1" noChangeArrowheads="1" noTextEdit="1"/>
+          </p:cNvSpPr>
+          <p:nvPr>
+            <p:ph type="sldImg"/>
+          </p:nvPr>
+        </p:nvSpPr>
+        <p:spPr bwMode="auto">
+          <a:xfrm>
+            <a:off x="1182688" y="696913"/>
+            <a:ext cx="4648200" cy="3486150"/>
+          </a:xfrm>
+          <a:noFill/>
+          <a:ln>
+            <a:solidFill>
+              <a:srgbClr val="000000"/>
+            </a:solidFill>
+            <a:miter lim="800000"/>
+            <a:headEnd/>
+            <a:tailEnd/>
+          </a:ln>
+        </p:spPr>
+      </p:sp>
+      <p:sp>
+        <p:nvSpPr>
+          <p:cNvPr id="74756" name="Rectangle 3"/>
+          <p:cNvSpPr>
+            <a:spLocks noGrp="1" noChangeArrowheads="1"/>
+          </p:cNvSpPr>
+          <p:nvPr>
+            <p:ph type="body" idx="1"/>
+          </p:nvPr>
+        </p:nvSpPr>
+        <p:spPr>
+          <a:noFill/>
+          <a:ln w="9525"/>
+        </p:spPr>
+        <p:txBody>
+          <a:bodyPr/>
+          <a:lstStyle/>
+          <a:p>
+            <a:pPr eaLnBrk="1" hangingPunct="1"/>
+            <a:endParaRPr lang="en-US"/>
+          </a:p>
+        </p:txBody>
+      </p:sp>
+    </p:spTree>
+    <p:extLst>
+      <p:ext uri="{BB962C8B-B14F-4D97-AF65-F5344CB8AC3E}">
+        <p14:creationId xmlns:p14="http://schemas.microsoft.com/office/powerpoint/2010/main" val="551216746"/>
+      </p:ext>
+    </p:extLst>
+  </p:cSld>
+  <p:clrMapOvr>
+    <a:masterClrMapping/>
+  </p:clrMapOvr>
+</p:notes>
+</file>
+
 <file path=ppt/notesSlides/notesSlide2.xml><?xml version="1.0" encoding="utf-8"?>
 <p:notes xmlns:a="http://schemas.openxmlformats.org/drawingml/2006/main" xmlns:r="http://schemas.openxmlformats.org/officeDocument/2006/relationships" xmlns:p="http://schemas.openxmlformats.org/presentationml/2006/main">
   <p:cSld>
@@ -3981,7 +5138,7 @@
       </p:grpSpPr>
       <p:sp>
         <p:nvSpPr>
-          <p:cNvPr id="74754" name="Rectangle 2"/>
+          <p:cNvPr id="75778" name="Rectangle 2"/>
           <p:cNvSpPr>
             <a:spLocks noGrp="1" noChangeArrowheads="1"/>
           </p:cNvSpPr>
@@ -4018,7 +5175,7 @@
       </p:sp>
       <p:sp>
         <p:nvSpPr>
-          <p:cNvPr id="74755" name="Rectangle 2"/>
+          <p:cNvPr id="75779" name="Rectangle 2"/>
           <p:cNvSpPr>
             <a:spLocks noGrp="1" noRot="1" noChangeAspect="1" noChangeArrowheads="1" noTextEdit="1"/>
           </p:cNvSpPr>
@@ -4044,7 +5201,7 @@
       </p:sp>
       <p:sp>
         <p:nvSpPr>
-          <p:cNvPr id="74756" name="Rectangle 3"/>
+          <p:cNvPr id="75780" name="Rectangle 3"/>
           <p:cNvSpPr>
             <a:spLocks noGrp="1" noChangeArrowheads="1"/>
           </p:cNvSpPr>
@@ -4060,15 +5217,256 @@
           <a:bodyPr/>
           <a:lstStyle/>
           <a:p>
-            <a:pPr eaLnBrk="1" hangingPunct="1"/>
-            <a:endParaRPr lang="en-US"/>
+            <a:pPr marL="0" indent="0" eaLnBrk="1" hangingPunct="1">
+              <a:buFont typeface="Calibri" pitchFamily="34" charset="0"/>
+              <a:buNone/>
+            </a:pPr>
+            <a:endParaRPr lang="en-US" dirty="0"/>
           </a:p>
         </p:txBody>
       </p:sp>
     </p:spTree>
     <p:extLst>
       <p:ext uri="{BB962C8B-B14F-4D97-AF65-F5344CB8AC3E}">
-        <p14:creationId xmlns:p14="http://schemas.microsoft.com/office/powerpoint/2010/main" val="342533471"/>
+        <p14:creationId xmlns:p14="http://schemas.microsoft.com/office/powerpoint/2010/main" val="4052662058"/>
+      </p:ext>
+    </p:extLst>
+  </p:cSld>
+  <p:clrMapOvr>
+    <a:masterClrMapping/>
+  </p:clrMapOvr>
+</p:notes>
+</file>
+
+<file path=ppt/notesSlides/notesSlide8.xml><?xml version="1.0" encoding="utf-8"?>
+<p:notes xmlns:a="http://schemas.openxmlformats.org/drawingml/2006/main" xmlns:r="http://schemas.openxmlformats.org/officeDocument/2006/relationships" xmlns:p="http://schemas.openxmlformats.org/presentationml/2006/main">
+  <p:cSld>
+    <p:spTree>
+      <p:nvGrpSpPr>
+        <p:cNvPr id="1" name=""/>
+        <p:cNvGrpSpPr/>
+        <p:nvPr/>
+      </p:nvGrpSpPr>
+      <p:grpSpPr>
+        <a:xfrm>
+          <a:off x="0" y="0"/>
+          <a:ext cx="0" cy="0"/>
+          <a:chOff x="0" y="0"/>
+          <a:chExt cx="0" cy="0"/>
+        </a:xfrm>
+      </p:grpSpPr>
+      <p:sp>
+        <p:nvSpPr>
+          <p:cNvPr id="75778" name="Rectangle 2"/>
+          <p:cNvSpPr>
+            <a:spLocks noGrp="1" noChangeArrowheads="1"/>
+          </p:cNvSpPr>
+          <p:nvPr>
+            <p:ph type="hdr" sz="quarter"/>
+          </p:nvPr>
+        </p:nvSpPr>
+        <p:spPr bwMode="auto">
+          <a:xfrm>
+            <a:off x="0" y="0"/>
+            <a:ext cx="3038786" cy="465341"/>
+          </a:xfrm>
+          <a:noFill/>
+          <a:ln>
+            <a:miter lim="800000"/>
+            <a:headEnd/>
+            <a:tailEnd/>
+          </a:ln>
+        </p:spPr>
+        <p:txBody>
+          <a:bodyPr wrap="square" numCol="1" anchor="t" anchorCtr="0" compatLnSpc="1">
+            <a:prstTxWarp prst="textNoShape">
+              <a:avLst/>
+            </a:prstTxWarp>
+          </a:bodyPr>
+          <a:lstStyle/>
+          <a:p>
+            <a:r>
+              <a:rPr lang="en-US"/>
+              <a:t>CS1010 Programming Methodology</a:t>
+            </a:r>
+          </a:p>
+        </p:txBody>
+      </p:sp>
+      <p:sp>
+        <p:nvSpPr>
+          <p:cNvPr id="75779" name="Rectangle 2"/>
+          <p:cNvSpPr>
+            <a:spLocks noGrp="1" noRot="1" noChangeAspect="1" noChangeArrowheads="1" noTextEdit="1"/>
+          </p:cNvSpPr>
+          <p:nvPr>
+            <p:ph type="sldImg"/>
+          </p:nvPr>
+        </p:nvSpPr>
+        <p:spPr bwMode="auto">
+          <a:xfrm>
+            <a:off x="1182688" y="696913"/>
+            <a:ext cx="4648200" cy="3486150"/>
+          </a:xfrm>
+          <a:noFill/>
+          <a:ln>
+            <a:solidFill>
+              <a:srgbClr val="000000"/>
+            </a:solidFill>
+            <a:miter lim="800000"/>
+            <a:headEnd/>
+            <a:tailEnd/>
+          </a:ln>
+        </p:spPr>
+      </p:sp>
+      <p:sp>
+        <p:nvSpPr>
+          <p:cNvPr id="75780" name="Rectangle 3"/>
+          <p:cNvSpPr>
+            <a:spLocks noGrp="1" noChangeArrowheads="1"/>
+          </p:cNvSpPr>
+          <p:nvPr>
+            <p:ph type="body" idx="1"/>
+          </p:nvPr>
+        </p:nvSpPr>
+        <p:spPr>
+          <a:noFill/>
+          <a:ln w="9525"/>
+        </p:spPr>
+        <p:txBody>
+          <a:bodyPr/>
+          <a:lstStyle/>
+          <a:p>
+            <a:pPr marL="0" indent="0" eaLnBrk="1" hangingPunct="1">
+              <a:buFont typeface="Calibri" pitchFamily="34" charset="0"/>
+              <a:buNone/>
+            </a:pPr>
+            <a:endParaRPr lang="en-US" dirty="0"/>
+          </a:p>
+        </p:txBody>
+      </p:sp>
+    </p:spTree>
+    <p:extLst>
+      <p:ext uri="{BB962C8B-B14F-4D97-AF65-F5344CB8AC3E}">
+        <p14:creationId xmlns:p14="http://schemas.microsoft.com/office/powerpoint/2010/main" val="729726527"/>
+      </p:ext>
+    </p:extLst>
+  </p:cSld>
+  <p:clrMapOvr>
+    <a:masterClrMapping/>
+  </p:clrMapOvr>
+</p:notes>
+</file>
+
+<file path=ppt/notesSlides/notesSlide9.xml><?xml version="1.0" encoding="utf-8"?>
+<p:notes xmlns:a="http://schemas.openxmlformats.org/drawingml/2006/main" xmlns:r="http://schemas.openxmlformats.org/officeDocument/2006/relationships" xmlns:p="http://schemas.openxmlformats.org/presentationml/2006/main">
+  <p:cSld>
+    <p:spTree>
+      <p:nvGrpSpPr>
+        <p:cNvPr id="1" name=""/>
+        <p:cNvGrpSpPr/>
+        <p:nvPr/>
+      </p:nvGrpSpPr>
+      <p:grpSpPr>
+        <a:xfrm>
+          <a:off x="0" y="0"/>
+          <a:ext cx="0" cy="0"/>
+          <a:chOff x="0" y="0"/>
+          <a:chExt cx="0" cy="0"/>
+        </a:xfrm>
+      </p:grpSpPr>
+      <p:sp>
+        <p:nvSpPr>
+          <p:cNvPr id="75778" name="Rectangle 2"/>
+          <p:cNvSpPr>
+            <a:spLocks noGrp="1" noChangeArrowheads="1"/>
+          </p:cNvSpPr>
+          <p:nvPr>
+            <p:ph type="hdr" sz="quarter"/>
+          </p:nvPr>
+        </p:nvSpPr>
+        <p:spPr bwMode="auto">
+          <a:xfrm>
+            <a:off x="0" y="0"/>
+            <a:ext cx="3038786" cy="465341"/>
+          </a:xfrm>
+          <a:noFill/>
+          <a:ln>
+            <a:miter lim="800000"/>
+            <a:headEnd/>
+            <a:tailEnd/>
+          </a:ln>
+        </p:spPr>
+        <p:txBody>
+          <a:bodyPr wrap="square" numCol="1" anchor="t" anchorCtr="0" compatLnSpc="1">
+            <a:prstTxWarp prst="textNoShape">
+              <a:avLst/>
+            </a:prstTxWarp>
+          </a:bodyPr>
+          <a:lstStyle/>
+          <a:p>
+            <a:r>
+              <a:rPr lang="en-US"/>
+              <a:t>CS1010 Programming Methodology</a:t>
+            </a:r>
+          </a:p>
+        </p:txBody>
+      </p:sp>
+      <p:sp>
+        <p:nvSpPr>
+          <p:cNvPr id="75779" name="Rectangle 2"/>
+          <p:cNvSpPr>
+            <a:spLocks noGrp="1" noRot="1" noChangeAspect="1" noChangeArrowheads="1" noTextEdit="1"/>
+          </p:cNvSpPr>
+          <p:nvPr>
+            <p:ph type="sldImg"/>
+          </p:nvPr>
+        </p:nvSpPr>
+        <p:spPr bwMode="auto">
+          <a:xfrm>
+            <a:off x="1182688" y="696913"/>
+            <a:ext cx="4648200" cy="3486150"/>
+          </a:xfrm>
+          <a:noFill/>
+          <a:ln>
+            <a:solidFill>
+              <a:srgbClr val="000000"/>
+            </a:solidFill>
+            <a:miter lim="800000"/>
+            <a:headEnd/>
+            <a:tailEnd/>
+          </a:ln>
+        </p:spPr>
+      </p:sp>
+      <p:sp>
+        <p:nvSpPr>
+          <p:cNvPr id="75780" name="Rectangle 3"/>
+          <p:cNvSpPr>
+            <a:spLocks noGrp="1" noChangeArrowheads="1"/>
+          </p:cNvSpPr>
+          <p:nvPr>
+            <p:ph type="body" idx="1"/>
+          </p:nvPr>
+        </p:nvSpPr>
+        <p:spPr>
+          <a:noFill/>
+          <a:ln w="9525"/>
+        </p:spPr>
+        <p:txBody>
+          <a:bodyPr/>
+          <a:lstStyle/>
+          <a:p>
+            <a:pPr marL="0" indent="0" eaLnBrk="1" hangingPunct="1">
+              <a:buFont typeface="Calibri" pitchFamily="34" charset="0"/>
+              <a:buNone/>
+            </a:pPr>
+            <a:endParaRPr lang="en-US" dirty="0"/>
+          </a:p>
+        </p:txBody>
+      </p:sp>
+    </p:spTree>
+    <p:extLst>
+      <p:ext uri="{BB962C8B-B14F-4D97-AF65-F5344CB8AC3E}">
+        <p14:creationId xmlns:p14="http://schemas.microsoft.com/office/powerpoint/2010/main" val="972083100"/>
       </p:ext>
     </p:extLst>
   </p:cSld>
@@ -7771,6 +9169,3487 @@
         </p:txBody>
       </p:sp>
     </p:spTree>
+  </p:cSld>
+  <p:clrMapOvr>
+    <a:masterClrMapping/>
+  </p:clrMapOvr>
+  <p:transition>
+    <p:fade/>
+  </p:transition>
+</p:sld>
+</file>
+
+<file path=ppt/slides/slide10.xml><?xml version="1.0" encoding="utf-8"?>
+<p:sld xmlns:a="http://schemas.openxmlformats.org/drawingml/2006/main" xmlns:r="http://schemas.openxmlformats.org/officeDocument/2006/relationships" xmlns:p="http://schemas.openxmlformats.org/presentationml/2006/main">
+  <p:cSld>
+    <p:spTree>
+      <p:nvGrpSpPr>
+        <p:cNvPr id="1" name=""/>
+        <p:cNvGrpSpPr/>
+        <p:nvPr/>
+      </p:nvGrpSpPr>
+      <p:grpSpPr>
+        <a:xfrm>
+          <a:off x="0" y="0"/>
+          <a:ext cx="0" cy="0"/>
+          <a:chOff x="0" y="0"/>
+          <a:chExt cx="0" cy="0"/>
+        </a:xfrm>
+      </p:grpSpPr>
+      <p:sp>
+        <p:nvSpPr>
+          <p:cNvPr id="25602" name="Rectangle 2"/>
+          <p:cNvSpPr>
+            <a:spLocks noGrp="1" noChangeArrowheads="1"/>
+          </p:cNvSpPr>
+          <p:nvPr>
+            <p:ph type="title"/>
+          </p:nvPr>
+        </p:nvSpPr>
+        <p:spPr>
+          <a:xfrm>
+            <a:off x="533400" y="457200"/>
+            <a:ext cx="8403566" cy="685800"/>
+          </a:xfrm>
+        </p:spPr>
+        <p:txBody>
+          <a:bodyPr>
+            <a:normAutofit fontScale="90000"/>
+          </a:bodyPr>
+          <a:lstStyle/>
+          <a:p>
+            <a:pPr eaLnBrk="1" hangingPunct="1"/>
+            <a:r>
+              <a:rPr lang="en-GB" dirty="0">
+                <a:solidFill>
+                  <a:srgbClr val="0000FF"/>
+                </a:solidFill>
+              </a:rPr>
+              <a:t>Ex#1: Temperature Conversion</a:t>
+            </a:r>
+            <a:endParaRPr lang="en-GB" sz="3100" dirty="0">
+              <a:solidFill>
+                <a:srgbClr val="0000FF"/>
+              </a:solidFill>
+            </a:endParaRPr>
+          </a:p>
+        </p:txBody>
+      </p:sp>
+      <p:sp>
+        <p:nvSpPr>
+          <p:cNvPr id="9" name="Slide Number Placeholder 8"/>
+          <p:cNvSpPr>
+            <a:spLocks noGrp="1"/>
+          </p:cNvSpPr>
+          <p:nvPr>
+            <p:ph type="sldNum" sz="quarter" idx="12"/>
+          </p:nvPr>
+        </p:nvSpPr>
+        <p:spPr/>
+        <p:txBody>
+          <a:bodyPr>
+            <a:normAutofit/>
+          </a:bodyPr>
+          <a:lstStyle/>
+          <a:p>
+            <a:pPr>
+              <a:defRPr/>
+            </a:pPr>
+            <a:r>
+              <a:rPr lang="en-US" dirty="0"/>
+              <a:t>Unit7 </a:t>
+            </a:r>
+            <a:r>
+              <a:rPr dirty="0"/>
+              <a:t>- </a:t>
+            </a:r>
+            <a:fld id="{24D17162-63A3-49DC-92B1-933428BCC85F}" type="slidenum">
+              <a:rPr smtClean="0"/>
+              <a:pPr>
+                <a:defRPr/>
+              </a:pPr>
+              <a:t>10</a:t>
+            </a:fld>
+            <a:endParaRPr dirty="0"/>
+          </a:p>
+        </p:txBody>
+      </p:sp>
+      <p:sp>
+        <p:nvSpPr>
+          <p:cNvPr id="14" name="[Date Placeholder 3]"/>
+          <p:cNvSpPr>
+            <a:spLocks noGrp="1"/>
+          </p:cNvSpPr>
+          <p:nvPr>
+            <p:ph type="dt" sz="half" idx="10"/>
+          </p:nvPr>
+        </p:nvSpPr>
+        <p:spPr>
+          <a:xfrm>
+            <a:off x="457200" y="18288"/>
+            <a:ext cx="2895600" cy="329184"/>
+          </a:xfrm>
+        </p:spPr>
+        <p:txBody>
+          <a:bodyPr/>
+          <a:lstStyle/>
+          <a:p>
+            <a:pPr>
+              <a:defRPr/>
+            </a:pPr>
+            <a:r>
+              <a:rPr lang="en-US" dirty="0"/>
+              <a:t>© NUS</a:t>
+            </a:r>
+          </a:p>
+        </p:txBody>
+      </p:sp>
+      <p:sp>
+        <p:nvSpPr>
+          <p:cNvPr id="15" name="HighlightTextShape201406241503265130"/>
+          <p:cNvSpPr>
+            <a:spLocks noChangeArrowheads="1"/>
+          </p:cNvSpPr>
+          <p:nvPr/>
+        </p:nvSpPr>
+        <p:spPr bwMode="auto">
+          <a:xfrm>
+            <a:off x="573206" y="1219201"/>
+            <a:ext cx="8363760" cy="1327230"/>
+          </a:xfrm>
+          <a:prstGeom prst="rect">
+            <a:avLst/>
+          </a:prstGeom>
+          <a:noFill/>
+          <a:ln w="9525">
+            <a:noFill/>
+            <a:miter lim="800000"/>
+            <a:headEnd/>
+            <a:tailEnd/>
+          </a:ln>
+        </p:spPr>
+        <p:txBody>
+          <a:bodyPr/>
+          <a:lstStyle/>
+          <a:p>
+            <a:pPr marL="342900" indent="-342900">
+              <a:spcBef>
+                <a:spcPts val="1200"/>
+              </a:spcBef>
+              <a:buClr>
+                <a:schemeClr val="accent4">
+                  <a:lumMod val="60000"/>
+                  <a:lumOff val="40000"/>
+                </a:schemeClr>
+              </a:buClr>
+              <a:buSzPct val="75000"/>
+              <a:buFont typeface="Wingdings" pitchFamily="2" charset="2"/>
+              <a:buChar char="n"/>
+            </a:pPr>
+            <a:r>
+              <a:rPr lang="en-US" sz="2400"/>
+              <a:t>Write a program to convert a temperature from Fahrenheit degrees to Celsius degrees:</a:t>
+            </a:r>
+            <a:endParaRPr lang="en-US" sz="2400" dirty="0"/>
+          </a:p>
+        </p:txBody>
+      </p:sp>
+      <mc:AlternateContent xmlns:mc="http://schemas.openxmlformats.org/markup-compatibility/2006" xmlns:a14="http://schemas.microsoft.com/office/drawing/2010/main">
+        <mc:Choice Requires="a14">
+          <p:sp>
+            <p:nvSpPr>
+              <p:cNvPr id="2" name="TextBox 1"/>
+              <p:cNvSpPr txBox="1"/>
+              <p:nvPr/>
+            </p:nvSpPr>
+            <p:spPr>
+              <a:xfrm>
+                <a:off x="1972557" y="2091146"/>
+                <a:ext cx="5565058" cy="910570"/>
+              </a:xfrm>
+              <a:prstGeom prst="rect">
+                <a:avLst/>
+              </a:prstGeom>
+              <a:solidFill>
+                <a:srgbClr val="FFFFCC"/>
+              </a:solidFill>
+              <a:ln>
+                <a:solidFill>
+                  <a:schemeClr val="tx1"/>
+                </a:solidFill>
+              </a:ln>
+            </p:spPr>
+            <p:txBody>
+              <a:bodyPr wrap="square" rtlCol="0">
+                <a:spAutoFit/>
+              </a:bodyPr>
+              <a:lstStyle/>
+              <a:p>
+                <a:pPr/>
+                <a14:m>
+                  <m:oMathPara xmlns:m="http://schemas.openxmlformats.org/officeDocument/2006/math">
+                    <m:oMathParaPr>
+                      <m:jc m:val="centerGroup"/>
+                    </m:oMathParaPr>
+                    <m:oMath xmlns:m="http://schemas.openxmlformats.org/officeDocument/2006/math">
+                      <m:r>
+                        <a:rPr lang="en-US" sz="2800" b="0" i="1" smtClean="0">
+                          <a:latin typeface="Cambria Math"/>
+                        </a:rPr>
+                        <m:t>𝑐𝑒𝑙𝑠𝑖𝑢𝑠</m:t>
+                      </m:r>
+                      <m:r>
+                        <a:rPr lang="en-US" sz="2800" b="0" i="1" smtClean="0">
+                          <a:latin typeface="Cambria Math"/>
+                        </a:rPr>
+                        <m:t>= </m:t>
+                      </m:r>
+                      <m:f>
+                        <m:fPr>
+                          <m:ctrlPr>
+                            <a:rPr lang="en-US" sz="2800" b="0" i="1" smtClean="0">
+                              <a:latin typeface="Cambria Math" panose="02040503050406030204" pitchFamily="18" charset="0"/>
+                            </a:rPr>
+                          </m:ctrlPr>
+                        </m:fPr>
+                        <m:num>
+                          <m:r>
+                            <a:rPr lang="en-US" sz="2800" b="0" i="1" smtClean="0">
+                              <a:latin typeface="Cambria Math"/>
+                            </a:rPr>
+                            <m:t>5</m:t>
+                          </m:r>
+                        </m:num>
+                        <m:den>
+                          <m:r>
+                            <a:rPr lang="en-US" sz="2800" b="0" i="1" smtClean="0">
+                              <a:latin typeface="Cambria Math"/>
+                            </a:rPr>
+                            <m:t>9</m:t>
+                          </m:r>
+                        </m:den>
+                      </m:f>
+                      <m:r>
+                        <a:rPr lang="en-US" sz="2800" b="0" i="1" smtClean="0">
+                          <a:latin typeface="Cambria Math"/>
+                          <a:ea typeface="Cambria Math"/>
+                        </a:rPr>
+                        <m:t>×(</m:t>
+                      </m:r>
+                      <m:r>
+                        <a:rPr lang="en-US" sz="2800" b="0" i="1" smtClean="0">
+                          <a:latin typeface="Cambria Math"/>
+                          <a:ea typeface="Cambria Math"/>
+                        </a:rPr>
+                        <m:t>𝑓𝑎h𝑟𝑒𝑛h𝑒𝑖𝑡</m:t>
+                      </m:r>
+                      <m:r>
+                        <a:rPr lang="en-US" sz="2800" b="0" i="1" smtClean="0">
+                          <a:latin typeface="Cambria Math"/>
+                          <a:ea typeface="Cambria Math"/>
+                        </a:rPr>
+                        <m:t> −32)</m:t>
+                      </m:r>
+                    </m:oMath>
+                  </m:oMathPara>
+                </a14:m>
+                <a:endParaRPr lang="en-US" sz="2800" dirty="0"/>
+              </a:p>
+            </p:txBody>
+          </p:sp>
+        </mc:Choice>
+        <mc:Fallback xmlns="">
+          <p:sp>
+            <p:nvSpPr>
+              <p:cNvPr id="2" name="TextBox 1"/>
+              <p:cNvSpPr txBox="1">
+                <a:spLocks noRot="1" noChangeAspect="1" noMove="1" noResize="1" noEditPoints="1" noAdjustHandles="1" noChangeArrowheads="1" noChangeShapeType="1" noTextEdit="1"/>
+              </p:cNvSpPr>
+              <p:nvPr/>
+            </p:nvSpPr>
+            <p:spPr>
+              <a:xfrm>
+                <a:off x="1972557" y="2091146"/>
+                <a:ext cx="5565058" cy="910570"/>
+              </a:xfrm>
+              <a:prstGeom prst="rect">
+                <a:avLst/>
+              </a:prstGeom>
+              <a:blipFill rotWithShape="1">
+                <a:blip r:embed="rId3"/>
+                <a:stretch>
+                  <a:fillRect/>
+                </a:stretch>
+              </a:blipFill>
+              <a:ln>
+                <a:solidFill>
+                  <a:schemeClr val="tx1"/>
+                </a:solidFill>
+              </a:ln>
+            </p:spPr>
+            <p:txBody>
+              <a:bodyPr/>
+              <a:lstStyle/>
+              <a:p>
+                <a:r>
+                  <a:rPr lang="en-US">
+                    <a:noFill/>
+                  </a:rPr>
+                  <a:t> </a:t>
+                </a:r>
+              </a:p>
+            </p:txBody>
+          </p:sp>
+        </mc:Fallback>
+      </mc:AlternateContent>
+      <p:sp>
+        <p:nvSpPr>
+          <p:cNvPr id="8" name="HighlightTextShape201406241503265130"/>
+          <p:cNvSpPr>
+            <a:spLocks noChangeArrowheads="1"/>
+          </p:cNvSpPr>
+          <p:nvPr/>
+        </p:nvSpPr>
+        <p:spPr bwMode="auto">
+          <a:xfrm>
+            <a:off x="573206" y="3148641"/>
+            <a:ext cx="8363760" cy="3062377"/>
+          </a:xfrm>
+          <a:prstGeom prst="rect">
+            <a:avLst/>
+          </a:prstGeom>
+          <a:noFill/>
+          <a:ln w="9525">
+            <a:noFill/>
+            <a:miter lim="800000"/>
+            <a:headEnd/>
+            <a:tailEnd/>
+          </a:ln>
+        </p:spPr>
+        <p:txBody>
+          <a:bodyPr/>
+          <a:lstStyle/>
+          <a:p>
+            <a:pPr marL="342900" indent="-342900">
+              <a:spcBef>
+                <a:spcPts val="1200"/>
+              </a:spcBef>
+              <a:buClr>
+                <a:schemeClr val="accent4">
+                  <a:lumMod val="60000"/>
+                  <a:lumOff val="40000"/>
+                </a:schemeClr>
+              </a:buClr>
+              <a:buSzPct val="75000"/>
+              <a:buFont typeface="Wingdings" pitchFamily="2" charset="2"/>
+              <a:buChar char="n"/>
+            </a:pPr>
+            <a:r>
+              <a:rPr lang="en-US" sz="2400" dirty="0"/>
+              <a:t>Implementation</a:t>
+            </a:r>
+          </a:p>
+          <a:p>
+            <a:pPr marL="800100" lvl="1" indent="-342900">
+              <a:spcBef>
+                <a:spcPts val="1200"/>
+              </a:spcBef>
+              <a:buClr>
+                <a:schemeClr val="accent4">
+                  <a:lumMod val="60000"/>
+                  <a:lumOff val="40000"/>
+                </a:schemeClr>
+              </a:buClr>
+              <a:buSzPct val="75000"/>
+              <a:buFont typeface="Wingdings" pitchFamily="2" charset="2"/>
+              <a:buChar char="n"/>
+            </a:pPr>
+            <a:r>
+              <a:rPr lang="en-US" sz="2000" dirty="0">
+                <a:solidFill>
+                  <a:srgbClr val="0000FF"/>
+                </a:solidFill>
+              </a:rPr>
+              <a:t>Input</a:t>
+            </a:r>
+            <a:r>
+              <a:rPr lang="en-US" sz="2000" dirty="0"/>
+              <a:t>: Get input temperature in Fahrenheit (which is a real number). </a:t>
+            </a:r>
+            <a:r>
+              <a:rPr lang="en-US" sz="2000" dirty="0">
+                <a:sym typeface="Wingdings" panose="05000000000000000000" pitchFamily="2" charset="2"/>
+              </a:rPr>
+              <a:t> </a:t>
+            </a:r>
+            <a:r>
+              <a:rPr lang="en-US" sz="2000" dirty="0">
+                <a:solidFill>
+                  <a:srgbClr val="0000FF"/>
+                </a:solidFill>
+                <a:sym typeface="Wingdings" panose="05000000000000000000" pitchFamily="2" charset="2"/>
+              </a:rPr>
+              <a:t>double</a:t>
+            </a:r>
+            <a:r>
+              <a:rPr lang="en-US" sz="2000" dirty="0">
+                <a:sym typeface="Wingdings" panose="05000000000000000000" pitchFamily="2" charset="2"/>
+              </a:rPr>
+              <a:t> </a:t>
+            </a:r>
+            <a:r>
+              <a:rPr lang="en-US" sz="2000" dirty="0"/>
+              <a:t>CS1010_read_double()</a:t>
+            </a:r>
+          </a:p>
+          <a:p>
+            <a:pPr marL="800100" lvl="1" indent="-342900">
+              <a:spcBef>
+                <a:spcPts val="1200"/>
+              </a:spcBef>
+              <a:buClr>
+                <a:schemeClr val="accent4">
+                  <a:lumMod val="60000"/>
+                  <a:lumOff val="40000"/>
+                </a:schemeClr>
+              </a:buClr>
+              <a:buSzPct val="75000"/>
+              <a:buFont typeface="Wingdings" pitchFamily="2" charset="2"/>
+              <a:buChar char="n"/>
+            </a:pPr>
+            <a:r>
+              <a:rPr lang="en-US" sz="2000" dirty="0">
+                <a:solidFill>
+                  <a:srgbClr val="0000FF"/>
+                </a:solidFill>
+              </a:rPr>
+              <a:t>Compute</a:t>
+            </a:r>
+            <a:r>
+              <a:rPr lang="en-US" sz="2000" dirty="0"/>
+              <a:t>: Apply the formula on the input temperature. </a:t>
+            </a:r>
+            <a:r>
+              <a:rPr lang="en-US" sz="2000" dirty="0">
+                <a:sym typeface="Wingdings" panose="05000000000000000000" pitchFamily="2" charset="2"/>
+              </a:rPr>
+              <a:t> </a:t>
+            </a:r>
+            <a:r>
+              <a:rPr lang="en-US" sz="2000" dirty="0">
+                <a:solidFill>
+                  <a:srgbClr val="0000FF"/>
+                </a:solidFill>
+                <a:sym typeface="Wingdings" panose="05000000000000000000" pitchFamily="2" charset="2"/>
+              </a:rPr>
+              <a:t>double</a:t>
+            </a:r>
+            <a:r>
+              <a:rPr lang="en-US" sz="2000" dirty="0">
+                <a:sym typeface="Wingdings" panose="05000000000000000000" pitchFamily="2" charset="2"/>
+              </a:rPr>
+              <a:t> </a:t>
+            </a:r>
+            <a:r>
+              <a:rPr lang="en-US" sz="2000" dirty="0" err="1">
+                <a:sym typeface="Wingdings" panose="05000000000000000000" pitchFamily="2" charset="2"/>
+              </a:rPr>
+              <a:t>convertTemperature</a:t>
+            </a:r>
+            <a:r>
+              <a:rPr lang="en-US" sz="2000" dirty="0">
+                <a:sym typeface="Wingdings" panose="05000000000000000000" pitchFamily="2" charset="2"/>
+              </a:rPr>
+              <a:t>(</a:t>
+            </a:r>
+            <a:r>
+              <a:rPr lang="en-US" sz="2000" dirty="0">
+                <a:solidFill>
+                  <a:srgbClr val="0000FF"/>
+                </a:solidFill>
+                <a:sym typeface="Wingdings" panose="05000000000000000000" pitchFamily="2" charset="2"/>
+              </a:rPr>
+              <a:t>double </a:t>
+            </a:r>
+            <a:r>
+              <a:rPr lang="en-US" sz="2000" dirty="0" err="1">
+                <a:sym typeface="Wingdings" panose="05000000000000000000" pitchFamily="2" charset="2"/>
+              </a:rPr>
+              <a:t>tempF</a:t>
+            </a:r>
+            <a:r>
+              <a:rPr lang="en-US" sz="2000" dirty="0">
+                <a:sym typeface="Wingdings" panose="05000000000000000000" pitchFamily="2" charset="2"/>
+              </a:rPr>
+              <a:t>)</a:t>
+            </a:r>
+            <a:endParaRPr lang="en-US" sz="2000" dirty="0"/>
+          </a:p>
+          <a:p>
+            <a:pPr marL="800100" lvl="1" indent="-342900">
+              <a:spcBef>
+                <a:spcPts val="1200"/>
+              </a:spcBef>
+              <a:buClr>
+                <a:schemeClr val="accent4">
+                  <a:lumMod val="60000"/>
+                  <a:lumOff val="40000"/>
+                </a:schemeClr>
+              </a:buClr>
+              <a:buSzPct val="75000"/>
+              <a:buFont typeface="Wingdings" pitchFamily="2" charset="2"/>
+              <a:buChar char="n"/>
+            </a:pPr>
+            <a:r>
+              <a:rPr lang="en-US" sz="2000" dirty="0">
+                <a:solidFill>
+                  <a:srgbClr val="0000FF"/>
+                </a:solidFill>
+              </a:rPr>
+              <a:t>Output</a:t>
+            </a:r>
+            <a:r>
+              <a:rPr lang="en-US" sz="2000" dirty="0"/>
+              <a:t>: Print converted temperature in Celsius (which is a real </a:t>
+            </a:r>
+            <a:r>
+              <a:rPr lang="en-US" sz="2000"/>
+              <a:t>number). </a:t>
+            </a:r>
+            <a:r>
+              <a:rPr lang="en-US" sz="2000" dirty="0">
+                <a:sym typeface="Wingdings" panose="05000000000000000000" pitchFamily="2" charset="2"/>
+              </a:rPr>
+              <a:t> </a:t>
+            </a:r>
+            <a:r>
+              <a:rPr lang="en-US" sz="2000" dirty="0">
+                <a:solidFill>
+                  <a:srgbClr val="0000FF"/>
+                </a:solidFill>
+                <a:sym typeface="Wingdings" panose="05000000000000000000" pitchFamily="2" charset="2"/>
+              </a:rPr>
+              <a:t>void </a:t>
+            </a:r>
+            <a:r>
+              <a:rPr lang="en-US" sz="2000" dirty="0"/>
+              <a:t>CS1010_print_double(</a:t>
+            </a:r>
+            <a:r>
+              <a:rPr lang="en-US" sz="2000" dirty="0">
+                <a:solidFill>
+                  <a:srgbClr val="0000FF"/>
+                </a:solidFill>
+              </a:rPr>
+              <a:t>double</a:t>
+            </a:r>
+            <a:r>
+              <a:rPr lang="en-US" sz="2000" dirty="0"/>
+              <a:t> value)</a:t>
+            </a:r>
+          </a:p>
+        </p:txBody>
+      </p:sp>
+    </p:spTree>
+    <p:extLst>
+      <p:ext uri="{BB962C8B-B14F-4D97-AF65-F5344CB8AC3E}">
+        <p14:creationId xmlns:p14="http://schemas.microsoft.com/office/powerpoint/2010/main" val="2310412572"/>
+      </p:ext>
+    </p:extLst>
+  </p:cSld>
+  <p:clrMapOvr>
+    <a:masterClrMapping/>
+  </p:clrMapOvr>
+  <p:transition>
+    <p:fade/>
+  </p:transition>
+  <p:timing>
+    <p:tnLst>
+      <p:par>
+        <p:cTn id="1" dur="indefinite" restart="never" nodeType="tmRoot">
+          <p:childTnLst>
+            <p:seq concurrent="1" nextAc="seek">
+              <p:cTn id="2" dur="indefinite" nodeType="mainSeq">
+                <p:childTnLst>
+                  <p:par>
+                    <p:cTn id="3" fill="hold">
+                      <p:stCondLst>
+                        <p:cond delay="indefinite"/>
+                      </p:stCondLst>
+                      <p:childTnLst>
+                        <p:par>
+                          <p:cTn id="4" fill="hold">
+                            <p:stCondLst>
+                              <p:cond delay="0"/>
+                            </p:stCondLst>
+                            <p:childTnLst>
+                              <p:par>
+                                <p:cTn id="5" presetID="9" presetClass="entr" presetSubtype="0" fill="hold" grpId="0" nodeType="clickEffect">
+                                  <p:stCondLst>
+                                    <p:cond delay="0"/>
+                                  </p:stCondLst>
+                                  <p:childTnLst>
+                                    <p:set>
+                                      <p:cBhvr>
+                                        <p:cTn id="6" dur="1" fill="hold">
+                                          <p:stCondLst>
+                                            <p:cond delay="0"/>
+                                          </p:stCondLst>
+                                        </p:cTn>
+                                        <p:tgtEl>
+                                          <p:spTgt spid="8">
+                                            <p:txEl>
+                                              <p:pRg st="0" end="0"/>
+                                            </p:txEl>
+                                          </p:spTgt>
+                                        </p:tgtEl>
+                                        <p:attrNameLst>
+                                          <p:attrName>style.visibility</p:attrName>
+                                        </p:attrNameLst>
+                                      </p:cBhvr>
+                                      <p:to>
+                                        <p:strVal val="visible"/>
+                                      </p:to>
+                                    </p:set>
+                                    <p:animEffect transition="in" filter="dissolve">
+                                      <p:cBhvr>
+                                        <p:cTn id="7" dur="500"/>
+                                        <p:tgtEl>
+                                          <p:spTgt spid="8">
+                                            <p:txEl>
+                                              <p:pRg st="0" end="0"/>
+                                            </p:txEl>
+                                          </p:spTgt>
+                                        </p:tgtEl>
+                                      </p:cBhvr>
+                                    </p:animEffect>
+                                  </p:childTnLst>
+                                </p:cTn>
+                              </p:par>
+                            </p:childTnLst>
+                          </p:cTn>
+                        </p:par>
+                      </p:childTnLst>
+                    </p:cTn>
+                  </p:par>
+                  <p:par>
+                    <p:cTn id="8" fill="hold">
+                      <p:stCondLst>
+                        <p:cond delay="indefinite"/>
+                      </p:stCondLst>
+                      <p:childTnLst>
+                        <p:par>
+                          <p:cTn id="9" fill="hold">
+                            <p:stCondLst>
+                              <p:cond delay="0"/>
+                            </p:stCondLst>
+                            <p:childTnLst>
+                              <p:par>
+                                <p:cTn id="10" presetID="9" presetClass="entr" presetSubtype="0" fill="hold" grpId="0" nodeType="clickEffect">
+                                  <p:stCondLst>
+                                    <p:cond delay="0"/>
+                                  </p:stCondLst>
+                                  <p:childTnLst>
+                                    <p:set>
+                                      <p:cBhvr>
+                                        <p:cTn id="11" dur="1" fill="hold">
+                                          <p:stCondLst>
+                                            <p:cond delay="0"/>
+                                          </p:stCondLst>
+                                        </p:cTn>
+                                        <p:tgtEl>
+                                          <p:spTgt spid="8">
+                                            <p:txEl>
+                                              <p:pRg st="1" end="1"/>
+                                            </p:txEl>
+                                          </p:spTgt>
+                                        </p:tgtEl>
+                                        <p:attrNameLst>
+                                          <p:attrName>style.visibility</p:attrName>
+                                        </p:attrNameLst>
+                                      </p:cBhvr>
+                                      <p:to>
+                                        <p:strVal val="visible"/>
+                                      </p:to>
+                                    </p:set>
+                                    <p:animEffect transition="in" filter="dissolve">
+                                      <p:cBhvr>
+                                        <p:cTn id="12" dur="500"/>
+                                        <p:tgtEl>
+                                          <p:spTgt spid="8">
+                                            <p:txEl>
+                                              <p:pRg st="1" end="1"/>
+                                            </p:txEl>
+                                          </p:spTgt>
+                                        </p:tgtEl>
+                                      </p:cBhvr>
+                                    </p:animEffect>
+                                  </p:childTnLst>
+                                </p:cTn>
+                              </p:par>
+                            </p:childTnLst>
+                          </p:cTn>
+                        </p:par>
+                      </p:childTnLst>
+                    </p:cTn>
+                  </p:par>
+                  <p:par>
+                    <p:cTn id="13" fill="hold">
+                      <p:stCondLst>
+                        <p:cond delay="indefinite"/>
+                      </p:stCondLst>
+                      <p:childTnLst>
+                        <p:par>
+                          <p:cTn id="14" fill="hold">
+                            <p:stCondLst>
+                              <p:cond delay="0"/>
+                            </p:stCondLst>
+                            <p:childTnLst>
+                              <p:par>
+                                <p:cTn id="15" presetID="9" presetClass="entr" presetSubtype="0" fill="hold" grpId="0" nodeType="clickEffect">
+                                  <p:stCondLst>
+                                    <p:cond delay="0"/>
+                                  </p:stCondLst>
+                                  <p:childTnLst>
+                                    <p:set>
+                                      <p:cBhvr>
+                                        <p:cTn id="16" dur="1" fill="hold">
+                                          <p:stCondLst>
+                                            <p:cond delay="0"/>
+                                          </p:stCondLst>
+                                        </p:cTn>
+                                        <p:tgtEl>
+                                          <p:spTgt spid="8">
+                                            <p:txEl>
+                                              <p:pRg st="2" end="2"/>
+                                            </p:txEl>
+                                          </p:spTgt>
+                                        </p:tgtEl>
+                                        <p:attrNameLst>
+                                          <p:attrName>style.visibility</p:attrName>
+                                        </p:attrNameLst>
+                                      </p:cBhvr>
+                                      <p:to>
+                                        <p:strVal val="visible"/>
+                                      </p:to>
+                                    </p:set>
+                                    <p:animEffect transition="in" filter="dissolve">
+                                      <p:cBhvr>
+                                        <p:cTn id="17" dur="500"/>
+                                        <p:tgtEl>
+                                          <p:spTgt spid="8">
+                                            <p:txEl>
+                                              <p:pRg st="2" end="2"/>
+                                            </p:txEl>
+                                          </p:spTgt>
+                                        </p:tgtEl>
+                                      </p:cBhvr>
+                                    </p:animEffect>
+                                  </p:childTnLst>
+                                </p:cTn>
+                              </p:par>
+                            </p:childTnLst>
+                          </p:cTn>
+                        </p:par>
+                      </p:childTnLst>
+                    </p:cTn>
+                  </p:par>
+                  <p:par>
+                    <p:cTn id="18" fill="hold">
+                      <p:stCondLst>
+                        <p:cond delay="indefinite"/>
+                      </p:stCondLst>
+                      <p:childTnLst>
+                        <p:par>
+                          <p:cTn id="19" fill="hold">
+                            <p:stCondLst>
+                              <p:cond delay="0"/>
+                            </p:stCondLst>
+                            <p:childTnLst>
+                              <p:par>
+                                <p:cTn id="20" presetID="9" presetClass="entr" presetSubtype="0" fill="hold" grpId="0" nodeType="clickEffect">
+                                  <p:stCondLst>
+                                    <p:cond delay="0"/>
+                                  </p:stCondLst>
+                                  <p:childTnLst>
+                                    <p:set>
+                                      <p:cBhvr>
+                                        <p:cTn id="21" dur="1" fill="hold">
+                                          <p:stCondLst>
+                                            <p:cond delay="0"/>
+                                          </p:stCondLst>
+                                        </p:cTn>
+                                        <p:tgtEl>
+                                          <p:spTgt spid="8">
+                                            <p:txEl>
+                                              <p:pRg st="3" end="3"/>
+                                            </p:txEl>
+                                          </p:spTgt>
+                                        </p:tgtEl>
+                                        <p:attrNameLst>
+                                          <p:attrName>style.visibility</p:attrName>
+                                        </p:attrNameLst>
+                                      </p:cBhvr>
+                                      <p:to>
+                                        <p:strVal val="visible"/>
+                                      </p:to>
+                                    </p:set>
+                                    <p:animEffect transition="in" filter="dissolve">
+                                      <p:cBhvr>
+                                        <p:cTn id="22" dur="500"/>
+                                        <p:tgtEl>
+                                          <p:spTgt spid="8">
+                                            <p:txEl>
+                                              <p:pRg st="3" end="3"/>
+                                            </p:txEl>
+                                          </p:spTgt>
+                                        </p:tgtEl>
+                                      </p:cBhvr>
+                                    </p:animEffect>
+                                  </p:childTnLst>
+                                </p:cTn>
+                              </p:par>
+                            </p:childTnLst>
+                          </p:cTn>
+                        </p:par>
+                      </p:childTnLst>
+                    </p:cTn>
+                  </p:par>
+                </p:childTnLst>
+              </p:cTn>
+              <p:prevCondLst>
+                <p:cond evt="onPrev" delay="0">
+                  <p:tgtEl>
+                    <p:sldTgt/>
+                  </p:tgtEl>
+                </p:cond>
+              </p:prevCondLst>
+              <p:nextCondLst>
+                <p:cond evt="onNext" delay="0">
+                  <p:tgtEl>
+                    <p:sldTgt/>
+                  </p:tgtEl>
+                </p:cond>
+              </p:nextCondLst>
+            </p:seq>
+          </p:childTnLst>
+        </p:cTn>
+      </p:par>
+    </p:tnLst>
+    <p:bldLst>
+      <p:bldP spid="8" grpId="0" build="p" bldLvl="2"/>
+    </p:bldLst>
+  </p:timing>
+</p:sld>
+</file>
+
+<file path=ppt/slides/slide11.xml><?xml version="1.0" encoding="utf-8"?>
+<p:sld xmlns:a="http://schemas.openxmlformats.org/drawingml/2006/main" xmlns:r="http://schemas.openxmlformats.org/officeDocument/2006/relationships" xmlns:p="http://schemas.openxmlformats.org/presentationml/2006/main">
+  <p:cSld>
+    <p:spTree>
+      <p:nvGrpSpPr>
+        <p:cNvPr id="1" name=""/>
+        <p:cNvGrpSpPr/>
+        <p:nvPr/>
+      </p:nvGrpSpPr>
+      <p:grpSpPr>
+        <a:xfrm>
+          <a:off x="0" y="0"/>
+          <a:ext cx="0" cy="0"/>
+          <a:chOff x="0" y="0"/>
+          <a:chExt cx="0" cy="0"/>
+        </a:xfrm>
+      </p:grpSpPr>
+      <p:sp>
+        <p:nvSpPr>
+          <p:cNvPr id="25602" name="Rectangle 2"/>
+          <p:cNvSpPr>
+            <a:spLocks noGrp="1" noChangeArrowheads="1"/>
+          </p:cNvSpPr>
+          <p:nvPr>
+            <p:ph type="title"/>
+          </p:nvPr>
+        </p:nvSpPr>
+        <p:spPr>
+          <a:xfrm>
+            <a:off x="533400" y="457200"/>
+            <a:ext cx="8403566" cy="685800"/>
+          </a:xfrm>
+        </p:spPr>
+        <p:txBody>
+          <a:bodyPr>
+            <a:normAutofit fontScale="90000"/>
+          </a:bodyPr>
+          <a:lstStyle/>
+          <a:p>
+            <a:pPr eaLnBrk="1" hangingPunct="1"/>
+            <a:r>
+              <a:rPr lang="en-GB" dirty="0">
+                <a:solidFill>
+                  <a:srgbClr val="0000FF"/>
+                </a:solidFill>
+              </a:rPr>
+              <a:t>Ex#1: Temperature Conversion</a:t>
+            </a:r>
+            <a:endParaRPr lang="en-GB" sz="3100" dirty="0">
+              <a:solidFill>
+                <a:srgbClr val="0000FF"/>
+              </a:solidFill>
+            </a:endParaRPr>
+          </a:p>
+        </p:txBody>
+      </p:sp>
+      <p:sp>
+        <p:nvSpPr>
+          <p:cNvPr id="9" name="Slide Number Placeholder 8"/>
+          <p:cNvSpPr>
+            <a:spLocks noGrp="1"/>
+          </p:cNvSpPr>
+          <p:nvPr>
+            <p:ph type="sldNum" sz="quarter" idx="12"/>
+          </p:nvPr>
+        </p:nvSpPr>
+        <p:spPr/>
+        <p:txBody>
+          <a:bodyPr>
+            <a:normAutofit/>
+          </a:bodyPr>
+          <a:lstStyle/>
+          <a:p>
+            <a:pPr>
+              <a:defRPr/>
+            </a:pPr>
+            <a:r>
+              <a:rPr lang="en-US" dirty="0"/>
+              <a:t>Unit7 </a:t>
+            </a:r>
+            <a:r>
+              <a:rPr dirty="0"/>
+              <a:t>- </a:t>
+            </a:r>
+            <a:fld id="{24D17162-63A3-49DC-92B1-933428BCC85F}" type="slidenum">
+              <a:rPr smtClean="0"/>
+              <a:pPr>
+                <a:defRPr/>
+              </a:pPr>
+              <a:t>11</a:t>
+            </a:fld>
+            <a:endParaRPr dirty="0"/>
+          </a:p>
+        </p:txBody>
+      </p:sp>
+      <p:sp>
+        <p:nvSpPr>
+          <p:cNvPr id="14" name="[Date Placeholder 3]"/>
+          <p:cNvSpPr>
+            <a:spLocks noGrp="1"/>
+          </p:cNvSpPr>
+          <p:nvPr>
+            <p:ph type="dt" sz="half" idx="10"/>
+          </p:nvPr>
+        </p:nvSpPr>
+        <p:spPr>
+          <a:xfrm>
+            <a:off x="457200" y="18288"/>
+            <a:ext cx="2895600" cy="329184"/>
+          </a:xfrm>
+        </p:spPr>
+        <p:txBody>
+          <a:bodyPr/>
+          <a:lstStyle/>
+          <a:p>
+            <a:pPr>
+              <a:defRPr/>
+            </a:pPr>
+            <a:r>
+              <a:rPr lang="en-US" dirty="0"/>
+              <a:t>© NUS</a:t>
+            </a:r>
+          </a:p>
+        </p:txBody>
+      </p:sp>
+      <p:sp>
+        <p:nvSpPr>
+          <p:cNvPr id="15" name="HighlightTextShape201406241503265130"/>
+          <p:cNvSpPr>
+            <a:spLocks noChangeArrowheads="1"/>
+          </p:cNvSpPr>
+          <p:nvPr/>
+        </p:nvSpPr>
+        <p:spPr bwMode="auto">
+          <a:xfrm>
+            <a:off x="573206" y="1219201"/>
+            <a:ext cx="8363760" cy="1327230"/>
+          </a:xfrm>
+          <a:prstGeom prst="rect">
+            <a:avLst/>
+          </a:prstGeom>
+          <a:noFill/>
+          <a:ln w="9525">
+            <a:noFill/>
+            <a:miter lim="800000"/>
+            <a:headEnd/>
+            <a:tailEnd/>
+          </a:ln>
+        </p:spPr>
+        <p:txBody>
+          <a:bodyPr/>
+          <a:lstStyle/>
+          <a:p>
+            <a:pPr marL="342900" indent="-342900">
+              <a:spcBef>
+                <a:spcPts val="1200"/>
+              </a:spcBef>
+              <a:buClr>
+                <a:schemeClr val="accent4">
+                  <a:lumMod val="60000"/>
+                  <a:lumOff val="40000"/>
+                </a:schemeClr>
+              </a:buClr>
+              <a:buSzPct val="75000"/>
+              <a:buFont typeface="Wingdings" pitchFamily="2" charset="2"/>
+              <a:buChar char="n"/>
+            </a:pPr>
+            <a:r>
+              <a:rPr lang="en-US" sz="2400"/>
+              <a:t>Write a program to convert a temperature from Fahrenheit degrees to Celsius degrees:</a:t>
+            </a:r>
+            <a:endParaRPr lang="en-US" sz="2400" dirty="0"/>
+          </a:p>
+        </p:txBody>
+      </p:sp>
+      <mc:AlternateContent xmlns:mc="http://schemas.openxmlformats.org/markup-compatibility/2006" xmlns:a14="http://schemas.microsoft.com/office/drawing/2010/main">
+        <mc:Choice Requires="a14">
+          <p:sp>
+            <p:nvSpPr>
+              <p:cNvPr id="2" name="TextBox 1"/>
+              <p:cNvSpPr txBox="1"/>
+              <p:nvPr/>
+            </p:nvSpPr>
+            <p:spPr>
+              <a:xfrm>
+                <a:off x="1972557" y="2091146"/>
+                <a:ext cx="5565058" cy="910570"/>
+              </a:xfrm>
+              <a:prstGeom prst="rect">
+                <a:avLst/>
+              </a:prstGeom>
+              <a:solidFill>
+                <a:srgbClr val="FFFFCC"/>
+              </a:solidFill>
+              <a:ln>
+                <a:solidFill>
+                  <a:schemeClr val="tx1"/>
+                </a:solidFill>
+              </a:ln>
+            </p:spPr>
+            <p:txBody>
+              <a:bodyPr wrap="square" rtlCol="0">
+                <a:spAutoFit/>
+              </a:bodyPr>
+              <a:lstStyle/>
+              <a:p>
+                <a:pPr/>
+                <a14:m>
+                  <m:oMathPara xmlns:m="http://schemas.openxmlformats.org/officeDocument/2006/math">
+                    <m:oMathParaPr>
+                      <m:jc m:val="centerGroup"/>
+                    </m:oMathParaPr>
+                    <m:oMath xmlns:m="http://schemas.openxmlformats.org/officeDocument/2006/math">
+                      <m:r>
+                        <a:rPr lang="en-US" sz="2800" b="0" i="1" smtClean="0">
+                          <a:latin typeface="Cambria Math"/>
+                        </a:rPr>
+                        <m:t>𝑐𝑒𝑙𝑠𝑖𝑢𝑠</m:t>
+                      </m:r>
+                      <m:r>
+                        <a:rPr lang="en-US" sz="2800" b="0" i="1" smtClean="0">
+                          <a:latin typeface="Cambria Math"/>
+                        </a:rPr>
+                        <m:t>= </m:t>
+                      </m:r>
+                      <m:f>
+                        <m:fPr>
+                          <m:ctrlPr>
+                            <a:rPr lang="en-US" sz="2800" b="0" i="1" smtClean="0">
+                              <a:latin typeface="Cambria Math" panose="02040503050406030204" pitchFamily="18" charset="0"/>
+                            </a:rPr>
+                          </m:ctrlPr>
+                        </m:fPr>
+                        <m:num>
+                          <m:r>
+                            <a:rPr lang="en-US" sz="2800" b="0" i="1" smtClean="0">
+                              <a:latin typeface="Cambria Math"/>
+                            </a:rPr>
+                            <m:t>5</m:t>
+                          </m:r>
+                        </m:num>
+                        <m:den>
+                          <m:r>
+                            <a:rPr lang="en-US" sz="2800" b="0" i="1" smtClean="0">
+                              <a:latin typeface="Cambria Math"/>
+                            </a:rPr>
+                            <m:t>9</m:t>
+                          </m:r>
+                        </m:den>
+                      </m:f>
+                      <m:r>
+                        <a:rPr lang="en-US" sz="2800" b="0" i="1" smtClean="0">
+                          <a:latin typeface="Cambria Math"/>
+                          <a:ea typeface="Cambria Math"/>
+                        </a:rPr>
+                        <m:t>×(</m:t>
+                      </m:r>
+                      <m:r>
+                        <a:rPr lang="en-US" sz="2800" b="0" i="1" smtClean="0">
+                          <a:latin typeface="Cambria Math"/>
+                          <a:ea typeface="Cambria Math"/>
+                        </a:rPr>
+                        <m:t>𝑓𝑎h𝑟𝑒𝑛h𝑒𝑖𝑡</m:t>
+                      </m:r>
+                      <m:r>
+                        <a:rPr lang="en-US" sz="2800" b="0" i="1" smtClean="0">
+                          <a:latin typeface="Cambria Math"/>
+                          <a:ea typeface="Cambria Math"/>
+                        </a:rPr>
+                        <m:t> −32)</m:t>
+                      </m:r>
+                    </m:oMath>
+                  </m:oMathPara>
+                </a14:m>
+                <a:endParaRPr lang="en-US" sz="2800" dirty="0"/>
+              </a:p>
+            </p:txBody>
+          </p:sp>
+        </mc:Choice>
+        <mc:Fallback xmlns="">
+          <p:sp>
+            <p:nvSpPr>
+              <p:cNvPr id="2" name="TextBox 1"/>
+              <p:cNvSpPr txBox="1">
+                <a:spLocks noRot="1" noChangeAspect="1" noMove="1" noResize="1" noEditPoints="1" noAdjustHandles="1" noChangeArrowheads="1" noChangeShapeType="1" noTextEdit="1"/>
+              </p:cNvSpPr>
+              <p:nvPr/>
+            </p:nvSpPr>
+            <p:spPr>
+              <a:xfrm>
+                <a:off x="1972557" y="2091146"/>
+                <a:ext cx="5565058" cy="910570"/>
+              </a:xfrm>
+              <a:prstGeom prst="rect">
+                <a:avLst/>
+              </a:prstGeom>
+              <a:blipFill rotWithShape="1">
+                <a:blip r:embed="rId3"/>
+                <a:stretch>
+                  <a:fillRect/>
+                </a:stretch>
+              </a:blipFill>
+              <a:ln>
+                <a:solidFill>
+                  <a:schemeClr val="tx1"/>
+                </a:solidFill>
+              </a:ln>
+            </p:spPr>
+            <p:txBody>
+              <a:bodyPr/>
+              <a:lstStyle/>
+              <a:p>
+                <a:r>
+                  <a:rPr lang="en-US">
+                    <a:noFill/>
+                  </a:rPr>
+                  <a:t> </a:t>
+                </a:r>
+              </a:p>
+            </p:txBody>
+          </p:sp>
+        </mc:Fallback>
+      </mc:AlternateContent>
+      <p:sp>
+        <p:nvSpPr>
+          <p:cNvPr id="8" name="HighlightTextShape201406241503265130"/>
+          <p:cNvSpPr>
+            <a:spLocks noChangeArrowheads="1"/>
+          </p:cNvSpPr>
+          <p:nvPr/>
+        </p:nvSpPr>
+        <p:spPr bwMode="auto">
+          <a:xfrm>
+            <a:off x="573206" y="3148641"/>
+            <a:ext cx="8363760" cy="3062377"/>
+          </a:xfrm>
+          <a:prstGeom prst="rect">
+            <a:avLst/>
+          </a:prstGeom>
+          <a:noFill/>
+          <a:ln w="9525">
+            <a:noFill/>
+            <a:miter lim="800000"/>
+            <a:headEnd/>
+            <a:tailEnd/>
+          </a:ln>
+        </p:spPr>
+        <p:txBody>
+          <a:bodyPr/>
+          <a:lstStyle/>
+          <a:p>
+            <a:pPr marL="342900" indent="-342900">
+              <a:spcBef>
+                <a:spcPts val="1200"/>
+              </a:spcBef>
+              <a:buClr>
+                <a:schemeClr val="accent4">
+                  <a:lumMod val="60000"/>
+                  <a:lumOff val="40000"/>
+                </a:schemeClr>
+              </a:buClr>
+              <a:buSzPct val="75000"/>
+              <a:buFont typeface="Wingdings" pitchFamily="2" charset="2"/>
+              <a:buChar char="n"/>
+            </a:pPr>
+            <a:r>
+              <a:rPr lang="en-US" sz="2400" dirty="0"/>
+              <a:t>Testing</a:t>
+            </a:r>
+          </a:p>
+        </p:txBody>
+      </p:sp>
+      <p:sp>
+        <p:nvSpPr>
+          <p:cNvPr id="10" name="TextBox 9">
+            <a:extLst>
+              <a:ext uri="{FF2B5EF4-FFF2-40B4-BE49-F238E27FC236}">
+                <a16:creationId xmlns:a16="http://schemas.microsoft.com/office/drawing/2014/main" id="{8C9B61B6-3BC5-4CDB-B851-D0A8BB4C66F3}"/>
+              </a:ext>
+            </a:extLst>
+          </p:cNvPr>
+          <p:cNvSpPr txBox="1"/>
+          <p:nvPr/>
+        </p:nvSpPr>
+        <p:spPr>
+          <a:xfrm>
+            <a:off x="1972557" y="3742747"/>
+            <a:ext cx="1804886" cy="708025"/>
+          </a:xfrm>
+          <a:prstGeom prst="rect">
+            <a:avLst/>
+          </a:prstGeom>
+          <a:solidFill>
+            <a:srgbClr val="FFFFCC"/>
+          </a:solidFill>
+        </p:spPr>
+        <p:style>
+          <a:lnRef idx="2">
+            <a:schemeClr val="accent6"/>
+          </a:lnRef>
+          <a:fillRef idx="1">
+            <a:schemeClr val="lt1"/>
+          </a:fillRef>
+          <a:effectRef idx="0">
+            <a:schemeClr val="accent6"/>
+          </a:effectRef>
+          <a:fontRef idx="minor">
+            <a:schemeClr val="dk1"/>
+          </a:fontRef>
+        </p:style>
+        <p:txBody>
+          <a:bodyPr wrap="square">
+            <a:spAutoFit/>
+          </a:bodyPr>
+          <a:lstStyle/>
+          <a:p>
+            <a:pPr>
+              <a:defRPr/>
+            </a:pPr>
+            <a:r>
+              <a:rPr lang="en-US" sz="2000" b="1" dirty="0">
+                <a:solidFill>
+                  <a:srgbClr val="0000FF"/>
+                </a:solidFill>
+                <a:latin typeface="Courier New" pitchFamily="49" charset="0"/>
+                <a:cs typeface="Courier New" pitchFamily="49" charset="0"/>
+              </a:rPr>
+              <a:t>32.5</a:t>
+            </a:r>
+          </a:p>
+          <a:p>
+            <a:pPr>
+              <a:defRPr/>
+            </a:pPr>
+            <a:r>
+              <a:rPr lang="en-US" sz="2000" dirty="0">
+                <a:latin typeface="Courier New" pitchFamily="49" charset="0"/>
+                <a:cs typeface="Courier New" pitchFamily="49" charset="0"/>
+              </a:rPr>
+              <a:t>0.277778 </a:t>
+            </a:r>
+            <a:endParaRPr lang="en-SG" sz="2000" dirty="0">
+              <a:latin typeface="Courier New" pitchFamily="49" charset="0"/>
+              <a:cs typeface="Courier New" pitchFamily="49" charset="0"/>
+            </a:endParaRPr>
+          </a:p>
+        </p:txBody>
+      </p:sp>
+      <p:sp>
+        <p:nvSpPr>
+          <p:cNvPr id="11" name="TextBox 10">
+            <a:extLst>
+              <a:ext uri="{FF2B5EF4-FFF2-40B4-BE49-F238E27FC236}">
+                <a16:creationId xmlns:a16="http://schemas.microsoft.com/office/drawing/2014/main" id="{C9F2D0CC-462B-44AE-A278-19035897B822}"/>
+              </a:ext>
+            </a:extLst>
+          </p:cNvPr>
+          <p:cNvSpPr txBox="1"/>
+          <p:nvPr/>
+        </p:nvSpPr>
+        <p:spPr>
+          <a:xfrm>
+            <a:off x="4274352" y="3742746"/>
+            <a:ext cx="1804886" cy="708025"/>
+          </a:xfrm>
+          <a:prstGeom prst="rect">
+            <a:avLst/>
+          </a:prstGeom>
+          <a:solidFill>
+            <a:srgbClr val="FFFFCC"/>
+          </a:solidFill>
+        </p:spPr>
+        <p:style>
+          <a:lnRef idx="2">
+            <a:schemeClr val="accent6"/>
+          </a:lnRef>
+          <a:fillRef idx="1">
+            <a:schemeClr val="lt1"/>
+          </a:fillRef>
+          <a:effectRef idx="0">
+            <a:schemeClr val="accent6"/>
+          </a:effectRef>
+          <a:fontRef idx="minor">
+            <a:schemeClr val="dk1"/>
+          </a:fontRef>
+        </p:style>
+        <p:txBody>
+          <a:bodyPr wrap="square">
+            <a:spAutoFit/>
+          </a:bodyPr>
+          <a:lstStyle/>
+          <a:p>
+            <a:pPr>
+              <a:defRPr/>
+            </a:pPr>
+            <a:r>
+              <a:rPr lang="en-US" sz="2000" b="1" dirty="0">
+                <a:solidFill>
+                  <a:srgbClr val="0000FF"/>
+                </a:solidFill>
+                <a:latin typeface="Courier New" pitchFamily="49" charset="0"/>
+                <a:cs typeface="Courier New" pitchFamily="49" charset="0"/>
+              </a:rPr>
+              <a:t>0</a:t>
+            </a:r>
+          </a:p>
+          <a:p>
+            <a:pPr>
+              <a:defRPr/>
+            </a:pPr>
+            <a:r>
+              <a:rPr lang="en-US" sz="2000" dirty="0">
+                <a:latin typeface="Courier New" pitchFamily="49" charset="0"/>
+                <a:cs typeface="Courier New" pitchFamily="49" charset="0"/>
+              </a:rPr>
+              <a:t>-17.777778</a:t>
+            </a:r>
+            <a:endParaRPr lang="en-SG" sz="2000" dirty="0">
+              <a:latin typeface="Courier New" pitchFamily="49" charset="0"/>
+              <a:cs typeface="Courier New" pitchFamily="49" charset="0"/>
+            </a:endParaRPr>
+          </a:p>
+        </p:txBody>
+      </p:sp>
+      <p:sp>
+        <p:nvSpPr>
+          <p:cNvPr id="12" name="TextBox 11">
+            <a:extLst>
+              <a:ext uri="{FF2B5EF4-FFF2-40B4-BE49-F238E27FC236}">
+                <a16:creationId xmlns:a16="http://schemas.microsoft.com/office/drawing/2014/main" id="{81400690-EB67-4F69-AD16-692778FE33CF}"/>
+              </a:ext>
+            </a:extLst>
+          </p:cNvPr>
+          <p:cNvSpPr txBox="1"/>
+          <p:nvPr/>
+        </p:nvSpPr>
+        <p:spPr>
+          <a:xfrm>
+            <a:off x="1972557" y="4795096"/>
+            <a:ext cx="1804887" cy="706437"/>
+          </a:xfrm>
+          <a:prstGeom prst="rect">
+            <a:avLst/>
+          </a:prstGeom>
+          <a:solidFill>
+            <a:srgbClr val="FFFFCC"/>
+          </a:solidFill>
+        </p:spPr>
+        <p:style>
+          <a:lnRef idx="2">
+            <a:schemeClr val="accent6"/>
+          </a:lnRef>
+          <a:fillRef idx="1">
+            <a:schemeClr val="lt1"/>
+          </a:fillRef>
+          <a:effectRef idx="0">
+            <a:schemeClr val="accent6"/>
+          </a:effectRef>
+          <a:fontRef idx="minor">
+            <a:schemeClr val="dk1"/>
+          </a:fontRef>
+        </p:style>
+        <p:txBody>
+          <a:bodyPr wrap="square">
+            <a:spAutoFit/>
+          </a:bodyPr>
+          <a:lstStyle/>
+          <a:p>
+            <a:pPr>
+              <a:defRPr/>
+            </a:pPr>
+            <a:r>
+              <a:rPr lang="en-US" sz="2000" b="1" dirty="0">
+                <a:solidFill>
+                  <a:srgbClr val="0000FF"/>
+                </a:solidFill>
+                <a:latin typeface="Courier New" pitchFamily="49" charset="0"/>
+                <a:cs typeface="Courier New" pitchFamily="49" charset="0"/>
+              </a:rPr>
+              <a:t>-54.3</a:t>
+            </a:r>
+          </a:p>
+          <a:p>
+            <a:pPr>
+              <a:defRPr/>
+            </a:pPr>
+            <a:r>
+              <a:rPr lang="en-US" sz="2000" dirty="0">
+                <a:latin typeface="Courier New" pitchFamily="49" charset="0"/>
+                <a:cs typeface="Courier New" pitchFamily="49" charset="0"/>
+              </a:rPr>
+              <a:t>-47.944444 </a:t>
+            </a:r>
+            <a:endParaRPr lang="en-SG" sz="2000" dirty="0">
+              <a:latin typeface="Courier New" pitchFamily="49" charset="0"/>
+              <a:cs typeface="Courier New" pitchFamily="49" charset="0"/>
+            </a:endParaRPr>
+          </a:p>
+        </p:txBody>
+      </p:sp>
+      <p:sp>
+        <p:nvSpPr>
+          <p:cNvPr id="13" name="TextBox 12">
+            <a:extLst>
+              <a:ext uri="{FF2B5EF4-FFF2-40B4-BE49-F238E27FC236}">
+                <a16:creationId xmlns:a16="http://schemas.microsoft.com/office/drawing/2014/main" id="{21C152EE-93D0-4C3B-8FD2-1E3D69EDB16D}"/>
+              </a:ext>
+            </a:extLst>
+          </p:cNvPr>
+          <p:cNvSpPr txBox="1"/>
+          <p:nvPr/>
+        </p:nvSpPr>
+        <p:spPr>
+          <a:xfrm>
+            <a:off x="4274351" y="4793508"/>
+            <a:ext cx="1804887" cy="708025"/>
+          </a:xfrm>
+          <a:prstGeom prst="rect">
+            <a:avLst/>
+          </a:prstGeom>
+          <a:solidFill>
+            <a:srgbClr val="FFFFCC"/>
+          </a:solidFill>
+        </p:spPr>
+        <p:style>
+          <a:lnRef idx="2">
+            <a:schemeClr val="accent6"/>
+          </a:lnRef>
+          <a:fillRef idx="1">
+            <a:schemeClr val="lt1"/>
+          </a:fillRef>
+          <a:effectRef idx="0">
+            <a:schemeClr val="accent6"/>
+          </a:effectRef>
+          <a:fontRef idx="minor">
+            <a:schemeClr val="dk1"/>
+          </a:fontRef>
+        </p:style>
+        <p:txBody>
+          <a:bodyPr wrap="square">
+            <a:spAutoFit/>
+          </a:bodyPr>
+          <a:lstStyle/>
+          <a:p>
+            <a:pPr>
+              <a:defRPr/>
+            </a:pPr>
+            <a:r>
+              <a:rPr lang="en-US" sz="2000" b="1" dirty="0">
+                <a:solidFill>
+                  <a:srgbClr val="0000FF"/>
+                </a:solidFill>
+                <a:latin typeface="Courier New" pitchFamily="49" charset="0"/>
+                <a:cs typeface="Courier New" pitchFamily="49" charset="0"/>
+              </a:rPr>
+              <a:t>100</a:t>
+            </a:r>
+          </a:p>
+          <a:p>
+            <a:pPr>
+              <a:defRPr/>
+            </a:pPr>
+            <a:r>
+              <a:rPr lang="en-US" sz="2000" dirty="0">
+                <a:latin typeface="Courier New" pitchFamily="49" charset="0"/>
+                <a:cs typeface="Courier New" pitchFamily="49" charset="0"/>
+              </a:rPr>
+              <a:t>37.777778</a:t>
+            </a:r>
+            <a:endParaRPr lang="en-SG" sz="2000" dirty="0">
+              <a:latin typeface="Courier New" pitchFamily="49" charset="0"/>
+              <a:cs typeface="Courier New" pitchFamily="49" charset="0"/>
+            </a:endParaRPr>
+          </a:p>
+        </p:txBody>
+      </p:sp>
+    </p:spTree>
+    <p:extLst>
+      <p:ext uri="{BB962C8B-B14F-4D97-AF65-F5344CB8AC3E}">
+        <p14:creationId xmlns:p14="http://schemas.microsoft.com/office/powerpoint/2010/main" val="194131011"/>
+      </p:ext>
+    </p:extLst>
+  </p:cSld>
+  <p:clrMapOvr>
+    <a:masterClrMapping/>
+  </p:clrMapOvr>
+  <p:transition>
+    <p:fade/>
+  </p:transition>
+  <p:timing>
+    <p:tnLst>
+      <p:par>
+        <p:cTn id="1" dur="indefinite" restart="never" nodeType="tmRoot">
+          <p:childTnLst>
+            <p:seq concurrent="1" nextAc="seek">
+              <p:cTn id="2" dur="indefinite" nodeType="mainSeq">
+                <p:childTnLst>
+                  <p:par>
+                    <p:cTn id="3" fill="hold">
+                      <p:stCondLst>
+                        <p:cond delay="indefinite"/>
+                      </p:stCondLst>
+                      <p:childTnLst>
+                        <p:par>
+                          <p:cTn id="4" fill="hold">
+                            <p:stCondLst>
+                              <p:cond delay="0"/>
+                            </p:stCondLst>
+                            <p:childTnLst>
+                              <p:par>
+                                <p:cTn id="5" presetID="9" presetClass="entr" presetSubtype="0" fill="hold" grpId="0" nodeType="clickEffect">
+                                  <p:stCondLst>
+                                    <p:cond delay="0"/>
+                                  </p:stCondLst>
+                                  <p:childTnLst>
+                                    <p:set>
+                                      <p:cBhvr>
+                                        <p:cTn id="6" dur="1" fill="hold">
+                                          <p:stCondLst>
+                                            <p:cond delay="0"/>
+                                          </p:stCondLst>
+                                        </p:cTn>
+                                        <p:tgtEl>
+                                          <p:spTgt spid="8">
+                                            <p:txEl>
+                                              <p:pRg st="0" end="0"/>
+                                            </p:txEl>
+                                          </p:spTgt>
+                                        </p:tgtEl>
+                                        <p:attrNameLst>
+                                          <p:attrName>style.visibility</p:attrName>
+                                        </p:attrNameLst>
+                                      </p:cBhvr>
+                                      <p:to>
+                                        <p:strVal val="visible"/>
+                                      </p:to>
+                                    </p:set>
+                                    <p:animEffect transition="in" filter="dissolve">
+                                      <p:cBhvr>
+                                        <p:cTn id="7" dur="500"/>
+                                        <p:tgtEl>
+                                          <p:spTgt spid="8">
+                                            <p:txEl>
+                                              <p:pRg st="0" end="0"/>
+                                            </p:txEl>
+                                          </p:spTgt>
+                                        </p:tgtEl>
+                                      </p:cBhvr>
+                                    </p:animEffect>
+                                  </p:childTnLst>
+                                </p:cTn>
+                              </p:par>
+                            </p:childTnLst>
+                          </p:cTn>
+                        </p:par>
+                        <p:par>
+                          <p:cTn id="8" fill="hold">
+                            <p:stCondLst>
+                              <p:cond delay="500"/>
+                            </p:stCondLst>
+                            <p:childTnLst>
+                              <p:par>
+                                <p:cTn id="9" presetID="9" presetClass="entr" presetSubtype="0" fill="hold" grpId="0" nodeType="afterEffect">
+                                  <p:stCondLst>
+                                    <p:cond delay="0"/>
+                                  </p:stCondLst>
+                                  <p:childTnLst>
+                                    <p:set>
+                                      <p:cBhvr>
+                                        <p:cTn id="10" dur="1" fill="hold">
+                                          <p:stCondLst>
+                                            <p:cond delay="0"/>
+                                          </p:stCondLst>
+                                        </p:cTn>
+                                        <p:tgtEl>
+                                          <p:spTgt spid="10"/>
+                                        </p:tgtEl>
+                                        <p:attrNameLst>
+                                          <p:attrName>style.visibility</p:attrName>
+                                        </p:attrNameLst>
+                                      </p:cBhvr>
+                                      <p:to>
+                                        <p:strVal val="visible"/>
+                                      </p:to>
+                                    </p:set>
+                                    <p:animEffect transition="in" filter="dissolve">
+                                      <p:cBhvr>
+                                        <p:cTn id="11" dur="500"/>
+                                        <p:tgtEl>
+                                          <p:spTgt spid="10"/>
+                                        </p:tgtEl>
+                                      </p:cBhvr>
+                                    </p:animEffect>
+                                  </p:childTnLst>
+                                </p:cTn>
+                              </p:par>
+                            </p:childTnLst>
+                          </p:cTn>
+                        </p:par>
+                      </p:childTnLst>
+                    </p:cTn>
+                  </p:par>
+                  <p:par>
+                    <p:cTn id="12" fill="hold">
+                      <p:stCondLst>
+                        <p:cond delay="indefinite"/>
+                      </p:stCondLst>
+                      <p:childTnLst>
+                        <p:par>
+                          <p:cTn id="13" fill="hold">
+                            <p:stCondLst>
+                              <p:cond delay="0"/>
+                            </p:stCondLst>
+                            <p:childTnLst>
+                              <p:par>
+                                <p:cTn id="14" presetID="9" presetClass="entr" presetSubtype="0" fill="hold" grpId="0" nodeType="clickEffect">
+                                  <p:stCondLst>
+                                    <p:cond delay="0"/>
+                                  </p:stCondLst>
+                                  <p:childTnLst>
+                                    <p:set>
+                                      <p:cBhvr>
+                                        <p:cTn id="15" dur="1" fill="hold">
+                                          <p:stCondLst>
+                                            <p:cond delay="0"/>
+                                          </p:stCondLst>
+                                        </p:cTn>
+                                        <p:tgtEl>
+                                          <p:spTgt spid="11"/>
+                                        </p:tgtEl>
+                                        <p:attrNameLst>
+                                          <p:attrName>style.visibility</p:attrName>
+                                        </p:attrNameLst>
+                                      </p:cBhvr>
+                                      <p:to>
+                                        <p:strVal val="visible"/>
+                                      </p:to>
+                                    </p:set>
+                                    <p:animEffect transition="in" filter="dissolve">
+                                      <p:cBhvr>
+                                        <p:cTn id="16" dur="500"/>
+                                        <p:tgtEl>
+                                          <p:spTgt spid="11"/>
+                                        </p:tgtEl>
+                                      </p:cBhvr>
+                                    </p:animEffect>
+                                  </p:childTnLst>
+                                </p:cTn>
+                              </p:par>
+                            </p:childTnLst>
+                          </p:cTn>
+                        </p:par>
+                      </p:childTnLst>
+                    </p:cTn>
+                  </p:par>
+                  <p:par>
+                    <p:cTn id="17" fill="hold">
+                      <p:stCondLst>
+                        <p:cond delay="indefinite"/>
+                      </p:stCondLst>
+                      <p:childTnLst>
+                        <p:par>
+                          <p:cTn id="18" fill="hold">
+                            <p:stCondLst>
+                              <p:cond delay="0"/>
+                            </p:stCondLst>
+                            <p:childTnLst>
+                              <p:par>
+                                <p:cTn id="19" presetID="9" presetClass="entr" presetSubtype="0" fill="hold" grpId="0" nodeType="clickEffect">
+                                  <p:stCondLst>
+                                    <p:cond delay="0"/>
+                                  </p:stCondLst>
+                                  <p:childTnLst>
+                                    <p:set>
+                                      <p:cBhvr>
+                                        <p:cTn id="20" dur="1" fill="hold">
+                                          <p:stCondLst>
+                                            <p:cond delay="0"/>
+                                          </p:stCondLst>
+                                        </p:cTn>
+                                        <p:tgtEl>
+                                          <p:spTgt spid="12"/>
+                                        </p:tgtEl>
+                                        <p:attrNameLst>
+                                          <p:attrName>style.visibility</p:attrName>
+                                        </p:attrNameLst>
+                                      </p:cBhvr>
+                                      <p:to>
+                                        <p:strVal val="visible"/>
+                                      </p:to>
+                                    </p:set>
+                                    <p:animEffect transition="in" filter="dissolve">
+                                      <p:cBhvr>
+                                        <p:cTn id="21" dur="500"/>
+                                        <p:tgtEl>
+                                          <p:spTgt spid="12"/>
+                                        </p:tgtEl>
+                                      </p:cBhvr>
+                                    </p:animEffect>
+                                  </p:childTnLst>
+                                </p:cTn>
+                              </p:par>
+                            </p:childTnLst>
+                          </p:cTn>
+                        </p:par>
+                      </p:childTnLst>
+                    </p:cTn>
+                  </p:par>
+                  <p:par>
+                    <p:cTn id="22" fill="hold">
+                      <p:stCondLst>
+                        <p:cond delay="indefinite"/>
+                      </p:stCondLst>
+                      <p:childTnLst>
+                        <p:par>
+                          <p:cTn id="23" fill="hold">
+                            <p:stCondLst>
+                              <p:cond delay="0"/>
+                            </p:stCondLst>
+                            <p:childTnLst>
+                              <p:par>
+                                <p:cTn id="24" presetID="9" presetClass="entr" presetSubtype="0" fill="hold" grpId="0" nodeType="clickEffect">
+                                  <p:stCondLst>
+                                    <p:cond delay="0"/>
+                                  </p:stCondLst>
+                                  <p:childTnLst>
+                                    <p:set>
+                                      <p:cBhvr>
+                                        <p:cTn id="25" dur="1" fill="hold">
+                                          <p:stCondLst>
+                                            <p:cond delay="0"/>
+                                          </p:stCondLst>
+                                        </p:cTn>
+                                        <p:tgtEl>
+                                          <p:spTgt spid="13"/>
+                                        </p:tgtEl>
+                                        <p:attrNameLst>
+                                          <p:attrName>style.visibility</p:attrName>
+                                        </p:attrNameLst>
+                                      </p:cBhvr>
+                                      <p:to>
+                                        <p:strVal val="visible"/>
+                                      </p:to>
+                                    </p:set>
+                                    <p:animEffect transition="in" filter="dissolve">
+                                      <p:cBhvr>
+                                        <p:cTn id="26" dur="500"/>
+                                        <p:tgtEl>
+                                          <p:spTgt spid="13"/>
+                                        </p:tgtEl>
+                                      </p:cBhvr>
+                                    </p:animEffect>
+                                  </p:childTnLst>
+                                </p:cTn>
+                              </p:par>
+                            </p:childTnLst>
+                          </p:cTn>
+                        </p:par>
+                      </p:childTnLst>
+                    </p:cTn>
+                  </p:par>
+                </p:childTnLst>
+              </p:cTn>
+              <p:prevCondLst>
+                <p:cond evt="onPrev" delay="0">
+                  <p:tgtEl>
+                    <p:sldTgt/>
+                  </p:tgtEl>
+                </p:cond>
+              </p:prevCondLst>
+              <p:nextCondLst>
+                <p:cond evt="onNext" delay="0">
+                  <p:tgtEl>
+                    <p:sldTgt/>
+                  </p:tgtEl>
+                </p:cond>
+              </p:nextCondLst>
+            </p:seq>
+          </p:childTnLst>
+        </p:cTn>
+      </p:par>
+    </p:tnLst>
+    <p:bldLst>
+      <p:bldP spid="8" grpId="0" build="p" bldLvl="2"/>
+      <p:bldP spid="10" grpId="0" animBg="1"/>
+      <p:bldP spid="11" grpId="0" animBg="1"/>
+      <p:bldP spid="12" grpId="0" animBg="1"/>
+      <p:bldP spid="13" grpId="0" animBg="1"/>
+    </p:bldLst>
+  </p:timing>
+</p:sld>
+</file>
+
+<file path=ppt/slides/slide12.xml><?xml version="1.0" encoding="utf-8"?>
+<p:sld xmlns:a="http://schemas.openxmlformats.org/drawingml/2006/main" xmlns:r="http://schemas.openxmlformats.org/officeDocument/2006/relationships" xmlns:p="http://schemas.openxmlformats.org/presentationml/2006/main">
+  <p:cSld>
+    <p:spTree>
+      <p:nvGrpSpPr>
+        <p:cNvPr id="1" name=""/>
+        <p:cNvGrpSpPr/>
+        <p:nvPr/>
+      </p:nvGrpSpPr>
+      <p:grpSpPr>
+        <a:xfrm>
+          <a:off x="0" y="0"/>
+          <a:ext cx="0" cy="0"/>
+          <a:chOff x="0" y="0"/>
+          <a:chExt cx="0" cy="0"/>
+        </a:xfrm>
+      </p:grpSpPr>
+      <p:sp>
+        <p:nvSpPr>
+          <p:cNvPr id="24578" name="Rectangle 2"/>
+          <p:cNvSpPr>
+            <a:spLocks noGrp="1" noChangeArrowheads="1"/>
+          </p:cNvSpPr>
+          <p:nvPr>
+            <p:ph type="title"/>
+          </p:nvPr>
+        </p:nvSpPr>
+        <p:spPr>
+          <a:xfrm>
+            <a:off x="533400" y="457200"/>
+            <a:ext cx="8153400" cy="685800"/>
+          </a:xfrm>
+        </p:spPr>
+        <p:txBody>
+          <a:bodyPr>
+            <a:normAutofit fontScale="90000"/>
+          </a:bodyPr>
+          <a:lstStyle/>
+          <a:p>
+            <a:r>
+              <a:rPr lang="en-US" dirty="0">
+                <a:solidFill>
+                  <a:srgbClr val="0000FF"/>
+                </a:solidFill>
+              </a:rPr>
+              <a:t>List of C Features Banned in CS1010</a:t>
+            </a:r>
+            <a:endParaRPr lang="en-GB" dirty="0">
+              <a:solidFill>
+                <a:srgbClr val="0000FF"/>
+              </a:solidFill>
+            </a:endParaRPr>
+          </a:p>
+        </p:txBody>
+      </p:sp>
+      <p:sp>
+        <p:nvSpPr>
+          <p:cNvPr id="43" name="Slide Number Placeholder 42"/>
+          <p:cNvSpPr>
+            <a:spLocks noGrp="1"/>
+          </p:cNvSpPr>
+          <p:nvPr>
+            <p:ph type="sldNum" sz="quarter" idx="12"/>
+          </p:nvPr>
+        </p:nvSpPr>
+        <p:spPr/>
+        <p:txBody>
+          <a:bodyPr>
+            <a:normAutofit/>
+          </a:bodyPr>
+          <a:lstStyle/>
+          <a:p>
+            <a:pPr>
+              <a:defRPr/>
+            </a:pPr>
+            <a:r>
+              <a:rPr lang="en-US" dirty="0"/>
+              <a:t>Unit7</a:t>
+            </a:r>
+            <a:r>
+              <a:rPr dirty="0"/>
+              <a:t> - </a:t>
+            </a:r>
+            <a:fld id="{628B8346-B709-406B-887E-3E0CC6DA1327}" type="slidenum">
+              <a:rPr smtClean="0"/>
+              <a:pPr>
+                <a:defRPr/>
+              </a:pPr>
+              <a:t>12</a:t>
+            </a:fld>
+            <a:endParaRPr dirty="0"/>
+          </a:p>
+        </p:txBody>
+      </p:sp>
+      <p:sp>
+        <p:nvSpPr>
+          <p:cNvPr id="10" name="HighlightTextShape201406241503265130"/>
+          <p:cNvSpPr>
+            <a:spLocks noChangeArrowheads="1"/>
+          </p:cNvSpPr>
+          <p:nvPr/>
+        </p:nvSpPr>
+        <p:spPr bwMode="auto">
+          <a:xfrm>
+            <a:off x="491319" y="1219200"/>
+            <a:ext cx="7890681" cy="2438400"/>
+          </a:xfrm>
+          <a:prstGeom prst="rect">
+            <a:avLst/>
+          </a:prstGeom>
+          <a:noFill/>
+          <a:ln w="9525">
+            <a:noFill/>
+            <a:miter lim="800000"/>
+            <a:headEnd/>
+            <a:tailEnd/>
+          </a:ln>
+        </p:spPr>
+        <p:txBody>
+          <a:bodyPr/>
+          <a:lstStyle/>
+          <a:p>
+            <a:pPr marL="347663" indent="-347663">
+              <a:spcBef>
+                <a:spcPts val="600"/>
+              </a:spcBef>
+              <a:buClr>
+                <a:schemeClr val="tx1">
+                  <a:lumMod val="90000"/>
+                  <a:lumOff val="10000"/>
+                </a:schemeClr>
+              </a:buClr>
+              <a:buSzPct val="100000"/>
+              <a:buFont typeface="Wingdings" panose="05000000000000000000" pitchFamily="2" charset="2"/>
+              <a:buChar char="§"/>
+              <a:defRPr/>
+            </a:pPr>
+            <a:r>
+              <a:rPr lang="en-US" sz="2800" dirty="0"/>
+              <a:t>Increment / Decrement operators</a:t>
+            </a:r>
+          </a:p>
+          <a:p>
+            <a:pPr marL="804863" lvl="1" indent="-347663">
+              <a:spcBef>
+                <a:spcPts val="600"/>
+              </a:spcBef>
+              <a:buClr>
+                <a:schemeClr val="tx1">
+                  <a:lumMod val="90000"/>
+                  <a:lumOff val="10000"/>
+                </a:schemeClr>
+              </a:buClr>
+              <a:buSzPct val="100000"/>
+              <a:buFont typeface="Wingdings" panose="05000000000000000000" pitchFamily="2" charset="2"/>
+              <a:buChar char="§"/>
+              <a:defRPr/>
+            </a:pPr>
+            <a:r>
+              <a:rPr lang="en-US" sz="2800" dirty="0"/>
+              <a:t>++, --</a:t>
+            </a:r>
+          </a:p>
+          <a:p>
+            <a:pPr marL="347663" indent="-347663">
+              <a:spcBef>
+                <a:spcPts val="600"/>
+              </a:spcBef>
+              <a:buClr>
+                <a:schemeClr val="tx1">
+                  <a:lumMod val="90000"/>
+                  <a:lumOff val="10000"/>
+                </a:schemeClr>
+              </a:buClr>
+              <a:buSzPct val="100000"/>
+              <a:buFont typeface="Wingdings" panose="05000000000000000000" pitchFamily="2" charset="2"/>
+              <a:buChar char="§"/>
+              <a:defRPr/>
+            </a:pPr>
+            <a:endParaRPr lang="en-US" sz="2400" dirty="0"/>
+          </a:p>
+          <a:p>
+            <a:pPr marL="347663" indent="-347663">
+              <a:spcBef>
+                <a:spcPts val="600"/>
+              </a:spcBef>
+              <a:buClr>
+                <a:schemeClr val="tx1">
+                  <a:lumMod val="90000"/>
+                  <a:lumOff val="10000"/>
+                </a:schemeClr>
+              </a:buClr>
+              <a:buSzPct val="100000"/>
+              <a:buFont typeface="Wingdings" panose="05000000000000000000" pitchFamily="2" charset="2"/>
+              <a:buChar char="§"/>
+              <a:defRPr/>
+            </a:pPr>
+            <a:r>
+              <a:rPr lang="en-US" sz="2800" dirty="0"/>
+              <a:t>Less representative / precise types</a:t>
+            </a:r>
+          </a:p>
+          <a:p>
+            <a:pPr marL="804863" lvl="1" indent="-347663">
+              <a:spcBef>
+                <a:spcPts val="600"/>
+              </a:spcBef>
+              <a:buClr>
+                <a:schemeClr val="tx1">
+                  <a:lumMod val="90000"/>
+                  <a:lumOff val="10000"/>
+                </a:schemeClr>
+              </a:buClr>
+              <a:buSzPct val="100000"/>
+              <a:buFont typeface="Wingdings" panose="05000000000000000000" pitchFamily="2" charset="2"/>
+              <a:buChar char="§"/>
+              <a:defRPr/>
+            </a:pPr>
+            <a:r>
+              <a:rPr lang="en-US" sz="2400" dirty="0"/>
+              <a:t>int, short, float </a:t>
+            </a:r>
+          </a:p>
+          <a:p>
+            <a:pPr marL="804863" lvl="1" indent="-347663">
+              <a:spcBef>
+                <a:spcPts val="600"/>
+              </a:spcBef>
+              <a:buClr>
+                <a:schemeClr val="tx1">
+                  <a:lumMod val="90000"/>
+                  <a:lumOff val="10000"/>
+                </a:schemeClr>
+              </a:buClr>
+              <a:buSzPct val="100000"/>
+              <a:buFont typeface="Wingdings" panose="05000000000000000000" pitchFamily="2" charset="2"/>
+              <a:buChar char="§"/>
+              <a:defRPr/>
+            </a:pPr>
+            <a:endParaRPr lang="en-US" sz="2400" dirty="0"/>
+          </a:p>
+          <a:p>
+            <a:pPr marL="347663" indent="-347663">
+              <a:spcBef>
+                <a:spcPts val="600"/>
+              </a:spcBef>
+              <a:buClr>
+                <a:schemeClr val="tx1">
+                  <a:lumMod val="90000"/>
+                  <a:lumOff val="10000"/>
+                </a:schemeClr>
+              </a:buClr>
+              <a:buSzPct val="100000"/>
+              <a:buFont typeface="Wingdings" panose="05000000000000000000" pitchFamily="2" charset="2"/>
+              <a:buChar char="§"/>
+              <a:defRPr/>
+            </a:pPr>
+            <a:r>
+              <a:rPr lang="en-US" sz="2800" dirty="0"/>
+              <a:t>Global variables</a:t>
+            </a:r>
+          </a:p>
+          <a:p>
+            <a:pPr marL="347663" indent="-347663">
+              <a:spcBef>
+                <a:spcPts val="600"/>
+              </a:spcBef>
+              <a:buClr>
+                <a:schemeClr val="tx1">
+                  <a:lumMod val="90000"/>
+                  <a:lumOff val="10000"/>
+                </a:schemeClr>
+              </a:buClr>
+              <a:buSzPct val="100000"/>
+              <a:buFont typeface="Wingdings" panose="05000000000000000000" pitchFamily="2" charset="2"/>
+              <a:buChar char="§"/>
+              <a:defRPr/>
+            </a:pPr>
+            <a:endParaRPr lang="en-US" sz="2400" dirty="0"/>
+          </a:p>
+          <a:p>
+            <a:pPr marL="347663" indent="-347663">
+              <a:spcBef>
+                <a:spcPts val="600"/>
+              </a:spcBef>
+              <a:buClr>
+                <a:schemeClr val="tx1">
+                  <a:lumMod val="90000"/>
+                  <a:lumOff val="10000"/>
+                </a:schemeClr>
+              </a:buClr>
+              <a:buSzPct val="100000"/>
+              <a:buFont typeface="Wingdings" panose="05000000000000000000" pitchFamily="2" charset="2"/>
+              <a:buChar char="§"/>
+              <a:defRPr/>
+            </a:pPr>
+            <a:r>
+              <a:rPr lang="en-US" sz="2800" dirty="0"/>
+              <a:t>Discouraged (but not banned)</a:t>
+            </a:r>
+          </a:p>
+          <a:p>
+            <a:pPr marL="804863" lvl="1" indent="-347663">
+              <a:spcBef>
+                <a:spcPts val="600"/>
+              </a:spcBef>
+              <a:buClr>
+                <a:schemeClr val="tx1">
+                  <a:lumMod val="90000"/>
+                  <a:lumOff val="10000"/>
+                </a:schemeClr>
+              </a:buClr>
+              <a:buSzPct val="100000"/>
+              <a:buFont typeface="Wingdings" panose="05000000000000000000" pitchFamily="2" charset="2"/>
+              <a:buChar char="§"/>
+              <a:defRPr/>
+            </a:pPr>
+            <a:r>
+              <a:rPr lang="en-US" sz="2400" dirty="0" err="1"/>
+              <a:t>scanf</a:t>
+            </a:r>
+            <a:r>
+              <a:rPr lang="en-US" sz="2400" dirty="0"/>
+              <a:t> / </a:t>
+            </a:r>
+            <a:r>
+              <a:rPr lang="en-US" sz="2400" dirty="0" err="1"/>
+              <a:t>printf</a:t>
+            </a:r>
+            <a:endParaRPr lang="en-US" sz="2400" dirty="0"/>
+          </a:p>
+          <a:p>
+            <a:pPr marL="804863" lvl="1" indent="-347663">
+              <a:spcBef>
+                <a:spcPts val="600"/>
+              </a:spcBef>
+              <a:buClr>
+                <a:schemeClr val="tx1">
+                  <a:lumMod val="90000"/>
+                  <a:lumOff val="10000"/>
+                </a:schemeClr>
+              </a:buClr>
+              <a:buSzPct val="100000"/>
+              <a:buFont typeface="Wingdings" panose="05000000000000000000" pitchFamily="2" charset="2"/>
+              <a:buChar char="§"/>
+              <a:defRPr/>
+            </a:pPr>
+            <a:r>
+              <a:rPr lang="en-US" sz="2400" dirty="0"/>
+              <a:t>Skipping of parentheses</a:t>
+            </a:r>
+          </a:p>
+          <a:p>
+            <a:pPr lvl="1">
+              <a:spcBef>
+                <a:spcPts val="600"/>
+              </a:spcBef>
+              <a:buClr>
+                <a:schemeClr val="tx1">
+                  <a:lumMod val="90000"/>
+                  <a:lumOff val="10000"/>
+                </a:schemeClr>
+              </a:buClr>
+              <a:buSzPct val="100000"/>
+              <a:defRPr/>
+            </a:pPr>
+            <a:endParaRPr lang="en-US" sz="2400" dirty="0"/>
+          </a:p>
+          <a:p>
+            <a:pPr marL="804863" lvl="1" indent="-347663">
+              <a:spcBef>
+                <a:spcPts val="600"/>
+              </a:spcBef>
+              <a:buClr>
+                <a:schemeClr val="tx1">
+                  <a:lumMod val="90000"/>
+                  <a:lumOff val="10000"/>
+                </a:schemeClr>
+              </a:buClr>
+              <a:buSzPct val="100000"/>
+              <a:buFont typeface="Wingdings" panose="05000000000000000000" pitchFamily="2" charset="2"/>
+              <a:buChar char="§"/>
+              <a:defRPr/>
+            </a:pPr>
+            <a:endParaRPr lang="en-US" sz="2400" dirty="0"/>
+          </a:p>
+          <a:p>
+            <a:pPr marL="804863" lvl="1" indent="-347663">
+              <a:spcBef>
+                <a:spcPts val="600"/>
+              </a:spcBef>
+              <a:buClr>
+                <a:schemeClr val="tx1">
+                  <a:lumMod val="90000"/>
+                  <a:lumOff val="10000"/>
+                </a:schemeClr>
+              </a:buClr>
+              <a:buSzPct val="100000"/>
+              <a:buFont typeface="Wingdings" panose="05000000000000000000" pitchFamily="2" charset="2"/>
+              <a:buChar char="§"/>
+              <a:defRPr/>
+            </a:pPr>
+            <a:endParaRPr lang="en-US" sz="2400" dirty="0"/>
+          </a:p>
+          <a:p>
+            <a:pPr marL="804863" lvl="1" indent="-347663">
+              <a:spcBef>
+                <a:spcPts val="600"/>
+              </a:spcBef>
+              <a:buClr>
+                <a:schemeClr val="tx1">
+                  <a:lumMod val="90000"/>
+                  <a:lumOff val="10000"/>
+                </a:schemeClr>
+              </a:buClr>
+              <a:buSzPct val="100000"/>
+              <a:buFont typeface="Wingdings" panose="05000000000000000000" pitchFamily="2" charset="2"/>
+              <a:buChar char="§"/>
+              <a:defRPr/>
+            </a:pPr>
+            <a:endParaRPr lang="en-US" sz="2400" dirty="0"/>
+          </a:p>
+        </p:txBody>
+      </p:sp>
+      <p:sp>
+        <p:nvSpPr>
+          <p:cNvPr id="6" name="[Date Placeholder 3]"/>
+          <p:cNvSpPr>
+            <a:spLocks noGrp="1"/>
+          </p:cNvSpPr>
+          <p:nvPr>
+            <p:ph type="dt" sz="half" idx="10"/>
+          </p:nvPr>
+        </p:nvSpPr>
+        <p:spPr>
+          <a:xfrm>
+            <a:off x="457200" y="18288"/>
+            <a:ext cx="2895600" cy="329184"/>
+          </a:xfrm>
+        </p:spPr>
+        <p:txBody>
+          <a:bodyPr/>
+          <a:lstStyle/>
+          <a:p>
+            <a:pPr>
+              <a:defRPr/>
+            </a:pPr>
+            <a:r>
+              <a:rPr lang="en-US" dirty="0"/>
+              <a:t>© NUS</a:t>
+            </a:r>
+          </a:p>
+        </p:txBody>
+      </p:sp>
+      <p:sp>
+        <p:nvSpPr>
+          <p:cNvPr id="7" name="TextBox 6">
+            <a:extLst>
+              <a:ext uri="{FF2B5EF4-FFF2-40B4-BE49-F238E27FC236}">
+                <a16:creationId xmlns:a16="http://schemas.microsoft.com/office/drawing/2014/main" id="{6CEDB03E-9D64-4159-B715-8A7364DA86DA}"/>
+              </a:ext>
+            </a:extLst>
+          </p:cNvPr>
+          <p:cNvSpPr txBox="1"/>
+          <p:nvPr/>
+        </p:nvSpPr>
+        <p:spPr>
+          <a:xfrm>
+            <a:off x="6061381" y="5693863"/>
+            <a:ext cx="2730079" cy="646331"/>
+          </a:xfrm>
+          <a:prstGeom prst="rect">
+            <a:avLst/>
+          </a:prstGeom>
+          <a:solidFill>
+            <a:srgbClr val="FFFF99"/>
+          </a:solidFill>
+          <a:ln w="12700"/>
+        </p:spPr>
+        <p:style>
+          <a:lnRef idx="2">
+            <a:schemeClr val="accent4"/>
+          </a:lnRef>
+          <a:fillRef idx="1">
+            <a:schemeClr val="lt1"/>
+          </a:fillRef>
+          <a:effectRef idx="0">
+            <a:schemeClr val="accent4"/>
+          </a:effectRef>
+          <a:fontRef idx="minor">
+            <a:schemeClr val="dk1"/>
+          </a:fontRef>
+        </p:style>
+        <p:txBody>
+          <a:bodyPr wrap="square" rtlCol="0">
+            <a:spAutoFit/>
+          </a:bodyPr>
+          <a:lstStyle/>
+          <a:p>
+            <a:r>
+              <a:rPr lang="en-US" dirty="0"/>
+              <a:t>Read "C in CS1010" for a complete list!</a:t>
+            </a:r>
+          </a:p>
+        </p:txBody>
+      </p:sp>
+      <p:sp>
+        <p:nvSpPr>
+          <p:cNvPr id="8" name="TextBox 7">
+            <a:extLst>
+              <a:ext uri="{FF2B5EF4-FFF2-40B4-BE49-F238E27FC236}">
+                <a16:creationId xmlns:a16="http://schemas.microsoft.com/office/drawing/2014/main" id="{D42FF041-4467-4623-9444-18376ADE5E33}"/>
+              </a:ext>
+            </a:extLst>
+          </p:cNvPr>
+          <p:cNvSpPr txBox="1"/>
+          <p:nvPr/>
+        </p:nvSpPr>
+        <p:spPr>
+          <a:xfrm>
+            <a:off x="3003767" y="1699573"/>
+            <a:ext cx="3551038" cy="923330"/>
+          </a:xfrm>
+          <a:prstGeom prst="rect">
+            <a:avLst/>
+          </a:prstGeom>
+          <a:noFill/>
+        </p:spPr>
+        <p:style>
+          <a:lnRef idx="2">
+            <a:schemeClr val="accent5"/>
+          </a:lnRef>
+          <a:fillRef idx="1">
+            <a:schemeClr val="lt1"/>
+          </a:fillRef>
+          <a:effectRef idx="0">
+            <a:schemeClr val="accent5"/>
+          </a:effectRef>
+          <a:fontRef idx="minor">
+            <a:schemeClr val="dk1"/>
+          </a:fontRef>
+        </p:style>
+        <p:txBody>
+          <a:bodyPr wrap="square" rtlCol="0">
+            <a:spAutoFit/>
+          </a:bodyPr>
+          <a:lstStyle/>
+          <a:p>
+            <a:r>
+              <a:rPr lang="en-US" b="1" dirty="0">
+                <a:solidFill>
+                  <a:srgbClr val="0000FF"/>
+                </a:solidFill>
+                <a:latin typeface="Courier New" pitchFamily="49" charset="0"/>
+                <a:cs typeface="Courier New" pitchFamily="49" charset="0"/>
+              </a:rPr>
+              <a:t>long </a:t>
+            </a:r>
+            <a:r>
+              <a:rPr lang="en-US" b="1" dirty="0">
+                <a:solidFill>
+                  <a:schemeClr val="tx1"/>
+                </a:solidFill>
+                <a:latin typeface="Courier New" pitchFamily="49" charset="0"/>
+                <a:cs typeface="Courier New" pitchFamily="49" charset="0"/>
+              </a:rPr>
+              <a:t>a = </a:t>
+            </a:r>
+            <a:r>
+              <a:rPr lang="en-US" b="1" dirty="0">
+                <a:solidFill>
+                  <a:srgbClr val="C00000"/>
+                </a:solidFill>
+                <a:latin typeface="Courier New" pitchFamily="49" charset="0"/>
+                <a:cs typeface="Courier New" pitchFamily="49" charset="0"/>
+              </a:rPr>
+              <a:t>1</a:t>
+            </a:r>
+            <a:r>
+              <a:rPr lang="en-US" b="1" dirty="0">
+                <a:solidFill>
+                  <a:schemeClr val="tx1"/>
+                </a:solidFill>
+                <a:latin typeface="Courier New" pitchFamily="49" charset="0"/>
+                <a:cs typeface="Courier New" pitchFamily="49" charset="0"/>
+              </a:rPr>
+              <a:t>, b = </a:t>
+            </a:r>
+            <a:r>
+              <a:rPr lang="en-US" b="1" dirty="0">
+                <a:solidFill>
+                  <a:srgbClr val="C00000"/>
+                </a:solidFill>
+                <a:latin typeface="Courier New" pitchFamily="49" charset="0"/>
+                <a:cs typeface="Courier New" pitchFamily="49" charset="0"/>
+              </a:rPr>
+              <a:t>1</a:t>
+            </a:r>
+            <a:r>
+              <a:rPr lang="en-US" b="1" dirty="0">
+                <a:solidFill>
+                  <a:schemeClr val="tx1"/>
+                </a:solidFill>
+                <a:latin typeface="Courier New" pitchFamily="49" charset="0"/>
+                <a:cs typeface="Courier New" pitchFamily="49" charset="0"/>
+              </a:rPr>
+              <a:t>, c, d;</a:t>
+            </a:r>
+          </a:p>
+          <a:p>
+            <a:r>
+              <a:rPr lang="en-US" b="1" dirty="0">
+                <a:solidFill>
+                  <a:schemeClr val="tx1"/>
+                </a:solidFill>
+                <a:latin typeface="Courier New" pitchFamily="49" charset="0"/>
+                <a:cs typeface="Courier New" pitchFamily="49" charset="0"/>
+              </a:rPr>
+              <a:t>c = ++a; </a:t>
+            </a:r>
+          </a:p>
+          <a:p>
+            <a:r>
+              <a:rPr lang="en-US" b="1" dirty="0">
+                <a:solidFill>
+                  <a:schemeClr val="tx1"/>
+                </a:solidFill>
+                <a:latin typeface="Courier New" pitchFamily="49" charset="0"/>
+                <a:cs typeface="Courier New" pitchFamily="49" charset="0"/>
+              </a:rPr>
+              <a:t>d = b++;</a:t>
+            </a:r>
+          </a:p>
+        </p:txBody>
+      </p:sp>
+      <p:sp>
+        <p:nvSpPr>
+          <p:cNvPr id="9" name="TextBox 8">
+            <a:extLst>
+              <a:ext uri="{FF2B5EF4-FFF2-40B4-BE49-F238E27FC236}">
+                <a16:creationId xmlns:a16="http://schemas.microsoft.com/office/drawing/2014/main" id="{0CD01FD6-8926-4CF2-A39A-604D5EC763BB}"/>
+              </a:ext>
+            </a:extLst>
+          </p:cNvPr>
+          <p:cNvSpPr txBox="1">
+            <a:spLocks noChangeArrowheads="1"/>
+          </p:cNvSpPr>
+          <p:nvPr/>
+        </p:nvSpPr>
+        <p:spPr bwMode="auto">
+          <a:xfrm>
+            <a:off x="6710923" y="2096445"/>
+            <a:ext cx="1528963" cy="400110"/>
+          </a:xfrm>
+          <a:prstGeom prst="rect">
+            <a:avLst/>
+          </a:prstGeom>
+          <a:noFill/>
+          <a:ln w="9525">
+            <a:noFill/>
+            <a:miter lim="800000"/>
+            <a:headEnd/>
+            <a:tailEnd/>
+          </a:ln>
+        </p:spPr>
+        <p:txBody>
+          <a:bodyPr wrap="square">
+            <a:spAutoFit/>
+          </a:bodyPr>
+          <a:lstStyle/>
+          <a:p>
+            <a:r>
+              <a:rPr lang="en-US" sz="2000" dirty="0">
+                <a:solidFill>
+                  <a:srgbClr val="7030A0"/>
+                </a:solidFill>
+                <a:latin typeface="+mj-lt"/>
+                <a:cs typeface="Courier New" pitchFamily="49" charset="0"/>
+              </a:rPr>
+              <a:t>c is 2</a:t>
+            </a:r>
+            <a:endParaRPr lang="en-SG" sz="2000" dirty="0">
+              <a:solidFill>
+                <a:srgbClr val="7030A0"/>
+              </a:solidFill>
+              <a:latin typeface="+mj-lt"/>
+              <a:cs typeface="Courier New" pitchFamily="49" charset="0"/>
+            </a:endParaRPr>
+          </a:p>
+        </p:txBody>
+      </p:sp>
+      <p:sp>
+        <p:nvSpPr>
+          <p:cNvPr id="11" name="TextBox 10">
+            <a:extLst>
+              <a:ext uri="{FF2B5EF4-FFF2-40B4-BE49-F238E27FC236}">
+                <a16:creationId xmlns:a16="http://schemas.microsoft.com/office/drawing/2014/main" id="{373B5CC2-E0C3-4602-B391-29AF95E6E8EA}"/>
+              </a:ext>
+            </a:extLst>
+          </p:cNvPr>
+          <p:cNvSpPr txBox="1">
+            <a:spLocks noChangeArrowheads="1"/>
+          </p:cNvSpPr>
+          <p:nvPr/>
+        </p:nvSpPr>
+        <p:spPr bwMode="auto">
+          <a:xfrm>
+            <a:off x="6701299" y="2367930"/>
+            <a:ext cx="1528963" cy="400110"/>
+          </a:xfrm>
+          <a:prstGeom prst="rect">
+            <a:avLst/>
+          </a:prstGeom>
+          <a:noFill/>
+          <a:ln w="9525">
+            <a:noFill/>
+            <a:miter lim="800000"/>
+            <a:headEnd/>
+            <a:tailEnd/>
+          </a:ln>
+        </p:spPr>
+        <p:txBody>
+          <a:bodyPr wrap="square">
+            <a:spAutoFit/>
+          </a:bodyPr>
+          <a:lstStyle/>
+          <a:p>
+            <a:r>
+              <a:rPr lang="en-US" sz="2000" dirty="0">
+                <a:solidFill>
+                  <a:srgbClr val="7030A0"/>
+                </a:solidFill>
+                <a:latin typeface="+mj-lt"/>
+                <a:cs typeface="Courier New" pitchFamily="49" charset="0"/>
+              </a:rPr>
+              <a:t>d is 1</a:t>
+            </a:r>
+            <a:endParaRPr lang="en-SG" sz="2000" dirty="0">
+              <a:solidFill>
+                <a:srgbClr val="7030A0"/>
+              </a:solidFill>
+              <a:latin typeface="+mj-lt"/>
+              <a:cs typeface="Courier New" pitchFamily="49" charset="0"/>
+            </a:endParaRPr>
+          </a:p>
+        </p:txBody>
+      </p:sp>
+      <p:sp>
+        <p:nvSpPr>
+          <p:cNvPr id="12" name="TextBox 11">
+            <a:extLst>
+              <a:ext uri="{FF2B5EF4-FFF2-40B4-BE49-F238E27FC236}">
+                <a16:creationId xmlns:a16="http://schemas.microsoft.com/office/drawing/2014/main" id="{368F4710-4221-421C-B481-672CC127B710}"/>
+              </a:ext>
+            </a:extLst>
+          </p:cNvPr>
+          <p:cNvSpPr txBox="1">
+            <a:spLocks noChangeArrowheads="1"/>
+          </p:cNvSpPr>
+          <p:nvPr/>
+        </p:nvSpPr>
+        <p:spPr bwMode="auto">
+          <a:xfrm>
+            <a:off x="6691674" y="1550627"/>
+            <a:ext cx="1528963" cy="400110"/>
+          </a:xfrm>
+          <a:prstGeom prst="rect">
+            <a:avLst/>
+          </a:prstGeom>
+          <a:noFill/>
+          <a:ln w="9525">
+            <a:noFill/>
+            <a:miter lim="800000"/>
+            <a:headEnd/>
+            <a:tailEnd/>
+          </a:ln>
+        </p:spPr>
+        <p:txBody>
+          <a:bodyPr wrap="square">
+            <a:spAutoFit/>
+          </a:bodyPr>
+          <a:lstStyle/>
+          <a:p>
+            <a:r>
+              <a:rPr lang="en-US" sz="2000" dirty="0">
+                <a:solidFill>
+                  <a:srgbClr val="7030A0"/>
+                </a:solidFill>
+                <a:latin typeface="+mj-lt"/>
+                <a:cs typeface="Courier New" pitchFamily="49" charset="0"/>
+              </a:rPr>
+              <a:t>a is 2</a:t>
+            </a:r>
+            <a:endParaRPr lang="en-SG" sz="2000" dirty="0">
+              <a:solidFill>
+                <a:srgbClr val="7030A0"/>
+              </a:solidFill>
+              <a:latin typeface="+mj-lt"/>
+              <a:cs typeface="Courier New" pitchFamily="49" charset="0"/>
+            </a:endParaRPr>
+          </a:p>
+        </p:txBody>
+      </p:sp>
+      <p:sp>
+        <p:nvSpPr>
+          <p:cNvPr id="13" name="TextBox 12">
+            <a:extLst>
+              <a:ext uri="{FF2B5EF4-FFF2-40B4-BE49-F238E27FC236}">
+                <a16:creationId xmlns:a16="http://schemas.microsoft.com/office/drawing/2014/main" id="{D7C7AAAE-12E9-4C4F-A67F-4EEA919E57CA}"/>
+              </a:ext>
+            </a:extLst>
+          </p:cNvPr>
+          <p:cNvSpPr txBox="1">
+            <a:spLocks noChangeArrowheads="1"/>
+          </p:cNvSpPr>
+          <p:nvPr/>
+        </p:nvSpPr>
+        <p:spPr bwMode="auto">
+          <a:xfrm>
+            <a:off x="6703921" y="1826882"/>
+            <a:ext cx="1528963" cy="400110"/>
+          </a:xfrm>
+          <a:prstGeom prst="rect">
+            <a:avLst/>
+          </a:prstGeom>
+          <a:noFill/>
+          <a:ln w="9525">
+            <a:noFill/>
+            <a:miter lim="800000"/>
+            <a:headEnd/>
+            <a:tailEnd/>
+          </a:ln>
+        </p:spPr>
+        <p:txBody>
+          <a:bodyPr wrap="square">
+            <a:spAutoFit/>
+          </a:bodyPr>
+          <a:lstStyle/>
+          <a:p>
+            <a:r>
+              <a:rPr lang="en-US" sz="2000" dirty="0">
+                <a:solidFill>
+                  <a:srgbClr val="7030A0"/>
+                </a:solidFill>
+                <a:latin typeface="+mj-lt"/>
+                <a:cs typeface="Courier New" pitchFamily="49" charset="0"/>
+              </a:rPr>
+              <a:t>b is 2</a:t>
+            </a:r>
+            <a:endParaRPr lang="en-SG" sz="2000" dirty="0">
+              <a:solidFill>
+                <a:srgbClr val="7030A0"/>
+              </a:solidFill>
+              <a:latin typeface="+mj-lt"/>
+              <a:cs typeface="Courier New" pitchFamily="49" charset="0"/>
+            </a:endParaRPr>
+          </a:p>
+        </p:txBody>
+      </p:sp>
+    </p:spTree>
+    <p:extLst>
+      <p:ext uri="{BB962C8B-B14F-4D97-AF65-F5344CB8AC3E}">
+        <p14:creationId xmlns:p14="http://schemas.microsoft.com/office/powerpoint/2010/main" val="4067780456"/>
+      </p:ext>
+    </p:extLst>
+  </p:cSld>
+  <p:clrMapOvr>
+    <a:masterClrMapping/>
+  </p:clrMapOvr>
+  <p:transition>
+    <p:fade/>
+  </p:transition>
+  <p:timing>
+    <p:tnLst>
+      <p:par>
+        <p:cTn id="1" dur="indefinite" restart="never" nodeType="tmRoot">
+          <p:childTnLst>
+            <p:seq concurrent="1" nextAc="seek">
+              <p:cTn id="2" dur="indefinite" nodeType="mainSeq">
+                <p:childTnLst>
+                  <p:par>
+                    <p:cTn id="3" fill="hold">
+                      <p:stCondLst>
+                        <p:cond delay="indefinite"/>
+                        <p:cond evt="onBegin" delay="0">
+                          <p:tn val="2"/>
+                        </p:cond>
+                      </p:stCondLst>
+                      <p:childTnLst>
+                        <p:par>
+                          <p:cTn id="4" fill="hold">
+                            <p:stCondLst>
+                              <p:cond delay="0"/>
+                            </p:stCondLst>
+                            <p:childTnLst>
+                              <p:par>
+                                <p:cTn id="5" presetID="9" presetClass="entr" presetSubtype="0" fill="hold" grpId="0" nodeType="afterEffect">
+                                  <p:stCondLst>
+                                    <p:cond delay="0"/>
+                                  </p:stCondLst>
+                                  <p:childTnLst>
+                                    <p:set>
+                                      <p:cBhvr>
+                                        <p:cTn id="6" dur="1" fill="hold">
+                                          <p:stCondLst>
+                                            <p:cond delay="0"/>
+                                          </p:stCondLst>
+                                        </p:cTn>
+                                        <p:tgtEl>
+                                          <p:spTgt spid="7"/>
+                                        </p:tgtEl>
+                                        <p:attrNameLst>
+                                          <p:attrName>style.visibility</p:attrName>
+                                        </p:attrNameLst>
+                                      </p:cBhvr>
+                                      <p:to>
+                                        <p:strVal val="visible"/>
+                                      </p:to>
+                                    </p:set>
+                                    <p:animEffect transition="in" filter="dissolve">
+                                      <p:cBhvr>
+                                        <p:cTn id="7" dur="500"/>
+                                        <p:tgtEl>
+                                          <p:spTgt spid="7"/>
+                                        </p:tgtEl>
+                                      </p:cBhvr>
+                                    </p:animEffect>
+                                  </p:childTnLst>
+                                </p:cTn>
+                              </p:par>
+                            </p:childTnLst>
+                          </p:cTn>
+                        </p:par>
+                        <p:par>
+                          <p:cTn id="8" fill="hold">
+                            <p:stCondLst>
+                              <p:cond delay="500"/>
+                            </p:stCondLst>
+                            <p:childTnLst>
+                              <p:par>
+                                <p:cTn id="9" presetID="9" presetClass="entr" presetSubtype="0" fill="hold" grpId="0" nodeType="afterEffect">
+                                  <p:stCondLst>
+                                    <p:cond delay="0"/>
+                                  </p:stCondLst>
+                                  <p:childTnLst>
+                                    <p:set>
+                                      <p:cBhvr>
+                                        <p:cTn id="10" dur="1" fill="hold">
+                                          <p:stCondLst>
+                                            <p:cond delay="0"/>
+                                          </p:stCondLst>
+                                        </p:cTn>
+                                        <p:tgtEl>
+                                          <p:spTgt spid="8"/>
+                                        </p:tgtEl>
+                                        <p:attrNameLst>
+                                          <p:attrName>style.visibility</p:attrName>
+                                        </p:attrNameLst>
+                                      </p:cBhvr>
+                                      <p:to>
+                                        <p:strVal val="visible"/>
+                                      </p:to>
+                                    </p:set>
+                                    <p:animEffect transition="in" filter="dissolve">
+                                      <p:cBhvr>
+                                        <p:cTn id="11" dur="500"/>
+                                        <p:tgtEl>
+                                          <p:spTgt spid="8"/>
+                                        </p:tgtEl>
+                                      </p:cBhvr>
+                                    </p:animEffect>
+                                  </p:childTnLst>
+                                </p:cTn>
+                              </p:par>
+                            </p:childTnLst>
+                          </p:cTn>
+                        </p:par>
+                      </p:childTnLst>
+                    </p:cTn>
+                  </p:par>
+                  <p:par>
+                    <p:cTn id="12" fill="hold">
+                      <p:stCondLst>
+                        <p:cond delay="indefinite"/>
+                      </p:stCondLst>
+                      <p:childTnLst>
+                        <p:par>
+                          <p:cTn id="13" fill="hold">
+                            <p:stCondLst>
+                              <p:cond delay="0"/>
+                            </p:stCondLst>
+                            <p:childTnLst>
+                              <p:par>
+                                <p:cTn id="14" presetID="9" presetClass="entr" presetSubtype="0" fill="hold" grpId="0" nodeType="clickEffect">
+                                  <p:stCondLst>
+                                    <p:cond delay="0"/>
+                                  </p:stCondLst>
+                                  <p:childTnLst>
+                                    <p:set>
+                                      <p:cBhvr>
+                                        <p:cTn id="15" dur="1" fill="hold">
+                                          <p:stCondLst>
+                                            <p:cond delay="0"/>
+                                          </p:stCondLst>
+                                        </p:cTn>
+                                        <p:tgtEl>
+                                          <p:spTgt spid="9"/>
+                                        </p:tgtEl>
+                                        <p:attrNameLst>
+                                          <p:attrName>style.visibility</p:attrName>
+                                        </p:attrNameLst>
+                                      </p:cBhvr>
+                                      <p:to>
+                                        <p:strVal val="visible"/>
+                                      </p:to>
+                                    </p:set>
+                                    <p:animEffect transition="in" filter="dissolve">
+                                      <p:cBhvr>
+                                        <p:cTn id="16" dur="500"/>
+                                        <p:tgtEl>
+                                          <p:spTgt spid="9"/>
+                                        </p:tgtEl>
+                                      </p:cBhvr>
+                                    </p:animEffect>
+                                  </p:childTnLst>
+                                </p:cTn>
+                              </p:par>
+                            </p:childTnLst>
+                          </p:cTn>
+                        </p:par>
+                      </p:childTnLst>
+                    </p:cTn>
+                  </p:par>
+                  <p:par>
+                    <p:cTn id="17" fill="hold">
+                      <p:stCondLst>
+                        <p:cond delay="indefinite"/>
+                      </p:stCondLst>
+                      <p:childTnLst>
+                        <p:par>
+                          <p:cTn id="18" fill="hold">
+                            <p:stCondLst>
+                              <p:cond delay="0"/>
+                            </p:stCondLst>
+                            <p:childTnLst>
+                              <p:par>
+                                <p:cTn id="19" presetID="9" presetClass="entr" presetSubtype="0" fill="hold" grpId="0" nodeType="clickEffect">
+                                  <p:stCondLst>
+                                    <p:cond delay="0"/>
+                                  </p:stCondLst>
+                                  <p:childTnLst>
+                                    <p:set>
+                                      <p:cBhvr>
+                                        <p:cTn id="20" dur="1" fill="hold">
+                                          <p:stCondLst>
+                                            <p:cond delay="0"/>
+                                          </p:stCondLst>
+                                        </p:cTn>
+                                        <p:tgtEl>
+                                          <p:spTgt spid="11"/>
+                                        </p:tgtEl>
+                                        <p:attrNameLst>
+                                          <p:attrName>style.visibility</p:attrName>
+                                        </p:attrNameLst>
+                                      </p:cBhvr>
+                                      <p:to>
+                                        <p:strVal val="visible"/>
+                                      </p:to>
+                                    </p:set>
+                                    <p:animEffect transition="in" filter="dissolve">
+                                      <p:cBhvr>
+                                        <p:cTn id="21" dur="500"/>
+                                        <p:tgtEl>
+                                          <p:spTgt spid="11"/>
+                                        </p:tgtEl>
+                                      </p:cBhvr>
+                                    </p:animEffect>
+                                  </p:childTnLst>
+                                </p:cTn>
+                              </p:par>
+                            </p:childTnLst>
+                          </p:cTn>
+                        </p:par>
+                      </p:childTnLst>
+                    </p:cTn>
+                  </p:par>
+                  <p:par>
+                    <p:cTn id="22" fill="hold">
+                      <p:stCondLst>
+                        <p:cond delay="indefinite"/>
+                      </p:stCondLst>
+                      <p:childTnLst>
+                        <p:par>
+                          <p:cTn id="23" fill="hold">
+                            <p:stCondLst>
+                              <p:cond delay="0"/>
+                            </p:stCondLst>
+                            <p:childTnLst>
+                              <p:par>
+                                <p:cTn id="24" presetID="9" presetClass="entr" presetSubtype="0" fill="hold" grpId="0" nodeType="clickEffect">
+                                  <p:stCondLst>
+                                    <p:cond delay="0"/>
+                                  </p:stCondLst>
+                                  <p:childTnLst>
+                                    <p:set>
+                                      <p:cBhvr>
+                                        <p:cTn id="25" dur="1" fill="hold">
+                                          <p:stCondLst>
+                                            <p:cond delay="0"/>
+                                          </p:stCondLst>
+                                        </p:cTn>
+                                        <p:tgtEl>
+                                          <p:spTgt spid="12"/>
+                                        </p:tgtEl>
+                                        <p:attrNameLst>
+                                          <p:attrName>style.visibility</p:attrName>
+                                        </p:attrNameLst>
+                                      </p:cBhvr>
+                                      <p:to>
+                                        <p:strVal val="visible"/>
+                                      </p:to>
+                                    </p:set>
+                                    <p:animEffect transition="in" filter="dissolve">
+                                      <p:cBhvr>
+                                        <p:cTn id="26" dur="500"/>
+                                        <p:tgtEl>
+                                          <p:spTgt spid="12"/>
+                                        </p:tgtEl>
+                                      </p:cBhvr>
+                                    </p:animEffect>
+                                  </p:childTnLst>
+                                </p:cTn>
+                              </p:par>
+                            </p:childTnLst>
+                          </p:cTn>
+                        </p:par>
+                      </p:childTnLst>
+                    </p:cTn>
+                  </p:par>
+                  <p:par>
+                    <p:cTn id="27" fill="hold">
+                      <p:stCondLst>
+                        <p:cond delay="indefinite"/>
+                      </p:stCondLst>
+                      <p:childTnLst>
+                        <p:par>
+                          <p:cTn id="28" fill="hold">
+                            <p:stCondLst>
+                              <p:cond delay="0"/>
+                            </p:stCondLst>
+                            <p:childTnLst>
+                              <p:par>
+                                <p:cTn id="29" presetID="9" presetClass="entr" presetSubtype="0" fill="hold" grpId="0" nodeType="clickEffect">
+                                  <p:stCondLst>
+                                    <p:cond delay="0"/>
+                                  </p:stCondLst>
+                                  <p:childTnLst>
+                                    <p:set>
+                                      <p:cBhvr>
+                                        <p:cTn id="30" dur="1" fill="hold">
+                                          <p:stCondLst>
+                                            <p:cond delay="0"/>
+                                          </p:stCondLst>
+                                        </p:cTn>
+                                        <p:tgtEl>
+                                          <p:spTgt spid="13"/>
+                                        </p:tgtEl>
+                                        <p:attrNameLst>
+                                          <p:attrName>style.visibility</p:attrName>
+                                        </p:attrNameLst>
+                                      </p:cBhvr>
+                                      <p:to>
+                                        <p:strVal val="visible"/>
+                                      </p:to>
+                                    </p:set>
+                                    <p:animEffect transition="in" filter="dissolve">
+                                      <p:cBhvr>
+                                        <p:cTn id="31" dur="500"/>
+                                        <p:tgtEl>
+                                          <p:spTgt spid="13"/>
+                                        </p:tgtEl>
+                                      </p:cBhvr>
+                                    </p:animEffect>
+                                  </p:childTnLst>
+                                </p:cTn>
+                              </p:par>
+                            </p:childTnLst>
+                          </p:cTn>
+                        </p:par>
+                      </p:childTnLst>
+                    </p:cTn>
+                  </p:par>
+                </p:childTnLst>
+              </p:cTn>
+              <p:prevCondLst>
+                <p:cond evt="onPrev" delay="0">
+                  <p:tgtEl>
+                    <p:sldTgt/>
+                  </p:tgtEl>
+                </p:cond>
+              </p:prevCondLst>
+              <p:nextCondLst>
+                <p:cond evt="onNext" delay="0">
+                  <p:tgtEl>
+                    <p:sldTgt/>
+                  </p:tgtEl>
+                </p:cond>
+              </p:nextCondLst>
+            </p:seq>
+          </p:childTnLst>
+        </p:cTn>
+      </p:par>
+    </p:tnLst>
+    <p:bldLst>
+      <p:bldP spid="7" grpId="0" animBg="1"/>
+      <p:bldP spid="8" grpId="0" animBg="1"/>
+      <p:bldP spid="9" grpId="0"/>
+      <p:bldP spid="11" grpId="0"/>
+      <p:bldP spid="12" grpId="0"/>
+      <p:bldP spid="13" grpId="0"/>
+    </p:bldLst>
+  </p:timing>
+</p:sld>
+</file>
+
+<file path=ppt/slides/slide13.xml><?xml version="1.0" encoding="utf-8"?>
+<p:sld xmlns:a="http://schemas.openxmlformats.org/drawingml/2006/main" xmlns:r="http://schemas.openxmlformats.org/officeDocument/2006/relationships" xmlns:p="http://schemas.openxmlformats.org/presentationml/2006/main">
+  <p:cSld>
+    <p:spTree>
+      <p:nvGrpSpPr>
+        <p:cNvPr id="1" name=""/>
+        <p:cNvGrpSpPr/>
+        <p:nvPr/>
+      </p:nvGrpSpPr>
+      <p:grpSpPr>
+        <a:xfrm>
+          <a:off x="0" y="0"/>
+          <a:ext cx="0" cy="0"/>
+          <a:chOff x="0" y="0"/>
+          <a:chExt cx="0" cy="0"/>
+        </a:xfrm>
+      </p:grpSpPr>
+      <p:sp>
+        <p:nvSpPr>
+          <p:cNvPr id="24578" name="Rectangle 2"/>
+          <p:cNvSpPr>
+            <a:spLocks noGrp="1" noChangeArrowheads="1"/>
+          </p:cNvSpPr>
+          <p:nvPr>
+            <p:ph type="title"/>
+          </p:nvPr>
+        </p:nvSpPr>
+        <p:spPr>
+          <a:xfrm>
+            <a:off x="533400" y="457200"/>
+            <a:ext cx="8153400" cy="685800"/>
+          </a:xfrm>
+        </p:spPr>
+        <p:txBody>
+          <a:bodyPr>
+            <a:normAutofit fontScale="90000"/>
+          </a:bodyPr>
+          <a:lstStyle/>
+          <a:p>
+            <a:pPr eaLnBrk="1" hangingPunct="1"/>
+            <a:r>
+              <a:rPr lang="en-GB" sz="4000" dirty="0">
+                <a:solidFill>
+                  <a:srgbClr val="0000FF"/>
+                </a:solidFill>
+              </a:rPr>
+              <a:t>Homework</a:t>
+            </a:r>
+            <a:endParaRPr lang="en-GB" dirty="0">
+              <a:solidFill>
+                <a:srgbClr val="0000FF"/>
+              </a:solidFill>
+            </a:endParaRPr>
+          </a:p>
+        </p:txBody>
+      </p:sp>
+      <p:sp>
+        <p:nvSpPr>
+          <p:cNvPr id="43" name="Slide Number Placeholder 42"/>
+          <p:cNvSpPr>
+            <a:spLocks noGrp="1"/>
+          </p:cNvSpPr>
+          <p:nvPr>
+            <p:ph type="sldNum" sz="quarter" idx="12"/>
+          </p:nvPr>
+        </p:nvSpPr>
+        <p:spPr/>
+        <p:txBody>
+          <a:bodyPr>
+            <a:normAutofit/>
+          </a:bodyPr>
+          <a:lstStyle/>
+          <a:p>
+            <a:pPr>
+              <a:defRPr/>
+            </a:pPr>
+            <a:r>
+              <a:rPr lang="en-US" dirty="0"/>
+              <a:t>Unit7</a:t>
+            </a:r>
+            <a:r>
+              <a:rPr dirty="0"/>
+              <a:t> - </a:t>
+            </a:r>
+            <a:fld id="{628B8346-B709-406B-887E-3E0CC6DA1327}" type="slidenum">
+              <a:rPr smtClean="0"/>
+              <a:pPr>
+                <a:defRPr/>
+              </a:pPr>
+              <a:t>13</a:t>
+            </a:fld>
+            <a:endParaRPr dirty="0"/>
+          </a:p>
+        </p:txBody>
+      </p:sp>
+      <p:sp>
+        <p:nvSpPr>
+          <p:cNvPr id="10" name="HighlightBackgroundShapeeee31423-879f-470c-ac44-148c4404b3a6"/>
+          <p:cNvSpPr>
+            <a:spLocks noChangeArrowheads="1"/>
+          </p:cNvSpPr>
+          <p:nvPr/>
+        </p:nvSpPr>
+        <p:spPr bwMode="auto">
+          <a:xfrm>
+            <a:off x="491319" y="1219200"/>
+            <a:ext cx="8134521" cy="5074920"/>
+          </a:xfrm>
+          <a:prstGeom prst="rect">
+            <a:avLst/>
+          </a:prstGeom>
+          <a:noFill/>
+          <a:ln w="9525">
+            <a:noFill/>
+            <a:miter lim="800000"/>
+            <a:headEnd/>
+            <a:tailEnd/>
+          </a:ln>
+        </p:spPr>
+        <p:txBody>
+          <a:bodyPr/>
+          <a:lstStyle/>
+          <a:p>
+            <a:pPr marL="342900" indent="-342900">
+              <a:spcBef>
+                <a:spcPts val="1200"/>
+              </a:spcBef>
+              <a:buClr>
+                <a:schemeClr val="accent4">
+                  <a:lumMod val="60000"/>
+                  <a:lumOff val="40000"/>
+                </a:schemeClr>
+              </a:buClr>
+              <a:buSzPct val="75000"/>
+              <a:buFont typeface="Wingdings" pitchFamily="2" charset="2"/>
+              <a:buChar char="n"/>
+            </a:pPr>
+            <a:endParaRPr lang="en-US" sz="2400" dirty="0"/>
+          </a:p>
+        </p:txBody>
+      </p:sp>
+      <p:sp>
+        <p:nvSpPr>
+          <p:cNvPr id="6" name="[Date Placeholder 3]"/>
+          <p:cNvSpPr>
+            <a:spLocks noGrp="1"/>
+          </p:cNvSpPr>
+          <p:nvPr>
+            <p:ph type="dt" sz="half" idx="10"/>
+          </p:nvPr>
+        </p:nvSpPr>
+        <p:spPr>
+          <a:xfrm>
+            <a:off x="457200" y="18288"/>
+            <a:ext cx="2895600" cy="329184"/>
+          </a:xfrm>
+        </p:spPr>
+        <p:txBody>
+          <a:bodyPr/>
+          <a:lstStyle/>
+          <a:p>
+            <a:pPr>
+              <a:defRPr/>
+            </a:pPr>
+            <a:r>
+              <a:rPr lang="en-US" dirty="0"/>
+              <a:t>© NUS</a:t>
+            </a:r>
+          </a:p>
+        </p:txBody>
+      </p:sp>
+      <p:sp>
+        <p:nvSpPr>
+          <p:cNvPr id="13" name="HighlightBackgroundShapeeee31423-879f-470c-ac44-148c4404b3a6"/>
+          <p:cNvSpPr>
+            <a:spLocks noChangeArrowheads="1"/>
+          </p:cNvSpPr>
+          <p:nvPr/>
+        </p:nvSpPr>
+        <p:spPr bwMode="auto">
+          <a:xfrm>
+            <a:off x="643719" y="1371600"/>
+            <a:ext cx="8134521" cy="5074920"/>
+          </a:xfrm>
+          <a:prstGeom prst="rect">
+            <a:avLst/>
+          </a:prstGeom>
+          <a:noFill/>
+          <a:ln w="9525">
+            <a:noFill/>
+            <a:miter lim="800000"/>
+            <a:headEnd/>
+            <a:tailEnd/>
+          </a:ln>
+        </p:spPr>
+        <p:txBody>
+          <a:bodyPr/>
+          <a:lstStyle/>
+          <a:p>
+            <a:pPr marL="342900" indent="-342900">
+              <a:spcBef>
+                <a:spcPts val="1200"/>
+              </a:spcBef>
+              <a:buClr>
+                <a:schemeClr val="accent4">
+                  <a:lumMod val="60000"/>
+                  <a:lumOff val="40000"/>
+                </a:schemeClr>
+              </a:buClr>
+              <a:buSzPct val="75000"/>
+              <a:buFont typeface="Wingdings" pitchFamily="2" charset="2"/>
+              <a:buChar char="n"/>
+            </a:pPr>
+            <a:r>
+              <a:rPr lang="en-US" sz="2400" dirty="0"/>
+              <a:t>Post-Lecture Diagnostic Quiz (1%)</a:t>
+            </a:r>
+          </a:p>
+          <a:p>
+            <a:pPr marL="800100" lvl="1" indent="-342900">
+              <a:spcBef>
+                <a:spcPts val="1200"/>
+              </a:spcBef>
+              <a:buClr>
+                <a:schemeClr val="accent4">
+                  <a:lumMod val="60000"/>
+                  <a:lumOff val="40000"/>
+                </a:schemeClr>
+              </a:buClr>
+              <a:buSzPct val="75000"/>
+              <a:buFont typeface="Wingdings" pitchFamily="2" charset="2"/>
+              <a:buChar char="n"/>
+            </a:pPr>
+            <a:r>
+              <a:rPr lang="en-US" sz="2400" dirty="0"/>
+              <a:t>Due on Friday of Week 3, 4pm.</a:t>
+            </a:r>
+          </a:p>
+          <a:p>
+            <a:pPr marL="800100" lvl="1" indent="-342900">
+              <a:spcBef>
+                <a:spcPts val="1200"/>
+              </a:spcBef>
+              <a:buClr>
+                <a:schemeClr val="accent4">
+                  <a:lumMod val="60000"/>
+                  <a:lumOff val="40000"/>
+                </a:schemeClr>
+              </a:buClr>
+              <a:buSzPct val="75000"/>
+              <a:buFont typeface="Wingdings" pitchFamily="2" charset="2"/>
+              <a:buChar char="n"/>
+            </a:pPr>
+            <a:r>
+              <a:rPr lang="en-US" sz="2400" dirty="0"/>
+              <a:t>You can have up to three attempts.</a:t>
+            </a:r>
+          </a:p>
+          <a:p>
+            <a:pPr marL="800100" lvl="1" indent="-342900">
+              <a:spcBef>
+                <a:spcPts val="1200"/>
+              </a:spcBef>
+              <a:buClr>
+                <a:schemeClr val="accent4">
+                  <a:lumMod val="60000"/>
+                  <a:lumOff val="40000"/>
+                </a:schemeClr>
+              </a:buClr>
+              <a:buSzPct val="75000"/>
+              <a:buFont typeface="Wingdings" pitchFamily="2" charset="2"/>
+              <a:buChar char="n"/>
+            </a:pPr>
+            <a:endParaRPr lang="en-US" sz="2400" dirty="0"/>
+          </a:p>
+          <a:p>
+            <a:pPr marL="342900" indent="-342900">
+              <a:spcBef>
+                <a:spcPts val="1200"/>
+              </a:spcBef>
+              <a:buClr>
+                <a:schemeClr val="accent4">
+                  <a:lumMod val="60000"/>
+                  <a:lumOff val="40000"/>
+                </a:schemeClr>
+              </a:buClr>
+              <a:buSzPct val="75000"/>
+              <a:buFont typeface="Wingdings" pitchFamily="2" charset="2"/>
+              <a:buChar char="n"/>
+            </a:pPr>
+            <a:r>
+              <a:rPr lang="en-US" sz="2400" dirty="0"/>
+              <a:t>Problem Set 5.1 (under Unit 3)</a:t>
+            </a:r>
+          </a:p>
+          <a:p>
+            <a:pPr marL="800100" lvl="1" indent="-342900">
+              <a:spcBef>
+                <a:spcPts val="1200"/>
+              </a:spcBef>
+              <a:buClr>
+                <a:schemeClr val="accent4">
+                  <a:lumMod val="60000"/>
+                  <a:lumOff val="40000"/>
+                </a:schemeClr>
+              </a:buClr>
+              <a:buSzPct val="75000"/>
+              <a:buFont typeface="Wingdings" pitchFamily="2" charset="2"/>
+              <a:buChar char="n"/>
+            </a:pPr>
+            <a:r>
+              <a:rPr lang="en-US" sz="2400" dirty="0"/>
+              <a:t>Not graded. To be discussed in Week 5 during tutorials / labs.</a:t>
+            </a:r>
+          </a:p>
+          <a:p>
+            <a:pPr marL="342900" indent="-342900">
+              <a:spcBef>
+                <a:spcPts val="1200"/>
+              </a:spcBef>
+              <a:buClr>
+                <a:schemeClr val="accent4">
+                  <a:lumMod val="60000"/>
+                  <a:lumOff val="40000"/>
+                </a:schemeClr>
+              </a:buClr>
+              <a:buSzPct val="75000"/>
+              <a:buFont typeface="Wingdings" pitchFamily="2" charset="2"/>
+              <a:buChar char="n"/>
+            </a:pPr>
+            <a:endParaRPr lang="en-US" sz="2400" dirty="0"/>
+          </a:p>
+          <a:p>
+            <a:pPr marL="800100" lvl="1" indent="-342900">
+              <a:spcBef>
+                <a:spcPts val="1200"/>
+              </a:spcBef>
+              <a:buClr>
+                <a:schemeClr val="accent4">
+                  <a:lumMod val="60000"/>
+                  <a:lumOff val="40000"/>
+                </a:schemeClr>
+              </a:buClr>
+              <a:buSzPct val="75000"/>
+              <a:buFont typeface="Wingdings" pitchFamily="2" charset="2"/>
+              <a:buChar char="n"/>
+            </a:pPr>
+            <a:endParaRPr lang="en-US" sz="2400" dirty="0"/>
+          </a:p>
+          <a:p>
+            <a:pPr>
+              <a:spcBef>
+                <a:spcPts val="1200"/>
+              </a:spcBef>
+              <a:buClr>
+                <a:schemeClr val="accent4">
+                  <a:lumMod val="60000"/>
+                  <a:lumOff val="40000"/>
+                </a:schemeClr>
+              </a:buClr>
+              <a:buSzPct val="75000"/>
+            </a:pPr>
+            <a:endParaRPr lang="en-US" sz="2400" dirty="0"/>
+          </a:p>
+          <a:p>
+            <a:pPr marL="342900" indent="-342900">
+              <a:spcBef>
+                <a:spcPts val="1200"/>
+              </a:spcBef>
+              <a:buClr>
+                <a:schemeClr val="accent4">
+                  <a:lumMod val="60000"/>
+                  <a:lumOff val="40000"/>
+                </a:schemeClr>
+              </a:buClr>
+              <a:buSzPct val="75000"/>
+              <a:buFont typeface="Wingdings" pitchFamily="2" charset="2"/>
+              <a:buChar char="n"/>
+            </a:pPr>
+            <a:endParaRPr lang="en-US" sz="2400" dirty="0"/>
+          </a:p>
+        </p:txBody>
+      </p:sp>
+    </p:spTree>
+    <p:extLst>
+      <p:ext uri="{BB962C8B-B14F-4D97-AF65-F5344CB8AC3E}">
+        <p14:creationId xmlns:p14="http://schemas.microsoft.com/office/powerpoint/2010/main" val="1067695719"/>
+      </p:ext>
+    </p:extLst>
   </p:cSld>
   <p:clrMapOvr>
     <a:masterClrMapping/>
@@ -11552,7 +16431,19 @@
             </a:pPr>
             <a:r>
               <a:rPr lang="en-US" sz="2400" dirty="0"/>
-              <a:t>What is the value of half?</a:t>
+              <a:t>What is the value of </a:t>
+            </a:r>
+            <a:r>
+              <a:rPr lang="en-US" sz="2400" dirty="0">
+                <a:solidFill>
+                  <a:srgbClr val="0000FF"/>
+                </a:solidFill>
+              </a:rPr>
+              <a:t>half</a:t>
+            </a:r>
+            <a:r>
+              <a:rPr lang="en-US" sz="2400" dirty="0"/>
+              <a:t>?</a:t>
             </a:r>
           </a:p>
           <a:p>
@@ -11600,7 +16491,7 @@
             </a:pPr>
             <a:r>
               <a:rPr lang="en-US" sz="2800" dirty="0"/>
-              <a:t>Integer division</a:t>
+              <a:t>Unintended integer division</a:t>
             </a:r>
           </a:p>
           <a:p>
@@ -11618,7 +16509,19 @@
             </a:pPr>
             <a:r>
               <a:rPr lang="en-US" sz="2400" dirty="0"/>
-              <a:t>What is the value of half?</a:t>
+              <a:t>What is the value of </a:t>
+            </a:r>
+            <a:r>
+              <a:rPr lang="en-US" sz="2400" dirty="0">
+                <a:solidFill>
+                  <a:srgbClr val="0000FF"/>
+                </a:solidFill>
+              </a:rPr>
+              <a:t>half</a:t>
+            </a:r>
+            <a:r>
+              <a:rPr lang="en-US" sz="2400" dirty="0"/>
+              <a:t>?</a:t>
             </a:r>
           </a:p>
           <a:p>
@@ -11647,7 +16550,7 @@
         <p:spPr>
           <a:xfrm>
             <a:off x="1328971" y="2224503"/>
-            <a:ext cx="2854927" cy="369332"/>
+            <a:ext cx="2405631" cy="369332"/>
           </a:xfrm>
           <a:prstGeom prst="rect">
             <a:avLst/>
@@ -11712,7 +16615,7 @@
                 <a:latin typeface="Courier New" pitchFamily="49" charset="0"/>
                 <a:cs typeface="Courier New" pitchFamily="49" charset="0"/>
               </a:rPr>
-              <a:t>3/2</a:t>
+              <a:t>1.5</a:t>
             </a:r>
             <a:r>
               <a:rPr lang="en-US" b="1" dirty="0">
@@ -11781,7 +16684,7 @@
         </p:nvSpPr>
         <p:spPr>
           <a:xfrm>
-            <a:off x="4925494" y="3059668"/>
+            <a:off x="4925494" y="4686990"/>
             <a:ext cx="3826970" cy="369332"/>
           </a:xfrm>
           <a:prstGeom prst="rect">
@@ -11892,7 +16795,27 @@
                 <a:latin typeface="Courier New" pitchFamily="49" charset="0"/>
                 <a:cs typeface="Courier New" pitchFamily="49" charset="0"/>
               </a:rPr>
-              <a:t>3/2</a:t>
+              <a:t>3</a:t>
+            </a:r>
+            <a:r>
+              <a:rPr lang="en-US" b="1" dirty="0">
+                <a:solidFill>
+                  <a:schemeClr val="tx1"/>
+                </a:solidFill>
+                <a:latin typeface="Courier New" pitchFamily="49" charset="0"/>
+                <a:cs typeface="Courier New" pitchFamily="49" charset="0"/>
+              </a:rPr>
+              <a:t>/</a:t>
+            </a:r>
+            <a:r>
+              <a:rPr lang="en-US" b="1" dirty="0">
+                <a:solidFill>
+                  <a:srgbClr val="C00000"/>
+                </a:solidFill>
+                <a:latin typeface="Courier New" pitchFamily="49" charset="0"/>
+                <a:cs typeface="Courier New" pitchFamily="49" charset="0"/>
+              </a:rPr>
+              <a:t>2</a:t>
             </a:r>
             <a:r>
               <a:rPr lang="en-US" b="1" dirty="0">
@@ -11984,9 +16907,6 @@
                     <p:cTn id="3" fill="hold">
                       <p:stCondLst>
                         <p:cond delay="indefinite"/>
-                        <p:cond evt="onBegin" delay="0">
-                          <p:tn val="2"/>
-                        </p:cond>
                       </p:stCondLst>
                       <p:childTnLst>
                         <p:par>
@@ -11996,7 +16916,7 @@
                             </p:stCondLst>
                             <p:childTnLst>
                               <p:par>
-                                <p:cTn id="5" presetID="9" presetClass="entr" presetSubtype="0" fill="hold" grpId="0" nodeType="afterEffect">
+                                <p:cTn id="5" presetID="9" presetClass="entr" presetSubtype="0" fill="hold" grpId="0" nodeType="clickEffect">
                                   <p:stCondLst>
                                     <p:cond delay="0"/>
                                   </p:stCondLst>
@@ -12009,11 +16929,7 @@
                                           </p:stCondLst>
                                         </p:cTn>
                                         <p:tgtEl>
-                                          <p:spTgt spid="7">
-                                            <p:txEl>
-                                              <p:pRg st="0" end="0"/>
-                                            </p:txEl>
-                                          </p:spTgt>
+                                          <p:spTgt spid="16"/>
                                         </p:tgtEl>
                                         <p:attrNameLst>
                                           <p:attrName>style.visibility</p:attrName>
@@ -12027,54 +16943,7 @@
                                       <p:cBhvr>
                                         <p:cTn id="7" dur="500"/>
                                         <p:tgtEl>
-                                          <p:spTgt spid="7">
-                                            <p:txEl>
-                                              <p:pRg st="0" end="0"/>
-                                            </p:txEl>
-                                          </p:spTgt>
-                                        </p:tgtEl>
-                                      </p:cBhvr>
-                                    </p:animEffect>
-                                  </p:childTnLst>
-                                </p:cTn>
-                              </p:par>
-                              <p:par>
-                                <p:cTn id="8" presetID="9" presetClass="entr" presetSubtype="0" fill="hold" grpId="0" nodeType="withEffect">
-                                  <p:stCondLst>
-                                    <p:cond delay="0"/>
-                                  </p:stCondLst>
-                                  <p:childTnLst>
-                                    <p:set>
-                                      <p:cBhvr>
-                                        <p:cTn id="9" dur="1" fill="hold">
-                                          <p:stCondLst>
-                                            <p:cond delay="0"/>
-                                          </p:stCondLst>
-                                        </p:cTn>
-                                        <p:tgtEl>
-                                          <p:spTgt spid="7">
-                                            <p:txEl>
-                                              <p:pRg st="1" end="1"/>
-                                            </p:txEl>
-                                          </p:spTgt>
-                                        </p:tgtEl>
-                                        <p:attrNameLst>
-                                          <p:attrName>style.visibility</p:attrName>
-                                        </p:attrNameLst>
-                                      </p:cBhvr>
-                                      <p:to>
-                                        <p:strVal val="visible"/>
-                                      </p:to>
-                                    </p:set>
-                                    <p:animEffect transition="in" filter="dissolve">
-                                      <p:cBhvr>
-                                        <p:cTn id="10" dur="500"/>
-                                        <p:tgtEl>
-                                          <p:spTgt spid="7">
-                                            <p:txEl>
-                                              <p:pRg st="1" end="1"/>
-                                            </p:txEl>
-                                          </p:spTgt>
+                                          <p:spTgt spid="16"/>
                                         </p:tgtEl>
                                       </p:cBhvr>
                                     </p:animEffect>
@@ -12088,26 +16957,26 @@
                     </p:cTn>
                   </p:par>
                   <p:par>
-                    <p:cTn id="11" fill="hold">
+                    <p:cTn id="8" fill="hold">
                       <p:stCondLst>
                         <p:cond delay="indefinite"/>
                       </p:stCondLst>
                       <p:childTnLst>
                         <p:par>
-                          <p:cTn id="12" fill="hold">
+                          <p:cTn id="9" fill="hold">
                             <p:stCondLst>
                               <p:cond delay="0"/>
                             </p:stCondLst>
                             <p:childTnLst>
                               <p:par>
-                                <p:cTn id="13" presetID="9" presetClass="entr" presetSubtype="0" fill="hold" grpId="0" nodeType="clickEffect">
+                                <p:cTn id="10" presetID="1" presetClass="entr" presetSubtype="0" fill="hold" nodeType="clickEffect">
                                   <p:stCondLst>
                                     <p:cond delay="0"/>
                                   </p:stCondLst>
                                   <p:childTnLst>
                                     <p:set>
                                       <p:cBhvr>
-                                        <p:cTn id="14" dur="1" fill="hold">
+                                        <p:cTn id="11" dur="1" fill="hold">
                                           <p:stCondLst>
                                             <p:cond delay="0"/>
                                           </p:stCondLst>
@@ -12127,45 +16996,28 @@
                                         <p:strVal val="visible"/>
                                       </p:to>
                                     </p:set>
-                                    <p:animEffect transition="in" filter="dissolve">
-                                      <p:cBhvr>
-                                        <p:cTn id="15" dur="500"/>
-                                        <p:tgtEl>
-                                          <p:spTgt spid="7">
-                                            <p:txEl>
-                                              <p:pRg st="4" end="4"/>
-                                            </p:txEl>
-                                          </p:spTgt>
-                                        </p:tgtEl>
-                                      </p:cBhvr>
-                                    </p:animEffect>
                                   </p:childTnLst>
                                 </p:cTn>
                               </p:par>
-                            </p:childTnLst>
-                          </p:cTn>
-                        </p:par>
-                        <p:par>
-                          <p:cTn id="16" fill="hold">
-                            <p:stCondLst>
-                              <p:cond delay="500"/>
-                            </p:stCondLst>
-                            <p:childTnLst>
                               <p:par>
-                                <p:cTn id="17" presetID="9" presetClass="entr" presetSubtype="0" fill="hold" grpId="0" nodeType="afterEffect">
+                                <p:cTn id="12" presetID="1" presetClass="entr" presetSubtype="0" fill="hold" nodeType="withEffect">
                                   <p:stCondLst>
                                     <p:cond delay="0"/>
                                   </p:stCondLst>
                                   <p:childTnLst>
                                     <p:set>
                                       <p:cBhvr>
-                                        <p:cTn id="18" dur="1" fill="hold">
+                                        <p:cTn id="13" dur="1" fill="hold">
                                           <p:stCondLst>
                                             <p:cond delay="0"/>
                                           </p:stCondLst>
                                         </p:cTn>
                                         <p:tgtEl>
-                                          <p:spTgt spid="8"/>
+                                          <p:spTgt spid="7">
+                                            <p:txEl>
+                                              <p:pRg st="5" end="5"/>
+                                            </p:txEl>
+                                          </p:spTgt>
                                         </p:tgtEl>
                                         <p:attrNameLst>
                                           <p:attrName>style.visibility</p:attrName>
@@ -12175,41 +17027,24 @@
                                         <p:strVal val="visible"/>
                                       </p:to>
                                     </p:set>
-                                    <p:animEffect transition="in" filter="dissolve">
-                                      <p:cBhvr>
-                                        <p:cTn id="19" dur="500"/>
-                                        <p:tgtEl>
-                                          <p:spTgt spid="8"/>
-                                        </p:tgtEl>
-                                      </p:cBhvr>
-                                    </p:animEffect>
                                   </p:childTnLst>
                                 </p:cTn>
                               </p:par>
-                            </p:childTnLst>
-                          </p:cTn>
-                        </p:par>
-                        <p:par>
-                          <p:cTn id="20" fill="hold">
-                            <p:stCondLst>
-                              <p:cond delay="1000"/>
-                            </p:stCondLst>
-                            <p:childTnLst>
                               <p:par>
-                                <p:cTn id="21" presetID="9" presetClass="entr" presetSubtype="0" fill="hold" grpId="0" nodeType="afterEffect">
+                                <p:cTn id="14" presetID="1" presetClass="entr" presetSubtype="0" fill="hold" grpId="0" nodeType="withEffect">
                                   <p:stCondLst>
                                     <p:cond delay="0"/>
                                   </p:stCondLst>
                                   <p:childTnLst>
                                     <p:set>
                                       <p:cBhvr>
-                                        <p:cTn id="22" dur="1" fill="hold">
+                                        <p:cTn id="15" dur="1" fill="hold">
                                           <p:stCondLst>
                                             <p:cond delay="0"/>
                                           </p:stCondLst>
                                         </p:cTn>
                                         <p:tgtEl>
-                                          <p:spTgt spid="16"/>
+                                          <p:spTgt spid="27"/>
                                         </p:tgtEl>
                                         <p:attrNameLst>
                                           <p:attrName>style.visibility</p:attrName>
@@ -12219,14 +17054,6 @@
                                         <p:strVal val="visible"/>
                                       </p:to>
                                     </p:set>
-                                    <p:animEffect transition="in" filter="dissolve">
-                                      <p:cBhvr>
-                                        <p:cTn id="23" dur="500"/>
-                                        <p:tgtEl>
-                                          <p:spTgt spid="16"/>
-                                        </p:tgtEl>
-                                      </p:cBhvr>
-                                    </p:animEffect>
                                   </p:childTnLst>
                                 </p:cTn>
                               </p:par>
@@ -12237,26 +17064,26 @@
                     </p:cTn>
                   </p:par>
                   <p:par>
-                    <p:cTn id="24" fill="hold">
+                    <p:cTn id="16" fill="hold">
                       <p:stCondLst>
                         <p:cond delay="indefinite"/>
                       </p:stCondLst>
                       <p:childTnLst>
                         <p:par>
-                          <p:cTn id="25" fill="hold">
+                          <p:cTn id="17" fill="hold">
                             <p:stCondLst>
                               <p:cond delay="0"/>
                             </p:stCondLst>
                             <p:childTnLst>
                               <p:par>
-                                <p:cTn id="26" presetID="55" presetClass="entr" presetSubtype="0" fill="hold" grpId="0" nodeType="clickEffect">
+                                <p:cTn id="18" presetID="55" presetClass="entr" presetSubtype="0" fill="hold" grpId="0" nodeType="clickEffect">
                                   <p:stCondLst>
                                     <p:cond delay="0"/>
                                   </p:stCondLst>
                                   <p:childTnLst>
                                     <p:set>
                                       <p:cBhvr>
-                                        <p:cTn id="27" dur="1" fill="hold">
+                                        <p:cTn id="19" dur="1" fill="hold">
                                           <p:stCondLst>
                                             <p:cond delay="0"/>
                                           </p:stCondLst>
@@ -12274,7 +17101,7 @@
                                     </p:set>
                                     <p:anim calcmode="lin" valueType="num">
                                       <p:cBhvr>
-                                        <p:cTn id="28" dur="1000" fill="hold"/>
+                                        <p:cTn id="20" dur="1000" fill="hold"/>
                                         <p:tgtEl>
                                           <p:spTgt spid="4"/>
                                         </p:tgtEl>
@@ -12297,7 +17124,7 @@
                                     </p:anim>
                                     <p:anim calcmode="lin" valueType="num">
                                       <p:cBhvr>
-                                        <p:cTn id="29" dur="1000" fill="hold"/>
+                                        <p:cTn id="21" dur="1000" fill="hold"/>
                                         <p:tgtEl>
                                           <p:spTgt spid="4"/>
                                         </p:tgtEl>
@@ -12320,7 +17147,7 @@
                                     </p:anim>
                                     <p:animEffect transition="in" filter="fade">
                                       <p:cBhvr>
-                                        <p:cTn id="30" dur="1000"/>
+                                        <p:cTn id="22" dur="1000"/>
                                         <p:tgtEl>
                                           <p:spTgt spid="4"/>
                                         </p:tgtEl>
@@ -12329,68 +17156,15 @@
                                   </p:childTnLst>
                                 </p:cTn>
                               </p:par>
-                            </p:childTnLst>
-                          </p:cTn>
-                        </p:par>
-                        <p:par>
-                          <p:cTn id="31" fill="hold">
-                            <p:stCondLst>
-                              <p:cond delay="1000"/>
-                            </p:stCondLst>
-                            <p:childTnLst>
                               <p:par>
-                                <p:cTn id="32" presetID="9" presetClass="entr" presetSubtype="0" fill="hold" grpId="0" nodeType="afterEffect">
+                                <p:cTn id="23" presetID="9" presetClass="entr" presetSubtype="0" fill="hold" grpId="0" nodeType="withEffect">
                                   <p:stCondLst>
                                     <p:cond delay="0"/>
                                   </p:stCondLst>
                                   <p:childTnLst>
                                     <p:set>
                                       <p:cBhvr>
-                                        <p:cTn id="33" dur="1" fill="hold">
-                                          <p:stCondLst>
-                                            <p:cond delay="0"/>
-                                          </p:stCondLst>
-                                        </p:cTn>
-                                        <p:tgtEl>
-                                          <p:spTgt spid="27"/>
-                                        </p:tgtEl>
-                                        <p:attrNameLst>
-                                          <p:attrName>style.visibility</p:attrName>
-                                        </p:attrNameLst>
-                                      </p:cBhvr>
-                                      <p:to>
-                                        <p:strVal val="visible"/>
-                                      </p:to>
-                                    </p:set>
-                                    <p:animEffect transition="in" filter="dissolve">
-                                      <p:cBhvr>
-                                        <p:cTn id="34" dur="500"/>
-                                        <p:tgtEl>
-                                          <p:spTgt spid="27"/>
-                                        </p:tgtEl>
-                                      </p:cBhvr>
-                                    </p:animEffect>
-                                  </p:childTnLst>
-                                </p:cTn>
-                              </p:par>
-                            </p:childTnLst>
-                          </p:cTn>
-                        </p:par>
-                        <p:par>
-                          <p:cTn id="35" fill="hold">
-                            <p:stCondLst>
-                              <p:cond delay="1500"/>
-                            </p:stCondLst>
-                            <p:childTnLst>
-                              <p:par>
-                                <p:cTn id="36" presetID="9" presetClass="entr" presetSubtype="0" fill="hold" grpId="0" nodeType="afterEffect">
-                                  <p:stCondLst>
-                                    <p:cond delay="0"/>
-                                  </p:stCondLst>
-                                  <p:childTnLst>
-                                    <p:set>
-                                      <p:cBhvr>
-                                        <p:cTn id="37" dur="1" fill="hold">
+                                        <p:cTn id="24" dur="1" fill="hold">
                                           <p:stCondLst>
                                             <p:cond delay="0"/>
                                           </p:stCondLst>
@@ -12408,7 +17182,7 @@
                                     </p:set>
                                     <p:animEffect transition="in" filter="dissolve">
                                       <p:cBhvr>
-                                        <p:cTn id="38" dur="500"/>
+                                        <p:cTn id="25" dur="500"/>
                                         <p:tgtEl>
                                           <p:spTgt spid="28"/>
                                         </p:tgtEl>
@@ -12445,8 +17219,6 @@
       </p:par>
     </p:tnLst>
     <p:bldLst>
-      <p:bldP spid="7" grpId="0" build="p"/>
-      <p:bldP spid="8" grpId="0" animBg="1"/>
       <p:bldP spid="16" grpId="0" animBg="1"/>
       <p:bldP spid="4" grpId="0" animBg="1"/>
       <p:bldP spid="27" grpId="0" animBg="1"/>
@@ -12475,7 +17247,7 @@
       </p:grpSpPr>
       <p:sp>
         <p:nvSpPr>
-          <p:cNvPr id="24578" name="Rectangle 2"/>
+          <p:cNvPr id="25602" name="[Rectangle 2]"/>
           <p:cNvSpPr>
             <a:spLocks noGrp="1" noChangeArrowheads="1"/>
           </p:cNvSpPr>
@@ -12495,25 +17267,21 @@
           </a:bodyPr>
           <a:lstStyle/>
           <a:p>
-            <a:r>
-              <a:rPr lang="en-US" dirty="0">
+            <a:pPr eaLnBrk="1" hangingPunct="1"/>
+            <a:r>
+              <a:rPr lang="en-GB" dirty="0">
                 <a:solidFill>
                   <a:srgbClr val="0000FF"/>
                 </a:solidFill>
               </a:rPr>
-              <a:t>List of C Features Banned in CS1010</a:t>
-            </a:r>
-            <a:endParaRPr lang="en-GB" dirty="0">
-              <a:solidFill>
-                <a:srgbClr val="0000FF"/>
-              </a:solidFill>
-            </a:endParaRPr>
+              <a:t>Pop Quiz</a:t>
+            </a:r>
           </a:p>
         </p:txBody>
       </p:sp>
       <p:sp>
         <p:nvSpPr>
-          <p:cNvPr id="43" name="Slide Number Placeholder 42"/>
+          <p:cNvPr id="9" name="Slide Number Placeholder 8"/>
           <p:cNvSpPr>
             <a:spLocks noGrp="1"/>
           </p:cNvSpPr>
@@ -12539,7 +17307,7 @@
               <a:rPr dirty="0"/>
               <a:t> - </a:t>
             </a:r>
-            <a:fld id="{628B8346-B709-406B-887E-3E0CC6DA1327}" type="slidenum">
+            <a:fld id="{24D17162-63A3-49DC-92B1-933428BCC85F}" type="slidenum">
               <a:rPr smtClean="0"/>
               <a:pPr>
                 <a:defRPr/>
@@ -12552,337 +17320,7 @@
       </p:sp>
       <p:sp>
         <p:nvSpPr>
-          <p:cNvPr id="10" name="HighlightTextShape201406241503265130"/>
-          <p:cNvSpPr>
-            <a:spLocks noChangeArrowheads="1"/>
-          </p:cNvSpPr>
-          <p:nvPr/>
-        </p:nvSpPr>
-        <p:spPr bwMode="auto">
-          <a:xfrm>
-            <a:off x="491319" y="1219200"/>
-            <a:ext cx="7890681" cy="2438400"/>
-          </a:xfrm>
-          <a:prstGeom prst="rect">
-            <a:avLst/>
-          </a:prstGeom>
-          <a:noFill/>
-          <a:ln w="9525">
-            <a:noFill/>
-            <a:miter lim="800000"/>
-            <a:headEnd/>
-            <a:tailEnd/>
-          </a:ln>
-        </p:spPr>
-        <p:txBody>
-          <a:bodyPr/>
-          <a:lstStyle/>
-          <a:p>
-            <a:pPr marL="347663" indent="-347663">
-              <a:spcBef>
-                <a:spcPts val="600"/>
-              </a:spcBef>
-              <a:buClr>
-                <a:schemeClr val="tx1">
-                  <a:lumMod val="90000"/>
-                  <a:lumOff val="10000"/>
-                </a:schemeClr>
-              </a:buClr>
-              <a:buSzPct val="100000"/>
-              <a:buFont typeface="Wingdings" panose="05000000000000000000" pitchFamily="2" charset="2"/>
-              <a:buChar char="§"/>
-              <a:defRPr/>
-            </a:pPr>
-            <a:r>
-              <a:rPr lang="en-US" sz="2800" dirty="0"/>
-              <a:t>Increment / Decrement operators</a:t>
-            </a:r>
-          </a:p>
-          <a:p>
-            <a:pPr marL="804863" lvl="1" indent="-347663">
-              <a:spcBef>
-                <a:spcPts val="600"/>
-              </a:spcBef>
-              <a:buClr>
-                <a:schemeClr val="tx1">
-                  <a:lumMod val="90000"/>
-                  <a:lumOff val="10000"/>
-                </a:schemeClr>
-              </a:buClr>
-              <a:buSzPct val="100000"/>
-              <a:buFont typeface="Wingdings" panose="05000000000000000000" pitchFamily="2" charset="2"/>
-              <a:buChar char="§"/>
-              <a:defRPr/>
-            </a:pPr>
-            <a:r>
-              <a:rPr lang="en-US" sz="2800" dirty="0"/>
-              <a:t>++, --</a:t>
-            </a:r>
-          </a:p>
-          <a:p>
-            <a:pPr marL="347663" indent="-347663">
-              <a:spcBef>
-                <a:spcPts val="600"/>
-              </a:spcBef>
-              <a:buClr>
-                <a:schemeClr val="tx1">
-                  <a:lumMod val="90000"/>
-                  <a:lumOff val="10000"/>
-                </a:schemeClr>
-              </a:buClr>
-              <a:buSzPct val="100000"/>
-              <a:buFont typeface="Wingdings" panose="05000000000000000000" pitchFamily="2" charset="2"/>
-              <a:buChar char="§"/>
-              <a:defRPr/>
-            </a:pPr>
-            <a:endParaRPr lang="en-US" sz="2400" dirty="0"/>
-          </a:p>
-          <a:p>
-            <a:pPr marL="347663" indent="-347663">
-              <a:spcBef>
-                <a:spcPts val="600"/>
-              </a:spcBef>
-              <a:buClr>
-                <a:schemeClr val="tx1">
-                  <a:lumMod val="90000"/>
-                  <a:lumOff val="10000"/>
-                </a:schemeClr>
-              </a:buClr>
-              <a:buSzPct val="100000"/>
-              <a:buFont typeface="Wingdings" panose="05000000000000000000" pitchFamily="2" charset="2"/>
-              <a:buChar char="§"/>
-              <a:defRPr/>
-            </a:pPr>
-            <a:r>
-              <a:rPr lang="en-US" sz="2800" dirty="0"/>
-              <a:t>Less representative / precise types</a:t>
-            </a:r>
-          </a:p>
-          <a:p>
-            <a:pPr marL="804863" lvl="1" indent="-347663">
-              <a:spcBef>
-                <a:spcPts val="600"/>
-              </a:spcBef>
-              <a:buClr>
-                <a:schemeClr val="tx1">
-                  <a:lumMod val="90000"/>
-                  <a:lumOff val="10000"/>
-                </a:schemeClr>
-              </a:buClr>
-              <a:buSzPct val="100000"/>
-              <a:buFont typeface="Wingdings" panose="05000000000000000000" pitchFamily="2" charset="2"/>
-              <a:buChar char="§"/>
-              <a:defRPr/>
-            </a:pPr>
-            <a:r>
-              <a:rPr lang="en-US" sz="2400" dirty="0"/>
-              <a:t>int, short, float </a:t>
-            </a:r>
-          </a:p>
-          <a:p>
-            <a:pPr marL="804863" lvl="1" indent="-347663">
-              <a:spcBef>
-                <a:spcPts val="600"/>
-              </a:spcBef>
-              <a:buClr>
-                <a:schemeClr val="tx1">
-                  <a:lumMod val="90000"/>
-                  <a:lumOff val="10000"/>
-                </a:schemeClr>
-              </a:buClr>
-              <a:buSzPct val="100000"/>
-              <a:buFont typeface="Wingdings" panose="05000000000000000000" pitchFamily="2" charset="2"/>
-              <a:buChar char="§"/>
-              <a:defRPr/>
-            </a:pPr>
-            <a:endParaRPr lang="en-US" sz="2400" dirty="0"/>
-          </a:p>
-          <a:p>
-            <a:pPr marL="347663" indent="-347663">
-              <a:spcBef>
-                <a:spcPts val="600"/>
-              </a:spcBef>
-              <a:buClr>
-                <a:schemeClr val="tx1">
-                  <a:lumMod val="90000"/>
-                  <a:lumOff val="10000"/>
-                </a:schemeClr>
-              </a:buClr>
-              <a:buSzPct val="100000"/>
-              <a:buFont typeface="Wingdings" panose="05000000000000000000" pitchFamily="2" charset="2"/>
-              <a:buChar char="§"/>
-              <a:defRPr/>
-            </a:pPr>
-            <a:r>
-              <a:rPr lang="en-US" sz="2800" dirty="0"/>
-              <a:t>Global variables</a:t>
-            </a:r>
-          </a:p>
-          <a:p>
-            <a:pPr marL="347663" indent="-347663">
-              <a:spcBef>
-                <a:spcPts val="600"/>
-              </a:spcBef>
-              <a:buClr>
-                <a:schemeClr val="tx1">
-                  <a:lumMod val="90000"/>
-                  <a:lumOff val="10000"/>
-                </a:schemeClr>
-              </a:buClr>
-              <a:buSzPct val="100000"/>
-              <a:buFont typeface="Wingdings" panose="05000000000000000000" pitchFamily="2" charset="2"/>
-              <a:buChar char="§"/>
-              <a:defRPr/>
-            </a:pPr>
-            <a:endParaRPr lang="en-US" sz="2400" dirty="0"/>
-          </a:p>
-          <a:p>
-            <a:pPr marL="347663" indent="-347663">
-              <a:spcBef>
-                <a:spcPts val="600"/>
-              </a:spcBef>
-              <a:buClr>
-                <a:schemeClr val="tx1">
-                  <a:lumMod val="90000"/>
-                  <a:lumOff val="10000"/>
-                </a:schemeClr>
-              </a:buClr>
-              <a:buSzPct val="100000"/>
-              <a:buFont typeface="Wingdings" panose="05000000000000000000" pitchFamily="2" charset="2"/>
-              <a:buChar char="§"/>
-              <a:defRPr/>
-            </a:pPr>
-            <a:r>
-              <a:rPr lang="en-US" sz="2800" dirty="0"/>
-              <a:t>Discouraged (but not banned)</a:t>
-            </a:r>
-          </a:p>
-          <a:p>
-            <a:pPr marL="804863" lvl="1" indent="-347663">
-              <a:spcBef>
-                <a:spcPts val="600"/>
-              </a:spcBef>
-              <a:buClr>
-                <a:schemeClr val="tx1">
-                  <a:lumMod val="90000"/>
-                  <a:lumOff val="10000"/>
-                </a:schemeClr>
-              </a:buClr>
-              <a:buSzPct val="100000"/>
-              <a:buFont typeface="Wingdings" panose="05000000000000000000" pitchFamily="2" charset="2"/>
-              <a:buChar char="§"/>
-              <a:defRPr/>
-            </a:pPr>
-            <a:r>
-              <a:rPr lang="en-US" sz="2400" dirty="0" err="1"/>
-              <a:t>scanf</a:t>
-            </a:r>
-            <a:r>
-              <a:rPr lang="en-US" sz="2400" dirty="0"/>
-              <a:t> / </a:t>
-            </a:r>
-            <a:r>
-              <a:rPr lang="en-US" sz="2400" dirty="0" err="1"/>
-              <a:t>printf</a:t>
-            </a:r>
-            <a:endParaRPr lang="en-US" sz="2400" dirty="0"/>
-          </a:p>
-          <a:p>
-            <a:pPr marL="804863" lvl="1" indent="-347663">
-              <a:spcBef>
-                <a:spcPts val="600"/>
-              </a:spcBef>
-              <a:buClr>
-                <a:schemeClr val="tx1">
-                  <a:lumMod val="90000"/>
-                  <a:lumOff val="10000"/>
-                </a:schemeClr>
-              </a:buClr>
-              <a:buSzPct val="100000"/>
-              <a:buFont typeface="Wingdings" panose="05000000000000000000" pitchFamily="2" charset="2"/>
-              <a:buChar char="§"/>
-              <a:defRPr/>
-            </a:pPr>
-            <a:r>
-              <a:rPr lang="en-US" sz="2400" dirty="0"/>
-              <a:t>Skipping of parentheses</a:t>
-            </a:r>
-          </a:p>
-          <a:p>
-            <a:pPr lvl="1">
-              <a:spcBef>
-                <a:spcPts val="600"/>
-              </a:spcBef>
-              <a:buClr>
-                <a:schemeClr val="tx1">
-                  <a:lumMod val="90000"/>
-                  <a:lumOff val="10000"/>
-                </a:schemeClr>
-              </a:buClr>
-              <a:buSzPct val="100000"/>
-              <a:defRPr/>
-            </a:pPr>
-            <a:endParaRPr lang="en-US" sz="2400" dirty="0"/>
-          </a:p>
-          <a:p>
-            <a:pPr marL="804863" lvl="1" indent="-347663">
-              <a:spcBef>
-                <a:spcPts val="600"/>
-              </a:spcBef>
-              <a:buClr>
-                <a:schemeClr val="tx1">
-                  <a:lumMod val="90000"/>
-                  <a:lumOff val="10000"/>
-                </a:schemeClr>
-              </a:buClr>
-              <a:buSzPct val="100000"/>
-              <a:buFont typeface="Wingdings" panose="05000000000000000000" pitchFamily="2" charset="2"/>
-              <a:buChar char="§"/>
-              <a:defRPr/>
-            </a:pPr>
-            <a:endParaRPr lang="en-US" sz="2400" dirty="0"/>
-          </a:p>
-          <a:p>
-            <a:pPr marL="804863" lvl="1" indent="-347663">
-              <a:spcBef>
-                <a:spcPts val="600"/>
-              </a:spcBef>
-              <a:buClr>
-                <a:schemeClr val="tx1">
-                  <a:lumMod val="90000"/>
-                  <a:lumOff val="10000"/>
-                </a:schemeClr>
-              </a:buClr>
-              <a:buSzPct val="100000"/>
-              <a:buFont typeface="Wingdings" panose="05000000000000000000" pitchFamily="2" charset="2"/>
-              <a:buChar char="§"/>
-              <a:defRPr/>
-            </a:pPr>
-            <a:endParaRPr lang="en-US" sz="2400" dirty="0"/>
-          </a:p>
-          <a:p>
-            <a:pPr marL="804863" lvl="1" indent="-347663">
-              <a:spcBef>
-                <a:spcPts val="600"/>
-              </a:spcBef>
-              <a:buClr>
-                <a:schemeClr val="tx1">
-                  <a:lumMod val="90000"/>
-                  <a:lumOff val="10000"/>
-                </a:schemeClr>
-              </a:buClr>
-              <a:buSzPct val="100000"/>
-              <a:buFont typeface="Wingdings" panose="05000000000000000000" pitchFamily="2" charset="2"/>
-              <a:buChar char="§"/>
-              <a:defRPr/>
-            </a:pPr>
-            <a:endParaRPr lang="en-US" sz="2400" dirty="0"/>
-          </a:p>
-        </p:txBody>
-      </p:sp>
-      <p:sp>
-        <p:nvSpPr>
-          <p:cNvPr id="6" name="[Date Placeholder 3]"/>
+          <p:cNvPr id="14" name="[Date Placeholder 3]"/>
           <p:cNvSpPr>
             <a:spLocks noGrp="1"/>
           </p:cNvSpPr>
@@ -12912,10 +17350,159 @@
       </p:sp>
       <p:sp>
         <p:nvSpPr>
-          <p:cNvPr id="7" name="TextBox 6">
+          <p:cNvPr id="13" name="Content Placeholder 5">
             <a:extLst>
               <a:ext uri="{FF2B5EF4-FFF2-40B4-BE49-F238E27FC236}">
-                <a16:creationId xmlns:a16="http://schemas.microsoft.com/office/drawing/2014/main" id="{6CEDB03E-9D64-4159-B715-8A7364DA86DA}"/>
+                <a16:creationId xmlns:a16="http://schemas.microsoft.com/office/drawing/2014/main" id="{CBFE53A2-62B2-4E30-A043-46DC1C0E7340}"/>
+              </a:ext>
+            </a:extLst>
+          </p:cNvPr>
+          <p:cNvSpPr>
+            <a:spLocks noGrp="1"/>
+          </p:cNvSpPr>
+          <p:nvPr>
+            <p:ph idx="1"/>
+          </p:nvPr>
+        </p:nvSpPr>
+        <p:spPr>
+          <a:xfrm>
+            <a:off x="573088" y="1270000"/>
+            <a:ext cx="8229600" cy="2319338"/>
+          </a:xfrm>
+        </p:spPr>
+        <p:txBody>
+          <a:bodyPr/>
+          <a:lstStyle/>
+          <a:p>
+            <a:pPr marL="393700" indent="-393700" eaLnBrk="1" hangingPunct="1">
+              <a:buClr>
+                <a:schemeClr val="tx1">
+                  <a:lumMod val="90000"/>
+                  <a:lumOff val="10000"/>
+                </a:schemeClr>
+              </a:buClr>
+              <a:buSzPct val="100000"/>
+              <a:buFont typeface="Wingdings" panose="05000000000000000000" pitchFamily="2" charset="2"/>
+              <a:buChar char="§"/>
+            </a:pPr>
+            <a:r>
+              <a:rPr lang="en-US" sz="2800" dirty="0"/>
+              <a:t>What are the values of the variables?</a:t>
+            </a:r>
+          </a:p>
+          <a:p>
+            <a:pPr eaLnBrk="1" hangingPunct="1">
+              <a:buSzPct val="80000"/>
+              <a:buFont typeface="Wingdings" pitchFamily="2" charset="2"/>
+              <a:buNone/>
+            </a:pPr>
+            <a:r>
+              <a:rPr lang="en-US" sz="2000" dirty="0">
+                <a:solidFill>
+                  <a:srgbClr val="0000FF"/>
+                </a:solidFill>
+              </a:rPr>
+              <a:t>	</a:t>
+            </a:r>
+            <a:endParaRPr lang="en-US" sz="2000" dirty="0">
+              <a:solidFill>
+                <a:srgbClr val="C00000"/>
+              </a:solidFill>
+            </a:endParaRPr>
+          </a:p>
+        </p:txBody>
+      </p:sp>
+      <p:sp>
+        <p:nvSpPr>
+          <p:cNvPr id="24" name="TextBox 23">
+            <a:extLst>
+              <a:ext uri="{FF2B5EF4-FFF2-40B4-BE49-F238E27FC236}">
+                <a16:creationId xmlns:a16="http://schemas.microsoft.com/office/drawing/2014/main" id="{3814F451-3F52-414E-B5D5-B9A07F5BDFB0}"/>
+              </a:ext>
+            </a:extLst>
+          </p:cNvPr>
+          <p:cNvSpPr txBox="1">
+            <a:spLocks noChangeArrowheads="1"/>
+          </p:cNvSpPr>
+          <p:nvPr/>
+        </p:nvSpPr>
+        <p:spPr bwMode="auto">
+          <a:xfrm>
+            <a:off x="4134849" y="1860244"/>
+            <a:ext cx="1528963" cy="1323439"/>
+          </a:xfrm>
+          <a:prstGeom prst="rect">
+            <a:avLst/>
+          </a:prstGeom>
+          <a:noFill/>
+          <a:ln w="9525">
+            <a:noFill/>
+            <a:miter lim="800000"/>
+            <a:headEnd/>
+            <a:tailEnd/>
+          </a:ln>
+        </p:spPr>
+        <p:txBody>
+          <a:bodyPr wrap="square">
+            <a:spAutoFit/>
+          </a:bodyPr>
+          <a:lstStyle/>
+          <a:p>
+            <a:r>
+              <a:rPr lang="en-US" sz="2000" dirty="0">
+                <a:solidFill>
+                  <a:srgbClr val="7030A0"/>
+                </a:solidFill>
+                <a:latin typeface="+mj-lt"/>
+                <a:cs typeface="Courier New" pitchFamily="49" charset="0"/>
+              </a:rPr>
+              <a:t>m is 2</a:t>
+            </a:r>
+          </a:p>
+          <a:p>
+            <a:r>
+              <a:rPr lang="en-US" sz="2000" dirty="0">
+                <a:solidFill>
+                  <a:srgbClr val="7030A0"/>
+                </a:solidFill>
+                <a:latin typeface="+mj-lt"/>
+                <a:cs typeface="Courier New" pitchFamily="49" charset="0"/>
+              </a:rPr>
+              <a:t>n is 2.0</a:t>
+            </a:r>
+          </a:p>
+          <a:p>
+            <a:r>
+              <a:rPr lang="en-US" sz="2000" dirty="0">
+                <a:solidFill>
+                  <a:srgbClr val="7030A0"/>
+                </a:solidFill>
+                <a:latin typeface="+mj-lt"/>
+                <a:cs typeface="Courier New" pitchFamily="49" charset="0"/>
+              </a:rPr>
+              <a:t>p is 2</a:t>
+            </a:r>
+          </a:p>
+          <a:p>
+            <a:r>
+              <a:rPr lang="en-US" sz="2000" dirty="0">
+                <a:solidFill>
+                  <a:srgbClr val="7030A0"/>
+                </a:solidFill>
+                <a:latin typeface="+mj-lt"/>
+                <a:cs typeface="Courier New" pitchFamily="49" charset="0"/>
+              </a:rPr>
+              <a:t>q is 2.5</a:t>
+            </a:r>
+          </a:p>
+        </p:txBody>
+      </p:sp>
+      <p:sp>
+        <p:nvSpPr>
+          <p:cNvPr id="25" name="TextBox 24">
+            <a:extLst>
+              <a:ext uri="{FF2B5EF4-FFF2-40B4-BE49-F238E27FC236}">
+                <a16:creationId xmlns:a16="http://schemas.microsoft.com/office/drawing/2014/main" id="{FA325F14-DE33-4EB6-A0A8-20BCEC6C6AAF}"/>
               </a:ext>
             </a:extLst>
           </p:cNvPr>
@@ -12924,26 +17511,23 @@
         </p:nvSpPr>
         <p:spPr>
           <a:xfrm>
-            <a:off x="6061381" y="5693863"/>
-            <a:ext cx="2730079" cy="646331"/>
+            <a:off x="1074606" y="1896066"/>
+            <a:ext cx="2938787" cy="1323439"/>
           </a:xfrm>
           <a:prstGeom prst="rect">
             <a:avLst/>
           </a:prstGeom>
-          <a:solidFill>
-            <a:srgbClr val="FFFF99"/>
-          </a:solidFill>
-          <a:ln w="12700"/>
+          <a:noFill/>
         </p:spPr>
         <p:style>
           <a:lnRef idx="2">
-            <a:schemeClr val="accent4"/>
+            <a:schemeClr val="accent5"/>
           </a:lnRef>
           <a:fillRef idx="1">
             <a:schemeClr val="lt1"/>
           </a:fillRef>
           <a:effectRef idx="0">
-            <a:schemeClr val="accent4"/>
+            <a:schemeClr val="accent5"/>
           </a:effectRef>
           <a:fontRef idx="minor">
             <a:schemeClr val="dk1"/>
@@ -12955,17 +17539,529 @@
           </a:bodyPr>
           <a:lstStyle/>
           <a:p>
-            <a:r>
-              <a:rPr lang="en-US" dirty="0"/>
-              <a:t>Read "C in CS1010" for a complete list!</a:t>
-            </a:r>
+            <a:pPr eaLnBrk="1" hangingPunct="1">
+              <a:buSzPct val="80000"/>
+              <a:buFont typeface="Wingdings" pitchFamily="2" charset="2"/>
+              <a:buNone/>
+            </a:pPr>
+            <a:r>
+              <a:rPr lang="en-US" sz="2000" b="1" dirty="0">
+                <a:solidFill>
+                  <a:srgbClr val="0000FF"/>
+                </a:solidFill>
+                <a:latin typeface="Courier New" pitchFamily="49" charset="0"/>
+                <a:cs typeface="Courier New" pitchFamily="49" charset="0"/>
+              </a:rPr>
+              <a:t>long </a:t>
+            </a:r>
+            <a:r>
+              <a:rPr lang="en-US" sz="2000" b="1" dirty="0">
+                <a:solidFill>
+                  <a:schemeClr val="tx1"/>
+                </a:solidFill>
+                <a:latin typeface="Courier New" pitchFamily="49" charset="0"/>
+                <a:cs typeface="Courier New" pitchFamily="49" charset="0"/>
+              </a:rPr>
+              <a:t>  m = </a:t>
+            </a:r>
+            <a:r>
+              <a:rPr lang="en-US" sz="2000" b="1" dirty="0">
+                <a:solidFill>
+                  <a:srgbClr val="C00000"/>
+                </a:solidFill>
+                <a:latin typeface="Courier New" pitchFamily="49" charset="0"/>
+                <a:cs typeface="Courier New" pitchFamily="49" charset="0"/>
+              </a:rPr>
+              <a:t>10</a:t>
+            </a:r>
+            <a:r>
+              <a:rPr lang="en-US" sz="2000" b="1" dirty="0">
+                <a:solidFill>
+                  <a:schemeClr val="tx1"/>
+                </a:solidFill>
+                <a:latin typeface="Courier New" pitchFamily="49" charset="0"/>
+                <a:cs typeface="Courier New" pitchFamily="49" charset="0"/>
+              </a:rPr>
+              <a:t>/</a:t>
+            </a:r>
+            <a:r>
+              <a:rPr lang="en-US" sz="2000" b="1" dirty="0">
+                <a:solidFill>
+                  <a:srgbClr val="C00000"/>
+                </a:solidFill>
+                <a:latin typeface="Courier New" pitchFamily="49" charset="0"/>
+                <a:cs typeface="Courier New" pitchFamily="49" charset="0"/>
+              </a:rPr>
+              <a:t>4</a:t>
+            </a:r>
+            <a:r>
+              <a:rPr lang="en-US" sz="2000" b="1" dirty="0">
+                <a:solidFill>
+                  <a:schemeClr val="tx1"/>
+                </a:solidFill>
+                <a:latin typeface="Courier New" pitchFamily="49" charset="0"/>
+                <a:cs typeface="Courier New" pitchFamily="49" charset="0"/>
+              </a:rPr>
+              <a:t>;  </a:t>
+            </a:r>
+            <a:endParaRPr lang="en-US" sz="2000" b="1" dirty="0">
+              <a:solidFill>
+                <a:schemeClr val="tx1"/>
+              </a:solidFill>
+            </a:endParaRPr>
+          </a:p>
+          <a:p>
+            <a:pPr eaLnBrk="1" hangingPunct="1">
+              <a:buSzPct val="80000"/>
+              <a:buFont typeface="Wingdings" pitchFamily="2" charset="2"/>
+              <a:buNone/>
+            </a:pPr>
+            <a:r>
+              <a:rPr lang="en-US" sz="2000" b="1" dirty="0">
+                <a:solidFill>
+                  <a:srgbClr val="0000FF"/>
+                </a:solidFill>
+                <a:latin typeface="Courier New" pitchFamily="49" charset="0"/>
+                <a:cs typeface="Courier New" pitchFamily="49" charset="0"/>
+              </a:rPr>
+              <a:t>double</a:t>
+            </a:r>
+            <a:r>
+              <a:rPr lang="en-US" sz="2000" b="1" dirty="0">
+                <a:solidFill>
+                  <a:schemeClr val="tx1"/>
+                </a:solidFill>
+                <a:latin typeface="Courier New" pitchFamily="49" charset="0"/>
+                <a:cs typeface="Courier New" pitchFamily="49" charset="0"/>
+              </a:rPr>
+              <a:t> n = </a:t>
+            </a:r>
+            <a:r>
+              <a:rPr lang="en-US" sz="2000" b="1" dirty="0">
+                <a:solidFill>
+                  <a:srgbClr val="C00000"/>
+                </a:solidFill>
+                <a:latin typeface="Courier New" pitchFamily="49" charset="0"/>
+                <a:cs typeface="Courier New" pitchFamily="49" charset="0"/>
+              </a:rPr>
+              <a:t>10</a:t>
+            </a:r>
+            <a:r>
+              <a:rPr lang="en-US" sz="2000" b="1" dirty="0">
+                <a:solidFill>
+                  <a:schemeClr val="tx1"/>
+                </a:solidFill>
+                <a:latin typeface="Courier New" pitchFamily="49" charset="0"/>
+                <a:cs typeface="Courier New" pitchFamily="49" charset="0"/>
+              </a:rPr>
+              <a:t>/</a:t>
+            </a:r>
+            <a:r>
+              <a:rPr lang="en-US" sz="2000" b="1" dirty="0">
+                <a:solidFill>
+                  <a:srgbClr val="C00000"/>
+                </a:solidFill>
+                <a:latin typeface="Courier New" pitchFamily="49" charset="0"/>
+                <a:cs typeface="Courier New" pitchFamily="49" charset="0"/>
+              </a:rPr>
+              <a:t>4</a:t>
+            </a:r>
+            <a:r>
+              <a:rPr lang="en-US" sz="2000" b="1" dirty="0">
+                <a:solidFill>
+                  <a:schemeClr val="tx1"/>
+                </a:solidFill>
+                <a:latin typeface="Courier New" pitchFamily="49" charset="0"/>
+                <a:cs typeface="Courier New" pitchFamily="49" charset="0"/>
+              </a:rPr>
+              <a:t>;</a:t>
+            </a:r>
+            <a:r>
+              <a:rPr lang="en-US" sz="2000" b="1" dirty="0">
+                <a:solidFill>
+                  <a:schemeClr val="tx1"/>
+                </a:solidFill>
+              </a:rPr>
+              <a:t>	</a:t>
+            </a:r>
+          </a:p>
+          <a:p>
+            <a:pPr eaLnBrk="1" hangingPunct="1">
+              <a:buSzPct val="80000"/>
+              <a:buFont typeface="Wingdings" pitchFamily="2" charset="2"/>
+              <a:buNone/>
+            </a:pPr>
+            <a:r>
+              <a:rPr lang="en-US" sz="2000" b="1" dirty="0">
+                <a:solidFill>
+                  <a:srgbClr val="0000FF"/>
+                </a:solidFill>
+                <a:latin typeface="Courier New" pitchFamily="49" charset="0"/>
+                <a:cs typeface="Courier New" pitchFamily="49" charset="0"/>
+              </a:rPr>
+              <a:t>long</a:t>
+            </a:r>
+            <a:r>
+              <a:rPr lang="en-US" sz="2000" b="1" dirty="0">
+                <a:solidFill>
+                  <a:schemeClr val="tx1"/>
+                </a:solidFill>
+                <a:latin typeface="Courier New" pitchFamily="49" charset="0"/>
+                <a:cs typeface="Courier New" pitchFamily="49" charset="0"/>
+              </a:rPr>
+              <a:t>   p = </a:t>
+            </a:r>
+            <a:r>
+              <a:rPr lang="en-US" sz="2000" b="1" dirty="0">
+                <a:solidFill>
+                  <a:srgbClr val="C00000"/>
+                </a:solidFill>
+                <a:latin typeface="Courier New" pitchFamily="49" charset="0"/>
+                <a:cs typeface="Courier New" pitchFamily="49" charset="0"/>
+              </a:rPr>
+              <a:t>10</a:t>
+            </a:r>
+            <a:r>
+              <a:rPr lang="en-US" sz="2000" b="1" dirty="0">
+                <a:solidFill>
+                  <a:schemeClr val="tx1"/>
+                </a:solidFill>
+                <a:latin typeface="Courier New" pitchFamily="49" charset="0"/>
+                <a:cs typeface="Courier New" pitchFamily="49" charset="0"/>
+              </a:rPr>
+              <a:t>/</a:t>
+            </a:r>
+            <a:r>
+              <a:rPr lang="en-US" sz="2000" b="1" dirty="0">
+                <a:solidFill>
+                  <a:srgbClr val="C00000"/>
+                </a:solidFill>
+                <a:latin typeface="Courier New" pitchFamily="49" charset="0"/>
+                <a:cs typeface="Courier New" pitchFamily="49" charset="0"/>
+              </a:rPr>
+              <a:t>4.0</a:t>
+            </a:r>
+            <a:r>
+              <a:rPr lang="en-US" sz="2000" b="1" dirty="0">
+                <a:solidFill>
+                  <a:schemeClr val="tx1"/>
+                </a:solidFill>
+                <a:latin typeface="Courier New" pitchFamily="49" charset="0"/>
+                <a:cs typeface="Courier New" pitchFamily="49" charset="0"/>
+              </a:rPr>
+              <a:t>;</a:t>
+            </a:r>
+            <a:endParaRPr lang="en-US" sz="2000" b="1" dirty="0">
+              <a:solidFill>
+                <a:schemeClr val="tx1"/>
+              </a:solidFill>
+            </a:endParaRPr>
+          </a:p>
+          <a:p>
+            <a:pPr eaLnBrk="1" hangingPunct="1">
+              <a:buSzPct val="80000"/>
+              <a:buFont typeface="Wingdings" pitchFamily="2" charset="2"/>
+              <a:buNone/>
+            </a:pPr>
+            <a:r>
+              <a:rPr lang="en-US" sz="2000" b="1" dirty="0">
+                <a:solidFill>
+                  <a:srgbClr val="0000FF"/>
+                </a:solidFill>
+                <a:latin typeface="Courier New" pitchFamily="49" charset="0"/>
+                <a:cs typeface="Courier New" pitchFamily="49" charset="0"/>
+              </a:rPr>
+              <a:t>double</a:t>
+            </a:r>
+            <a:r>
+              <a:rPr lang="en-US" sz="2000" b="1" dirty="0">
+                <a:solidFill>
+                  <a:schemeClr val="tx1"/>
+                </a:solidFill>
+                <a:latin typeface="Courier New" pitchFamily="49" charset="0"/>
+                <a:cs typeface="Courier New" pitchFamily="49" charset="0"/>
+              </a:rPr>
+              <a:t> q = </a:t>
+            </a:r>
+            <a:r>
+              <a:rPr lang="en-US" sz="2000" b="1" dirty="0">
+                <a:solidFill>
+                  <a:srgbClr val="C00000"/>
+                </a:solidFill>
+                <a:latin typeface="Courier New" pitchFamily="49" charset="0"/>
+                <a:cs typeface="Courier New" pitchFamily="49" charset="0"/>
+              </a:rPr>
+              <a:t>10</a:t>
+            </a:r>
+            <a:r>
+              <a:rPr lang="en-US" sz="2000" b="1" dirty="0">
+                <a:solidFill>
+                  <a:schemeClr val="tx1"/>
+                </a:solidFill>
+                <a:latin typeface="Courier New" pitchFamily="49" charset="0"/>
+                <a:cs typeface="Courier New" pitchFamily="49" charset="0"/>
+              </a:rPr>
+              <a:t>/</a:t>
+            </a:r>
+            <a:r>
+              <a:rPr lang="en-US" sz="2000" b="1" dirty="0">
+                <a:solidFill>
+                  <a:srgbClr val="C00000"/>
+                </a:solidFill>
+                <a:latin typeface="Courier New" pitchFamily="49" charset="0"/>
+                <a:cs typeface="Courier New" pitchFamily="49" charset="0"/>
+              </a:rPr>
+              <a:t>4.0</a:t>
+            </a:r>
+            <a:r>
+              <a:rPr lang="en-US" sz="2000" b="1" dirty="0">
+                <a:solidFill>
+                  <a:schemeClr val="tx1"/>
+                </a:solidFill>
+                <a:latin typeface="Courier New" pitchFamily="49" charset="0"/>
+                <a:cs typeface="Courier New" pitchFamily="49" charset="0"/>
+              </a:rPr>
+              <a:t>; </a:t>
+            </a:r>
+          </a:p>
+        </p:txBody>
+      </p:sp>
+      <p:sp>
+        <p:nvSpPr>
+          <p:cNvPr id="2" name="Rectangle 1">
+            <a:extLst>
+              <a:ext uri="{FF2B5EF4-FFF2-40B4-BE49-F238E27FC236}">
+                <a16:creationId xmlns:a16="http://schemas.microsoft.com/office/drawing/2014/main" id="{38D54104-6D84-CA47-9A43-320A15451684}"/>
+              </a:ext>
+            </a:extLst>
+          </p:cNvPr>
+          <p:cNvSpPr/>
+          <p:nvPr/>
+        </p:nvSpPr>
+        <p:spPr>
+          <a:xfrm>
+            <a:off x="4178453" y="1903788"/>
+            <a:ext cx="925286" cy="338670"/>
+          </a:xfrm>
+          <a:prstGeom prst="rect">
+            <a:avLst/>
+          </a:prstGeom>
+          <a:solidFill>
+            <a:schemeClr val="bg1"/>
+          </a:solidFill>
+          <a:ln>
+            <a:solidFill>
+              <a:schemeClr val="bg1"/>
+            </a:solidFill>
+          </a:ln>
+        </p:spPr>
+        <p:style>
+          <a:lnRef idx="2">
+            <a:schemeClr val="accent1">
+              <a:shade val="50000"/>
+            </a:schemeClr>
+          </a:lnRef>
+          <a:fillRef idx="1">
+            <a:schemeClr val="accent1"/>
+          </a:fillRef>
+          <a:effectRef idx="0">
+            <a:schemeClr val="accent1"/>
+          </a:effectRef>
+          <a:fontRef idx="minor">
+            <a:schemeClr val="lt1"/>
+          </a:fontRef>
+        </p:style>
+        <p:txBody>
+          <a:bodyPr rtlCol="0" anchor="ctr"/>
+          <a:lstStyle/>
+          <a:p>
+            <a:pPr algn="ctr"/>
+            <a:endParaRPr lang="en-US" dirty="0">
+              <a:solidFill>
+                <a:schemeClr val="bg1"/>
+              </a:solidFill>
+            </a:endParaRPr>
+          </a:p>
+        </p:txBody>
+      </p:sp>
+      <p:sp>
+        <p:nvSpPr>
+          <p:cNvPr id="22" name="Rectangle 21">
+            <a:extLst>
+              <a:ext uri="{FF2B5EF4-FFF2-40B4-BE49-F238E27FC236}">
+                <a16:creationId xmlns:a16="http://schemas.microsoft.com/office/drawing/2014/main" id="{B5072A15-8CE2-3F4B-A058-28D7F8BB7581}"/>
+              </a:ext>
+            </a:extLst>
+          </p:cNvPr>
+          <p:cNvSpPr/>
+          <p:nvPr/>
+        </p:nvSpPr>
+        <p:spPr>
+          <a:xfrm>
+            <a:off x="4191061" y="2183293"/>
+            <a:ext cx="925286" cy="338670"/>
+          </a:xfrm>
+          <a:prstGeom prst="rect">
+            <a:avLst/>
+          </a:prstGeom>
+          <a:solidFill>
+            <a:schemeClr val="bg1"/>
+          </a:solidFill>
+          <a:ln>
+            <a:solidFill>
+              <a:schemeClr val="bg1"/>
+            </a:solidFill>
+          </a:ln>
+        </p:spPr>
+        <p:style>
+          <a:lnRef idx="2">
+            <a:schemeClr val="accent1">
+              <a:shade val="50000"/>
+            </a:schemeClr>
+          </a:lnRef>
+          <a:fillRef idx="1">
+            <a:schemeClr val="accent1"/>
+          </a:fillRef>
+          <a:effectRef idx="0">
+            <a:schemeClr val="accent1"/>
+          </a:effectRef>
+          <a:fontRef idx="minor">
+            <a:schemeClr val="lt1"/>
+          </a:fontRef>
+        </p:style>
+        <p:txBody>
+          <a:bodyPr rtlCol="0" anchor="ctr"/>
+          <a:lstStyle/>
+          <a:p>
+            <a:pPr algn="ctr"/>
+            <a:endParaRPr lang="en-US" dirty="0">
+              <a:solidFill>
+                <a:schemeClr val="bg1"/>
+              </a:solidFill>
+            </a:endParaRPr>
+          </a:p>
+        </p:txBody>
+      </p:sp>
+      <p:sp>
+        <p:nvSpPr>
+          <p:cNvPr id="23" name="Rectangle 22">
+            <a:extLst>
+              <a:ext uri="{FF2B5EF4-FFF2-40B4-BE49-F238E27FC236}">
+                <a16:creationId xmlns:a16="http://schemas.microsoft.com/office/drawing/2014/main" id="{2CDB6F36-6000-1841-B92B-245E66B5B334}"/>
+              </a:ext>
+            </a:extLst>
+          </p:cNvPr>
+          <p:cNvSpPr/>
+          <p:nvPr/>
+        </p:nvSpPr>
+        <p:spPr>
+          <a:xfrm>
+            <a:off x="4194249" y="2506342"/>
+            <a:ext cx="925286" cy="338670"/>
+          </a:xfrm>
+          <a:prstGeom prst="rect">
+            <a:avLst/>
+          </a:prstGeom>
+          <a:solidFill>
+            <a:schemeClr val="bg1"/>
+          </a:solidFill>
+          <a:ln>
+            <a:solidFill>
+              <a:schemeClr val="bg1"/>
+            </a:solidFill>
+          </a:ln>
+        </p:spPr>
+        <p:style>
+          <a:lnRef idx="2">
+            <a:schemeClr val="accent1">
+              <a:shade val="50000"/>
+            </a:schemeClr>
+          </a:lnRef>
+          <a:fillRef idx="1">
+            <a:schemeClr val="accent1"/>
+          </a:fillRef>
+          <a:effectRef idx="0">
+            <a:schemeClr val="accent1"/>
+          </a:effectRef>
+          <a:fontRef idx="minor">
+            <a:schemeClr val="lt1"/>
+          </a:fontRef>
+        </p:style>
+        <p:txBody>
+          <a:bodyPr rtlCol="0" anchor="ctr"/>
+          <a:lstStyle/>
+          <a:p>
+            <a:pPr algn="ctr"/>
+            <a:endParaRPr lang="en-US" dirty="0">
+              <a:solidFill>
+                <a:schemeClr val="bg1"/>
+              </a:solidFill>
+            </a:endParaRPr>
+          </a:p>
+        </p:txBody>
+      </p:sp>
+      <p:sp>
+        <p:nvSpPr>
+          <p:cNvPr id="26" name="Rectangle 25">
+            <a:extLst>
+              <a:ext uri="{FF2B5EF4-FFF2-40B4-BE49-F238E27FC236}">
+                <a16:creationId xmlns:a16="http://schemas.microsoft.com/office/drawing/2014/main" id="{83DF59FB-C736-634C-9A74-61206537936E}"/>
+              </a:ext>
+            </a:extLst>
+          </p:cNvPr>
+          <p:cNvSpPr/>
+          <p:nvPr/>
+        </p:nvSpPr>
+        <p:spPr>
+          <a:xfrm>
+            <a:off x="4195070" y="2878505"/>
+            <a:ext cx="925286" cy="338670"/>
+          </a:xfrm>
+          <a:prstGeom prst="rect">
+            <a:avLst/>
+          </a:prstGeom>
+          <a:solidFill>
+            <a:schemeClr val="bg1"/>
+          </a:solidFill>
+          <a:ln>
+            <a:solidFill>
+              <a:schemeClr val="bg1"/>
+            </a:solidFill>
+          </a:ln>
+        </p:spPr>
+        <p:style>
+          <a:lnRef idx="2">
+            <a:schemeClr val="accent1">
+              <a:shade val="50000"/>
+            </a:schemeClr>
+          </a:lnRef>
+          <a:fillRef idx="1">
+            <a:schemeClr val="accent1"/>
+          </a:fillRef>
+          <a:effectRef idx="0">
+            <a:schemeClr val="accent1"/>
+          </a:effectRef>
+          <a:fontRef idx="minor">
+            <a:schemeClr val="lt1"/>
+          </a:fontRef>
+        </p:style>
+        <p:txBody>
+          <a:bodyPr rtlCol="0" anchor="ctr"/>
+          <a:lstStyle/>
+          <a:p>
+            <a:pPr algn="ctr"/>
+            <a:endParaRPr lang="en-US" dirty="0">
+              <a:solidFill>
+                <a:schemeClr val="bg1"/>
+              </a:solidFill>
+            </a:endParaRPr>
           </a:p>
         </p:txBody>
       </p:sp>
     </p:spTree>
     <p:extLst>
       <p:ext uri="{BB962C8B-B14F-4D97-AF65-F5344CB8AC3E}">
-        <p14:creationId xmlns:p14="http://schemas.microsoft.com/office/powerpoint/2010/main" val="4067780456"/>
+        <p14:creationId xmlns:p14="http://schemas.microsoft.com/office/powerpoint/2010/main" val="2168550578"/>
       </p:ext>
     </p:extLst>
   </p:cSld>
@@ -12987,9 +18083,6 @@
                     <p:cTn id="3" fill="hold">
                       <p:stCondLst>
                         <p:cond delay="indefinite"/>
-                        <p:cond evt="onBegin" delay="0">
-                          <p:tn val="2"/>
-                        </p:cond>
                       </p:stCondLst>
                       <p:childTnLst>
                         <p:par>
@@ -12999,7 +18092,7 @@
                             </p:stCondLst>
                             <p:childTnLst>
                               <p:par>
-                                <p:cTn id="5" presetID="9" presetClass="entr" presetSubtype="0" fill="hold" grpId="0" nodeType="afterEffect">
+                                <p:cTn id="5" presetID="1" presetClass="exit" presetSubtype="0" fill="hold" grpId="0" nodeType="clickEffect">
                                   <p:stCondLst>
                                     <p:cond delay="0"/>
                                   </p:stCondLst>
@@ -13012,7 +18105,838 @@
                                           </p:stCondLst>
                                         </p:cTn>
                                         <p:tgtEl>
-                                          <p:spTgt spid="7"/>
+                                          <p:spTgt spid="2"/>
+                                        </p:tgtEl>
+                                        <p:attrNameLst>
+                                          <p:attrName>style.visibility</p:attrName>
+                                        </p:attrNameLst>
+                                      </p:cBhvr>
+                                      <p:to>
+                                        <p:strVal val="hidden"/>
+                                      </p:to>
+                                    </p:set>
+                                  </p:childTnLst>
+                                </p:cTn>
+                              </p:par>
+                            </p:childTnLst>
+                          </p:cTn>
+                        </p:par>
+                      </p:childTnLst>
+                    </p:cTn>
+                  </p:par>
+                  <p:par>
+                    <p:cTn id="7" fill="hold">
+                      <p:stCondLst>
+                        <p:cond delay="indefinite"/>
+                      </p:stCondLst>
+                      <p:childTnLst>
+                        <p:par>
+                          <p:cTn id="8" fill="hold">
+                            <p:stCondLst>
+                              <p:cond delay="0"/>
+                            </p:stCondLst>
+                            <p:childTnLst>
+                              <p:par>
+                                <p:cTn id="9" presetID="1" presetClass="exit" presetSubtype="0" fill="hold" grpId="0" nodeType="clickEffect">
+                                  <p:stCondLst>
+                                    <p:cond delay="0"/>
+                                  </p:stCondLst>
+                                  <p:childTnLst>
+                                    <p:set>
+                                      <p:cBhvr>
+                                        <p:cTn id="10" dur="1" fill="hold">
+                                          <p:stCondLst>
+                                            <p:cond delay="0"/>
+                                          </p:stCondLst>
+                                        </p:cTn>
+                                        <p:tgtEl>
+                                          <p:spTgt spid="22"/>
+                                        </p:tgtEl>
+                                        <p:attrNameLst>
+                                          <p:attrName>style.visibility</p:attrName>
+                                        </p:attrNameLst>
+                                      </p:cBhvr>
+                                      <p:to>
+                                        <p:strVal val="hidden"/>
+                                      </p:to>
+                                    </p:set>
+                                  </p:childTnLst>
+                                </p:cTn>
+                              </p:par>
+                            </p:childTnLst>
+                          </p:cTn>
+                        </p:par>
+                      </p:childTnLst>
+                    </p:cTn>
+                  </p:par>
+                  <p:par>
+                    <p:cTn id="11" fill="hold">
+                      <p:stCondLst>
+                        <p:cond delay="indefinite"/>
+                      </p:stCondLst>
+                      <p:childTnLst>
+                        <p:par>
+                          <p:cTn id="12" fill="hold">
+                            <p:stCondLst>
+                              <p:cond delay="0"/>
+                            </p:stCondLst>
+                            <p:childTnLst>
+                              <p:par>
+                                <p:cTn id="13" presetID="1" presetClass="exit" presetSubtype="0" fill="hold" grpId="0" nodeType="clickEffect">
+                                  <p:stCondLst>
+                                    <p:cond delay="0"/>
+                                  </p:stCondLst>
+                                  <p:childTnLst>
+                                    <p:set>
+                                      <p:cBhvr>
+                                        <p:cTn id="14" dur="1" fill="hold">
+                                          <p:stCondLst>
+                                            <p:cond delay="0"/>
+                                          </p:stCondLst>
+                                        </p:cTn>
+                                        <p:tgtEl>
+                                          <p:spTgt spid="23"/>
+                                        </p:tgtEl>
+                                        <p:attrNameLst>
+                                          <p:attrName>style.visibility</p:attrName>
+                                        </p:attrNameLst>
+                                      </p:cBhvr>
+                                      <p:to>
+                                        <p:strVal val="hidden"/>
+                                      </p:to>
+                                    </p:set>
+                                  </p:childTnLst>
+                                </p:cTn>
+                              </p:par>
+                            </p:childTnLst>
+                          </p:cTn>
+                        </p:par>
+                      </p:childTnLst>
+                    </p:cTn>
+                  </p:par>
+                  <p:par>
+                    <p:cTn id="15" fill="hold">
+                      <p:stCondLst>
+                        <p:cond delay="indefinite"/>
+                      </p:stCondLst>
+                      <p:childTnLst>
+                        <p:par>
+                          <p:cTn id="16" fill="hold">
+                            <p:stCondLst>
+                              <p:cond delay="0"/>
+                            </p:stCondLst>
+                            <p:childTnLst>
+                              <p:par>
+                                <p:cTn id="17" presetID="1" presetClass="exit" presetSubtype="0" fill="hold" grpId="0" nodeType="clickEffect">
+                                  <p:stCondLst>
+                                    <p:cond delay="0"/>
+                                  </p:stCondLst>
+                                  <p:childTnLst>
+                                    <p:set>
+                                      <p:cBhvr>
+                                        <p:cTn id="18" dur="1" fill="hold">
+                                          <p:stCondLst>
+                                            <p:cond delay="0"/>
+                                          </p:stCondLst>
+                                        </p:cTn>
+                                        <p:tgtEl>
+                                          <p:spTgt spid="26"/>
+                                        </p:tgtEl>
+                                        <p:attrNameLst>
+                                          <p:attrName>style.visibility</p:attrName>
+                                        </p:attrNameLst>
+                                      </p:cBhvr>
+                                      <p:to>
+                                        <p:strVal val="hidden"/>
+                                      </p:to>
+                                    </p:set>
+                                  </p:childTnLst>
+                                </p:cTn>
+                              </p:par>
+                            </p:childTnLst>
+                          </p:cTn>
+                        </p:par>
+                      </p:childTnLst>
+                    </p:cTn>
+                  </p:par>
+                </p:childTnLst>
+              </p:cTn>
+              <p:prevCondLst>
+                <p:cond evt="onPrev" delay="0">
+                  <p:tgtEl>
+                    <p:sldTgt/>
+                  </p:tgtEl>
+                </p:cond>
+              </p:prevCondLst>
+              <p:nextCondLst>
+                <p:cond evt="onNext" delay="0">
+                  <p:tgtEl>
+                    <p:sldTgt/>
+                  </p:tgtEl>
+                </p:cond>
+              </p:nextCondLst>
+            </p:seq>
+          </p:childTnLst>
+        </p:cTn>
+      </p:par>
+    </p:tnLst>
+    <p:bldLst>
+      <p:bldP spid="2" grpId="0" animBg="1"/>
+      <p:bldP spid="22" grpId="0" animBg="1"/>
+      <p:bldP spid="23" grpId="0" animBg="1"/>
+      <p:bldP spid="26" grpId="0" animBg="1"/>
+    </p:bldLst>
+  </p:timing>
+</p:sld>
+</file>
+
+<file path=ppt/slides/slide8.xml><?xml version="1.0" encoding="utf-8"?>
+<p:sld xmlns:a="http://schemas.openxmlformats.org/drawingml/2006/main" xmlns:r="http://schemas.openxmlformats.org/officeDocument/2006/relationships" xmlns:p="http://schemas.openxmlformats.org/presentationml/2006/main">
+  <p:cSld>
+    <p:spTree>
+      <p:nvGrpSpPr>
+        <p:cNvPr id="1" name=""/>
+        <p:cNvGrpSpPr/>
+        <p:nvPr/>
+      </p:nvGrpSpPr>
+      <p:grpSpPr>
+        <a:xfrm>
+          <a:off x="0" y="0"/>
+          <a:ext cx="0" cy="0"/>
+          <a:chOff x="0" y="0"/>
+          <a:chExt cx="0" cy="0"/>
+        </a:xfrm>
+      </p:grpSpPr>
+      <p:sp>
+        <p:nvSpPr>
+          <p:cNvPr id="25602" name="Rectangle 2"/>
+          <p:cNvSpPr>
+            <a:spLocks noGrp="1" noChangeArrowheads="1"/>
+          </p:cNvSpPr>
+          <p:nvPr>
+            <p:ph type="title"/>
+          </p:nvPr>
+        </p:nvSpPr>
+        <p:spPr>
+          <a:xfrm>
+            <a:off x="533400" y="457200"/>
+            <a:ext cx="8403566" cy="685800"/>
+          </a:xfrm>
+        </p:spPr>
+        <p:txBody>
+          <a:bodyPr>
+            <a:normAutofit fontScale="90000"/>
+          </a:bodyPr>
+          <a:lstStyle/>
+          <a:p>
+            <a:pPr eaLnBrk="1" hangingPunct="1"/>
+            <a:r>
+              <a:rPr lang="en-GB" dirty="0">
+                <a:solidFill>
+                  <a:srgbClr val="0000FF"/>
+                </a:solidFill>
+              </a:rPr>
+              <a:t>Ex#1: Temperature Conversion</a:t>
+            </a:r>
+            <a:endParaRPr lang="en-GB" sz="3100" dirty="0">
+              <a:solidFill>
+                <a:srgbClr val="0000FF"/>
+              </a:solidFill>
+            </a:endParaRPr>
+          </a:p>
+        </p:txBody>
+      </p:sp>
+      <p:sp>
+        <p:nvSpPr>
+          <p:cNvPr id="9" name="Slide Number Placeholder 8"/>
+          <p:cNvSpPr>
+            <a:spLocks noGrp="1"/>
+          </p:cNvSpPr>
+          <p:nvPr>
+            <p:ph type="sldNum" sz="quarter" idx="12"/>
+          </p:nvPr>
+        </p:nvSpPr>
+        <p:spPr/>
+        <p:txBody>
+          <a:bodyPr>
+            <a:normAutofit/>
+          </a:bodyPr>
+          <a:lstStyle/>
+          <a:p>
+            <a:pPr>
+              <a:defRPr/>
+            </a:pPr>
+            <a:r>
+              <a:rPr lang="en-US" dirty="0"/>
+              <a:t>Unit7 </a:t>
+            </a:r>
+            <a:r>
+              <a:rPr dirty="0"/>
+              <a:t>- </a:t>
+            </a:r>
+            <a:fld id="{24D17162-63A3-49DC-92B1-933428BCC85F}" type="slidenum">
+              <a:rPr smtClean="0"/>
+              <a:pPr>
+                <a:defRPr/>
+              </a:pPr>
+              <a:t>8</a:t>
+            </a:fld>
+            <a:endParaRPr dirty="0"/>
+          </a:p>
+        </p:txBody>
+      </p:sp>
+      <p:sp>
+        <p:nvSpPr>
+          <p:cNvPr id="14" name="[Date Placeholder 3]"/>
+          <p:cNvSpPr>
+            <a:spLocks noGrp="1"/>
+          </p:cNvSpPr>
+          <p:nvPr>
+            <p:ph type="dt" sz="half" idx="10"/>
+          </p:nvPr>
+        </p:nvSpPr>
+        <p:spPr>
+          <a:xfrm>
+            <a:off x="457200" y="18288"/>
+            <a:ext cx="2895600" cy="329184"/>
+          </a:xfrm>
+        </p:spPr>
+        <p:txBody>
+          <a:bodyPr/>
+          <a:lstStyle/>
+          <a:p>
+            <a:pPr>
+              <a:defRPr/>
+            </a:pPr>
+            <a:r>
+              <a:rPr lang="en-US" dirty="0"/>
+              <a:t>© NUS</a:t>
+            </a:r>
+          </a:p>
+        </p:txBody>
+      </p:sp>
+      <p:sp>
+        <p:nvSpPr>
+          <p:cNvPr id="15" name="HighlightTextShape201406241503265130"/>
+          <p:cNvSpPr>
+            <a:spLocks noChangeArrowheads="1"/>
+          </p:cNvSpPr>
+          <p:nvPr/>
+        </p:nvSpPr>
+        <p:spPr bwMode="auto">
+          <a:xfrm>
+            <a:off x="573206" y="1219201"/>
+            <a:ext cx="8363760" cy="1327230"/>
+          </a:xfrm>
+          <a:prstGeom prst="rect">
+            <a:avLst/>
+          </a:prstGeom>
+          <a:noFill/>
+          <a:ln w="9525">
+            <a:noFill/>
+            <a:miter lim="800000"/>
+            <a:headEnd/>
+            <a:tailEnd/>
+          </a:ln>
+        </p:spPr>
+        <p:txBody>
+          <a:bodyPr/>
+          <a:lstStyle/>
+          <a:p>
+            <a:pPr marL="342900" indent="-342900">
+              <a:spcBef>
+                <a:spcPts val="1200"/>
+              </a:spcBef>
+              <a:buClr>
+                <a:schemeClr val="accent4">
+                  <a:lumMod val="60000"/>
+                  <a:lumOff val="40000"/>
+                </a:schemeClr>
+              </a:buClr>
+              <a:buSzPct val="75000"/>
+              <a:buFont typeface="Wingdings" pitchFamily="2" charset="2"/>
+              <a:buChar char="n"/>
+            </a:pPr>
+            <a:r>
+              <a:rPr lang="en-US" sz="2400" dirty="0"/>
+              <a:t>Write a program to convert a temperature from Fahrenheit degrees to Celsius degrees:</a:t>
+            </a:r>
+          </a:p>
+          <a:p>
+            <a:pPr marL="342900" indent="-342900">
+              <a:spcBef>
+                <a:spcPts val="1200"/>
+              </a:spcBef>
+              <a:buClr>
+                <a:schemeClr val="accent4">
+                  <a:lumMod val="60000"/>
+                  <a:lumOff val="40000"/>
+                </a:schemeClr>
+              </a:buClr>
+              <a:buSzPct val="75000"/>
+              <a:buFont typeface="Wingdings" pitchFamily="2" charset="2"/>
+              <a:buChar char="n"/>
+            </a:pPr>
+            <a:endParaRPr lang="en-US" sz="2400" dirty="0"/>
+          </a:p>
+          <a:p>
+            <a:pPr marL="342900" indent="-342900">
+              <a:spcBef>
+                <a:spcPts val="1200"/>
+              </a:spcBef>
+              <a:buClr>
+                <a:schemeClr val="accent4">
+                  <a:lumMod val="60000"/>
+                  <a:lumOff val="40000"/>
+                </a:schemeClr>
+              </a:buClr>
+              <a:buSzPct val="75000"/>
+              <a:buFont typeface="Wingdings" pitchFamily="2" charset="2"/>
+              <a:buChar char="n"/>
+            </a:pPr>
+            <a:endParaRPr lang="en-US" sz="2400" dirty="0"/>
+          </a:p>
+          <a:p>
+            <a:pPr marL="342900" indent="-342900">
+              <a:spcBef>
+                <a:spcPts val="1200"/>
+              </a:spcBef>
+              <a:buClr>
+                <a:schemeClr val="accent4">
+                  <a:lumMod val="60000"/>
+                  <a:lumOff val="40000"/>
+                </a:schemeClr>
+              </a:buClr>
+              <a:buSzPct val="75000"/>
+              <a:buFont typeface="Wingdings" pitchFamily="2" charset="2"/>
+              <a:buChar char="n"/>
+            </a:pPr>
+            <a:r>
+              <a:rPr lang="en-US" sz="2400" dirty="0"/>
+              <a:t>Sample test case:</a:t>
+            </a:r>
+          </a:p>
+        </p:txBody>
+      </p:sp>
+      <mc:AlternateContent xmlns:mc="http://schemas.openxmlformats.org/markup-compatibility/2006" xmlns:a14="http://schemas.microsoft.com/office/drawing/2010/main">
+        <mc:Choice Requires="a14">
+          <p:sp>
+            <p:nvSpPr>
+              <p:cNvPr id="2" name="TextBox 1"/>
+              <p:cNvSpPr txBox="1"/>
+              <p:nvPr/>
+            </p:nvSpPr>
+            <p:spPr>
+              <a:xfrm>
+                <a:off x="1972557" y="2091146"/>
+                <a:ext cx="5565058" cy="910570"/>
+              </a:xfrm>
+              <a:prstGeom prst="rect">
+                <a:avLst/>
+              </a:prstGeom>
+              <a:solidFill>
+                <a:srgbClr val="FFFFCC"/>
+              </a:solidFill>
+              <a:ln>
+                <a:solidFill>
+                  <a:schemeClr val="tx1"/>
+                </a:solidFill>
+              </a:ln>
+            </p:spPr>
+            <p:txBody>
+              <a:bodyPr wrap="square" rtlCol="0">
+                <a:spAutoFit/>
+              </a:bodyPr>
+              <a:lstStyle/>
+              <a:p>
+                <a:pPr/>
+                <a14:m>
+                  <m:oMathPara xmlns:m="http://schemas.openxmlformats.org/officeDocument/2006/math">
+                    <m:oMathParaPr>
+                      <m:jc m:val="centerGroup"/>
+                    </m:oMathParaPr>
+                    <m:oMath xmlns:m="http://schemas.openxmlformats.org/officeDocument/2006/math">
+                      <m:r>
+                        <a:rPr lang="en-US" sz="2800" b="0" i="1" smtClean="0">
+                          <a:latin typeface="Cambria Math"/>
+                        </a:rPr>
+                        <m:t>𝑐𝑒𝑙𝑠𝑖𝑢𝑠</m:t>
+                      </m:r>
+                      <m:r>
+                        <a:rPr lang="en-US" sz="2800" b="0" i="1" smtClean="0">
+                          <a:latin typeface="Cambria Math"/>
+                        </a:rPr>
+                        <m:t>= </m:t>
+                      </m:r>
+                      <m:f>
+                        <m:fPr>
+                          <m:ctrlPr>
+                            <a:rPr lang="en-US" sz="2800" b="0" i="1" smtClean="0">
+                              <a:latin typeface="Cambria Math" panose="02040503050406030204" pitchFamily="18" charset="0"/>
+                            </a:rPr>
+                          </m:ctrlPr>
+                        </m:fPr>
+                        <m:num>
+                          <m:r>
+                            <a:rPr lang="en-US" sz="2800" b="0" i="1" smtClean="0">
+                              <a:latin typeface="Cambria Math"/>
+                            </a:rPr>
+                            <m:t>5</m:t>
+                          </m:r>
+                        </m:num>
+                        <m:den>
+                          <m:r>
+                            <a:rPr lang="en-US" sz="2800" b="0" i="1" smtClean="0">
+                              <a:latin typeface="Cambria Math"/>
+                            </a:rPr>
+                            <m:t>9</m:t>
+                          </m:r>
+                        </m:den>
+                      </m:f>
+                      <m:r>
+                        <a:rPr lang="en-US" sz="2800" b="0" i="1" smtClean="0">
+                          <a:latin typeface="Cambria Math"/>
+                          <a:ea typeface="Cambria Math"/>
+                        </a:rPr>
+                        <m:t>×(</m:t>
+                      </m:r>
+                      <m:r>
+                        <a:rPr lang="en-US" sz="2800" b="0" i="1" smtClean="0">
+                          <a:latin typeface="Cambria Math"/>
+                          <a:ea typeface="Cambria Math"/>
+                        </a:rPr>
+                        <m:t>𝑓𝑎h𝑟𝑒𝑛h𝑒𝑖𝑡</m:t>
+                      </m:r>
+                      <m:r>
+                        <a:rPr lang="en-US" sz="2800" b="0" i="1" smtClean="0">
+                          <a:latin typeface="Cambria Math"/>
+                          <a:ea typeface="Cambria Math"/>
+                        </a:rPr>
+                        <m:t> −32)</m:t>
+                      </m:r>
+                    </m:oMath>
+                  </m:oMathPara>
+                </a14:m>
+                <a:endParaRPr lang="en-US" sz="2800" dirty="0"/>
+              </a:p>
+            </p:txBody>
+          </p:sp>
+        </mc:Choice>
+        <mc:Fallback xmlns="">
+          <p:sp>
+            <p:nvSpPr>
+              <p:cNvPr id="2" name="TextBox 1"/>
+              <p:cNvSpPr txBox="1">
+                <a:spLocks noRot="1" noChangeAspect="1" noMove="1" noResize="1" noEditPoints="1" noAdjustHandles="1" noChangeArrowheads="1" noChangeShapeType="1" noTextEdit="1"/>
+              </p:cNvSpPr>
+              <p:nvPr/>
+            </p:nvSpPr>
+            <p:spPr>
+              <a:xfrm>
+                <a:off x="1972557" y="2091146"/>
+                <a:ext cx="5565058" cy="910570"/>
+              </a:xfrm>
+              <a:prstGeom prst="rect">
+                <a:avLst/>
+              </a:prstGeom>
+              <a:blipFill rotWithShape="1">
+                <a:blip r:embed="rId3"/>
+                <a:stretch>
+                  <a:fillRect/>
+                </a:stretch>
+              </a:blipFill>
+              <a:ln>
+                <a:solidFill>
+                  <a:schemeClr val="tx1"/>
+                </a:solidFill>
+              </a:ln>
+            </p:spPr>
+            <p:txBody>
+              <a:bodyPr/>
+              <a:lstStyle/>
+              <a:p>
+                <a:r>
+                  <a:rPr lang="en-US">
+                    <a:noFill/>
+                  </a:rPr>
+                  <a:t> </a:t>
+                </a:r>
+              </a:p>
+            </p:txBody>
+          </p:sp>
+        </mc:Fallback>
+      </mc:AlternateContent>
+      <p:sp>
+        <p:nvSpPr>
+          <p:cNvPr id="8" name="HighlightTextShape201406241503265130"/>
+          <p:cNvSpPr>
+            <a:spLocks noChangeArrowheads="1"/>
+          </p:cNvSpPr>
+          <p:nvPr/>
+        </p:nvSpPr>
+        <p:spPr bwMode="auto">
+          <a:xfrm>
+            <a:off x="573206" y="4509410"/>
+            <a:ext cx="8363760" cy="1872086"/>
+          </a:xfrm>
+          <a:prstGeom prst="rect">
+            <a:avLst/>
+          </a:prstGeom>
+          <a:noFill/>
+          <a:ln w="9525">
+            <a:noFill/>
+            <a:miter lim="800000"/>
+            <a:headEnd/>
+            <a:tailEnd/>
+          </a:ln>
+        </p:spPr>
+        <p:txBody>
+          <a:bodyPr/>
+          <a:lstStyle/>
+          <a:p>
+            <a:pPr marL="342900" indent="-342900">
+              <a:spcBef>
+                <a:spcPts val="1200"/>
+              </a:spcBef>
+              <a:buClr>
+                <a:schemeClr val="accent4">
+                  <a:lumMod val="60000"/>
+                  <a:lumOff val="40000"/>
+                </a:schemeClr>
+              </a:buClr>
+              <a:buSzPct val="75000"/>
+              <a:buFont typeface="Wingdings" pitchFamily="2" charset="2"/>
+              <a:buChar char="n"/>
+            </a:pPr>
+            <a:r>
+              <a:rPr lang="en-US" sz="2400" dirty="0"/>
+              <a:t>Analysis:</a:t>
+            </a:r>
+          </a:p>
+          <a:p>
+            <a:pPr marL="800100" lvl="1" indent="-342900">
+              <a:spcBef>
+                <a:spcPts val="1200"/>
+              </a:spcBef>
+              <a:buClr>
+                <a:schemeClr val="accent4">
+                  <a:lumMod val="60000"/>
+                  <a:lumOff val="40000"/>
+                </a:schemeClr>
+              </a:buClr>
+              <a:buSzPct val="75000"/>
+              <a:buFont typeface="Wingdings" pitchFamily="2" charset="2"/>
+              <a:buChar char="n"/>
+            </a:pPr>
+            <a:r>
+              <a:rPr lang="en-US" sz="2000" dirty="0">
+                <a:solidFill>
+                  <a:srgbClr val="0000FF"/>
+                </a:solidFill>
+              </a:rPr>
+              <a:t>Input</a:t>
+            </a:r>
+            <a:r>
+              <a:rPr lang="en-US" sz="2000" dirty="0"/>
+              <a:t>: </a:t>
+            </a:r>
+            <a:r>
+              <a:rPr lang="en-US" sz="2000" b="1" dirty="0"/>
+              <a:t>A real number </a:t>
+            </a:r>
+            <a:r>
+              <a:rPr lang="en-US" sz="2000" dirty="0"/>
+              <a:t>representing a temperature in Fahrenheit.</a:t>
+            </a:r>
+          </a:p>
+          <a:p>
+            <a:pPr marL="800100" lvl="1" indent="-342900">
+              <a:spcBef>
+                <a:spcPts val="1200"/>
+              </a:spcBef>
+              <a:buClr>
+                <a:schemeClr val="accent4">
+                  <a:lumMod val="60000"/>
+                  <a:lumOff val="40000"/>
+                </a:schemeClr>
+              </a:buClr>
+              <a:buSzPct val="75000"/>
+              <a:buFont typeface="Wingdings" pitchFamily="2" charset="2"/>
+              <a:buChar char="n"/>
+            </a:pPr>
+            <a:r>
+              <a:rPr lang="en-US" sz="2000" dirty="0">
+                <a:solidFill>
+                  <a:srgbClr val="0000FF"/>
+                </a:solidFill>
+              </a:rPr>
+              <a:t>Output</a:t>
+            </a:r>
+            <a:r>
+              <a:rPr lang="en-US" sz="2000" dirty="0"/>
+              <a:t>: </a:t>
+            </a:r>
+            <a:r>
+              <a:rPr lang="en-US" sz="2000" b="1" dirty="0"/>
+              <a:t>A real number</a:t>
+            </a:r>
+            <a:r>
+              <a:rPr lang="en-US" sz="2000" dirty="0"/>
+              <a:t> representing a temperature in Celsius, </a:t>
+            </a:r>
+          </a:p>
+          <a:p>
+            <a:pPr marL="800100" lvl="1" indent="-342900">
+              <a:spcBef>
+                <a:spcPts val="1200"/>
+              </a:spcBef>
+              <a:buClr>
+                <a:schemeClr val="accent4">
+                  <a:lumMod val="60000"/>
+                  <a:lumOff val="40000"/>
+                </a:schemeClr>
+              </a:buClr>
+              <a:buSzPct val="75000"/>
+              <a:buFont typeface="Wingdings" pitchFamily="2" charset="2"/>
+              <a:buChar char="n"/>
+            </a:pPr>
+            <a:r>
+              <a:rPr lang="en-US" sz="2000" dirty="0">
+                <a:solidFill>
+                  <a:srgbClr val="0000FF"/>
+                </a:solidFill>
+              </a:rPr>
+              <a:t>Constraint: </a:t>
+            </a:r>
+            <a:r>
+              <a:rPr lang="en-US" sz="2000" dirty="0"/>
+              <a:t>The output temperature should be equivalent to the input temperature according to the formula.</a:t>
+            </a:r>
+          </a:p>
+        </p:txBody>
+      </p:sp>
+      <p:sp>
+        <p:nvSpPr>
+          <p:cNvPr id="11" name="TextBox 10"/>
+          <p:cNvSpPr txBox="1"/>
+          <p:nvPr/>
+        </p:nvSpPr>
+        <p:spPr>
+          <a:xfrm>
+            <a:off x="1018224" y="3630907"/>
+            <a:ext cx="1426594" cy="708025"/>
+          </a:xfrm>
+          <a:prstGeom prst="rect">
+            <a:avLst/>
+          </a:prstGeom>
+          <a:solidFill>
+            <a:srgbClr val="FFFFCC"/>
+          </a:solidFill>
+        </p:spPr>
+        <p:style>
+          <a:lnRef idx="2">
+            <a:schemeClr val="accent6"/>
+          </a:lnRef>
+          <a:fillRef idx="1">
+            <a:schemeClr val="lt1"/>
+          </a:fillRef>
+          <a:effectRef idx="0">
+            <a:schemeClr val="accent6"/>
+          </a:effectRef>
+          <a:fontRef idx="minor">
+            <a:schemeClr val="dk1"/>
+          </a:fontRef>
+        </p:style>
+        <p:txBody>
+          <a:bodyPr wrap="square">
+            <a:spAutoFit/>
+          </a:bodyPr>
+          <a:lstStyle/>
+          <a:p>
+            <a:pPr>
+              <a:defRPr/>
+            </a:pPr>
+            <a:r>
+              <a:rPr lang="en-US" sz="2000" b="1" dirty="0">
+                <a:solidFill>
+                  <a:srgbClr val="0000FF"/>
+                </a:solidFill>
+                <a:latin typeface="Courier New" pitchFamily="49" charset="0"/>
+                <a:cs typeface="Courier New" pitchFamily="49" charset="0"/>
+              </a:rPr>
+              <a:t>32.5</a:t>
+            </a:r>
+          </a:p>
+          <a:p>
+            <a:pPr>
+              <a:defRPr/>
+            </a:pPr>
+            <a:r>
+              <a:rPr lang="en-US" sz="2000" dirty="0">
+                <a:latin typeface="Courier New" pitchFamily="49" charset="0"/>
+                <a:cs typeface="Courier New" pitchFamily="49" charset="0"/>
+              </a:rPr>
+              <a:t>0.277778</a:t>
+            </a:r>
+            <a:endParaRPr lang="en-SG" sz="2000" dirty="0">
+              <a:latin typeface="Courier New" pitchFamily="49" charset="0"/>
+              <a:cs typeface="Courier New" pitchFamily="49" charset="0"/>
+            </a:endParaRPr>
+          </a:p>
+        </p:txBody>
+      </p:sp>
+    </p:spTree>
+    <p:extLst>
+      <p:ext uri="{BB962C8B-B14F-4D97-AF65-F5344CB8AC3E}">
+        <p14:creationId xmlns:p14="http://schemas.microsoft.com/office/powerpoint/2010/main" val="3732991085"/>
+      </p:ext>
+    </p:extLst>
+  </p:cSld>
+  <p:clrMapOvr>
+    <a:masterClrMapping/>
+  </p:clrMapOvr>
+  <p:transition>
+    <p:fade/>
+  </p:transition>
+  <p:timing>
+    <p:tnLst>
+      <p:par>
+        <p:cTn id="1" dur="indefinite" restart="never" nodeType="tmRoot">
+          <p:childTnLst>
+            <p:seq concurrent="1" nextAc="seek">
+              <p:cTn id="2" dur="indefinite" nodeType="mainSeq">
+                <p:childTnLst>
+                  <p:par>
+                    <p:cTn id="3" fill="hold">
+                      <p:stCondLst>
+                        <p:cond delay="indefinite"/>
+                      </p:stCondLst>
+                      <p:childTnLst>
+                        <p:par>
+                          <p:cTn id="4" fill="hold">
+                            <p:stCondLst>
+                              <p:cond delay="0"/>
+                            </p:stCondLst>
+                            <p:childTnLst>
+                              <p:par>
+                                <p:cTn id="5" presetID="9" presetClass="entr" presetSubtype="0" fill="hold" grpId="0" nodeType="clickEffect">
+                                  <p:stCondLst>
+                                    <p:cond delay="0"/>
+                                  </p:stCondLst>
+                                  <p:childTnLst>
+                                    <p:set>
+                                      <p:cBhvr>
+                                        <p:cTn id="6" dur="1" fill="hold">
+                                          <p:stCondLst>
+                                            <p:cond delay="0"/>
+                                          </p:stCondLst>
+                                        </p:cTn>
+                                        <p:tgtEl>
+                                          <p:spTgt spid="8">
+                                            <p:txEl>
+                                              <p:pRg st="0" end="0"/>
+                                            </p:txEl>
+                                          </p:spTgt>
                                         </p:tgtEl>
                                         <p:attrNameLst>
                                           <p:attrName>style.visibility</p:attrName>
@@ -13026,7 +18950,194 @@
                                       <p:cBhvr>
                                         <p:cTn id="7" dur="500"/>
                                         <p:tgtEl>
-                                          <p:spTgt spid="7"/>
+                                          <p:spTgt spid="8">
+                                            <p:txEl>
+                                              <p:pRg st="0" end="0"/>
+                                            </p:txEl>
+                                          </p:spTgt>
+                                        </p:tgtEl>
+                                      </p:cBhvr>
+                                    </p:animEffect>
+                                  </p:childTnLst>
+                                </p:cTn>
+                              </p:par>
+                            </p:childTnLst>
+                          </p:cTn>
+                        </p:par>
+                      </p:childTnLst>
+                    </p:cTn>
+                  </p:par>
+                  <p:par>
+                    <p:cTn id="8" fill="hold">
+                      <p:stCondLst>
+                        <p:cond delay="indefinite"/>
+                      </p:stCondLst>
+                      <p:childTnLst>
+                        <p:par>
+                          <p:cTn id="9" fill="hold">
+                            <p:stCondLst>
+                              <p:cond delay="0"/>
+                            </p:stCondLst>
+                            <p:childTnLst>
+                              <p:par>
+                                <p:cTn id="10" presetID="9" presetClass="entr" presetSubtype="0" fill="hold" grpId="0" nodeType="clickEffect">
+                                  <p:stCondLst>
+                                    <p:cond delay="0"/>
+                                  </p:stCondLst>
+                                  <p:childTnLst>
+                                    <p:set>
+                                      <p:cBhvr>
+                                        <p:cTn id="11" dur="1" fill="hold">
+                                          <p:stCondLst>
+                                            <p:cond delay="0"/>
+                                          </p:stCondLst>
+                                        </p:cTn>
+                                        <p:tgtEl>
+                                          <p:spTgt spid="8">
+                                            <p:txEl>
+                                              <p:pRg st="1" end="1"/>
+                                            </p:txEl>
+                                          </p:spTgt>
+                                        </p:tgtEl>
+                                        <p:attrNameLst>
+                                          <p:attrName>style.visibility</p:attrName>
+                                        </p:attrNameLst>
+                                      </p:cBhvr>
+                                      <p:to>
+                                        <p:strVal val="visible"/>
+                                      </p:to>
+                                    </p:set>
+                                    <p:animEffect transition="in" filter="dissolve">
+                                      <p:cBhvr>
+                                        <p:cTn id="12" dur="500"/>
+                                        <p:tgtEl>
+                                          <p:spTgt spid="8">
+                                            <p:txEl>
+                                              <p:pRg st="1" end="1"/>
+                                            </p:txEl>
+                                          </p:spTgt>
+                                        </p:tgtEl>
+                                      </p:cBhvr>
+                                    </p:animEffect>
+                                  </p:childTnLst>
+                                </p:cTn>
+                              </p:par>
+                            </p:childTnLst>
+                          </p:cTn>
+                        </p:par>
+                      </p:childTnLst>
+                    </p:cTn>
+                  </p:par>
+                  <p:par>
+                    <p:cTn id="13" fill="hold">
+                      <p:stCondLst>
+                        <p:cond delay="indefinite"/>
+                      </p:stCondLst>
+                      <p:childTnLst>
+                        <p:par>
+                          <p:cTn id="14" fill="hold">
+                            <p:stCondLst>
+                              <p:cond delay="0"/>
+                            </p:stCondLst>
+                            <p:childTnLst>
+                              <p:par>
+                                <p:cTn id="15" presetID="9" presetClass="entr" presetSubtype="0" fill="hold" grpId="0" nodeType="clickEffect">
+                                  <p:stCondLst>
+                                    <p:cond delay="0"/>
+                                  </p:stCondLst>
+                                  <p:childTnLst>
+                                    <p:set>
+                                      <p:cBhvr>
+                                        <p:cTn id="16" dur="1" fill="hold">
+                                          <p:stCondLst>
+                                            <p:cond delay="0"/>
+                                          </p:stCondLst>
+                                        </p:cTn>
+                                        <p:tgtEl>
+                                          <p:spTgt spid="8">
+                                            <p:txEl>
+                                              <p:pRg st="2" end="2"/>
+                                            </p:txEl>
+                                          </p:spTgt>
+                                        </p:tgtEl>
+                                        <p:attrNameLst>
+                                          <p:attrName>style.visibility</p:attrName>
+                                        </p:attrNameLst>
+                                      </p:cBhvr>
+                                      <p:to>
+                                        <p:strVal val="visible"/>
+                                      </p:to>
+                                    </p:set>
+                                    <p:animEffect transition="in" filter="dissolve">
+                                      <p:cBhvr>
+                                        <p:cTn id="17" dur="500"/>
+                                        <p:tgtEl>
+                                          <p:spTgt spid="8">
+                                            <p:txEl>
+                                              <p:pRg st="2" end="2"/>
+                                            </p:txEl>
+                                          </p:spTgt>
+                                        </p:tgtEl>
+                                      </p:cBhvr>
+                                    </p:animEffect>
+                                  </p:childTnLst>
+                                </p:cTn>
+                              </p:par>
+                            </p:childTnLst>
+                          </p:cTn>
+                        </p:par>
+                      </p:childTnLst>
+                    </p:cTn>
+                  </p:par>
+                  <p:par>
+                    <p:cTn id="18" fill="hold">
+                      <p:stCondLst>
+                        <p:cond delay="indefinite"/>
+                      </p:stCondLst>
+                      <p:childTnLst>
+                        <p:par>
+                          <p:cTn id="19" fill="hold">
+                            <p:stCondLst>
+                              <p:cond delay="0"/>
+                            </p:stCondLst>
+                            <p:childTnLst>
+                              <p:par>
+                                <p:cTn id="20" presetID="9" presetClass="entr" presetSubtype="0" fill="hold" grpId="0" nodeType="clickEffect">
+                                  <p:stCondLst>
+                                    <p:cond delay="0"/>
+                                  </p:stCondLst>
+                                  <p:childTnLst>
+                                    <p:set>
+                                      <p:cBhvr>
+                                        <p:cTn id="21" dur="1" fill="hold">
+                                          <p:stCondLst>
+                                            <p:cond delay="0"/>
+                                          </p:stCondLst>
+                                        </p:cTn>
+                                        <p:tgtEl>
+                                          <p:spTgt spid="8">
+                                            <p:txEl>
+                                              <p:pRg st="3" end="3"/>
+                                            </p:txEl>
+                                          </p:spTgt>
+                                        </p:tgtEl>
+                                        <p:attrNameLst>
+                                          <p:attrName>style.visibility</p:attrName>
+                                        </p:attrNameLst>
+                                      </p:cBhvr>
+                                      <p:to>
+                                        <p:strVal val="visible"/>
+                                      </p:to>
+                                    </p:set>
+                                    <p:animEffect transition="in" filter="dissolve">
+                                      <p:cBhvr>
+                                        <p:cTn id="22" dur="500"/>
+                                        <p:tgtEl>
+                                          <p:spTgt spid="8">
+                                            <p:txEl>
+                                              <p:pRg st="3" end="3"/>
+                                            </p:txEl>
+                                          </p:spTgt>
                                         </p:tgtEl>
                                       </p:cBhvr>
                                     </p:animEffect>
@@ -13061,7 +19172,773 @@
       </p:par>
     </p:tnLst>
     <p:bldLst>
-      <p:bldP spid="7" grpId="0" animBg="1"/>
+      <p:bldP spid="8" grpId="0" build="p" bldLvl="2"/>
+    </p:bldLst>
+  </p:timing>
+</p:sld>
+</file>
+
+<file path=ppt/slides/slide9.xml><?xml version="1.0" encoding="utf-8"?>
+<p:sld xmlns:a="http://schemas.openxmlformats.org/drawingml/2006/main" xmlns:r="http://schemas.openxmlformats.org/officeDocument/2006/relationships" xmlns:p="http://schemas.openxmlformats.org/presentationml/2006/main">
+  <p:cSld>
+    <p:spTree>
+      <p:nvGrpSpPr>
+        <p:cNvPr id="1" name=""/>
+        <p:cNvGrpSpPr/>
+        <p:nvPr/>
+      </p:nvGrpSpPr>
+      <p:grpSpPr>
+        <a:xfrm>
+          <a:off x="0" y="0"/>
+          <a:ext cx="0" cy="0"/>
+          <a:chOff x="0" y="0"/>
+          <a:chExt cx="0" cy="0"/>
+        </a:xfrm>
+      </p:grpSpPr>
+      <p:sp>
+        <p:nvSpPr>
+          <p:cNvPr id="25602" name="Rectangle 2"/>
+          <p:cNvSpPr>
+            <a:spLocks noGrp="1" noChangeArrowheads="1"/>
+          </p:cNvSpPr>
+          <p:nvPr>
+            <p:ph type="title"/>
+          </p:nvPr>
+        </p:nvSpPr>
+        <p:spPr>
+          <a:xfrm>
+            <a:off x="533400" y="457200"/>
+            <a:ext cx="8403566" cy="685800"/>
+          </a:xfrm>
+        </p:spPr>
+        <p:txBody>
+          <a:bodyPr>
+            <a:normAutofit fontScale="90000"/>
+          </a:bodyPr>
+          <a:lstStyle/>
+          <a:p>
+            <a:pPr eaLnBrk="1" hangingPunct="1"/>
+            <a:r>
+              <a:rPr lang="en-GB" dirty="0">
+                <a:solidFill>
+                  <a:srgbClr val="0000FF"/>
+                </a:solidFill>
+              </a:rPr>
+              <a:t>Ex#1: Temperature Conversion</a:t>
+            </a:r>
+            <a:endParaRPr lang="en-GB" sz="3100" dirty="0">
+              <a:solidFill>
+                <a:srgbClr val="0000FF"/>
+              </a:solidFill>
+            </a:endParaRPr>
+          </a:p>
+        </p:txBody>
+      </p:sp>
+      <p:sp>
+        <p:nvSpPr>
+          <p:cNvPr id="9" name="Slide Number Placeholder 8"/>
+          <p:cNvSpPr>
+            <a:spLocks noGrp="1"/>
+          </p:cNvSpPr>
+          <p:nvPr>
+            <p:ph type="sldNum" sz="quarter" idx="12"/>
+          </p:nvPr>
+        </p:nvSpPr>
+        <p:spPr/>
+        <p:txBody>
+          <a:bodyPr>
+            <a:normAutofit/>
+          </a:bodyPr>
+          <a:lstStyle/>
+          <a:p>
+            <a:pPr>
+              <a:defRPr/>
+            </a:pPr>
+            <a:r>
+              <a:rPr lang="en-US" dirty="0"/>
+              <a:t>Unit7 </a:t>
+            </a:r>
+            <a:r>
+              <a:rPr dirty="0"/>
+              <a:t>- </a:t>
+            </a:r>
+            <a:fld id="{24D17162-63A3-49DC-92B1-933428BCC85F}" type="slidenum">
+              <a:rPr smtClean="0"/>
+              <a:pPr>
+                <a:defRPr/>
+              </a:pPr>
+              <a:t>9</a:t>
+            </a:fld>
+            <a:endParaRPr dirty="0"/>
+          </a:p>
+        </p:txBody>
+      </p:sp>
+      <p:sp>
+        <p:nvSpPr>
+          <p:cNvPr id="14" name="[Date Placeholder 3]"/>
+          <p:cNvSpPr>
+            <a:spLocks noGrp="1"/>
+          </p:cNvSpPr>
+          <p:nvPr>
+            <p:ph type="dt" sz="half" idx="10"/>
+          </p:nvPr>
+        </p:nvSpPr>
+        <p:spPr>
+          <a:xfrm>
+            <a:off x="457200" y="18288"/>
+            <a:ext cx="2895600" cy="329184"/>
+          </a:xfrm>
+        </p:spPr>
+        <p:txBody>
+          <a:bodyPr/>
+          <a:lstStyle/>
+          <a:p>
+            <a:pPr>
+              <a:defRPr/>
+            </a:pPr>
+            <a:r>
+              <a:rPr lang="en-US" dirty="0"/>
+              <a:t>© NUS</a:t>
+            </a:r>
+          </a:p>
+        </p:txBody>
+      </p:sp>
+      <p:sp>
+        <p:nvSpPr>
+          <p:cNvPr id="15" name="HighlightTextShape201406241503265130"/>
+          <p:cNvSpPr>
+            <a:spLocks noChangeArrowheads="1"/>
+          </p:cNvSpPr>
+          <p:nvPr/>
+        </p:nvSpPr>
+        <p:spPr bwMode="auto">
+          <a:xfrm>
+            <a:off x="573206" y="1219201"/>
+            <a:ext cx="8363760" cy="1327230"/>
+          </a:xfrm>
+          <a:prstGeom prst="rect">
+            <a:avLst/>
+          </a:prstGeom>
+          <a:noFill/>
+          <a:ln w="9525">
+            <a:noFill/>
+            <a:miter lim="800000"/>
+            <a:headEnd/>
+            <a:tailEnd/>
+          </a:ln>
+        </p:spPr>
+        <p:txBody>
+          <a:bodyPr/>
+          <a:lstStyle/>
+          <a:p>
+            <a:pPr marL="342900" indent="-342900">
+              <a:spcBef>
+                <a:spcPts val="1200"/>
+              </a:spcBef>
+              <a:buClr>
+                <a:schemeClr val="accent4">
+                  <a:lumMod val="60000"/>
+                  <a:lumOff val="40000"/>
+                </a:schemeClr>
+              </a:buClr>
+              <a:buSzPct val="75000"/>
+              <a:buFont typeface="Wingdings" pitchFamily="2" charset="2"/>
+              <a:buChar char="n"/>
+            </a:pPr>
+            <a:r>
+              <a:rPr lang="en-US" sz="2400"/>
+              <a:t>Write a program to convert a temperature from Fahrenheit degrees to Celsius degrees:</a:t>
+            </a:r>
+            <a:endParaRPr lang="en-US" sz="2400" dirty="0"/>
+          </a:p>
+        </p:txBody>
+      </p:sp>
+      <mc:AlternateContent xmlns:mc="http://schemas.openxmlformats.org/markup-compatibility/2006" xmlns:a14="http://schemas.microsoft.com/office/drawing/2010/main">
+        <mc:Choice Requires="a14">
+          <p:sp>
+            <p:nvSpPr>
+              <p:cNvPr id="2" name="TextBox 1"/>
+              <p:cNvSpPr txBox="1"/>
+              <p:nvPr/>
+            </p:nvSpPr>
+            <p:spPr>
+              <a:xfrm>
+                <a:off x="1972557" y="2091146"/>
+                <a:ext cx="5565058" cy="910570"/>
+              </a:xfrm>
+              <a:prstGeom prst="rect">
+                <a:avLst/>
+              </a:prstGeom>
+              <a:solidFill>
+                <a:srgbClr val="FFFFCC"/>
+              </a:solidFill>
+              <a:ln>
+                <a:solidFill>
+                  <a:schemeClr val="tx1"/>
+                </a:solidFill>
+              </a:ln>
+            </p:spPr>
+            <p:txBody>
+              <a:bodyPr wrap="square" rtlCol="0">
+                <a:spAutoFit/>
+              </a:bodyPr>
+              <a:lstStyle/>
+              <a:p>
+                <a:pPr/>
+                <a14:m>
+                  <m:oMathPara xmlns:m="http://schemas.openxmlformats.org/officeDocument/2006/math">
+                    <m:oMathParaPr>
+                      <m:jc m:val="centerGroup"/>
+                    </m:oMathParaPr>
+                    <m:oMath xmlns:m="http://schemas.openxmlformats.org/officeDocument/2006/math">
+                      <m:r>
+                        <a:rPr lang="en-US" sz="2800" b="0" i="1" smtClean="0">
+                          <a:latin typeface="Cambria Math"/>
+                        </a:rPr>
+                        <m:t>𝑐𝑒𝑙𝑠𝑖𝑢𝑠</m:t>
+                      </m:r>
+                      <m:r>
+                        <a:rPr lang="en-US" sz="2800" b="0" i="1" smtClean="0">
+                          <a:latin typeface="Cambria Math"/>
+                        </a:rPr>
+                        <m:t>= </m:t>
+                      </m:r>
+                      <m:f>
+                        <m:fPr>
+                          <m:ctrlPr>
+                            <a:rPr lang="en-US" sz="2800" b="0" i="1" smtClean="0">
+                              <a:latin typeface="Cambria Math" panose="02040503050406030204" pitchFamily="18" charset="0"/>
+                            </a:rPr>
+                          </m:ctrlPr>
+                        </m:fPr>
+                        <m:num>
+                          <m:r>
+                            <a:rPr lang="en-US" sz="2800" b="0" i="1" smtClean="0">
+                              <a:latin typeface="Cambria Math"/>
+                            </a:rPr>
+                            <m:t>5</m:t>
+                          </m:r>
+                        </m:num>
+                        <m:den>
+                          <m:r>
+                            <a:rPr lang="en-US" sz="2800" b="0" i="1" smtClean="0">
+                              <a:latin typeface="Cambria Math"/>
+                            </a:rPr>
+                            <m:t>9</m:t>
+                          </m:r>
+                        </m:den>
+                      </m:f>
+                      <m:r>
+                        <a:rPr lang="en-US" sz="2800" b="0" i="1" smtClean="0">
+                          <a:latin typeface="Cambria Math"/>
+                          <a:ea typeface="Cambria Math"/>
+                        </a:rPr>
+                        <m:t>×(</m:t>
+                      </m:r>
+                      <m:r>
+                        <a:rPr lang="en-US" sz="2800" b="0" i="1" smtClean="0">
+                          <a:latin typeface="Cambria Math"/>
+                          <a:ea typeface="Cambria Math"/>
+                        </a:rPr>
+                        <m:t>𝑓𝑎h𝑟𝑒𝑛h𝑒𝑖𝑡</m:t>
+                      </m:r>
+                      <m:r>
+                        <a:rPr lang="en-US" sz="2800" b="0" i="1" smtClean="0">
+                          <a:latin typeface="Cambria Math"/>
+                          <a:ea typeface="Cambria Math"/>
+                        </a:rPr>
+                        <m:t> −32)</m:t>
+                      </m:r>
+                    </m:oMath>
+                  </m:oMathPara>
+                </a14:m>
+                <a:endParaRPr lang="en-US" sz="2800" dirty="0"/>
+              </a:p>
+            </p:txBody>
+          </p:sp>
+        </mc:Choice>
+        <mc:Fallback xmlns="">
+          <p:sp>
+            <p:nvSpPr>
+              <p:cNvPr id="2" name="TextBox 1"/>
+              <p:cNvSpPr txBox="1">
+                <a:spLocks noRot="1" noChangeAspect="1" noMove="1" noResize="1" noEditPoints="1" noAdjustHandles="1" noChangeArrowheads="1" noChangeShapeType="1" noTextEdit="1"/>
+              </p:cNvSpPr>
+              <p:nvPr/>
+            </p:nvSpPr>
+            <p:spPr>
+              <a:xfrm>
+                <a:off x="1972557" y="2091146"/>
+                <a:ext cx="5565058" cy="910570"/>
+              </a:xfrm>
+              <a:prstGeom prst="rect">
+                <a:avLst/>
+              </a:prstGeom>
+              <a:blipFill rotWithShape="1">
+                <a:blip r:embed="rId3"/>
+                <a:stretch>
+                  <a:fillRect/>
+                </a:stretch>
+              </a:blipFill>
+              <a:ln>
+                <a:solidFill>
+                  <a:schemeClr val="tx1"/>
+                </a:solidFill>
+              </a:ln>
+            </p:spPr>
+            <p:txBody>
+              <a:bodyPr/>
+              <a:lstStyle/>
+              <a:p>
+                <a:r>
+                  <a:rPr lang="en-US">
+                    <a:noFill/>
+                  </a:rPr>
+                  <a:t> </a:t>
+                </a:r>
+              </a:p>
+            </p:txBody>
+          </p:sp>
+        </mc:Fallback>
+      </mc:AlternateContent>
+      <p:sp>
+        <p:nvSpPr>
+          <p:cNvPr id="8" name="HighlightTextShape201406241503265130"/>
+          <p:cNvSpPr>
+            <a:spLocks noChangeArrowheads="1"/>
+          </p:cNvSpPr>
+          <p:nvPr/>
+        </p:nvSpPr>
+        <p:spPr bwMode="auto">
+          <a:xfrm>
+            <a:off x="573206" y="3148641"/>
+            <a:ext cx="8363760" cy="3062377"/>
+          </a:xfrm>
+          <a:prstGeom prst="rect">
+            <a:avLst/>
+          </a:prstGeom>
+          <a:noFill/>
+          <a:ln w="9525">
+            <a:noFill/>
+            <a:miter lim="800000"/>
+            <a:headEnd/>
+            <a:tailEnd/>
+          </a:ln>
+        </p:spPr>
+        <p:txBody>
+          <a:bodyPr/>
+          <a:lstStyle/>
+          <a:p>
+            <a:pPr marL="342900" indent="-342900">
+              <a:spcBef>
+                <a:spcPts val="1200"/>
+              </a:spcBef>
+              <a:buClr>
+                <a:schemeClr val="accent4">
+                  <a:lumMod val="60000"/>
+                  <a:lumOff val="40000"/>
+                </a:schemeClr>
+              </a:buClr>
+              <a:buSzPct val="75000"/>
+              <a:buFont typeface="Wingdings" pitchFamily="2" charset="2"/>
+              <a:buChar char="n"/>
+            </a:pPr>
+            <a:r>
+              <a:rPr lang="en-US" sz="2400" dirty="0"/>
+              <a:t>Design</a:t>
+            </a:r>
+          </a:p>
+          <a:p>
+            <a:pPr marL="800100" lvl="1" indent="-342900">
+              <a:spcBef>
+                <a:spcPts val="1200"/>
+              </a:spcBef>
+              <a:buClr>
+                <a:schemeClr val="accent4">
+                  <a:lumMod val="60000"/>
+                  <a:lumOff val="40000"/>
+                </a:schemeClr>
+              </a:buClr>
+              <a:buSzPct val="75000"/>
+              <a:buFont typeface="Wingdings" pitchFamily="2" charset="2"/>
+              <a:buChar char="n"/>
+            </a:pPr>
+            <a:r>
+              <a:rPr lang="en-US" sz="2000" dirty="0">
+                <a:solidFill>
+                  <a:srgbClr val="0000FF"/>
+                </a:solidFill>
+              </a:rPr>
+              <a:t>Input</a:t>
+            </a:r>
+            <a:r>
+              <a:rPr lang="en-US" sz="2000" dirty="0"/>
+              <a:t>: Get input temperature in Fahrenheit. </a:t>
+            </a:r>
+          </a:p>
+          <a:p>
+            <a:pPr marL="800100" lvl="1" indent="-342900">
+              <a:spcBef>
+                <a:spcPts val="1200"/>
+              </a:spcBef>
+              <a:buClr>
+                <a:schemeClr val="accent4">
+                  <a:lumMod val="60000"/>
+                  <a:lumOff val="40000"/>
+                </a:schemeClr>
+              </a:buClr>
+              <a:buSzPct val="75000"/>
+              <a:buFont typeface="Wingdings" pitchFamily="2" charset="2"/>
+              <a:buChar char="n"/>
+            </a:pPr>
+            <a:r>
+              <a:rPr lang="en-US" sz="2000" dirty="0">
+                <a:solidFill>
+                  <a:srgbClr val="0000FF"/>
+                </a:solidFill>
+              </a:rPr>
+              <a:t>Compute</a:t>
+            </a:r>
+            <a:r>
+              <a:rPr lang="en-US" sz="2000" dirty="0"/>
+              <a:t>: Apply the formula on the input temperature. </a:t>
+            </a:r>
+          </a:p>
+          <a:p>
+            <a:pPr marL="800100" lvl="1" indent="-342900">
+              <a:spcBef>
+                <a:spcPts val="1200"/>
+              </a:spcBef>
+              <a:buClr>
+                <a:schemeClr val="accent4">
+                  <a:lumMod val="60000"/>
+                  <a:lumOff val="40000"/>
+                </a:schemeClr>
+              </a:buClr>
+              <a:buSzPct val="75000"/>
+              <a:buFont typeface="Wingdings" pitchFamily="2" charset="2"/>
+              <a:buChar char="n"/>
+            </a:pPr>
+            <a:r>
+              <a:rPr lang="en-US" sz="2000" dirty="0">
+                <a:solidFill>
+                  <a:srgbClr val="0000FF"/>
+                </a:solidFill>
+              </a:rPr>
+              <a:t>Output</a:t>
+            </a:r>
+            <a:r>
+              <a:rPr lang="en-US" sz="2000" dirty="0"/>
+              <a:t>: Print converted temperature in Celsius.</a:t>
+            </a:r>
+          </a:p>
+          <a:p>
+            <a:pPr marL="800100" lvl="1" indent="-342900">
+              <a:spcBef>
+                <a:spcPts val="1200"/>
+              </a:spcBef>
+              <a:buClr>
+                <a:schemeClr val="accent4">
+                  <a:lumMod val="60000"/>
+                  <a:lumOff val="40000"/>
+                </a:schemeClr>
+              </a:buClr>
+              <a:buSzPct val="75000"/>
+              <a:buFont typeface="Wingdings" pitchFamily="2" charset="2"/>
+              <a:buChar char="n"/>
+            </a:pPr>
+            <a:endParaRPr lang="en-US" sz="2000" dirty="0"/>
+          </a:p>
+        </p:txBody>
+      </p:sp>
+    </p:spTree>
+    <p:extLst>
+      <p:ext uri="{BB962C8B-B14F-4D97-AF65-F5344CB8AC3E}">
+        <p14:creationId xmlns:p14="http://schemas.microsoft.com/office/powerpoint/2010/main" val="3932371780"/>
+      </p:ext>
+    </p:extLst>
+  </p:cSld>
+  <p:clrMapOvr>
+    <a:masterClrMapping/>
+  </p:clrMapOvr>
+  <p:transition>
+    <p:fade/>
+  </p:transition>
+  <p:timing>
+    <p:tnLst>
+      <p:par>
+        <p:cTn id="1" dur="indefinite" restart="never" nodeType="tmRoot">
+          <p:childTnLst>
+            <p:seq concurrent="1" nextAc="seek">
+              <p:cTn id="2" dur="indefinite" nodeType="mainSeq">
+                <p:childTnLst>
+                  <p:par>
+                    <p:cTn id="3" fill="hold">
+                      <p:stCondLst>
+                        <p:cond delay="indefinite"/>
+                      </p:stCondLst>
+                      <p:childTnLst>
+                        <p:par>
+                          <p:cTn id="4" fill="hold">
+                            <p:stCondLst>
+                              <p:cond delay="0"/>
+                            </p:stCondLst>
+                            <p:childTnLst>
+                              <p:par>
+                                <p:cTn id="5" presetID="9" presetClass="entr" presetSubtype="0" fill="hold" grpId="0" nodeType="clickEffect">
+                                  <p:stCondLst>
+                                    <p:cond delay="0"/>
+                                  </p:stCondLst>
+                                  <p:childTnLst>
+                                    <p:set>
+                                      <p:cBhvr>
+                                        <p:cTn id="6" dur="1" fill="hold">
+                                          <p:stCondLst>
+                                            <p:cond delay="0"/>
+                                          </p:stCondLst>
+                                        </p:cTn>
+                                        <p:tgtEl>
+                                          <p:spTgt spid="8">
+                                            <p:txEl>
+                                              <p:pRg st="0" end="0"/>
+                                            </p:txEl>
+                                          </p:spTgt>
+                                        </p:tgtEl>
+                                        <p:attrNameLst>
+                                          <p:attrName>style.visibility</p:attrName>
+                                        </p:attrNameLst>
+                                      </p:cBhvr>
+                                      <p:to>
+                                        <p:strVal val="visible"/>
+                                      </p:to>
+                                    </p:set>
+                                    <p:animEffect transition="in" filter="dissolve">
+                                      <p:cBhvr>
+                                        <p:cTn id="7" dur="500"/>
+                                        <p:tgtEl>
+                                          <p:spTgt spid="8">
+                                            <p:txEl>
+                                              <p:pRg st="0" end="0"/>
+                                            </p:txEl>
+                                          </p:spTgt>
+                                        </p:tgtEl>
+                                      </p:cBhvr>
+                                    </p:animEffect>
+                                  </p:childTnLst>
+                                </p:cTn>
+                              </p:par>
+                            </p:childTnLst>
+                          </p:cTn>
+                        </p:par>
+                      </p:childTnLst>
+                    </p:cTn>
+                  </p:par>
+                  <p:par>
+                    <p:cTn id="8" fill="hold">
+                      <p:stCondLst>
+                        <p:cond delay="indefinite"/>
+                      </p:stCondLst>
+                      <p:childTnLst>
+                        <p:par>
+                          <p:cTn id="9" fill="hold">
+                            <p:stCondLst>
+                              <p:cond delay="0"/>
+                            </p:stCondLst>
+                            <p:childTnLst>
+                              <p:par>
+                                <p:cTn id="10" presetID="9" presetClass="entr" presetSubtype="0" fill="hold" grpId="0" nodeType="clickEffect">
+                                  <p:stCondLst>
+                                    <p:cond delay="0"/>
+                                  </p:stCondLst>
+                                  <p:childTnLst>
+                                    <p:set>
+                                      <p:cBhvr>
+                                        <p:cTn id="11" dur="1" fill="hold">
+                                          <p:stCondLst>
+                                            <p:cond delay="0"/>
+                                          </p:stCondLst>
+                                        </p:cTn>
+                                        <p:tgtEl>
+                                          <p:spTgt spid="8">
+                                            <p:txEl>
+                                              <p:pRg st="1" end="1"/>
+                                            </p:txEl>
+                                          </p:spTgt>
+                                        </p:tgtEl>
+                                        <p:attrNameLst>
+                                          <p:attrName>style.visibility</p:attrName>
+                                        </p:attrNameLst>
+                                      </p:cBhvr>
+                                      <p:to>
+                                        <p:strVal val="visible"/>
+                                      </p:to>
+                                    </p:set>
+                                    <p:animEffect transition="in" filter="dissolve">
+                                      <p:cBhvr>
+                                        <p:cTn id="12" dur="500"/>
+                                        <p:tgtEl>
+                                          <p:spTgt spid="8">
+                                            <p:txEl>
+                                              <p:pRg st="1" end="1"/>
+                                            </p:txEl>
+                                          </p:spTgt>
+                                        </p:tgtEl>
+                                      </p:cBhvr>
+                                    </p:animEffect>
+                                  </p:childTnLst>
+                                </p:cTn>
+                              </p:par>
+                            </p:childTnLst>
+                          </p:cTn>
+                        </p:par>
+                      </p:childTnLst>
+                    </p:cTn>
+                  </p:par>
+                  <p:par>
+                    <p:cTn id="13" fill="hold">
+                      <p:stCondLst>
+                        <p:cond delay="indefinite"/>
+                      </p:stCondLst>
+                      <p:childTnLst>
+                        <p:par>
+                          <p:cTn id="14" fill="hold">
+                            <p:stCondLst>
+                              <p:cond delay="0"/>
+                            </p:stCondLst>
+                            <p:childTnLst>
+                              <p:par>
+                                <p:cTn id="15" presetID="9" presetClass="entr" presetSubtype="0" fill="hold" grpId="0" nodeType="clickEffect">
+                                  <p:stCondLst>
+                                    <p:cond delay="0"/>
+                                  </p:stCondLst>
+                                  <p:childTnLst>
+                                    <p:set>
+                                      <p:cBhvr>
+                                        <p:cTn id="16" dur="1" fill="hold">
+                                          <p:stCondLst>
+                                            <p:cond delay="0"/>
+                                          </p:stCondLst>
+                                        </p:cTn>
+                                        <p:tgtEl>
+                                          <p:spTgt spid="8">
+                                            <p:txEl>
+                                              <p:pRg st="2" end="2"/>
+                                            </p:txEl>
+                                          </p:spTgt>
+                                        </p:tgtEl>
+                                        <p:attrNameLst>
+                                          <p:attrName>style.visibility</p:attrName>
+                                        </p:attrNameLst>
+                                      </p:cBhvr>
+                                      <p:to>
+                                        <p:strVal val="visible"/>
+                                      </p:to>
+                                    </p:set>
+                                    <p:animEffect transition="in" filter="dissolve">
+                                      <p:cBhvr>
+                                        <p:cTn id="17" dur="500"/>
+                                        <p:tgtEl>
+                                          <p:spTgt spid="8">
+                                            <p:txEl>
+                                              <p:pRg st="2" end="2"/>
+                                            </p:txEl>
+                                          </p:spTgt>
+                                        </p:tgtEl>
+                                      </p:cBhvr>
+                                    </p:animEffect>
+                                  </p:childTnLst>
+                                </p:cTn>
+                              </p:par>
+                            </p:childTnLst>
+                          </p:cTn>
+                        </p:par>
+                      </p:childTnLst>
+                    </p:cTn>
+                  </p:par>
+                  <p:par>
+                    <p:cTn id="18" fill="hold">
+                      <p:stCondLst>
+                        <p:cond delay="indefinite"/>
+                      </p:stCondLst>
+                      <p:childTnLst>
+                        <p:par>
+                          <p:cTn id="19" fill="hold">
+                            <p:stCondLst>
+                              <p:cond delay="0"/>
+                            </p:stCondLst>
+                            <p:childTnLst>
+                              <p:par>
+                                <p:cTn id="20" presetID="9" presetClass="entr" presetSubtype="0" fill="hold" grpId="0" nodeType="clickEffect">
+                                  <p:stCondLst>
+                                    <p:cond delay="0"/>
+                                  </p:stCondLst>
+                                  <p:childTnLst>
+                                    <p:set>
+                                      <p:cBhvr>
+                                        <p:cTn id="21" dur="1" fill="hold">
+                                          <p:stCondLst>
+                                            <p:cond delay="0"/>
+                                          </p:stCondLst>
+                                        </p:cTn>
+                                        <p:tgtEl>
+                                          <p:spTgt spid="8">
+                                            <p:txEl>
+                                              <p:pRg st="3" end="3"/>
+                                            </p:txEl>
+                                          </p:spTgt>
+                                        </p:tgtEl>
+                                        <p:attrNameLst>
+                                          <p:attrName>style.visibility</p:attrName>
+                                        </p:attrNameLst>
+                                      </p:cBhvr>
+                                      <p:to>
+                                        <p:strVal val="visible"/>
+                                      </p:to>
+                                    </p:set>
+                                    <p:animEffect transition="in" filter="dissolve">
+                                      <p:cBhvr>
+                                        <p:cTn id="22" dur="500"/>
+                                        <p:tgtEl>
+                                          <p:spTgt spid="8">
+                                            <p:txEl>
+                                              <p:pRg st="3" end="3"/>
+                                            </p:txEl>
+                                          </p:spTgt>
+                                        </p:tgtEl>
+                                      </p:cBhvr>
+                                    </p:animEffect>
+                                  </p:childTnLst>
+                                </p:cTn>
+                              </p:par>
+                            </p:childTnLst>
+                          </p:cTn>
+                        </p:par>
+                      </p:childTnLst>
+                    </p:cTn>
+                  </p:par>
+                </p:childTnLst>
+              </p:cTn>
+              <p:prevCondLst>
+                <p:cond evt="onPrev" delay="0">
+                  <p:tgtEl>
+                    <p:sldTgt/>
+                  </p:tgtEl>
+                </p:cond>
+              </p:prevCondLst>
+              <p:nextCondLst>
+                <p:cond evt="onNext" delay="0">
+                  <p:tgtEl>
+                    <p:sldTgt/>
+                  </p:tgtEl>
+                </p:cond>
+              </p:nextCondLst>
+            </p:seq>
+          </p:childTnLst>
+        </p:cTn>
+      </p:par>
+    </p:tnLst>
+    <p:bldLst>
+      <p:bldP spid="8" grpId="0" build="p" bldLvl="2"/>
     </p:bldLst>
   </p:timing>
 </p:sld>

--- a/slides/Unit7_Arithmetic Operations.pptx
+++ b/slides/Unit7_Arithmetic Operations.pptx
@@ -185,14 +185,6 @@
 </p:presentation>
 </file>
 
-<file path=ppt/revisionInfo.xml><?xml version="1.0" encoding="utf-8"?>
-<p1510:revInfo xmlns:a="http://schemas.openxmlformats.org/drawingml/2006/main" xmlns:r="http://schemas.openxmlformats.org/officeDocument/2006/relationships" xmlns:p1510="http://schemas.microsoft.com/office/powerpoint/2015/10/main">
-  <p1510:revLst>
-    <p1510:client id="{65874B2F-8931-4F7F-92A6-4F5F857437F9}" v="2309" dt="2021-01-25T05:02:26.434"/>
-  </p1510:revLst>
-</p1510:revInfo>
-</file>
-
 <file path=ppt/changesInfos/changesInfo1.xml><?xml version="1.0" encoding="utf-8"?>
 <pc:chgInfo xmlns:a="http://schemas.openxmlformats.org/drawingml/2006/main" xmlns:r="http://schemas.openxmlformats.org/officeDocument/2006/relationships" xmlns:ac="http://schemas.microsoft.com/office/drawing/2013/main/command" xmlns:pc="http://schemas.microsoft.com/office/powerpoint/2013/main/command">
   <pc:docChgLst>
@@ -1605,16 +1597,24 @@
   <pc:docChgLst>
     <pc:chgData name="Zhao Jin" userId="cd05a825-544c-438a-9ba1-08e63db50b47" providerId="ADAL" clId="{8A30793C-616C-3E42-B8AD-D2FC5E38AC62}"/>
     <pc:docChg chg="undo custSel modSld">
-      <pc:chgData name="Zhao Jin" userId="cd05a825-544c-438a-9ba1-08e63db50b47" providerId="ADAL" clId="{8A30793C-616C-3E42-B8AD-D2FC5E38AC62}" dt="2021-01-25T02:23:09.391" v="728" actId="207"/>
+      <pc:chgData name="Zhao Jin" userId="cd05a825-544c-438a-9ba1-08e63db50b47" providerId="ADAL" clId="{8A30793C-616C-3E42-B8AD-D2FC5E38AC62}" dt="2021-01-27T04:43:20.205" v="1139" actId="1035"/>
       <pc:docMkLst>
         <pc:docMk/>
       </pc:docMkLst>
-      <pc:sldChg chg="modSp modAnim">
-        <pc:chgData name="Zhao Jin" userId="cd05a825-544c-438a-9ba1-08e63db50b47" providerId="ADAL" clId="{8A30793C-616C-3E42-B8AD-D2FC5E38AC62}" dt="2021-01-25T02:23:09.391" v="728" actId="207"/>
+      <pc:sldChg chg="addSp delSp modSp modAnim">
+        <pc:chgData name="Zhao Jin" userId="cd05a825-544c-438a-9ba1-08e63db50b47" providerId="ADAL" clId="{8A30793C-616C-3E42-B8AD-D2FC5E38AC62}" dt="2021-01-27T04:26:01.730" v="1021" actId="20577"/>
         <pc:sldMkLst>
           <pc:docMk/>
           <pc:sldMk cId="1311126165" sldId="485"/>
         </pc:sldMkLst>
+        <pc:spChg chg="add del mod">
+          <ac:chgData name="Zhao Jin" userId="cd05a825-544c-438a-9ba1-08e63db50b47" providerId="ADAL" clId="{8A30793C-616C-3E42-B8AD-D2FC5E38AC62}" dt="2021-01-27T04:20:23.008" v="785"/>
+          <ac:spMkLst>
+            <pc:docMk/>
+            <pc:sldMk cId="1311126165" sldId="485"/>
+            <ac:spMk id="2" creationId="{B3A6C03F-058C-C246-BD66-A35AA8D6F540}"/>
+          </ac:spMkLst>
+        </pc:spChg>
         <pc:spChg chg="mod">
           <ac:chgData name="Zhao Jin" userId="cd05a825-544c-438a-9ba1-08e63db50b47" providerId="ADAL" clId="{8A30793C-616C-3E42-B8AD-D2FC5E38AC62}" dt="2021-01-25T02:22:30.544" v="722" actId="1076"/>
           <ac:spMkLst>
@@ -1637,6 +1637,30 @@
             <pc:docMk/>
             <pc:sldMk cId="1311126165" sldId="485"/>
             <ac:spMk id="8" creationId="{00000000-0000-0000-0000-000000000000}"/>
+          </ac:spMkLst>
+        </pc:spChg>
+        <pc:spChg chg="add mod">
+          <ac:chgData name="Zhao Jin" userId="cd05a825-544c-438a-9ba1-08e63db50b47" providerId="ADAL" clId="{8A30793C-616C-3E42-B8AD-D2FC5E38AC62}" dt="2021-01-27T04:20:53.616" v="804" actId="1036"/>
+          <ac:spMkLst>
+            <pc:docMk/>
+            <pc:sldMk cId="1311126165" sldId="485"/>
+            <ac:spMk id="12" creationId="{A4DC9B30-6313-3A42-9AE8-E11052AB3B07}"/>
+          </ac:spMkLst>
+        </pc:spChg>
+        <pc:spChg chg="add mod">
+          <ac:chgData name="Zhao Jin" userId="cd05a825-544c-438a-9ba1-08e63db50b47" providerId="ADAL" clId="{8A30793C-616C-3E42-B8AD-D2FC5E38AC62}" dt="2021-01-27T04:20:58.109" v="805" actId="14100"/>
+          <ac:spMkLst>
+            <pc:docMk/>
+            <pc:sldMk cId="1311126165" sldId="485"/>
+            <ac:spMk id="13" creationId="{2F2EE18B-6878-0045-B3ED-50F1002D05F4}"/>
+          </ac:spMkLst>
+        </pc:spChg>
+        <pc:spChg chg="add mod">
+          <ac:chgData name="Zhao Jin" userId="cd05a825-544c-438a-9ba1-08e63db50b47" providerId="ADAL" clId="{8A30793C-616C-3E42-B8AD-D2FC5E38AC62}" dt="2021-01-27T04:26:01.730" v="1021" actId="20577"/>
+          <ac:spMkLst>
+            <pc:docMk/>
+            <pc:sldMk cId="1311126165" sldId="485"/>
+            <ac:spMk id="15" creationId="{9A81C2E8-3484-F04C-8219-1AF74C1DD04A}"/>
           </ac:spMkLst>
         </pc:spChg>
         <pc:spChg chg="mod">
@@ -1687,13 +1711,68 @@
           </ac:spMkLst>
         </pc:spChg>
       </pc:sldChg>
+      <pc:sldChg chg="modSp">
+        <pc:chgData name="Zhao Jin" userId="cd05a825-544c-438a-9ba1-08e63db50b47" providerId="ADAL" clId="{8A30793C-616C-3E42-B8AD-D2FC5E38AC62}" dt="2021-01-27T04:43:20.205" v="1139" actId="1035"/>
+        <pc:sldMkLst>
+          <pc:docMk/>
+          <pc:sldMk cId="3090192722" sldId="555"/>
+        </pc:sldMkLst>
+        <pc:spChg chg="mod">
+          <ac:chgData name="Zhao Jin" userId="cd05a825-544c-438a-9ba1-08e63db50b47" providerId="ADAL" clId="{8A30793C-616C-3E42-B8AD-D2FC5E38AC62}" dt="2021-01-27T04:43:12.452" v="1134" actId="20577"/>
+          <ac:spMkLst>
+            <pc:docMk/>
+            <pc:sldMk cId="3090192722" sldId="555"/>
+            <ac:spMk id="10" creationId="{00000000-0000-0000-0000-000000000000}"/>
+          </ac:spMkLst>
+        </pc:spChg>
+        <pc:spChg chg="mod">
+          <ac:chgData name="Zhao Jin" userId="cd05a825-544c-438a-9ba1-08e63db50b47" providerId="ADAL" clId="{8A30793C-616C-3E42-B8AD-D2FC5E38AC62}" dt="2021-01-27T04:43:20.205" v="1139" actId="1035"/>
+          <ac:spMkLst>
+            <pc:docMk/>
+            <pc:sldMk cId="3090192722" sldId="555"/>
+            <ac:spMk id="13" creationId="{D66D1549-FCFF-422B-BD55-47E924BB5B64}"/>
+          </ac:spMkLst>
+        </pc:spChg>
+        <pc:spChg chg="mod">
+          <ac:chgData name="Zhao Jin" userId="cd05a825-544c-438a-9ba1-08e63db50b47" providerId="ADAL" clId="{8A30793C-616C-3E42-B8AD-D2FC5E38AC62}" dt="2021-01-27T04:43:20.205" v="1139" actId="1035"/>
+          <ac:spMkLst>
+            <pc:docMk/>
+            <pc:sldMk cId="3090192722" sldId="555"/>
+            <ac:spMk id="16" creationId="{B728B6E8-C648-4B2A-8BC3-E30DB246F467}"/>
+          </ac:spMkLst>
+        </pc:spChg>
+        <pc:spChg chg="mod">
+          <ac:chgData name="Zhao Jin" userId="cd05a825-544c-438a-9ba1-08e63db50b47" providerId="ADAL" clId="{8A30793C-616C-3E42-B8AD-D2FC5E38AC62}" dt="2021-01-27T04:43:20.205" v="1139" actId="1035"/>
+          <ac:spMkLst>
+            <pc:docMk/>
+            <pc:sldMk cId="3090192722" sldId="555"/>
+            <ac:spMk id="17" creationId="{EE583B22-9F12-443E-BB3B-A9043201D5A9}"/>
+          </ac:spMkLst>
+        </pc:spChg>
+        <pc:spChg chg="mod">
+          <ac:chgData name="Zhao Jin" userId="cd05a825-544c-438a-9ba1-08e63db50b47" providerId="ADAL" clId="{8A30793C-616C-3E42-B8AD-D2FC5E38AC62}" dt="2021-01-27T04:43:20.205" v="1139" actId="1035"/>
+          <ac:spMkLst>
+            <pc:docMk/>
+            <pc:sldMk cId="3090192722" sldId="555"/>
+            <ac:spMk id="19" creationId="{5800E69E-B874-4AD7-A688-23874810C7CD}"/>
+          </ac:spMkLst>
+        </pc:spChg>
+      </pc:sldChg>
       <pc:sldChg chg="modSp modAnim">
-        <pc:chgData name="Zhao Jin" userId="cd05a825-544c-438a-9ba1-08e63db50b47" providerId="ADAL" clId="{8A30793C-616C-3E42-B8AD-D2FC5E38AC62}" dt="2021-01-25T02:19:52.873" v="546" actId="20577"/>
+        <pc:chgData name="Zhao Jin" userId="cd05a825-544c-438a-9ba1-08e63db50b47" providerId="ADAL" clId="{8A30793C-616C-3E42-B8AD-D2FC5E38AC62}" dt="2021-01-27T04:23:30.185" v="891" actId="207"/>
         <pc:sldMkLst>
           <pc:docMk/>
           <pc:sldMk cId="3932371780" sldId="556"/>
         </pc:sldMkLst>
         <pc:spChg chg="mod">
+          <ac:chgData name="Zhao Jin" userId="cd05a825-544c-438a-9ba1-08e63db50b47" providerId="ADAL" clId="{8A30793C-616C-3E42-B8AD-D2FC5E38AC62}" dt="2021-01-27T04:23:30.185" v="891" actId="207"/>
+          <ac:spMkLst>
+            <pc:docMk/>
+            <pc:sldMk cId="3932371780" sldId="556"/>
+            <ac:spMk id="2" creationId="{00000000-0000-0000-0000-000000000000}"/>
+          </ac:spMkLst>
+        </pc:spChg>
+        <pc:spChg chg="mod">
           <ac:chgData name="Zhao Jin" userId="cd05a825-544c-438a-9ba1-08e63db50b47" providerId="ADAL" clId="{8A30793C-616C-3E42-B8AD-D2FC5E38AC62}" dt="2021-01-25T02:19:12.372" v="541" actId="20577"/>
           <ac:spMkLst>
             <pc:docMk/>
@@ -1711,19 +1790,27 @@
         </pc:spChg>
       </pc:sldChg>
       <pc:sldChg chg="addSp delSp modSp addAnim delAnim modAnim">
-        <pc:chgData name="Zhao Jin" userId="cd05a825-544c-438a-9ba1-08e63db50b47" providerId="ADAL" clId="{8A30793C-616C-3E42-B8AD-D2FC5E38AC62}" dt="2021-01-25T02:14:13.366" v="431" actId="1038"/>
+        <pc:chgData name="Zhao Jin" userId="cd05a825-544c-438a-9ba1-08e63db50b47" providerId="ADAL" clId="{8A30793C-616C-3E42-B8AD-D2FC5E38AC62}" dt="2021-01-27T04:25:38.403" v="1020" actId="207"/>
         <pc:sldMkLst>
           <pc:docMk/>
           <pc:sldMk cId="2168550578" sldId="557"/>
         </pc:sldMkLst>
         <pc:spChg chg="add mod">
-          <ac:chgData name="Zhao Jin" userId="cd05a825-544c-438a-9ba1-08e63db50b47" providerId="ADAL" clId="{8A30793C-616C-3E42-B8AD-D2FC5E38AC62}" dt="2021-01-25T02:14:13.366" v="431" actId="1038"/>
+          <ac:chgData name="Zhao Jin" userId="cd05a825-544c-438a-9ba1-08e63db50b47" providerId="ADAL" clId="{8A30793C-616C-3E42-B8AD-D2FC5E38AC62}" dt="2021-01-27T04:24:35.308" v="968" actId="1038"/>
           <ac:spMkLst>
             <pc:docMk/>
             <pc:sldMk cId="2168550578" sldId="557"/>
             <ac:spMk id="2" creationId="{38D54104-6D84-CA47-9A43-320A15451684}"/>
           </ac:spMkLst>
         </pc:spChg>
+        <pc:spChg chg="add mod">
+          <ac:chgData name="Zhao Jin" userId="cd05a825-544c-438a-9ba1-08e63db50b47" providerId="ADAL" clId="{8A30793C-616C-3E42-B8AD-D2FC5E38AC62}" dt="2021-01-27T04:25:05.174" v="1018" actId="1036"/>
+          <ac:spMkLst>
+            <pc:docMk/>
+            <pc:sldMk cId="2168550578" sldId="557"/>
+            <ac:spMk id="12" creationId="{0B166A8A-8789-E849-B664-08CAF192849A}"/>
+          </ac:spMkLst>
+        </pc:spChg>
         <pc:spChg chg="add del mod">
           <ac:chgData name="Zhao Jin" userId="cd05a825-544c-438a-9ba1-08e63db50b47" providerId="ADAL" clId="{8A30793C-616C-3E42-B8AD-D2FC5E38AC62}" dt="2021-01-25T02:10:24.823" v="282" actId="478"/>
           <ac:spMkLst>
@@ -1733,7 +1820,7 @@
           </ac:spMkLst>
         </pc:spChg>
         <pc:spChg chg="mod">
-          <ac:chgData name="Zhao Jin" userId="cd05a825-544c-438a-9ba1-08e63db50b47" providerId="ADAL" clId="{8A30793C-616C-3E42-B8AD-D2FC5E38AC62}" dt="2021-01-25T02:13:54.038" v="419" actId="207"/>
+          <ac:chgData name="Zhao Jin" userId="cd05a825-544c-438a-9ba1-08e63db50b47" providerId="ADAL" clId="{8A30793C-616C-3E42-B8AD-D2FC5E38AC62}" dt="2021-01-27T04:24:23.747" v="932" actId="1076"/>
           <ac:spMkLst>
             <pc:docMk/>
             <pc:sldMk cId="2168550578" sldId="557"/>
@@ -1797,7 +1884,7 @@
           </ac:spMkLst>
         </pc:spChg>
         <pc:spChg chg="add mod">
-          <ac:chgData name="Zhao Jin" userId="cd05a825-544c-438a-9ba1-08e63db50b47" providerId="ADAL" clId="{8A30793C-616C-3E42-B8AD-D2FC5E38AC62}" dt="2021-01-25T02:14:11.784" v="429" actId="1038"/>
+          <ac:chgData name="Zhao Jin" userId="cd05a825-544c-438a-9ba1-08e63db50b47" providerId="ADAL" clId="{8A30793C-616C-3E42-B8AD-D2FC5E38AC62}" dt="2021-01-27T04:24:35.308" v="968" actId="1038"/>
           <ac:spMkLst>
             <pc:docMk/>
             <pc:sldMk cId="2168550578" sldId="557"/>
@@ -1805,7 +1892,7 @@
           </ac:spMkLst>
         </pc:spChg>
         <pc:spChg chg="add mod">
-          <ac:chgData name="Zhao Jin" userId="cd05a825-544c-438a-9ba1-08e63db50b47" providerId="ADAL" clId="{8A30793C-616C-3E42-B8AD-D2FC5E38AC62}" dt="2021-01-25T02:14:10.118" v="427" actId="1038"/>
+          <ac:chgData name="Zhao Jin" userId="cd05a825-544c-438a-9ba1-08e63db50b47" providerId="ADAL" clId="{8A30793C-616C-3E42-B8AD-D2FC5E38AC62}" dt="2021-01-27T04:24:35.308" v="968" actId="1038"/>
           <ac:spMkLst>
             <pc:docMk/>
             <pc:sldMk cId="2168550578" sldId="557"/>
@@ -1813,7 +1900,7 @@
           </ac:spMkLst>
         </pc:spChg>
         <pc:spChg chg="mod">
-          <ac:chgData name="Zhao Jin" userId="cd05a825-544c-438a-9ba1-08e63db50b47" providerId="ADAL" clId="{8A30793C-616C-3E42-B8AD-D2FC5E38AC62}" dt="2021-01-25T02:10:46.514" v="331" actId="1036"/>
+          <ac:chgData name="Zhao Jin" userId="cd05a825-544c-438a-9ba1-08e63db50b47" providerId="ADAL" clId="{8A30793C-616C-3E42-B8AD-D2FC5E38AC62}" dt="2021-01-27T04:24:50.624" v="990" actId="20577"/>
           <ac:spMkLst>
             <pc:docMk/>
             <pc:sldMk cId="2168550578" sldId="557"/>
@@ -1821,7 +1908,7 @@
           </ac:spMkLst>
         </pc:spChg>
         <pc:spChg chg="mod">
-          <ac:chgData name="Zhao Jin" userId="cd05a825-544c-438a-9ba1-08e63db50b47" providerId="ADAL" clId="{8A30793C-616C-3E42-B8AD-D2FC5E38AC62}" dt="2021-01-25T02:09:45.413" v="237" actId="20577"/>
+          <ac:chgData name="Zhao Jin" userId="cd05a825-544c-438a-9ba1-08e63db50b47" providerId="ADAL" clId="{8A30793C-616C-3E42-B8AD-D2FC5E38AC62}" dt="2021-01-27T04:25:38.403" v="1020" actId="207"/>
           <ac:spMkLst>
             <pc:docMk/>
             <pc:sldMk cId="2168550578" sldId="557"/>
@@ -1829,7 +1916,7 @@
           </ac:spMkLst>
         </pc:spChg>
         <pc:spChg chg="add mod">
-          <ac:chgData name="Zhao Jin" userId="cd05a825-544c-438a-9ba1-08e63db50b47" providerId="ADAL" clId="{8A30793C-616C-3E42-B8AD-D2FC5E38AC62}" dt="2021-01-25T02:11:52.297" v="364" actId="1076"/>
+          <ac:chgData name="Zhao Jin" userId="cd05a825-544c-438a-9ba1-08e63db50b47" providerId="ADAL" clId="{8A30793C-616C-3E42-B8AD-D2FC5E38AC62}" dt="2021-01-27T04:24:35.308" v="968" actId="1038"/>
           <ac:spMkLst>
             <pc:docMk/>
             <pc:sldMk cId="2168550578" sldId="557"/>
@@ -1842,6 +1929,21 @@
             <pc:docMk/>
             <pc:sldMk cId="2168550578" sldId="557"/>
             <ac:spMk id="25602" creationId="{00000000-0000-0000-0000-000000000000}"/>
+          </ac:spMkLst>
+        </pc:spChg>
+      </pc:sldChg>
+      <pc:sldChg chg="modSp">
+        <pc:chgData name="Zhao Jin" userId="cd05a825-544c-438a-9ba1-08e63db50b47" providerId="ADAL" clId="{8A30793C-616C-3E42-B8AD-D2FC5E38AC62}" dt="2021-01-27T04:22:30.342" v="889" actId="207"/>
+        <pc:sldMkLst>
+          <pc:docMk/>
+          <pc:sldMk cId="2310412572" sldId="558"/>
+        </pc:sldMkLst>
+        <pc:spChg chg="mod">
+          <ac:chgData name="Zhao Jin" userId="cd05a825-544c-438a-9ba1-08e63db50b47" providerId="ADAL" clId="{8A30793C-616C-3E42-B8AD-D2FC5E38AC62}" dt="2021-01-27T04:22:30.342" v="889" actId="207"/>
+          <ac:spMkLst>
+            <pc:docMk/>
+            <pc:sldMk cId="2310412572" sldId="558"/>
+            <ac:spMk id="2" creationId="{00000000-0000-0000-0000-000000000000}"/>
           </ac:spMkLst>
         </pc:spChg>
       </pc:sldChg>
@@ -1882,7 +1984,7 @@
   <pc:docChgLst>
     <pc:chgData name="Zhao Jin" userId="cd05a825-544c-438a-9ba1-08e63db50b47" providerId="ADAL" clId="{65874B2F-8931-4F7F-92A6-4F5F857437F9}"/>
     <pc:docChg chg="undo custSel addSld delSld modSld sldOrd modMainMaster">
-      <pc:chgData name="Zhao Jin" userId="cd05a825-544c-438a-9ba1-08e63db50b47" providerId="ADAL" clId="{65874B2F-8931-4F7F-92A6-4F5F857437F9}" dt="2021-01-25T05:02:26.434" v="4539" actId="20577"/>
+      <pc:chgData name="Zhao Jin" userId="cd05a825-544c-438a-9ba1-08e63db50b47" providerId="ADAL" clId="{65874B2F-8931-4F7F-92A6-4F5F857437F9}" dt="2021-01-27T03:02:07.276" v="4540" actId="20577"/>
       <pc:docMkLst>
         <pc:docMk/>
       </pc:docMkLst>
@@ -2234,13 +2336,13 @@
         </pc:spChg>
       </pc:sldChg>
       <pc:sldChg chg="delSp modSp add mod">
-        <pc:chgData name="Zhao Jin" userId="cd05a825-544c-438a-9ba1-08e63db50b47" providerId="ADAL" clId="{65874B2F-8931-4F7F-92A6-4F5F857437F9}" dt="2021-01-25T01:32:26.965" v="3989" actId="20577"/>
+        <pc:chgData name="Zhao Jin" userId="cd05a825-544c-438a-9ba1-08e63db50b47" providerId="ADAL" clId="{65874B2F-8931-4F7F-92A6-4F5F857437F9}" dt="2021-01-27T03:02:07.276" v="4540" actId="20577"/>
         <pc:sldMkLst>
           <pc:docMk/>
           <pc:sldMk cId="1067695719" sldId="526"/>
         </pc:sldMkLst>
         <pc:spChg chg="mod">
-          <ac:chgData name="Zhao Jin" userId="cd05a825-544c-438a-9ba1-08e63db50b47" providerId="ADAL" clId="{65874B2F-8931-4F7F-92A6-4F5F857437F9}" dt="2021-01-25T01:31:06.099" v="3979" actId="6549"/>
+          <ac:chgData name="Zhao Jin" userId="cd05a825-544c-438a-9ba1-08e63db50b47" providerId="ADAL" clId="{65874B2F-8931-4F7F-92A6-4F5F857437F9}" dt="2021-01-27T03:02:07.276" v="4540" actId="20577"/>
           <ac:spMkLst>
             <pc:docMk/>
             <pc:sldMk cId="1067695719" sldId="526"/>
@@ -3738,7 +3840,7 @@
               <a:pPr>
                 <a:defRPr/>
               </a:pPr>
-              <a:t>1/25/2021</a:t>
+              <a:t>1/27/21</a:t>
             </a:fld>
             <a:endParaRPr lang="en-US" dirty="0"/>
           </a:p>
@@ -12573,7 +12675,15 @@
             </a:pPr>
             <a:r>
               <a:rPr lang="en-US" sz="2400" dirty="0"/>
-              <a:t>Not graded. To be discussed in Week 5 during tutorials / labs.</a:t>
+              <a:t>Not graded. To be discussed in </a:t>
+            </a:r>
+            <a:r>
+              <a:rPr lang="en-US" sz="2400"/>
+              <a:t>Week 4 </a:t>
+            </a:r>
+            <a:r>
+              <a:rPr lang="en-US" sz="2400" dirty="0"/>
+              <a:t>during tutorials / labs.</a:t>
             </a:r>
           </a:p>
           <a:p>
@@ -14415,7 +14525,7 @@
             </a:r>
           </a:p>
           <a:p>
-            <a:pPr marL="347663" indent="-347663">
+            <a:pPr marL="804863" lvl="1" indent="-347663">
               <a:spcBef>
                 <a:spcPts val="600"/>
               </a:spcBef>
@@ -14430,10 +14540,10 @@
               <a:buChar char="§"/>
               <a:defRPr/>
             </a:pPr>
-            <a:endParaRPr lang="en-US" sz="2400" dirty="0"/>
-          </a:p>
-          <a:p>
-            <a:pPr marL="347663" indent="-347663">
+            <a:endParaRPr lang="en-US" sz="2000" dirty="0"/>
+          </a:p>
+          <a:p>
+            <a:pPr marL="804863" lvl="1" indent="-347663">
               <a:spcBef>
                 <a:spcPts val="600"/>
               </a:spcBef>
@@ -14448,10 +14558,26 @@
               <a:buChar char="§"/>
               <a:defRPr/>
             </a:pPr>
-            <a:endParaRPr lang="en-US" sz="2400" dirty="0"/>
-          </a:p>
-          <a:p>
-            <a:pPr marL="347663" indent="-347663">
+            <a:endParaRPr lang="en-US" sz="2000" dirty="0"/>
+          </a:p>
+          <a:p>
+            <a:pPr lvl="1">
+              <a:spcBef>
+                <a:spcPts val="600"/>
+              </a:spcBef>
+              <a:buClr>
+                <a:schemeClr val="tx1">
+                  <a:lumMod val="90000"/>
+                  <a:lumOff val="10000"/>
+                </a:schemeClr>
+              </a:buClr>
+              <a:buSzPct val="100000"/>
+              <a:defRPr/>
+            </a:pPr>
+            <a:endParaRPr lang="en-US" sz="2000" dirty="0"/>
+          </a:p>
+          <a:p>
+            <a:pPr marL="804863" lvl="1" indent="-347663">
               <a:spcBef>
                 <a:spcPts val="600"/>
               </a:spcBef>
@@ -14466,6 +14592,10 @@
               <a:buChar char="§"/>
               <a:defRPr/>
             </a:pPr>
+            <a:r>
+              <a:rPr lang="en-US" sz="2000" dirty="0"/>
+              <a:t>a % b gives the remainder of a divided by b</a:t>
+            </a:r>
             <a:endParaRPr lang="en-US" sz="2400" dirty="0"/>
           </a:p>
           <a:p>
@@ -14646,7 +14776,7 @@
         </p:nvSpPr>
         <p:spPr>
           <a:xfrm>
-            <a:off x="922021" y="1838234"/>
+            <a:off x="922021" y="1780359"/>
             <a:ext cx="2743199" cy="923330"/>
           </a:xfrm>
           <a:prstGeom prst="rect">
@@ -14867,7 +14997,7 @@
         </p:nvSpPr>
         <p:spPr bwMode="auto">
           <a:xfrm>
-            <a:off x="3683117" y="1803612"/>
+            <a:off x="3683117" y="1745737"/>
             <a:ext cx="1528963" cy="400110"/>
           </a:xfrm>
           <a:prstGeom prst="rect">
@@ -14923,7 +15053,7 @@
         </p:nvSpPr>
         <p:spPr bwMode="auto">
           <a:xfrm>
-            <a:off x="3698357" y="2089433"/>
+            <a:off x="3698357" y="2031558"/>
             <a:ext cx="1528963" cy="400110"/>
           </a:xfrm>
           <a:prstGeom prst="rect">
@@ -14979,7 +15109,7 @@
         </p:nvSpPr>
         <p:spPr bwMode="auto">
           <a:xfrm>
-            <a:off x="3698357" y="2387640"/>
+            <a:off x="3698357" y="2329765"/>
             <a:ext cx="1528963" cy="400110"/>
           </a:xfrm>
           <a:prstGeom prst="rect">
@@ -16878,6 +17008,308 @@
             <a:r>
               <a:rPr lang="en-US" dirty="0"/>
               <a:t>Truncation occurs!</a:t>
+            </a:r>
+          </a:p>
+        </p:txBody>
+      </p:sp>
+      <p:sp>
+        <p:nvSpPr>
+          <p:cNvPr id="12" name="TextBox 11">
+            <a:extLst>
+              <a:ext uri="{FF2B5EF4-FFF2-40B4-BE49-F238E27FC236}">
+                <a16:creationId xmlns:a16="http://schemas.microsoft.com/office/drawing/2014/main" id="{A4DC9B30-6313-3A42-9AE8-E11052AB3B07}"/>
+              </a:ext>
+            </a:extLst>
+          </p:cNvPr>
+          <p:cNvSpPr txBox="1"/>
+          <p:nvPr/>
+        </p:nvSpPr>
+        <p:spPr>
+          <a:xfrm>
+            <a:off x="1328970" y="5761934"/>
+            <a:ext cx="3787040" cy="369332"/>
+          </a:xfrm>
+          <a:prstGeom prst="rect">
+            <a:avLst/>
+          </a:prstGeom>
+          <a:noFill/>
+        </p:spPr>
+        <p:style>
+          <a:lnRef idx="2">
+            <a:schemeClr val="accent5"/>
+          </a:lnRef>
+          <a:fillRef idx="1">
+            <a:schemeClr val="lt1"/>
+          </a:fillRef>
+          <a:effectRef idx="0">
+            <a:schemeClr val="accent5"/>
+          </a:effectRef>
+          <a:fontRef idx="minor">
+            <a:schemeClr val="dk1"/>
+          </a:fontRef>
+        </p:style>
+        <p:txBody>
+          <a:bodyPr wrap="square" rtlCol="0">
+            <a:spAutoFit/>
+          </a:bodyPr>
+          <a:lstStyle/>
+          <a:p>
+            <a:r>
+              <a:rPr lang="en-US" b="1" dirty="0">
+                <a:solidFill>
+                  <a:srgbClr val="0000FF"/>
+                </a:solidFill>
+                <a:latin typeface="Courier New" pitchFamily="49" charset="0"/>
+                <a:cs typeface="Courier New" pitchFamily="49" charset="0"/>
+              </a:rPr>
+              <a:t>double </a:t>
+            </a:r>
+            <a:r>
+              <a:rPr lang="en-US" b="1" dirty="0">
+                <a:solidFill>
+                  <a:schemeClr val="tx1"/>
+                </a:solidFill>
+                <a:latin typeface="Courier New" pitchFamily="49" charset="0"/>
+                <a:cs typeface="Courier New" pitchFamily="49" charset="0"/>
+              </a:rPr>
+              <a:t>half =</a:t>
+            </a:r>
+            <a:r>
+              <a:rPr lang="en-US" b="1" dirty="0">
+                <a:solidFill>
+                  <a:srgbClr val="0000FF"/>
+                </a:solidFill>
+                <a:latin typeface="Courier New" pitchFamily="49" charset="0"/>
+                <a:cs typeface="Courier New" pitchFamily="49" charset="0"/>
+              </a:rPr>
+              <a:t> </a:t>
+            </a:r>
+            <a:r>
+              <a:rPr lang="en-US" b="1" dirty="0">
+                <a:solidFill>
+                  <a:srgbClr val="C00000"/>
+                </a:solidFill>
+                <a:latin typeface="Courier New" pitchFamily="49" charset="0"/>
+                <a:cs typeface="Courier New" pitchFamily="49" charset="0"/>
+              </a:rPr>
+              <a:t>3</a:t>
+            </a:r>
+            <a:r>
+              <a:rPr lang="en-US" b="1" dirty="0">
+                <a:solidFill>
+                  <a:schemeClr val="tx1"/>
+                </a:solidFill>
+                <a:latin typeface="Courier New" pitchFamily="49" charset="0"/>
+                <a:cs typeface="Courier New" pitchFamily="49" charset="0"/>
+              </a:rPr>
+              <a:t>/(</a:t>
+            </a:r>
+            <a:r>
+              <a:rPr lang="en-US" b="1" dirty="0">
+                <a:solidFill>
+                  <a:srgbClr val="0000FF"/>
+                </a:solidFill>
+                <a:latin typeface="Courier New" pitchFamily="49" charset="0"/>
+                <a:cs typeface="Courier New" pitchFamily="49" charset="0"/>
+              </a:rPr>
+              <a:t>double</a:t>
+            </a:r>
+            <a:r>
+              <a:rPr lang="en-US" b="1" dirty="0">
+                <a:solidFill>
+                  <a:schemeClr val="tx1"/>
+                </a:solidFill>
+                <a:latin typeface="Courier New" pitchFamily="49" charset="0"/>
+                <a:cs typeface="Courier New" pitchFamily="49" charset="0"/>
+              </a:rPr>
+              <a:t>)</a:t>
+            </a:r>
+            <a:r>
+              <a:rPr lang="en-US" b="1" dirty="0">
+                <a:solidFill>
+                  <a:srgbClr val="C00000"/>
+                </a:solidFill>
+                <a:latin typeface="Courier New" pitchFamily="49" charset="0"/>
+                <a:cs typeface="Courier New" pitchFamily="49" charset="0"/>
+              </a:rPr>
+              <a:t>2</a:t>
+            </a:r>
+            <a:r>
+              <a:rPr lang="en-US" b="1" dirty="0">
+                <a:solidFill>
+                  <a:schemeClr val="tx1"/>
+                </a:solidFill>
+                <a:latin typeface="Courier New" pitchFamily="49" charset="0"/>
+                <a:cs typeface="Courier New" pitchFamily="49" charset="0"/>
+              </a:rPr>
+              <a:t>;</a:t>
+            </a:r>
+          </a:p>
+        </p:txBody>
+      </p:sp>
+      <p:sp>
+        <p:nvSpPr>
+          <p:cNvPr id="13" name="TextBox 12">
+            <a:extLst>
+              <a:ext uri="{FF2B5EF4-FFF2-40B4-BE49-F238E27FC236}">
+                <a16:creationId xmlns:a16="http://schemas.microsoft.com/office/drawing/2014/main" id="{2F2EE18B-6878-0045-B3ED-50F1002D05F4}"/>
+              </a:ext>
+            </a:extLst>
+          </p:cNvPr>
+          <p:cNvSpPr txBox="1"/>
+          <p:nvPr/>
+        </p:nvSpPr>
+        <p:spPr>
+          <a:xfrm>
+            <a:off x="1328970" y="5322846"/>
+            <a:ext cx="2965238" cy="369332"/>
+          </a:xfrm>
+          <a:prstGeom prst="rect">
+            <a:avLst/>
+          </a:prstGeom>
+          <a:noFill/>
+        </p:spPr>
+        <p:style>
+          <a:lnRef idx="2">
+            <a:schemeClr val="accent5"/>
+          </a:lnRef>
+          <a:fillRef idx="1">
+            <a:schemeClr val="lt1"/>
+          </a:fillRef>
+          <a:effectRef idx="0">
+            <a:schemeClr val="accent5"/>
+          </a:effectRef>
+          <a:fontRef idx="minor">
+            <a:schemeClr val="dk1"/>
+          </a:fontRef>
+        </p:style>
+        <p:txBody>
+          <a:bodyPr wrap="square" rtlCol="0">
+            <a:spAutoFit/>
+          </a:bodyPr>
+          <a:lstStyle/>
+          <a:p>
+            <a:r>
+              <a:rPr lang="en-US" b="1" dirty="0">
+                <a:solidFill>
+                  <a:srgbClr val="0000FF"/>
+                </a:solidFill>
+                <a:latin typeface="Courier New" pitchFamily="49" charset="0"/>
+                <a:cs typeface="Courier New" pitchFamily="49" charset="0"/>
+              </a:rPr>
+              <a:t>double </a:t>
+            </a:r>
+            <a:r>
+              <a:rPr lang="en-US" b="1" dirty="0">
+                <a:solidFill>
+                  <a:schemeClr val="tx1"/>
+                </a:solidFill>
+                <a:latin typeface="Courier New" pitchFamily="49" charset="0"/>
+                <a:cs typeface="Courier New" pitchFamily="49" charset="0"/>
+              </a:rPr>
+              <a:t>half =</a:t>
+            </a:r>
+            <a:r>
+              <a:rPr lang="en-US" b="1" dirty="0">
+                <a:solidFill>
+                  <a:srgbClr val="0000FF"/>
+                </a:solidFill>
+                <a:latin typeface="Courier New" pitchFamily="49" charset="0"/>
+                <a:cs typeface="Courier New" pitchFamily="49" charset="0"/>
+              </a:rPr>
+              <a:t> </a:t>
+            </a:r>
+            <a:r>
+              <a:rPr lang="en-US" b="1" dirty="0">
+                <a:solidFill>
+                  <a:srgbClr val="C00000"/>
+                </a:solidFill>
+                <a:latin typeface="Courier New" pitchFamily="49" charset="0"/>
+                <a:cs typeface="Courier New" pitchFamily="49" charset="0"/>
+              </a:rPr>
+              <a:t>3</a:t>
+            </a:r>
+            <a:r>
+              <a:rPr lang="en-US" b="1" dirty="0">
+                <a:solidFill>
+                  <a:schemeClr val="tx1"/>
+                </a:solidFill>
+                <a:latin typeface="Courier New" pitchFamily="49" charset="0"/>
+                <a:cs typeface="Courier New" pitchFamily="49" charset="0"/>
+              </a:rPr>
+              <a:t>/</a:t>
+            </a:r>
+            <a:r>
+              <a:rPr lang="en-US" b="1" dirty="0">
+                <a:solidFill>
+                  <a:srgbClr val="C00000"/>
+                </a:solidFill>
+                <a:latin typeface="Courier New" pitchFamily="49" charset="0"/>
+                <a:cs typeface="Courier New" pitchFamily="49" charset="0"/>
+              </a:rPr>
+              <a:t>2.0</a:t>
+            </a:r>
+            <a:r>
+              <a:rPr lang="en-US" b="1" dirty="0">
+                <a:solidFill>
+                  <a:schemeClr val="tx1"/>
+                </a:solidFill>
+                <a:latin typeface="Courier New" pitchFamily="49" charset="0"/>
+                <a:cs typeface="Courier New" pitchFamily="49" charset="0"/>
+              </a:rPr>
+              <a:t>;</a:t>
+            </a:r>
+          </a:p>
+        </p:txBody>
+      </p:sp>
+      <p:sp>
+        <p:nvSpPr>
+          <p:cNvPr id="15" name="TextBox 14">
+            <a:extLst>
+              <a:ext uri="{FF2B5EF4-FFF2-40B4-BE49-F238E27FC236}">
+                <a16:creationId xmlns:a16="http://schemas.microsoft.com/office/drawing/2014/main" id="{9A81C2E8-3484-F04C-8219-1AF74C1DD04A}"/>
+              </a:ext>
+            </a:extLst>
+          </p:cNvPr>
+          <p:cNvSpPr txBox="1"/>
+          <p:nvPr/>
+        </p:nvSpPr>
+        <p:spPr>
+          <a:xfrm>
+            <a:off x="5216790" y="5392468"/>
+            <a:ext cx="3730440" cy="646331"/>
+          </a:xfrm>
+          <a:prstGeom prst="rect">
+            <a:avLst/>
+          </a:prstGeom>
+          <a:solidFill>
+            <a:srgbClr val="FFFF99"/>
+          </a:solidFill>
+          <a:ln w="12700"/>
+        </p:spPr>
+        <p:style>
+          <a:lnRef idx="2">
+            <a:schemeClr val="accent4"/>
+          </a:lnRef>
+          <a:fillRef idx="1">
+            <a:schemeClr val="lt1"/>
+          </a:fillRef>
+          <a:effectRef idx="0">
+            <a:schemeClr val="accent4"/>
+          </a:effectRef>
+          <a:fontRef idx="minor">
+            <a:schemeClr val="dk1"/>
+          </a:fontRef>
+        </p:style>
+        <p:txBody>
+          <a:bodyPr wrap="square" rtlCol="0">
+            <a:spAutoFit/>
+          </a:bodyPr>
+          <a:lstStyle/>
+          <a:p>
+            <a:r>
+              <a:rPr lang="en-US" dirty="0"/>
+              <a:t>Avoid truncation by changing any of the operands to a real number.</a:t>
             </a:r>
           </a:p>
         </p:txBody>
@@ -17191,6 +17623,95 @@
                                   </p:childTnLst>
                                 </p:cTn>
                               </p:par>
+                              <p:par>
+                                <p:cTn id="26" presetID="1" presetClass="entr" presetSubtype="0" fill="hold" grpId="0" nodeType="withEffect">
+                                  <p:stCondLst>
+                                    <p:cond delay="0"/>
+                                  </p:stCondLst>
+                                  <p:childTnLst>
+                                    <p:set>
+                                      <p:cBhvr>
+                                        <p:cTn id="27" dur="1" fill="hold">
+                                          <p:stCondLst>
+                                            <p:cond delay="0"/>
+                                          </p:stCondLst>
+                                        </p:cTn>
+                                        <p:tgtEl>
+                                          <p:spTgt spid="12"/>
+                                        </p:tgtEl>
+                                        <p:attrNameLst>
+                                          <p:attrName>style.visibility</p:attrName>
+                                        </p:attrNameLst>
+                                      </p:cBhvr>
+                                      <p:to>
+                                        <p:strVal val="visible"/>
+                                      </p:to>
+                                    </p:set>
+                                  </p:childTnLst>
+                                </p:cTn>
+                              </p:par>
+                              <p:par>
+                                <p:cTn id="28" presetID="1" presetClass="entr" presetSubtype="0" fill="hold" grpId="0" nodeType="withEffect">
+                                  <p:stCondLst>
+                                    <p:cond delay="0"/>
+                                  </p:stCondLst>
+                                  <p:childTnLst>
+                                    <p:set>
+                                      <p:cBhvr>
+                                        <p:cTn id="29" dur="1" fill="hold">
+                                          <p:stCondLst>
+                                            <p:cond delay="0"/>
+                                          </p:stCondLst>
+                                        </p:cTn>
+                                        <p:tgtEl>
+                                          <p:spTgt spid="13"/>
+                                        </p:tgtEl>
+                                        <p:attrNameLst>
+                                          <p:attrName>style.visibility</p:attrName>
+                                        </p:attrNameLst>
+                                      </p:cBhvr>
+                                      <p:to>
+                                        <p:strVal val="visible"/>
+                                      </p:to>
+                                    </p:set>
+                                  </p:childTnLst>
+                                </p:cTn>
+                              </p:par>
+                              <p:par>
+                                <p:cTn id="30" presetID="9" presetClass="entr" presetSubtype="0" fill="hold" grpId="0" nodeType="withEffect">
+                                  <p:stCondLst>
+                                    <p:cond delay="0"/>
+                                  </p:stCondLst>
+                                  <p:childTnLst>
+                                    <p:set>
+                                      <p:cBhvr>
+                                        <p:cTn id="31" dur="1" fill="hold">
+                                          <p:stCondLst>
+                                            <p:cond delay="0"/>
+                                          </p:stCondLst>
+                                        </p:cTn>
+                                        <p:tgtEl>
+                                          <p:spTgt spid="15"/>
+                                        </p:tgtEl>
+                                        <p:attrNameLst>
+                                          <p:attrName>style.visibility</p:attrName>
+                                        </p:attrNameLst>
+                                      </p:cBhvr>
+                                      <p:to>
+                                        <p:strVal val="visible"/>
+                                      </p:to>
+                                    </p:set>
+                                    <p:animEffect transition="in" filter="dissolve">
+                                      <p:cBhvr>
+                                        <p:cTn id="32" dur="500"/>
+                                        <p:tgtEl>
+                                          <p:spTgt spid="15"/>
+                                        </p:tgtEl>
+                                      </p:cBhvr>
+                                    </p:animEffect>
+                                  </p:childTnLst>
+                                </p:cTn>
+                              </p:par>
                             </p:childTnLst>
                           </p:cTn>
                         </p:par>
@@ -17223,6 +17744,9 @@
       <p:bldP spid="4" grpId="0" animBg="1"/>
       <p:bldP spid="27" grpId="0" animBg="1"/>
       <p:bldP spid="28" grpId="0" animBg="1"/>
+      <p:bldP spid="12" grpId="0" animBg="1"/>
+      <p:bldP spid="13" grpId="0" animBg="1"/>
+      <p:bldP spid="15" grpId="0" animBg="1"/>
     </p:bldLst>
   </p:timing>
 </p:sld>
@@ -17428,8 +17952,8 @@
         </p:nvSpPr>
         <p:spPr bwMode="auto">
           <a:xfrm>
-            <a:off x="4134849" y="1860244"/>
-            <a:ext cx="1528963" cy="1323439"/>
+            <a:off x="5273744" y="1860244"/>
+            <a:ext cx="1681859" cy="1631216"/>
           </a:xfrm>
           <a:prstGeom prst="rect">
             <a:avLst/>
@@ -17495,6 +18019,18 @@
               <a:t>q is 2.5</a:t>
             </a:r>
           </a:p>
+          <a:p>
+            <a:r>
+              <a:rPr lang="en-US" sz="2000" dirty="0">
+                <a:solidFill>
+                  <a:srgbClr val="7030A0"/>
+                </a:solidFill>
+                <a:latin typeface="+mj-lt"/>
+                <a:cs typeface="Courier New" pitchFamily="49" charset="0"/>
+              </a:rPr>
+              <a:t>r is 2.5</a:t>
+            </a:r>
+          </a:p>
         </p:txBody>
       </p:sp>
       <p:sp>
@@ -17512,7 +18048,7 @@
         <p:spPr>
           <a:xfrm>
             <a:off x="1074606" y="1896066"/>
-            <a:ext cx="2938787" cy="1323439"/>
+            <a:ext cx="4048117" cy="1631216"/>
           </a:xfrm>
           <a:prstGeom prst="rect">
             <a:avLst/>
@@ -17821,6 +18357,93 @@
                 <a:latin typeface="Courier New" pitchFamily="49" charset="0"/>
                 <a:cs typeface="Courier New" pitchFamily="49" charset="0"/>
               </a:rPr>
+              <a:t>;</a:t>
+            </a:r>
+          </a:p>
+          <a:p>
+            <a:pPr eaLnBrk="1" hangingPunct="1">
+              <a:buSzPct val="80000"/>
+              <a:buFont typeface="Wingdings" pitchFamily="2" charset="2"/>
+              <a:buNone/>
+            </a:pPr>
+            <a:r>
+              <a:rPr lang="en-US" sz="2000" b="1" dirty="0">
+                <a:solidFill>
+                  <a:srgbClr val="0000FF"/>
+                </a:solidFill>
+                <a:latin typeface="Courier New" pitchFamily="49" charset="0"/>
+                <a:cs typeface="Courier New" pitchFamily="49" charset="0"/>
+              </a:rPr>
+              <a:t>double</a:t>
+            </a:r>
+            <a:r>
+              <a:rPr lang="en-US" sz="2000" b="1" dirty="0">
+                <a:solidFill>
+                  <a:schemeClr val="tx1"/>
+                </a:solidFill>
+                <a:latin typeface="Courier New" pitchFamily="49" charset="0"/>
+                <a:cs typeface="Courier New" pitchFamily="49" charset="0"/>
+              </a:rPr>
+              <a:t> r = (</a:t>
+            </a:r>
+            <a:r>
+              <a:rPr lang="en-US" sz="2000" b="1" dirty="0">
+                <a:solidFill>
+                  <a:srgbClr val="0000FF"/>
+                </a:solidFill>
+                <a:latin typeface="Courier New" pitchFamily="49" charset="0"/>
+                <a:cs typeface="Courier New" pitchFamily="49" charset="0"/>
+              </a:rPr>
+              <a:t>double</a:t>
+            </a:r>
+            <a:r>
+              <a:rPr lang="en-US" sz="2000" b="1" dirty="0">
+                <a:solidFill>
+                  <a:schemeClr val="tx1"/>
+                </a:solidFill>
+                <a:latin typeface="Courier New" pitchFamily="49" charset="0"/>
+                <a:cs typeface="Courier New" pitchFamily="49" charset="0"/>
+              </a:rPr>
+              <a:t>)</a:t>
+            </a:r>
+            <a:r>
+              <a:rPr lang="en-US" sz="2000" b="1" dirty="0">
+                <a:solidFill>
+                  <a:srgbClr val="C00000"/>
+                </a:solidFill>
+                <a:latin typeface="Courier New" pitchFamily="49" charset="0"/>
+                <a:cs typeface="Courier New" pitchFamily="49" charset="0"/>
+              </a:rPr>
+              <a:t>10</a:t>
+            </a:r>
+            <a:r>
+              <a:rPr lang="en-US" sz="2000" b="1" dirty="0">
+                <a:solidFill>
+                  <a:schemeClr val="tx1"/>
+                </a:solidFill>
+                <a:latin typeface="Courier New" pitchFamily="49" charset="0"/>
+                <a:cs typeface="Courier New" pitchFamily="49" charset="0"/>
+              </a:rPr>
+              <a:t>/</a:t>
+            </a:r>
+            <a:r>
+              <a:rPr lang="en-US" sz="2000" b="1" dirty="0">
+                <a:solidFill>
+                  <a:srgbClr val="C00000"/>
+                </a:solidFill>
+                <a:latin typeface="Courier New" pitchFamily="49" charset="0"/>
+                <a:cs typeface="Courier New" pitchFamily="49" charset="0"/>
+              </a:rPr>
+              <a:t>4</a:t>
+            </a:r>
+            <a:r>
+              <a:rPr lang="en-US" sz="2000" b="1" dirty="0">
+                <a:solidFill>
+                  <a:schemeClr val="tx1"/>
+                </a:solidFill>
+                <a:latin typeface="Courier New" pitchFamily="49" charset="0"/>
+                <a:cs typeface="Courier New" pitchFamily="49" charset="0"/>
+              </a:rPr>
               <a:t>; </a:t>
             </a:r>
           </a:p>
@@ -17840,8 +18463,8 @@
         </p:nvSpPr>
         <p:spPr>
           <a:xfrm>
-            <a:off x="4178453" y="1903788"/>
-            <a:ext cx="925286" cy="338670"/>
+            <a:off x="5347532" y="1903788"/>
+            <a:ext cx="1017815" cy="338670"/>
           </a:xfrm>
           <a:prstGeom prst="rect">
             <a:avLst/>
@@ -17898,8 +18521,8 @@
         </p:nvSpPr>
         <p:spPr>
           <a:xfrm>
-            <a:off x="4191061" y="2183293"/>
-            <a:ext cx="925286" cy="338670"/>
+            <a:off x="5360140" y="2183293"/>
+            <a:ext cx="1017815" cy="338670"/>
           </a:xfrm>
           <a:prstGeom prst="rect">
             <a:avLst/>
@@ -17956,8 +18579,8 @@
         </p:nvSpPr>
         <p:spPr>
           <a:xfrm>
-            <a:off x="4194249" y="2506342"/>
-            <a:ext cx="925286" cy="338670"/>
+            <a:off x="5363328" y="2506342"/>
+            <a:ext cx="1017815" cy="338670"/>
           </a:xfrm>
           <a:prstGeom prst="rect">
             <a:avLst/>
@@ -18014,8 +18637,66 @@
         </p:nvSpPr>
         <p:spPr>
           <a:xfrm>
-            <a:off x="4195070" y="2878505"/>
-            <a:ext cx="925286" cy="338670"/>
+            <a:off x="5364149" y="2878505"/>
+            <a:ext cx="1017815" cy="338670"/>
+          </a:xfrm>
+          <a:prstGeom prst="rect">
+            <a:avLst/>
+          </a:prstGeom>
+          <a:solidFill>
+            <a:schemeClr val="bg1"/>
+          </a:solidFill>
+          <a:ln>
+            <a:solidFill>
+              <a:schemeClr val="bg1"/>
+            </a:solidFill>
+          </a:ln>
+        </p:spPr>
+        <p:style>
+          <a:lnRef idx="2">
+            <a:schemeClr val="accent1">
+              <a:shade val="50000"/>
+            </a:schemeClr>
+          </a:lnRef>
+          <a:fillRef idx="1">
+            <a:schemeClr val="accent1"/>
+          </a:fillRef>
+          <a:effectRef idx="0">
+            <a:schemeClr val="accent1"/>
+          </a:effectRef>
+          <a:fontRef idx="minor">
+            <a:schemeClr val="lt1"/>
+          </a:fontRef>
+        </p:style>
+        <p:txBody>
+          <a:bodyPr rtlCol="0" anchor="ctr"/>
+          <a:lstStyle/>
+          <a:p>
+            <a:pPr algn="ctr"/>
+            <a:endParaRPr lang="en-US" dirty="0">
+              <a:solidFill>
+                <a:schemeClr val="bg1"/>
+              </a:solidFill>
+            </a:endParaRPr>
+          </a:p>
+        </p:txBody>
+      </p:sp>
+      <p:sp>
+        <p:nvSpPr>
+          <p:cNvPr id="12" name="Rectangle 11">
+            <a:extLst>
+              <a:ext uri="{FF2B5EF4-FFF2-40B4-BE49-F238E27FC236}">
+                <a16:creationId xmlns:a16="http://schemas.microsoft.com/office/drawing/2014/main" id="{0B166A8A-8789-E849-B664-08CAF192849A}"/>
+              </a:ext>
+            </a:extLst>
+          </p:cNvPr>
+          <p:cNvSpPr/>
+          <p:nvPr/>
+        </p:nvSpPr>
+        <p:spPr>
+          <a:xfrm>
+            <a:off x="5319778" y="3146652"/>
+            <a:ext cx="1017815" cy="338670"/>
           </a:xfrm>
           <a:prstGeom prst="rect">
             <a:avLst/>
@@ -18259,6 +18940,51 @@
                       </p:childTnLst>
                     </p:cTn>
                   </p:par>
+                  <p:par>
+                    <p:cTn id="19" fill="hold">
+                      <p:stCondLst>
+                        <p:cond delay="indefinite"/>
+                      </p:stCondLst>
+                      <p:childTnLst>
+                        <p:par>
+                          <p:cTn id="20" fill="hold">
+                            <p:stCondLst>
+                              <p:cond delay="0"/>
+                            </p:stCondLst>
+                            <p:childTnLst>
+                              <p:par>
+                                <p:cTn id="21" presetID="1" presetClass="exit" presetSubtype="0" fill="hold" grpId="0" nodeType="clickEffect">
+                                  <p:stCondLst>
+                                    <p:cond delay="0"/>
+                                  </p:stCondLst>
+                                  <p:childTnLst>
+                                    <p:set>
+                                      <p:cBhvr>
+                                        <p:cTn id="22" dur="1" fill="hold">
+                                          <p:stCondLst>
+                                            <p:cond delay="0"/>
+                                          </p:stCondLst>
+                                        </p:cTn>
+                                        <p:tgtEl>
+                                          <p:spTgt spid="12"/>
+                                        </p:tgtEl>
+                                        <p:attrNameLst>
+                                          <p:attrName>style.visibility</p:attrName>
+                                        </p:attrNameLst>
+                                      </p:cBhvr>
+                                      <p:to>
+                                        <p:strVal val="hidden"/>
+                                      </p:to>
+                                    </p:set>
+                                  </p:childTnLst>
+                                </p:cTn>
+                              </p:par>
+                            </p:childTnLst>
+                          </p:cTn>
+                        </p:par>
+                      </p:childTnLst>
+                    </p:cTn>
+                  </p:par>
                 </p:childTnLst>
               </p:cTn>
               <p:prevCondLst>
@@ -18285,6 +19011,7 @@
       <p:bldP spid="22" grpId="0" animBg="1"/>
       <p:bldP spid="23" grpId="0" animBg="1"/>
       <p:bldP spid="26" grpId="0" animBg="1"/>
+      <p:bldP spid="12" grpId="0" animBg="1"/>
     </p:bldLst>
   </p:timing>
 </p:sld>
@@ -19474,10 +20201,10 @@
               <a:prstGeom prst="rect">
                 <a:avLst/>
               </a:prstGeom>
-              <a:blipFill rotWithShape="1">
+              <a:blipFill>
                 <a:blip r:embed="rId3"/>
                 <a:stretch>
-                  <a:fillRect/>
+                  <a:fillRect b="-5479"/>
                 </a:stretch>
               </a:blipFill>
               <a:ln>
